--- a/BP/Obhajoba BP/2021/ITT prezentace.pptx
+++ b/BP/Obhajoba BP/2021/ITT prezentace.pptx
@@ -3,15 +3,23 @@
 <p:presentation xmlns:a="http://schemas.openxmlformats.org/drawingml/2006/main" xmlns:r="http://schemas.openxmlformats.org/officeDocument/2006/relationships" xmlns:p="http://schemas.openxmlformats.org/presentationml/2006/main" showSpecialPlsOnTitleSld="0" saveSubsetFonts="1">
   <p:sldMasterIdLst>
     <p:sldMasterId id="2147483780" r:id="rId1"/>
+    <p:sldMasterId id="2147483792" r:id="rId2"/>
   </p:sldMasterIdLst>
   <p:notesMasterIdLst>
-    <p:notesMasterId r:id="rId6"/>
+    <p:notesMasterId r:id="rId14"/>
   </p:notesMasterIdLst>
   <p:sldIdLst>
-    <p:sldId id="256" r:id="rId2"/>
-    <p:sldId id="259" r:id="rId3"/>
-    <p:sldId id="269" r:id="rId4"/>
-    <p:sldId id="270" r:id="rId5"/>
+    <p:sldId id="271" r:id="rId3"/>
+    <p:sldId id="259" r:id="rId4"/>
+    <p:sldId id="273" r:id="rId5"/>
+    <p:sldId id="270" r:id="rId6"/>
+    <p:sldId id="274" r:id="rId7"/>
+    <p:sldId id="275" r:id="rId8"/>
+    <p:sldId id="272" r:id="rId9"/>
+    <p:sldId id="276" r:id="rId10"/>
+    <p:sldId id="277" r:id="rId11"/>
+    <p:sldId id="278" r:id="rId12"/>
+    <p:sldId id="279" r:id="rId13"/>
   </p:sldIdLst>
   <p:sldSz cx="12192000" cy="6858000"/>
   <p:notesSz cx="6858000" cy="9144000"/>
@@ -200,7 +208,7 @@
           <a:p>
             <a:fld id="{1ECA4D9A-DB86-42F4-B0CB-CCEB528B2F0F}" type="datetimeFigureOut">
               <a:rPr lang="cs-CZ" smtClean="0"/>
-              <a:t>25.01.2021</a:t>
+              <a:t>26.01.2021</a:t>
             </a:fld>
             <a:endParaRPr lang="cs-CZ"/>
           </a:p>
@@ -468,7 +476,7 @@
 </file>
 
 <file path=ppt/slideLayouts/slideLayout1.xml><?xml version="1.0" encoding="utf-8"?>
-<p:sldLayout xmlns:a="http://schemas.openxmlformats.org/drawingml/2006/main" xmlns:r="http://schemas.openxmlformats.org/officeDocument/2006/relationships" xmlns:p="http://schemas.openxmlformats.org/presentationml/2006/main" showMasterSp="0" type="title" preserve="1">
+<p:sldLayout xmlns:a="http://schemas.openxmlformats.org/drawingml/2006/main" xmlns:r="http://schemas.openxmlformats.org/officeDocument/2006/relationships" xmlns:p="http://schemas.openxmlformats.org/presentationml/2006/main" type="title" preserve="1">
   <p:cSld name="Úvodní snímek">
     <p:spTree>
       <p:nvGrpSpPr>
@@ -643,7 +651,7 @@
           <a:p>
             <a:fld id="{58A618E6-A94F-488D-8086-960CFCC481AA}" type="datetime1">
               <a:rPr lang="cs-CZ" smtClean="0"/>
-              <a:t>25.01.2021</a:t>
+              <a:t>26.01.2021</a:t>
             </a:fld>
             <a:endParaRPr lang="cs-CZ"/>
           </a:p>
@@ -813,7 +821,7 @@
           <a:p>
             <a:fld id="{E9B93010-55F6-4B41-A769-A887B4B0E1D7}" type="datetime1">
               <a:rPr lang="cs-CZ" smtClean="0"/>
-              <a:t>25.01.2021</a:t>
+              <a:t>26.01.2021</a:t>
             </a:fld>
             <a:endParaRPr lang="cs-CZ"/>
           </a:p>
@@ -875,7 +883,7 @@
 </file>
 
 <file path=ppt/slideLayouts/slideLayout11.xml><?xml version="1.0" encoding="utf-8"?>
-<p:sldLayout xmlns:a="http://schemas.openxmlformats.org/drawingml/2006/main" xmlns:r="http://schemas.openxmlformats.org/officeDocument/2006/relationships" xmlns:p="http://schemas.openxmlformats.org/presentationml/2006/main" showMasterSp="0" type="vertTitleAndTx" preserve="1">
+<p:sldLayout xmlns:a="http://schemas.openxmlformats.org/drawingml/2006/main" xmlns:r="http://schemas.openxmlformats.org/officeDocument/2006/relationships" xmlns:p="http://schemas.openxmlformats.org/presentationml/2006/main" type="vertTitleAndTx" preserve="1">
   <p:cSld name="Svislý nadpis a text">
     <p:spTree>
       <p:nvGrpSpPr>
@@ -1036,7 +1044,7 @@
           <a:p>
             <a:fld id="{73BCB365-77BF-42DD-92EA-B9839185B64C}" type="datetime1">
               <a:rPr lang="cs-CZ" smtClean="0"/>
-              <a:t>25.01.2021</a:t>
+              <a:t>26.01.2021</a:t>
             </a:fld>
             <a:endParaRPr lang="cs-CZ"/>
           </a:p>
@@ -1098,6 +1106,1942 @@
     <p:extLst>
       <p:ext uri="{BB962C8B-B14F-4D97-AF65-F5344CB8AC3E}">
         <p14:creationId xmlns:p14="http://schemas.microsoft.com/office/powerpoint/2010/main" val="277843710"/>
+      </p:ext>
+    </p:extLst>
+  </p:cSld>
+  <p:clrMapOvr>
+    <a:masterClrMapping/>
+  </p:clrMapOvr>
+</p:sldLayout>
+</file>
+
+<file path=ppt/slideLayouts/slideLayout12.xml><?xml version="1.0" encoding="utf-8"?>
+<p:sldLayout xmlns:a="http://schemas.openxmlformats.org/drawingml/2006/main" xmlns:r="http://schemas.openxmlformats.org/officeDocument/2006/relationships" xmlns:p="http://schemas.openxmlformats.org/presentationml/2006/main" type="title" preserve="1">
+  <p:cSld name="Úvodní snímek">
+    <p:spTree>
+      <p:nvGrpSpPr>
+        <p:cNvPr id="1" name=""/>
+        <p:cNvGrpSpPr/>
+        <p:nvPr/>
+      </p:nvGrpSpPr>
+      <p:grpSpPr>
+        <a:xfrm>
+          <a:off x="0" y="0"/>
+          <a:ext cx="0" cy="0"/>
+          <a:chOff x="0" y="0"/>
+          <a:chExt cx="0" cy="0"/>
+        </a:xfrm>
+      </p:grpSpPr>
+      <p:sp>
+        <p:nvSpPr>
+          <p:cNvPr id="2" name="Nadpis 1">
+            <a:extLst>
+              <a:ext uri="{FF2B5EF4-FFF2-40B4-BE49-F238E27FC236}">
+                <a16:creationId xmlns:a16="http://schemas.microsoft.com/office/drawing/2014/main" id="{6F496171-808B-4C45-949A-8A63E5B4B507}"/>
+              </a:ext>
+            </a:extLst>
+          </p:cNvPr>
+          <p:cNvSpPr>
+            <a:spLocks noGrp="1"/>
+          </p:cNvSpPr>
+          <p:nvPr>
+            <p:ph type="ctrTitle"/>
+          </p:nvPr>
+        </p:nvSpPr>
+        <p:spPr>
+          <a:xfrm>
+            <a:off x="1524000" y="1122363"/>
+            <a:ext cx="9144000" cy="2387600"/>
+          </a:xfrm>
+        </p:spPr>
+        <p:txBody>
+          <a:bodyPr anchor="b"/>
+          <a:lstStyle>
+            <a:lvl1pPr algn="ctr">
+              <a:defRPr sz="6000"/>
+            </a:lvl1pPr>
+          </a:lstStyle>
+          <a:p>
+            <a:r>
+              <a:rPr lang="cs-CZ"/>
+              <a:t>Kliknutím lze upravit styl.</a:t>
+            </a:r>
+          </a:p>
+        </p:txBody>
+      </p:sp>
+      <p:sp>
+        <p:nvSpPr>
+          <p:cNvPr id="3" name="Podnadpis 2">
+            <a:extLst>
+              <a:ext uri="{FF2B5EF4-FFF2-40B4-BE49-F238E27FC236}">
+                <a16:creationId xmlns:a16="http://schemas.microsoft.com/office/drawing/2014/main" id="{A42D0245-1226-4B67-807F-5C06A3DDEB75}"/>
+              </a:ext>
+            </a:extLst>
+          </p:cNvPr>
+          <p:cNvSpPr>
+            <a:spLocks noGrp="1"/>
+          </p:cNvSpPr>
+          <p:nvPr>
+            <p:ph type="subTitle" idx="1"/>
+          </p:nvPr>
+        </p:nvSpPr>
+        <p:spPr>
+          <a:xfrm>
+            <a:off x="1524000" y="3602038"/>
+            <a:ext cx="9144000" cy="1655762"/>
+          </a:xfrm>
+        </p:spPr>
+        <p:txBody>
+          <a:bodyPr/>
+          <a:lstStyle>
+            <a:lvl1pPr marL="0" indent="0" algn="ctr">
+              <a:buNone/>
+              <a:defRPr sz="2400"/>
+            </a:lvl1pPr>
+            <a:lvl2pPr marL="457200" indent="0" algn="ctr">
+              <a:buNone/>
+              <a:defRPr sz="2000"/>
+            </a:lvl2pPr>
+            <a:lvl3pPr marL="914400" indent="0" algn="ctr">
+              <a:buNone/>
+              <a:defRPr sz="1800"/>
+            </a:lvl3pPr>
+            <a:lvl4pPr marL="1371600" indent="0" algn="ctr">
+              <a:buNone/>
+              <a:defRPr sz="1600"/>
+            </a:lvl4pPr>
+            <a:lvl5pPr marL="1828800" indent="0" algn="ctr">
+              <a:buNone/>
+              <a:defRPr sz="1600"/>
+            </a:lvl5pPr>
+            <a:lvl6pPr marL="2286000" indent="0" algn="ctr">
+              <a:buNone/>
+              <a:defRPr sz="1600"/>
+            </a:lvl6pPr>
+            <a:lvl7pPr marL="2743200" indent="0" algn="ctr">
+              <a:buNone/>
+              <a:defRPr sz="1600"/>
+            </a:lvl7pPr>
+            <a:lvl8pPr marL="3200400" indent="0" algn="ctr">
+              <a:buNone/>
+              <a:defRPr sz="1600"/>
+            </a:lvl8pPr>
+            <a:lvl9pPr marL="3657600" indent="0" algn="ctr">
+              <a:buNone/>
+              <a:defRPr sz="1600"/>
+            </a:lvl9pPr>
+          </a:lstStyle>
+          <a:p>
+            <a:r>
+              <a:rPr lang="cs-CZ"/>
+              <a:t>Kliknutím můžete upravit styl předlohy.</a:t>
+            </a:r>
+          </a:p>
+        </p:txBody>
+      </p:sp>
+      <p:sp>
+        <p:nvSpPr>
+          <p:cNvPr id="4" name="Zástupný symbol pro datum 3">
+            <a:extLst>
+              <a:ext uri="{FF2B5EF4-FFF2-40B4-BE49-F238E27FC236}">
+                <a16:creationId xmlns:a16="http://schemas.microsoft.com/office/drawing/2014/main" id="{75BFB25B-586D-4503-A8EB-762BB58586FE}"/>
+              </a:ext>
+            </a:extLst>
+          </p:cNvPr>
+          <p:cNvSpPr>
+            <a:spLocks noGrp="1"/>
+          </p:cNvSpPr>
+          <p:nvPr>
+            <p:ph type="dt" sz="half" idx="10"/>
+          </p:nvPr>
+        </p:nvSpPr>
+        <p:spPr/>
+        <p:txBody>
+          <a:bodyPr/>
+          <a:lstStyle/>
+          <a:p>
+            <a:fld id="{58A618E6-A94F-488D-8086-960CFCC481AA}" type="datetime1">
+              <a:rPr lang="cs-CZ" smtClean="0"/>
+              <a:t>26.01.2021</a:t>
+            </a:fld>
+            <a:endParaRPr lang="cs-CZ"/>
+          </a:p>
+        </p:txBody>
+      </p:sp>
+      <p:sp>
+        <p:nvSpPr>
+          <p:cNvPr id="5" name="Zástupný symbol pro zápatí 4">
+            <a:extLst>
+              <a:ext uri="{FF2B5EF4-FFF2-40B4-BE49-F238E27FC236}">
+                <a16:creationId xmlns:a16="http://schemas.microsoft.com/office/drawing/2014/main" id="{91992605-66EE-4B84-A9AB-97D686C57A03}"/>
+              </a:ext>
+            </a:extLst>
+          </p:cNvPr>
+          <p:cNvSpPr>
+            <a:spLocks noGrp="1"/>
+          </p:cNvSpPr>
+          <p:nvPr>
+            <p:ph type="ftr" sz="quarter" idx="11"/>
+          </p:nvPr>
+        </p:nvSpPr>
+        <p:spPr/>
+        <p:txBody>
+          <a:bodyPr/>
+          <a:lstStyle/>
+          <a:p>
+            <a:endParaRPr lang="cs-CZ"/>
+          </a:p>
+        </p:txBody>
+      </p:sp>
+      <p:sp>
+        <p:nvSpPr>
+          <p:cNvPr id="6" name="Zástupný symbol pro číslo snímku 5">
+            <a:extLst>
+              <a:ext uri="{FF2B5EF4-FFF2-40B4-BE49-F238E27FC236}">
+                <a16:creationId xmlns:a16="http://schemas.microsoft.com/office/drawing/2014/main" id="{72B38E21-28F3-4E29-A447-7C30CBB1CCDD}"/>
+              </a:ext>
+            </a:extLst>
+          </p:cNvPr>
+          <p:cNvSpPr>
+            <a:spLocks noGrp="1"/>
+          </p:cNvSpPr>
+          <p:nvPr>
+            <p:ph type="sldNum" sz="quarter" idx="12"/>
+          </p:nvPr>
+        </p:nvSpPr>
+        <p:spPr/>
+        <p:txBody>
+          <a:bodyPr/>
+          <a:lstStyle/>
+          <a:p>
+            <a:fld id="{527B8A08-A521-4A9D-8F6F-63703DFEC7F7}" type="slidenum">
+              <a:rPr lang="cs-CZ" smtClean="0"/>
+              <a:t>‹#›</a:t>
+            </a:fld>
+            <a:endParaRPr lang="cs-CZ"/>
+          </a:p>
+        </p:txBody>
+      </p:sp>
+    </p:spTree>
+    <p:extLst>
+      <p:ext uri="{BB962C8B-B14F-4D97-AF65-F5344CB8AC3E}">
+        <p14:creationId xmlns:p14="http://schemas.microsoft.com/office/powerpoint/2010/main" val="308019744"/>
+      </p:ext>
+    </p:extLst>
+  </p:cSld>
+  <p:clrMapOvr>
+    <a:masterClrMapping/>
+  </p:clrMapOvr>
+</p:sldLayout>
+</file>
+
+<file path=ppt/slideLayouts/slideLayout13.xml><?xml version="1.0" encoding="utf-8"?>
+<p:sldLayout xmlns:a="http://schemas.openxmlformats.org/drawingml/2006/main" xmlns:r="http://schemas.openxmlformats.org/officeDocument/2006/relationships" xmlns:p="http://schemas.openxmlformats.org/presentationml/2006/main" type="obj" preserve="1">
+  <p:cSld name="Nadpis a obsah">
+    <p:spTree>
+      <p:nvGrpSpPr>
+        <p:cNvPr id="1" name=""/>
+        <p:cNvGrpSpPr/>
+        <p:nvPr/>
+      </p:nvGrpSpPr>
+      <p:grpSpPr>
+        <a:xfrm>
+          <a:off x="0" y="0"/>
+          <a:ext cx="0" cy="0"/>
+          <a:chOff x="0" y="0"/>
+          <a:chExt cx="0" cy="0"/>
+        </a:xfrm>
+      </p:grpSpPr>
+      <p:sp>
+        <p:nvSpPr>
+          <p:cNvPr id="2" name="Nadpis 1">
+            <a:extLst>
+              <a:ext uri="{FF2B5EF4-FFF2-40B4-BE49-F238E27FC236}">
+                <a16:creationId xmlns:a16="http://schemas.microsoft.com/office/drawing/2014/main" id="{C7D1BCB4-49EE-4610-BEF2-D045CFB8B931}"/>
+              </a:ext>
+            </a:extLst>
+          </p:cNvPr>
+          <p:cNvSpPr>
+            <a:spLocks noGrp="1"/>
+          </p:cNvSpPr>
+          <p:nvPr>
+            <p:ph type="title"/>
+          </p:nvPr>
+        </p:nvSpPr>
+        <p:spPr/>
+        <p:txBody>
+          <a:bodyPr/>
+          <a:lstStyle/>
+          <a:p>
+            <a:r>
+              <a:rPr lang="cs-CZ"/>
+              <a:t>Kliknutím lze upravit styl.</a:t>
+            </a:r>
+          </a:p>
+        </p:txBody>
+      </p:sp>
+      <p:sp>
+        <p:nvSpPr>
+          <p:cNvPr id="3" name="Zástupný obsah 2">
+            <a:extLst>
+              <a:ext uri="{FF2B5EF4-FFF2-40B4-BE49-F238E27FC236}">
+                <a16:creationId xmlns:a16="http://schemas.microsoft.com/office/drawing/2014/main" id="{B8B88AC4-A91C-4D6E-A9F7-0CD0E7D42DFB}"/>
+              </a:ext>
+            </a:extLst>
+          </p:cNvPr>
+          <p:cNvSpPr>
+            <a:spLocks noGrp="1"/>
+          </p:cNvSpPr>
+          <p:nvPr>
+            <p:ph idx="1"/>
+          </p:nvPr>
+        </p:nvSpPr>
+        <p:spPr/>
+        <p:txBody>
+          <a:bodyPr/>
+          <a:lstStyle/>
+          <a:p>
+            <a:pPr lvl="0"/>
+            <a:r>
+              <a:rPr lang="cs-CZ"/>
+              <a:t>Po kliknutí můžete upravovat styly textu v předloze.</a:t>
+            </a:r>
+          </a:p>
+          <a:p>
+            <a:pPr lvl="1"/>
+            <a:r>
+              <a:rPr lang="cs-CZ"/>
+              <a:t>Druhá úroveň</a:t>
+            </a:r>
+          </a:p>
+          <a:p>
+            <a:pPr lvl="2"/>
+            <a:r>
+              <a:rPr lang="cs-CZ"/>
+              <a:t>Třetí úroveň</a:t>
+            </a:r>
+          </a:p>
+          <a:p>
+            <a:pPr lvl="3"/>
+            <a:r>
+              <a:rPr lang="cs-CZ"/>
+              <a:t>Čtvrtá úroveň</a:t>
+            </a:r>
+          </a:p>
+          <a:p>
+            <a:pPr lvl="4"/>
+            <a:r>
+              <a:rPr lang="cs-CZ"/>
+              <a:t>Pátá úroveň</a:t>
+            </a:r>
+          </a:p>
+        </p:txBody>
+      </p:sp>
+      <p:sp>
+        <p:nvSpPr>
+          <p:cNvPr id="4" name="Zástupný symbol pro datum 3">
+            <a:extLst>
+              <a:ext uri="{FF2B5EF4-FFF2-40B4-BE49-F238E27FC236}">
+                <a16:creationId xmlns:a16="http://schemas.microsoft.com/office/drawing/2014/main" id="{862F0DB3-FFDA-47BE-ABE6-D699F131EB87}"/>
+              </a:ext>
+            </a:extLst>
+          </p:cNvPr>
+          <p:cNvSpPr>
+            <a:spLocks noGrp="1"/>
+          </p:cNvSpPr>
+          <p:nvPr>
+            <p:ph type="dt" sz="half" idx="10"/>
+          </p:nvPr>
+        </p:nvSpPr>
+        <p:spPr/>
+        <p:txBody>
+          <a:bodyPr/>
+          <a:lstStyle/>
+          <a:p>
+            <a:fld id="{51AEF1FE-3B6E-40D7-8E3F-15D57B7B5D50}" type="datetime1">
+              <a:rPr lang="cs-CZ" smtClean="0"/>
+              <a:t>26.01.2021</a:t>
+            </a:fld>
+            <a:endParaRPr lang="cs-CZ"/>
+          </a:p>
+        </p:txBody>
+      </p:sp>
+      <p:sp>
+        <p:nvSpPr>
+          <p:cNvPr id="5" name="Zástupný symbol pro zápatí 4">
+            <a:extLst>
+              <a:ext uri="{FF2B5EF4-FFF2-40B4-BE49-F238E27FC236}">
+                <a16:creationId xmlns:a16="http://schemas.microsoft.com/office/drawing/2014/main" id="{5538ADB8-DE0C-46C2-B57F-8A65EF410DF4}"/>
+              </a:ext>
+            </a:extLst>
+          </p:cNvPr>
+          <p:cNvSpPr>
+            <a:spLocks noGrp="1"/>
+          </p:cNvSpPr>
+          <p:nvPr>
+            <p:ph type="ftr" sz="quarter" idx="11"/>
+          </p:nvPr>
+        </p:nvSpPr>
+        <p:spPr/>
+        <p:txBody>
+          <a:bodyPr/>
+          <a:lstStyle/>
+          <a:p>
+            <a:endParaRPr lang="cs-CZ"/>
+          </a:p>
+        </p:txBody>
+      </p:sp>
+      <p:sp>
+        <p:nvSpPr>
+          <p:cNvPr id="6" name="Zástupný symbol pro číslo snímku 5">
+            <a:extLst>
+              <a:ext uri="{FF2B5EF4-FFF2-40B4-BE49-F238E27FC236}">
+                <a16:creationId xmlns:a16="http://schemas.microsoft.com/office/drawing/2014/main" id="{D07FDDA4-C570-4DFC-9335-C3CDDB82DF76}"/>
+              </a:ext>
+            </a:extLst>
+          </p:cNvPr>
+          <p:cNvSpPr>
+            <a:spLocks noGrp="1"/>
+          </p:cNvSpPr>
+          <p:nvPr>
+            <p:ph type="sldNum" sz="quarter" idx="12"/>
+          </p:nvPr>
+        </p:nvSpPr>
+        <p:spPr/>
+        <p:txBody>
+          <a:bodyPr/>
+          <a:lstStyle/>
+          <a:p>
+            <a:fld id="{527B8A08-A521-4A9D-8F6F-63703DFEC7F7}" type="slidenum">
+              <a:rPr lang="cs-CZ" smtClean="0"/>
+              <a:t>‹#›</a:t>
+            </a:fld>
+            <a:endParaRPr lang="cs-CZ"/>
+          </a:p>
+        </p:txBody>
+      </p:sp>
+    </p:spTree>
+    <p:extLst>
+      <p:ext uri="{BB962C8B-B14F-4D97-AF65-F5344CB8AC3E}">
+        <p14:creationId xmlns:p14="http://schemas.microsoft.com/office/powerpoint/2010/main" val="232621017"/>
+      </p:ext>
+    </p:extLst>
+  </p:cSld>
+  <p:clrMapOvr>
+    <a:masterClrMapping/>
+  </p:clrMapOvr>
+  <p:hf hdr="0" ftr="0" dt="0"/>
+</p:sldLayout>
+</file>
+
+<file path=ppt/slideLayouts/slideLayout14.xml><?xml version="1.0" encoding="utf-8"?>
+<p:sldLayout xmlns:a="http://schemas.openxmlformats.org/drawingml/2006/main" xmlns:r="http://schemas.openxmlformats.org/officeDocument/2006/relationships" xmlns:p="http://schemas.openxmlformats.org/presentationml/2006/main" type="secHead" preserve="1">
+  <p:cSld name="Záhlaví oddílu">
+    <p:spTree>
+      <p:nvGrpSpPr>
+        <p:cNvPr id="1" name=""/>
+        <p:cNvGrpSpPr/>
+        <p:nvPr/>
+      </p:nvGrpSpPr>
+      <p:grpSpPr>
+        <a:xfrm>
+          <a:off x="0" y="0"/>
+          <a:ext cx="0" cy="0"/>
+          <a:chOff x="0" y="0"/>
+          <a:chExt cx="0" cy="0"/>
+        </a:xfrm>
+      </p:grpSpPr>
+      <p:sp>
+        <p:nvSpPr>
+          <p:cNvPr id="2" name="Nadpis 1">
+            <a:extLst>
+              <a:ext uri="{FF2B5EF4-FFF2-40B4-BE49-F238E27FC236}">
+                <a16:creationId xmlns:a16="http://schemas.microsoft.com/office/drawing/2014/main" id="{EE971621-99A5-4751-B98F-132888E22D3E}"/>
+              </a:ext>
+            </a:extLst>
+          </p:cNvPr>
+          <p:cNvSpPr>
+            <a:spLocks noGrp="1"/>
+          </p:cNvSpPr>
+          <p:nvPr>
+            <p:ph type="title"/>
+          </p:nvPr>
+        </p:nvSpPr>
+        <p:spPr>
+          <a:xfrm>
+            <a:off x="831850" y="1709738"/>
+            <a:ext cx="10515600" cy="2852737"/>
+          </a:xfrm>
+        </p:spPr>
+        <p:txBody>
+          <a:bodyPr anchor="b"/>
+          <a:lstStyle>
+            <a:lvl1pPr>
+              <a:defRPr sz="6000"/>
+            </a:lvl1pPr>
+          </a:lstStyle>
+          <a:p>
+            <a:r>
+              <a:rPr lang="cs-CZ"/>
+              <a:t>Kliknutím lze upravit styl.</a:t>
+            </a:r>
+          </a:p>
+        </p:txBody>
+      </p:sp>
+      <p:sp>
+        <p:nvSpPr>
+          <p:cNvPr id="3" name="Zástupný text 2">
+            <a:extLst>
+              <a:ext uri="{FF2B5EF4-FFF2-40B4-BE49-F238E27FC236}">
+                <a16:creationId xmlns:a16="http://schemas.microsoft.com/office/drawing/2014/main" id="{8BA29E65-FE38-4C66-B153-A5A9EF1CCD56}"/>
+              </a:ext>
+            </a:extLst>
+          </p:cNvPr>
+          <p:cNvSpPr>
+            <a:spLocks noGrp="1"/>
+          </p:cNvSpPr>
+          <p:nvPr>
+            <p:ph type="body" idx="1"/>
+          </p:nvPr>
+        </p:nvSpPr>
+        <p:spPr>
+          <a:xfrm>
+            <a:off x="831850" y="4589463"/>
+            <a:ext cx="10515600" cy="1500187"/>
+          </a:xfrm>
+        </p:spPr>
+        <p:txBody>
+          <a:bodyPr/>
+          <a:lstStyle>
+            <a:lvl1pPr marL="0" indent="0">
+              <a:buNone/>
+              <a:defRPr sz="2400">
+                <a:solidFill>
+                  <a:schemeClr val="tx1">
+                    <a:tint val="75000"/>
+                  </a:schemeClr>
+                </a:solidFill>
+              </a:defRPr>
+            </a:lvl1pPr>
+            <a:lvl2pPr marL="457200" indent="0">
+              <a:buNone/>
+              <a:defRPr sz="2000">
+                <a:solidFill>
+                  <a:schemeClr val="tx1">
+                    <a:tint val="75000"/>
+                  </a:schemeClr>
+                </a:solidFill>
+              </a:defRPr>
+            </a:lvl2pPr>
+            <a:lvl3pPr marL="914400" indent="0">
+              <a:buNone/>
+              <a:defRPr sz="1800">
+                <a:solidFill>
+                  <a:schemeClr val="tx1">
+                    <a:tint val="75000"/>
+                  </a:schemeClr>
+                </a:solidFill>
+              </a:defRPr>
+            </a:lvl3pPr>
+            <a:lvl4pPr marL="1371600" indent="0">
+              <a:buNone/>
+              <a:defRPr sz="1600">
+                <a:solidFill>
+                  <a:schemeClr val="tx1">
+                    <a:tint val="75000"/>
+                  </a:schemeClr>
+                </a:solidFill>
+              </a:defRPr>
+            </a:lvl4pPr>
+            <a:lvl5pPr marL="1828800" indent="0">
+              <a:buNone/>
+              <a:defRPr sz="1600">
+                <a:solidFill>
+                  <a:schemeClr val="tx1">
+                    <a:tint val="75000"/>
+                  </a:schemeClr>
+                </a:solidFill>
+              </a:defRPr>
+            </a:lvl5pPr>
+            <a:lvl6pPr marL="2286000" indent="0">
+              <a:buNone/>
+              <a:defRPr sz="1600">
+                <a:solidFill>
+                  <a:schemeClr val="tx1">
+                    <a:tint val="75000"/>
+                  </a:schemeClr>
+                </a:solidFill>
+              </a:defRPr>
+            </a:lvl6pPr>
+            <a:lvl7pPr marL="2743200" indent="0">
+              <a:buNone/>
+              <a:defRPr sz="1600">
+                <a:solidFill>
+                  <a:schemeClr val="tx1">
+                    <a:tint val="75000"/>
+                  </a:schemeClr>
+                </a:solidFill>
+              </a:defRPr>
+            </a:lvl7pPr>
+            <a:lvl8pPr marL="3200400" indent="0">
+              <a:buNone/>
+              <a:defRPr sz="1600">
+                <a:solidFill>
+                  <a:schemeClr val="tx1">
+                    <a:tint val="75000"/>
+                  </a:schemeClr>
+                </a:solidFill>
+              </a:defRPr>
+            </a:lvl8pPr>
+            <a:lvl9pPr marL="3657600" indent="0">
+              <a:buNone/>
+              <a:defRPr sz="1600">
+                <a:solidFill>
+                  <a:schemeClr val="tx1">
+                    <a:tint val="75000"/>
+                  </a:schemeClr>
+                </a:solidFill>
+              </a:defRPr>
+            </a:lvl9pPr>
+          </a:lstStyle>
+          <a:p>
+            <a:pPr lvl="0"/>
+            <a:r>
+              <a:rPr lang="cs-CZ"/>
+              <a:t>Po kliknutí můžete upravovat styly textu v předloze.</a:t>
+            </a:r>
+          </a:p>
+        </p:txBody>
+      </p:sp>
+      <p:sp>
+        <p:nvSpPr>
+          <p:cNvPr id="4" name="Zástupný symbol pro datum 3">
+            <a:extLst>
+              <a:ext uri="{FF2B5EF4-FFF2-40B4-BE49-F238E27FC236}">
+                <a16:creationId xmlns:a16="http://schemas.microsoft.com/office/drawing/2014/main" id="{E7A0828E-C7E6-4555-BF75-D91F39EA6297}"/>
+              </a:ext>
+            </a:extLst>
+          </p:cNvPr>
+          <p:cNvSpPr>
+            <a:spLocks noGrp="1"/>
+          </p:cNvSpPr>
+          <p:nvPr>
+            <p:ph type="dt" sz="half" idx="10"/>
+          </p:nvPr>
+        </p:nvSpPr>
+        <p:spPr/>
+        <p:txBody>
+          <a:bodyPr/>
+          <a:lstStyle/>
+          <a:p>
+            <a:fld id="{A6DF30C0-002B-4FAD-BABD-6E65770E5245}" type="datetime1">
+              <a:rPr lang="cs-CZ" smtClean="0"/>
+              <a:t>26.01.2021</a:t>
+            </a:fld>
+            <a:endParaRPr lang="cs-CZ"/>
+          </a:p>
+        </p:txBody>
+      </p:sp>
+      <p:sp>
+        <p:nvSpPr>
+          <p:cNvPr id="5" name="Zástupný symbol pro zápatí 4">
+            <a:extLst>
+              <a:ext uri="{FF2B5EF4-FFF2-40B4-BE49-F238E27FC236}">
+                <a16:creationId xmlns:a16="http://schemas.microsoft.com/office/drawing/2014/main" id="{2DAF494F-C6DC-472C-98B4-E6AFCCB7E735}"/>
+              </a:ext>
+            </a:extLst>
+          </p:cNvPr>
+          <p:cNvSpPr>
+            <a:spLocks noGrp="1"/>
+          </p:cNvSpPr>
+          <p:nvPr>
+            <p:ph type="ftr" sz="quarter" idx="11"/>
+          </p:nvPr>
+        </p:nvSpPr>
+        <p:spPr/>
+        <p:txBody>
+          <a:bodyPr/>
+          <a:lstStyle/>
+          <a:p>
+            <a:endParaRPr lang="cs-CZ"/>
+          </a:p>
+        </p:txBody>
+      </p:sp>
+      <p:sp>
+        <p:nvSpPr>
+          <p:cNvPr id="6" name="Zástupný symbol pro číslo snímku 5">
+            <a:extLst>
+              <a:ext uri="{FF2B5EF4-FFF2-40B4-BE49-F238E27FC236}">
+                <a16:creationId xmlns:a16="http://schemas.microsoft.com/office/drawing/2014/main" id="{CAA8CE9D-DB5D-4BF6-9139-66B422399930}"/>
+              </a:ext>
+            </a:extLst>
+          </p:cNvPr>
+          <p:cNvSpPr>
+            <a:spLocks noGrp="1"/>
+          </p:cNvSpPr>
+          <p:nvPr>
+            <p:ph type="sldNum" sz="quarter" idx="12"/>
+          </p:nvPr>
+        </p:nvSpPr>
+        <p:spPr/>
+        <p:txBody>
+          <a:bodyPr/>
+          <a:lstStyle/>
+          <a:p>
+            <a:fld id="{527B8A08-A521-4A9D-8F6F-63703DFEC7F7}" type="slidenum">
+              <a:rPr lang="cs-CZ" smtClean="0"/>
+              <a:t>‹#›</a:t>
+            </a:fld>
+            <a:endParaRPr lang="cs-CZ"/>
+          </a:p>
+        </p:txBody>
+      </p:sp>
+    </p:spTree>
+    <p:extLst>
+      <p:ext uri="{BB962C8B-B14F-4D97-AF65-F5344CB8AC3E}">
+        <p14:creationId xmlns:p14="http://schemas.microsoft.com/office/powerpoint/2010/main" val="1612471192"/>
+      </p:ext>
+    </p:extLst>
+  </p:cSld>
+  <p:clrMapOvr>
+    <a:masterClrMapping/>
+  </p:clrMapOvr>
+</p:sldLayout>
+</file>
+
+<file path=ppt/slideLayouts/slideLayout15.xml><?xml version="1.0" encoding="utf-8"?>
+<p:sldLayout xmlns:a="http://schemas.openxmlformats.org/drawingml/2006/main" xmlns:r="http://schemas.openxmlformats.org/officeDocument/2006/relationships" xmlns:p="http://schemas.openxmlformats.org/presentationml/2006/main" type="twoObj" preserve="1">
+  <p:cSld name="Dva obsahy">
+    <p:spTree>
+      <p:nvGrpSpPr>
+        <p:cNvPr id="1" name=""/>
+        <p:cNvGrpSpPr/>
+        <p:nvPr/>
+      </p:nvGrpSpPr>
+      <p:grpSpPr>
+        <a:xfrm>
+          <a:off x="0" y="0"/>
+          <a:ext cx="0" cy="0"/>
+          <a:chOff x="0" y="0"/>
+          <a:chExt cx="0" cy="0"/>
+        </a:xfrm>
+      </p:grpSpPr>
+      <p:sp>
+        <p:nvSpPr>
+          <p:cNvPr id="2" name="Nadpis 1">
+            <a:extLst>
+              <a:ext uri="{FF2B5EF4-FFF2-40B4-BE49-F238E27FC236}">
+                <a16:creationId xmlns:a16="http://schemas.microsoft.com/office/drawing/2014/main" id="{AD1CF393-B8AE-40C0-839B-10EC583DF637}"/>
+              </a:ext>
+            </a:extLst>
+          </p:cNvPr>
+          <p:cNvSpPr>
+            <a:spLocks noGrp="1"/>
+          </p:cNvSpPr>
+          <p:nvPr>
+            <p:ph type="title"/>
+          </p:nvPr>
+        </p:nvSpPr>
+        <p:spPr/>
+        <p:txBody>
+          <a:bodyPr/>
+          <a:lstStyle/>
+          <a:p>
+            <a:r>
+              <a:rPr lang="cs-CZ"/>
+              <a:t>Kliknutím lze upravit styl.</a:t>
+            </a:r>
+          </a:p>
+        </p:txBody>
+      </p:sp>
+      <p:sp>
+        <p:nvSpPr>
+          <p:cNvPr id="3" name="Zástupný obsah 2">
+            <a:extLst>
+              <a:ext uri="{FF2B5EF4-FFF2-40B4-BE49-F238E27FC236}">
+                <a16:creationId xmlns:a16="http://schemas.microsoft.com/office/drawing/2014/main" id="{19DD576A-6809-4815-9002-9F98CE00BF00}"/>
+              </a:ext>
+            </a:extLst>
+          </p:cNvPr>
+          <p:cNvSpPr>
+            <a:spLocks noGrp="1"/>
+          </p:cNvSpPr>
+          <p:nvPr>
+            <p:ph sz="half" idx="1"/>
+          </p:nvPr>
+        </p:nvSpPr>
+        <p:spPr>
+          <a:xfrm>
+            <a:off x="838200" y="1825625"/>
+            <a:ext cx="5181600" cy="4351338"/>
+          </a:xfrm>
+        </p:spPr>
+        <p:txBody>
+          <a:bodyPr/>
+          <a:lstStyle/>
+          <a:p>
+            <a:pPr lvl="0"/>
+            <a:r>
+              <a:rPr lang="cs-CZ"/>
+              <a:t>Po kliknutí můžete upravovat styly textu v předloze.</a:t>
+            </a:r>
+          </a:p>
+          <a:p>
+            <a:pPr lvl="1"/>
+            <a:r>
+              <a:rPr lang="cs-CZ"/>
+              <a:t>Druhá úroveň</a:t>
+            </a:r>
+          </a:p>
+          <a:p>
+            <a:pPr lvl="2"/>
+            <a:r>
+              <a:rPr lang="cs-CZ"/>
+              <a:t>Třetí úroveň</a:t>
+            </a:r>
+          </a:p>
+          <a:p>
+            <a:pPr lvl="3"/>
+            <a:r>
+              <a:rPr lang="cs-CZ"/>
+              <a:t>Čtvrtá úroveň</a:t>
+            </a:r>
+          </a:p>
+          <a:p>
+            <a:pPr lvl="4"/>
+            <a:r>
+              <a:rPr lang="cs-CZ"/>
+              <a:t>Pátá úroveň</a:t>
+            </a:r>
+          </a:p>
+        </p:txBody>
+      </p:sp>
+      <p:sp>
+        <p:nvSpPr>
+          <p:cNvPr id="4" name="Zástupný obsah 3">
+            <a:extLst>
+              <a:ext uri="{FF2B5EF4-FFF2-40B4-BE49-F238E27FC236}">
+                <a16:creationId xmlns:a16="http://schemas.microsoft.com/office/drawing/2014/main" id="{30330BA7-310C-4497-8C32-E6D74AF68311}"/>
+              </a:ext>
+            </a:extLst>
+          </p:cNvPr>
+          <p:cNvSpPr>
+            <a:spLocks noGrp="1"/>
+          </p:cNvSpPr>
+          <p:nvPr>
+            <p:ph sz="half" idx="2"/>
+          </p:nvPr>
+        </p:nvSpPr>
+        <p:spPr>
+          <a:xfrm>
+            <a:off x="6172200" y="1825625"/>
+            <a:ext cx="5181600" cy="4351338"/>
+          </a:xfrm>
+        </p:spPr>
+        <p:txBody>
+          <a:bodyPr/>
+          <a:lstStyle/>
+          <a:p>
+            <a:pPr lvl="0"/>
+            <a:r>
+              <a:rPr lang="cs-CZ"/>
+              <a:t>Po kliknutí můžete upravovat styly textu v předloze.</a:t>
+            </a:r>
+          </a:p>
+          <a:p>
+            <a:pPr lvl="1"/>
+            <a:r>
+              <a:rPr lang="cs-CZ"/>
+              <a:t>Druhá úroveň</a:t>
+            </a:r>
+          </a:p>
+          <a:p>
+            <a:pPr lvl="2"/>
+            <a:r>
+              <a:rPr lang="cs-CZ"/>
+              <a:t>Třetí úroveň</a:t>
+            </a:r>
+          </a:p>
+          <a:p>
+            <a:pPr lvl="3"/>
+            <a:r>
+              <a:rPr lang="cs-CZ"/>
+              <a:t>Čtvrtá úroveň</a:t>
+            </a:r>
+          </a:p>
+          <a:p>
+            <a:pPr lvl="4"/>
+            <a:r>
+              <a:rPr lang="cs-CZ"/>
+              <a:t>Pátá úroveň</a:t>
+            </a:r>
+          </a:p>
+        </p:txBody>
+      </p:sp>
+      <p:sp>
+        <p:nvSpPr>
+          <p:cNvPr id="5" name="Zástupný symbol pro datum 4">
+            <a:extLst>
+              <a:ext uri="{FF2B5EF4-FFF2-40B4-BE49-F238E27FC236}">
+                <a16:creationId xmlns:a16="http://schemas.microsoft.com/office/drawing/2014/main" id="{1910933F-AFD8-438C-81B8-67E9C53C9F0F}"/>
+              </a:ext>
+            </a:extLst>
+          </p:cNvPr>
+          <p:cNvSpPr>
+            <a:spLocks noGrp="1"/>
+          </p:cNvSpPr>
+          <p:nvPr>
+            <p:ph type="dt" sz="half" idx="10"/>
+          </p:nvPr>
+        </p:nvSpPr>
+        <p:spPr/>
+        <p:txBody>
+          <a:bodyPr/>
+          <a:lstStyle/>
+          <a:p>
+            <a:fld id="{1D789B9F-D231-47F7-84E2-BCCA23A7EF47}" type="datetime1">
+              <a:rPr lang="cs-CZ" smtClean="0"/>
+              <a:t>26.01.2021</a:t>
+            </a:fld>
+            <a:endParaRPr lang="cs-CZ"/>
+          </a:p>
+        </p:txBody>
+      </p:sp>
+      <p:sp>
+        <p:nvSpPr>
+          <p:cNvPr id="6" name="Zástupný symbol pro zápatí 5">
+            <a:extLst>
+              <a:ext uri="{FF2B5EF4-FFF2-40B4-BE49-F238E27FC236}">
+                <a16:creationId xmlns:a16="http://schemas.microsoft.com/office/drawing/2014/main" id="{7FEDE1DF-D09C-4765-8901-66C55E319B95}"/>
+              </a:ext>
+            </a:extLst>
+          </p:cNvPr>
+          <p:cNvSpPr>
+            <a:spLocks noGrp="1"/>
+          </p:cNvSpPr>
+          <p:nvPr>
+            <p:ph type="ftr" sz="quarter" idx="11"/>
+          </p:nvPr>
+        </p:nvSpPr>
+        <p:spPr/>
+        <p:txBody>
+          <a:bodyPr/>
+          <a:lstStyle/>
+          <a:p>
+            <a:endParaRPr lang="cs-CZ"/>
+          </a:p>
+        </p:txBody>
+      </p:sp>
+      <p:sp>
+        <p:nvSpPr>
+          <p:cNvPr id="7" name="Zástupný symbol pro číslo snímku 6">
+            <a:extLst>
+              <a:ext uri="{FF2B5EF4-FFF2-40B4-BE49-F238E27FC236}">
+                <a16:creationId xmlns:a16="http://schemas.microsoft.com/office/drawing/2014/main" id="{9B964B11-24F5-440B-BAB7-185E8C65C5BF}"/>
+              </a:ext>
+            </a:extLst>
+          </p:cNvPr>
+          <p:cNvSpPr>
+            <a:spLocks noGrp="1"/>
+          </p:cNvSpPr>
+          <p:nvPr>
+            <p:ph type="sldNum" sz="quarter" idx="12"/>
+          </p:nvPr>
+        </p:nvSpPr>
+        <p:spPr/>
+        <p:txBody>
+          <a:bodyPr/>
+          <a:lstStyle/>
+          <a:p>
+            <a:fld id="{527B8A08-A521-4A9D-8F6F-63703DFEC7F7}" type="slidenum">
+              <a:rPr lang="cs-CZ" smtClean="0"/>
+              <a:t>‹#›</a:t>
+            </a:fld>
+            <a:endParaRPr lang="cs-CZ"/>
+          </a:p>
+        </p:txBody>
+      </p:sp>
+    </p:spTree>
+    <p:extLst>
+      <p:ext uri="{BB962C8B-B14F-4D97-AF65-F5344CB8AC3E}">
+        <p14:creationId xmlns:p14="http://schemas.microsoft.com/office/powerpoint/2010/main" val="1522777411"/>
+      </p:ext>
+    </p:extLst>
+  </p:cSld>
+  <p:clrMapOvr>
+    <a:masterClrMapping/>
+  </p:clrMapOvr>
+</p:sldLayout>
+</file>
+
+<file path=ppt/slideLayouts/slideLayout16.xml><?xml version="1.0" encoding="utf-8"?>
+<p:sldLayout xmlns:a="http://schemas.openxmlformats.org/drawingml/2006/main" xmlns:r="http://schemas.openxmlformats.org/officeDocument/2006/relationships" xmlns:p="http://schemas.openxmlformats.org/presentationml/2006/main" type="twoTxTwoObj" preserve="1">
+  <p:cSld name="Porovnání">
+    <p:spTree>
+      <p:nvGrpSpPr>
+        <p:cNvPr id="1" name=""/>
+        <p:cNvGrpSpPr/>
+        <p:nvPr/>
+      </p:nvGrpSpPr>
+      <p:grpSpPr>
+        <a:xfrm>
+          <a:off x="0" y="0"/>
+          <a:ext cx="0" cy="0"/>
+          <a:chOff x="0" y="0"/>
+          <a:chExt cx="0" cy="0"/>
+        </a:xfrm>
+      </p:grpSpPr>
+      <p:sp>
+        <p:nvSpPr>
+          <p:cNvPr id="2" name="Nadpis 1">
+            <a:extLst>
+              <a:ext uri="{FF2B5EF4-FFF2-40B4-BE49-F238E27FC236}">
+                <a16:creationId xmlns:a16="http://schemas.microsoft.com/office/drawing/2014/main" id="{DDBEF456-4B84-4555-8378-2187CD1FB0B6}"/>
+              </a:ext>
+            </a:extLst>
+          </p:cNvPr>
+          <p:cNvSpPr>
+            <a:spLocks noGrp="1"/>
+          </p:cNvSpPr>
+          <p:nvPr>
+            <p:ph type="title"/>
+          </p:nvPr>
+        </p:nvSpPr>
+        <p:spPr>
+          <a:xfrm>
+            <a:off x="839788" y="365125"/>
+            <a:ext cx="10515600" cy="1325563"/>
+          </a:xfrm>
+        </p:spPr>
+        <p:txBody>
+          <a:bodyPr/>
+          <a:lstStyle/>
+          <a:p>
+            <a:r>
+              <a:rPr lang="cs-CZ"/>
+              <a:t>Kliknutím lze upravit styl.</a:t>
+            </a:r>
+          </a:p>
+        </p:txBody>
+      </p:sp>
+      <p:sp>
+        <p:nvSpPr>
+          <p:cNvPr id="3" name="Zástupný text 2">
+            <a:extLst>
+              <a:ext uri="{FF2B5EF4-FFF2-40B4-BE49-F238E27FC236}">
+                <a16:creationId xmlns:a16="http://schemas.microsoft.com/office/drawing/2014/main" id="{BCB2E2FC-A156-4538-B6D7-641786FEB86D}"/>
+              </a:ext>
+            </a:extLst>
+          </p:cNvPr>
+          <p:cNvSpPr>
+            <a:spLocks noGrp="1"/>
+          </p:cNvSpPr>
+          <p:nvPr>
+            <p:ph type="body" idx="1"/>
+          </p:nvPr>
+        </p:nvSpPr>
+        <p:spPr>
+          <a:xfrm>
+            <a:off x="839788" y="1681163"/>
+            <a:ext cx="5157787" cy="823912"/>
+          </a:xfrm>
+        </p:spPr>
+        <p:txBody>
+          <a:bodyPr anchor="b"/>
+          <a:lstStyle>
+            <a:lvl1pPr marL="0" indent="0">
+              <a:buNone/>
+              <a:defRPr sz="2400" b="1"/>
+            </a:lvl1pPr>
+            <a:lvl2pPr marL="457200" indent="0">
+              <a:buNone/>
+              <a:defRPr sz="2000" b="1"/>
+            </a:lvl2pPr>
+            <a:lvl3pPr marL="914400" indent="0">
+              <a:buNone/>
+              <a:defRPr sz="1800" b="1"/>
+            </a:lvl3pPr>
+            <a:lvl4pPr marL="1371600" indent="0">
+              <a:buNone/>
+              <a:defRPr sz="1600" b="1"/>
+            </a:lvl4pPr>
+            <a:lvl5pPr marL="1828800" indent="0">
+              <a:buNone/>
+              <a:defRPr sz="1600" b="1"/>
+            </a:lvl5pPr>
+            <a:lvl6pPr marL="2286000" indent="0">
+              <a:buNone/>
+              <a:defRPr sz="1600" b="1"/>
+            </a:lvl6pPr>
+            <a:lvl7pPr marL="2743200" indent="0">
+              <a:buNone/>
+              <a:defRPr sz="1600" b="1"/>
+            </a:lvl7pPr>
+            <a:lvl8pPr marL="3200400" indent="0">
+              <a:buNone/>
+              <a:defRPr sz="1600" b="1"/>
+            </a:lvl8pPr>
+            <a:lvl9pPr marL="3657600" indent="0">
+              <a:buNone/>
+              <a:defRPr sz="1600" b="1"/>
+            </a:lvl9pPr>
+          </a:lstStyle>
+          <a:p>
+            <a:pPr lvl="0"/>
+            <a:r>
+              <a:rPr lang="cs-CZ"/>
+              <a:t>Po kliknutí můžete upravovat styly textu v předloze.</a:t>
+            </a:r>
+          </a:p>
+        </p:txBody>
+      </p:sp>
+      <p:sp>
+        <p:nvSpPr>
+          <p:cNvPr id="4" name="Zástupný obsah 3">
+            <a:extLst>
+              <a:ext uri="{FF2B5EF4-FFF2-40B4-BE49-F238E27FC236}">
+                <a16:creationId xmlns:a16="http://schemas.microsoft.com/office/drawing/2014/main" id="{2F5D7F61-3631-456C-BA16-F1C762386183}"/>
+              </a:ext>
+            </a:extLst>
+          </p:cNvPr>
+          <p:cNvSpPr>
+            <a:spLocks noGrp="1"/>
+          </p:cNvSpPr>
+          <p:nvPr>
+            <p:ph sz="half" idx="2"/>
+          </p:nvPr>
+        </p:nvSpPr>
+        <p:spPr>
+          <a:xfrm>
+            <a:off x="839788" y="2505075"/>
+            <a:ext cx="5157787" cy="3684588"/>
+          </a:xfrm>
+        </p:spPr>
+        <p:txBody>
+          <a:bodyPr/>
+          <a:lstStyle/>
+          <a:p>
+            <a:pPr lvl="0"/>
+            <a:r>
+              <a:rPr lang="cs-CZ"/>
+              <a:t>Po kliknutí můžete upravovat styly textu v předloze.</a:t>
+            </a:r>
+          </a:p>
+          <a:p>
+            <a:pPr lvl="1"/>
+            <a:r>
+              <a:rPr lang="cs-CZ"/>
+              <a:t>Druhá úroveň</a:t>
+            </a:r>
+          </a:p>
+          <a:p>
+            <a:pPr lvl="2"/>
+            <a:r>
+              <a:rPr lang="cs-CZ"/>
+              <a:t>Třetí úroveň</a:t>
+            </a:r>
+          </a:p>
+          <a:p>
+            <a:pPr lvl="3"/>
+            <a:r>
+              <a:rPr lang="cs-CZ"/>
+              <a:t>Čtvrtá úroveň</a:t>
+            </a:r>
+          </a:p>
+          <a:p>
+            <a:pPr lvl="4"/>
+            <a:r>
+              <a:rPr lang="cs-CZ"/>
+              <a:t>Pátá úroveň</a:t>
+            </a:r>
+          </a:p>
+        </p:txBody>
+      </p:sp>
+      <p:sp>
+        <p:nvSpPr>
+          <p:cNvPr id="5" name="Zástupný text 4">
+            <a:extLst>
+              <a:ext uri="{FF2B5EF4-FFF2-40B4-BE49-F238E27FC236}">
+                <a16:creationId xmlns:a16="http://schemas.microsoft.com/office/drawing/2014/main" id="{682D4AC5-E849-45C0-A729-3BEF766D933F}"/>
+              </a:ext>
+            </a:extLst>
+          </p:cNvPr>
+          <p:cNvSpPr>
+            <a:spLocks noGrp="1"/>
+          </p:cNvSpPr>
+          <p:nvPr>
+            <p:ph type="body" sz="quarter" idx="3"/>
+          </p:nvPr>
+        </p:nvSpPr>
+        <p:spPr>
+          <a:xfrm>
+            <a:off x="6172200" y="1681163"/>
+            <a:ext cx="5183188" cy="823912"/>
+          </a:xfrm>
+        </p:spPr>
+        <p:txBody>
+          <a:bodyPr anchor="b"/>
+          <a:lstStyle>
+            <a:lvl1pPr marL="0" indent="0">
+              <a:buNone/>
+              <a:defRPr sz="2400" b="1"/>
+            </a:lvl1pPr>
+            <a:lvl2pPr marL="457200" indent="0">
+              <a:buNone/>
+              <a:defRPr sz="2000" b="1"/>
+            </a:lvl2pPr>
+            <a:lvl3pPr marL="914400" indent="0">
+              <a:buNone/>
+              <a:defRPr sz="1800" b="1"/>
+            </a:lvl3pPr>
+            <a:lvl4pPr marL="1371600" indent="0">
+              <a:buNone/>
+              <a:defRPr sz="1600" b="1"/>
+            </a:lvl4pPr>
+            <a:lvl5pPr marL="1828800" indent="0">
+              <a:buNone/>
+              <a:defRPr sz="1600" b="1"/>
+            </a:lvl5pPr>
+            <a:lvl6pPr marL="2286000" indent="0">
+              <a:buNone/>
+              <a:defRPr sz="1600" b="1"/>
+            </a:lvl6pPr>
+            <a:lvl7pPr marL="2743200" indent="0">
+              <a:buNone/>
+              <a:defRPr sz="1600" b="1"/>
+            </a:lvl7pPr>
+            <a:lvl8pPr marL="3200400" indent="0">
+              <a:buNone/>
+              <a:defRPr sz="1600" b="1"/>
+            </a:lvl8pPr>
+            <a:lvl9pPr marL="3657600" indent="0">
+              <a:buNone/>
+              <a:defRPr sz="1600" b="1"/>
+            </a:lvl9pPr>
+          </a:lstStyle>
+          <a:p>
+            <a:pPr lvl="0"/>
+            <a:r>
+              <a:rPr lang="cs-CZ"/>
+              <a:t>Po kliknutí můžete upravovat styly textu v předloze.</a:t>
+            </a:r>
+          </a:p>
+        </p:txBody>
+      </p:sp>
+      <p:sp>
+        <p:nvSpPr>
+          <p:cNvPr id="6" name="Zástupný obsah 5">
+            <a:extLst>
+              <a:ext uri="{FF2B5EF4-FFF2-40B4-BE49-F238E27FC236}">
+                <a16:creationId xmlns:a16="http://schemas.microsoft.com/office/drawing/2014/main" id="{FF859DCC-FB2E-4F39-9B16-4671D14FBB19}"/>
+              </a:ext>
+            </a:extLst>
+          </p:cNvPr>
+          <p:cNvSpPr>
+            <a:spLocks noGrp="1"/>
+          </p:cNvSpPr>
+          <p:nvPr>
+            <p:ph sz="quarter" idx="4"/>
+          </p:nvPr>
+        </p:nvSpPr>
+        <p:spPr>
+          <a:xfrm>
+            <a:off x="6172200" y="2505075"/>
+            <a:ext cx="5183188" cy="3684588"/>
+          </a:xfrm>
+        </p:spPr>
+        <p:txBody>
+          <a:bodyPr/>
+          <a:lstStyle/>
+          <a:p>
+            <a:pPr lvl="0"/>
+            <a:r>
+              <a:rPr lang="cs-CZ"/>
+              <a:t>Po kliknutí můžete upravovat styly textu v předloze.</a:t>
+            </a:r>
+          </a:p>
+          <a:p>
+            <a:pPr lvl="1"/>
+            <a:r>
+              <a:rPr lang="cs-CZ"/>
+              <a:t>Druhá úroveň</a:t>
+            </a:r>
+          </a:p>
+          <a:p>
+            <a:pPr lvl="2"/>
+            <a:r>
+              <a:rPr lang="cs-CZ"/>
+              <a:t>Třetí úroveň</a:t>
+            </a:r>
+          </a:p>
+          <a:p>
+            <a:pPr lvl="3"/>
+            <a:r>
+              <a:rPr lang="cs-CZ"/>
+              <a:t>Čtvrtá úroveň</a:t>
+            </a:r>
+          </a:p>
+          <a:p>
+            <a:pPr lvl="4"/>
+            <a:r>
+              <a:rPr lang="cs-CZ"/>
+              <a:t>Pátá úroveň</a:t>
+            </a:r>
+          </a:p>
+        </p:txBody>
+      </p:sp>
+      <p:sp>
+        <p:nvSpPr>
+          <p:cNvPr id="7" name="Zástupný symbol pro datum 6">
+            <a:extLst>
+              <a:ext uri="{FF2B5EF4-FFF2-40B4-BE49-F238E27FC236}">
+                <a16:creationId xmlns:a16="http://schemas.microsoft.com/office/drawing/2014/main" id="{7DAE170E-D4FE-4858-8B5D-77DE039E70D9}"/>
+              </a:ext>
+            </a:extLst>
+          </p:cNvPr>
+          <p:cNvSpPr>
+            <a:spLocks noGrp="1"/>
+          </p:cNvSpPr>
+          <p:nvPr>
+            <p:ph type="dt" sz="half" idx="10"/>
+          </p:nvPr>
+        </p:nvSpPr>
+        <p:spPr/>
+        <p:txBody>
+          <a:bodyPr/>
+          <a:lstStyle/>
+          <a:p>
+            <a:fld id="{421C5239-6278-4606-9247-342C94C694FD}" type="datetime1">
+              <a:rPr lang="cs-CZ" smtClean="0"/>
+              <a:t>26.01.2021</a:t>
+            </a:fld>
+            <a:endParaRPr lang="cs-CZ"/>
+          </a:p>
+        </p:txBody>
+      </p:sp>
+      <p:sp>
+        <p:nvSpPr>
+          <p:cNvPr id="8" name="Zástupný symbol pro zápatí 7">
+            <a:extLst>
+              <a:ext uri="{FF2B5EF4-FFF2-40B4-BE49-F238E27FC236}">
+                <a16:creationId xmlns:a16="http://schemas.microsoft.com/office/drawing/2014/main" id="{17D87FAE-9D27-46D6-BD5E-559AB8114FF5}"/>
+              </a:ext>
+            </a:extLst>
+          </p:cNvPr>
+          <p:cNvSpPr>
+            <a:spLocks noGrp="1"/>
+          </p:cNvSpPr>
+          <p:nvPr>
+            <p:ph type="ftr" sz="quarter" idx="11"/>
+          </p:nvPr>
+        </p:nvSpPr>
+        <p:spPr/>
+        <p:txBody>
+          <a:bodyPr/>
+          <a:lstStyle/>
+          <a:p>
+            <a:endParaRPr lang="cs-CZ"/>
+          </a:p>
+        </p:txBody>
+      </p:sp>
+      <p:sp>
+        <p:nvSpPr>
+          <p:cNvPr id="9" name="Zástupný symbol pro číslo snímku 8">
+            <a:extLst>
+              <a:ext uri="{FF2B5EF4-FFF2-40B4-BE49-F238E27FC236}">
+                <a16:creationId xmlns:a16="http://schemas.microsoft.com/office/drawing/2014/main" id="{18702337-7C68-4FFD-8B76-CFB3B03B2E7D}"/>
+              </a:ext>
+            </a:extLst>
+          </p:cNvPr>
+          <p:cNvSpPr>
+            <a:spLocks noGrp="1"/>
+          </p:cNvSpPr>
+          <p:nvPr>
+            <p:ph type="sldNum" sz="quarter" idx="12"/>
+          </p:nvPr>
+        </p:nvSpPr>
+        <p:spPr/>
+        <p:txBody>
+          <a:bodyPr/>
+          <a:lstStyle/>
+          <a:p>
+            <a:fld id="{527B8A08-A521-4A9D-8F6F-63703DFEC7F7}" type="slidenum">
+              <a:rPr lang="cs-CZ" smtClean="0"/>
+              <a:t>‹#›</a:t>
+            </a:fld>
+            <a:endParaRPr lang="cs-CZ"/>
+          </a:p>
+        </p:txBody>
+      </p:sp>
+    </p:spTree>
+    <p:extLst>
+      <p:ext uri="{BB962C8B-B14F-4D97-AF65-F5344CB8AC3E}">
+        <p14:creationId xmlns:p14="http://schemas.microsoft.com/office/powerpoint/2010/main" val="3313766320"/>
+      </p:ext>
+    </p:extLst>
+  </p:cSld>
+  <p:clrMapOvr>
+    <a:masterClrMapping/>
+  </p:clrMapOvr>
+</p:sldLayout>
+</file>
+
+<file path=ppt/slideLayouts/slideLayout17.xml><?xml version="1.0" encoding="utf-8"?>
+<p:sldLayout xmlns:a="http://schemas.openxmlformats.org/drawingml/2006/main" xmlns:r="http://schemas.openxmlformats.org/officeDocument/2006/relationships" xmlns:p="http://schemas.openxmlformats.org/presentationml/2006/main" type="titleOnly" preserve="1">
+  <p:cSld name="Jenom nadpis">
+    <p:spTree>
+      <p:nvGrpSpPr>
+        <p:cNvPr id="1" name=""/>
+        <p:cNvGrpSpPr/>
+        <p:nvPr/>
+      </p:nvGrpSpPr>
+      <p:grpSpPr>
+        <a:xfrm>
+          <a:off x="0" y="0"/>
+          <a:ext cx="0" cy="0"/>
+          <a:chOff x="0" y="0"/>
+          <a:chExt cx="0" cy="0"/>
+        </a:xfrm>
+      </p:grpSpPr>
+      <p:sp>
+        <p:nvSpPr>
+          <p:cNvPr id="2" name="Nadpis 1">
+            <a:extLst>
+              <a:ext uri="{FF2B5EF4-FFF2-40B4-BE49-F238E27FC236}">
+                <a16:creationId xmlns:a16="http://schemas.microsoft.com/office/drawing/2014/main" id="{97725DAF-EF05-4DC6-B305-FF0A40986079}"/>
+              </a:ext>
+            </a:extLst>
+          </p:cNvPr>
+          <p:cNvSpPr>
+            <a:spLocks noGrp="1"/>
+          </p:cNvSpPr>
+          <p:nvPr>
+            <p:ph type="title"/>
+          </p:nvPr>
+        </p:nvSpPr>
+        <p:spPr/>
+        <p:txBody>
+          <a:bodyPr/>
+          <a:lstStyle/>
+          <a:p>
+            <a:r>
+              <a:rPr lang="cs-CZ"/>
+              <a:t>Kliknutím lze upravit styl.</a:t>
+            </a:r>
+          </a:p>
+        </p:txBody>
+      </p:sp>
+      <p:sp>
+        <p:nvSpPr>
+          <p:cNvPr id="3" name="Zástupný symbol pro datum 2">
+            <a:extLst>
+              <a:ext uri="{FF2B5EF4-FFF2-40B4-BE49-F238E27FC236}">
+                <a16:creationId xmlns:a16="http://schemas.microsoft.com/office/drawing/2014/main" id="{06B1A854-6313-49E8-BBF9-8B9027C5A62C}"/>
+              </a:ext>
+            </a:extLst>
+          </p:cNvPr>
+          <p:cNvSpPr>
+            <a:spLocks noGrp="1"/>
+          </p:cNvSpPr>
+          <p:nvPr>
+            <p:ph type="dt" sz="half" idx="10"/>
+          </p:nvPr>
+        </p:nvSpPr>
+        <p:spPr/>
+        <p:txBody>
+          <a:bodyPr/>
+          <a:lstStyle/>
+          <a:p>
+            <a:fld id="{FE3F8548-68B4-4F82-B1B0-2169DF091756}" type="datetime1">
+              <a:rPr lang="cs-CZ" smtClean="0"/>
+              <a:t>26.01.2021</a:t>
+            </a:fld>
+            <a:endParaRPr lang="cs-CZ"/>
+          </a:p>
+        </p:txBody>
+      </p:sp>
+      <p:sp>
+        <p:nvSpPr>
+          <p:cNvPr id="4" name="Zástupný symbol pro zápatí 3">
+            <a:extLst>
+              <a:ext uri="{FF2B5EF4-FFF2-40B4-BE49-F238E27FC236}">
+                <a16:creationId xmlns:a16="http://schemas.microsoft.com/office/drawing/2014/main" id="{77D48B99-0F20-4E66-84C7-8215F736229B}"/>
+              </a:ext>
+            </a:extLst>
+          </p:cNvPr>
+          <p:cNvSpPr>
+            <a:spLocks noGrp="1"/>
+          </p:cNvSpPr>
+          <p:nvPr>
+            <p:ph type="ftr" sz="quarter" idx="11"/>
+          </p:nvPr>
+        </p:nvSpPr>
+        <p:spPr/>
+        <p:txBody>
+          <a:bodyPr/>
+          <a:lstStyle/>
+          <a:p>
+            <a:endParaRPr lang="cs-CZ"/>
+          </a:p>
+        </p:txBody>
+      </p:sp>
+      <p:sp>
+        <p:nvSpPr>
+          <p:cNvPr id="5" name="Zástupný symbol pro číslo snímku 4">
+            <a:extLst>
+              <a:ext uri="{FF2B5EF4-FFF2-40B4-BE49-F238E27FC236}">
+                <a16:creationId xmlns:a16="http://schemas.microsoft.com/office/drawing/2014/main" id="{C2A6A21C-DF06-4D92-B504-F888DF948CD8}"/>
+              </a:ext>
+            </a:extLst>
+          </p:cNvPr>
+          <p:cNvSpPr>
+            <a:spLocks noGrp="1"/>
+          </p:cNvSpPr>
+          <p:nvPr>
+            <p:ph type="sldNum" sz="quarter" idx="12"/>
+          </p:nvPr>
+        </p:nvSpPr>
+        <p:spPr/>
+        <p:txBody>
+          <a:bodyPr/>
+          <a:lstStyle/>
+          <a:p>
+            <a:fld id="{527B8A08-A521-4A9D-8F6F-63703DFEC7F7}" type="slidenum">
+              <a:rPr lang="cs-CZ" smtClean="0"/>
+              <a:t>‹#›</a:t>
+            </a:fld>
+            <a:endParaRPr lang="cs-CZ"/>
+          </a:p>
+        </p:txBody>
+      </p:sp>
+    </p:spTree>
+    <p:extLst>
+      <p:ext uri="{BB962C8B-B14F-4D97-AF65-F5344CB8AC3E}">
+        <p14:creationId xmlns:p14="http://schemas.microsoft.com/office/powerpoint/2010/main" val="316258014"/>
+      </p:ext>
+    </p:extLst>
+  </p:cSld>
+  <p:clrMapOvr>
+    <a:masterClrMapping/>
+  </p:clrMapOvr>
+</p:sldLayout>
+</file>
+
+<file path=ppt/slideLayouts/slideLayout18.xml><?xml version="1.0" encoding="utf-8"?>
+<p:sldLayout xmlns:a="http://schemas.openxmlformats.org/drawingml/2006/main" xmlns:r="http://schemas.openxmlformats.org/officeDocument/2006/relationships" xmlns:p="http://schemas.openxmlformats.org/presentationml/2006/main" type="blank" preserve="1">
+  <p:cSld name="Prázdný">
+    <p:spTree>
+      <p:nvGrpSpPr>
+        <p:cNvPr id="1" name=""/>
+        <p:cNvGrpSpPr/>
+        <p:nvPr/>
+      </p:nvGrpSpPr>
+      <p:grpSpPr>
+        <a:xfrm>
+          <a:off x="0" y="0"/>
+          <a:ext cx="0" cy="0"/>
+          <a:chOff x="0" y="0"/>
+          <a:chExt cx="0" cy="0"/>
+        </a:xfrm>
+      </p:grpSpPr>
+      <p:sp>
+        <p:nvSpPr>
+          <p:cNvPr id="2" name="Zástupný symbol pro datum 1">
+            <a:extLst>
+              <a:ext uri="{FF2B5EF4-FFF2-40B4-BE49-F238E27FC236}">
+                <a16:creationId xmlns:a16="http://schemas.microsoft.com/office/drawing/2014/main" id="{44FE5068-7D3F-4371-8466-B9F5B22508CE}"/>
+              </a:ext>
+            </a:extLst>
+          </p:cNvPr>
+          <p:cNvSpPr>
+            <a:spLocks noGrp="1"/>
+          </p:cNvSpPr>
+          <p:nvPr>
+            <p:ph type="dt" sz="half" idx="10"/>
+          </p:nvPr>
+        </p:nvSpPr>
+        <p:spPr/>
+        <p:txBody>
+          <a:bodyPr/>
+          <a:lstStyle/>
+          <a:p>
+            <a:fld id="{FF852F47-8347-4580-94B3-871D0842554A}" type="datetime1">
+              <a:rPr lang="cs-CZ" smtClean="0"/>
+              <a:t>26.01.2021</a:t>
+            </a:fld>
+            <a:endParaRPr lang="cs-CZ"/>
+          </a:p>
+        </p:txBody>
+      </p:sp>
+      <p:sp>
+        <p:nvSpPr>
+          <p:cNvPr id="3" name="Zástupný symbol pro zápatí 2">
+            <a:extLst>
+              <a:ext uri="{FF2B5EF4-FFF2-40B4-BE49-F238E27FC236}">
+                <a16:creationId xmlns:a16="http://schemas.microsoft.com/office/drawing/2014/main" id="{ADCF0F1C-E918-487A-B8C1-C227F3BE3B9E}"/>
+              </a:ext>
+            </a:extLst>
+          </p:cNvPr>
+          <p:cNvSpPr>
+            <a:spLocks noGrp="1"/>
+          </p:cNvSpPr>
+          <p:nvPr>
+            <p:ph type="ftr" sz="quarter" idx="11"/>
+          </p:nvPr>
+        </p:nvSpPr>
+        <p:spPr/>
+        <p:txBody>
+          <a:bodyPr/>
+          <a:lstStyle/>
+          <a:p>
+            <a:endParaRPr lang="cs-CZ"/>
+          </a:p>
+        </p:txBody>
+      </p:sp>
+      <p:sp>
+        <p:nvSpPr>
+          <p:cNvPr id="4" name="Zástupný symbol pro číslo snímku 3">
+            <a:extLst>
+              <a:ext uri="{FF2B5EF4-FFF2-40B4-BE49-F238E27FC236}">
+                <a16:creationId xmlns:a16="http://schemas.microsoft.com/office/drawing/2014/main" id="{87C85387-E586-41A0-A8E6-17A76702EBB7}"/>
+              </a:ext>
+            </a:extLst>
+          </p:cNvPr>
+          <p:cNvSpPr>
+            <a:spLocks noGrp="1"/>
+          </p:cNvSpPr>
+          <p:nvPr>
+            <p:ph type="sldNum" sz="quarter" idx="12"/>
+          </p:nvPr>
+        </p:nvSpPr>
+        <p:spPr/>
+        <p:txBody>
+          <a:bodyPr/>
+          <a:lstStyle/>
+          <a:p>
+            <a:fld id="{527B8A08-A521-4A9D-8F6F-63703DFEC7F7}" type="slidenum">
+              <a:rPr lang="cs-CZ" smtClean="0"/>
+              <a:t>‹#›</a:t>
+            </a:fld>
+            <a:endParaRPr lang="cs-CZ"/>
+          </a:p>
+        </p:txBody>
+      </p:sp>
+    </p:spTree>
+    <p:extLst>
+      <p:ext uri="{BB962C8B-B14F-4D97-AF65-F5344CB8AC3E}">
+        <p14:creationId xmlns:p14="http://schemas.microsoft.com/office/powerpoint/2010/main" val="2700290287"/>
+      </p:ext>
+    </p:extLst>
+  </p:cSld>
+  <p:clrMapOvr>
+    <a:masterClrMapping/>
+  </p:clrMapOvr>
+</p:sldLayout>
+</file>
+
+<file path=ppt/slideLayouts/slideLayout19.xml><?xml version="1.0" encoding="utf-8"?>
+<p:sldLayout xmlns:a="http://schemas.openxmlformats.org/drawingml/2006/main" xmlns:r="http://schemas.openxmlformats.org/officeDocument/2006/relationships" xmlns:p="http://schemas.openxmlformats.org/presentationml/2006/main" type="objTx" preserve="1">
+  <p:cSld name="Obsah s titulkem">
+    <p:spTree>
+      <p:nvGrpSpPr>
+        <p:cNvPr id="1" name=""/>
+        <p:cNvGrpSpPr/>
+        <p:nvPr/>
+      </p:nvGrpSpPr>
+      <p:grpSpPr>
+        <a:xfrm>
+          <a:off x="0" y="0"/>
+          <a:ext cx="0" cy="0"/>
+          <a:chOff x="0" y="0"/>
+          <a:chExt cx="0" cy="0"/>
+        </a:xfrm>
+      </p:grpSpPr>
+      <p:sp>
+        <p:nvSpPr>
+          <p:cNvPr id="2" name="Nadpis 1">
+            <a:extLst>
+              <a:ext uri="{FF2B5EF4-FFF2-40B4-BE49-F238E27FC236}">
+                <a16:creationId xmlns:a16="http://schemas.microsoft.com/office/drawing/2014/main" id="{2E0E6DA7-C051-4D62-8F56-3DA8DCC7A986}"/>
+              </a:ext>
+            </a:extLst>
+          </p:cNvPr>
+          <p:cNvSpPr>
+            <a:spLocks noGrp="1"/>
+          </p:cNvSpPr>
+          <p:nvPr>
+            <p:ph type="title"/>
+          </p:nvPr>
+        </p:nvSpPr>
+        <p:spPr>
+          <a:xfrm>
+            <a:off x="839788" y="457200"/>
+            <a:ext cx="3932237" cy="1600200"/>
+          </a:xfrm>
+        </p:spPr>
+        <p:txBody>
+          <a:bodyPr anchor="b"/>
+          <a:lstStyle>
+            <a:lvl1pPr>
+              <a:defRPr sz="3200"/>
+            </a:lvl1pPr>
+          </a:lstStyle>
+          <a:p>
+            <a:r>
+              <a:rPr lang="cs-CZ"/>
+              <a:t>Kliknutím lze upravit styl.</a:t>
+            </a:r>
+          </a:p>
+        </p:txBody>
+      </p:sp>
+      <p:sp>
+        <p:nvSpPr>
+          <p:cNvPr id="3" name="Zástupný obsah 2">
+            <a:extLst>
+              <a:ext uri="{FF2B5EF4-FFF2-40B4-BE49-F238E27FC236}">
+                <a16:creationId xmlns:a16="http://schemas.microsoft.com/office/drawing/2014/main" id="{14923AE0-531B-4AAB-854C-5A33B78CB06B}"/>
+              </a:ext>
+            </a:extLst>
+          </p:cNvPr>
+          <p:cNvSpPr>
+            <a:spLocks noGrp="1"/>
+          </p:cNvSpPr>
+          <p:nvPr>
+            <p:ph idx="1"/>
+          </p:nvPr>
+        </p:nvSpPr>
+        <p:spPr>
+          <a:xfrm>
+            <a:off x="5183188" y="987425"/>
+            <a:ext cx="6172200" cy="4873625"/>
+          </a:xfrm>
+        </p:spPr>
+        <p:txBody>
+          <a:bodyPr/>
+          <a:lstStyle>
+            <a:lvl1pPr>
+              <a:defRPr sz="3200"/>
+            </a:lvl1pPr>
+            <a:lvl2pPr>
+              <a:defRPr sz="2800"/>
+            </a:lvl2pPr>
+            <a:lvl3pPr>
+              <a:defRPr sz="2400"/>
+            </a:lvl3pPr>
+            <a:lvl4pPr>
+              <a:defRPr sz="2000"/>
+            </a:lvl4pPr>
+            <a:lvl5pPr>
+              <a:defRPr sz="2000"/>
+            </a:lvl5pPr>
+            <a:lvl6pPr>
+              <a:defRPr sz="2000"/>
+            </a:lvl6pPr>
+            <a:lvl7pPr>
+              <a:defRPr sz="2000"/>
+            </a:lvl7pPr>
+            <a:lvl8pPr>
+              <a:defRPr sz="2000"/>
+            </a:lvl8pPr>
+            <a:lvl9pPr>
+              <a:defRPr sz="2000"/>
+            </a:lvl9pPr>
+          </a:lstStyle>
+          <a:p>
+            <a:pPr lvl="0"/>
+            <a:r>
+              <a:rPr lang="cs-CZ"/>
+              <a:t>Po kliknutí můžete upravovat styly textu v předloze.</a:t>
+            </a:r>
+          </a:p>
+          <a:p>
+            <a:pPr lvl="1"/>
+            <a:r>
+              <a:rPr lang="cs-CZ"/>
+              <a:t>Druhá úroveň</a:t>
+            </a:r>
+          </a:p>
+          <a:p>
+            <a:pPr lvl="2"/>
+            <a:r>
+              <a:rPr lang="cs-CZ"/>
+              <a:t>Třetí úroveň</a:t>
+            </a:r>
+          </a:p>
+          <a:p>
+            <a:pPr lvl="3"/>
+            <a:r>
+              <a:rPr lang="cs-CZ"/>
+              <a:t>Čtvrtá úroveň</a:t>
+            </a:r>
+          </a:p>
+          <a:p>
+            <a:pPr lvl="4"/>
+            <a:r>
+              <a:rPr lang="cs-CZ"/>
+              <a:t>Pátá úroveň</a:t>
+            </a:r>
+          </a:p>
+        </p:txBody>
+      </p:sp>
+      <p:sp>
+        <p:nvSpPr>
+          <p:cNvPr id="4" name="Zástupný text 3">
+            <a:extLst>
+              <a:ext uri="{FF2B5EF4-FFF2-40B4-BE49-F238E27FC236}">
+                <a16:creationId xmlns:a16="http://schemas.microsoft.com/office/drawing/2014/main" id="{4B3A263C-7DE5-46CF-B2BC-2F81CD828C25}"/>
+              </a:ext>
+            </a:extLst>
+          </p:cNvPr>
+          <p:cNvSpPr>
+            <a:spLocks noGrp="1"/>
+          </p:cNvSpPr>
+          <p:nvPr>
+            <p:ph type="body" sz="half" idx="2"/>
+          </p:nvPr>
+        </p:nvSpPr>
+        <p:spPr>
+          <a:xfrm>
+            <a:off x="839788" y="2057400"/>
+            <a:ext cx="3932237" cy="3811588"/>
+          </a:xfrm>
+        </p:spPr>
+        <p:txBody>
+          <a:bodyPr/>
+          <a:lstStyle>
+            <a:lvl1pPr marL="0" indent="0">
+              <a:buNone/>
+              <a:defRPr sz="1600"/>
+            </a:lvl1pPr>
+            <a:lvl2pPr marL="457200" indent="0">
+              <a:buNone/>
+              <a:defRPr sz="1400"/>
+            </a:lvl2pPr>
+            <a:lvl3pPr marL="914400" indent="0">
+              <a:buNone/>
+              <a:defRPr sz="1200"/>
+            </a:lvl3pPr>
+            <a:lvl4pPr marL="1371600" indent="0">
+              <a:buNone/>
+              <a:defRPr sz="1000"/>
+            </a:lvl4pPr>
+            <a:lvl5pPr marL="1828800" indent="0">
+              <a:buNone/>
+              <a:defRPr sz="1000"/>
+            </a:lvl5pPr>
+            <a:lvl6pPr marL="2286000" indent="0">
+              <a:buNone/>
+              <a:defRPr sz="1000"/>
+            </a:lvl6pPr>
+            <a:lvl7pPr marL="2743200" indent="0">
+              <a:buNone/>
+              <a:defRPr sz="1000"/>
+            </a:lvl7pPr>
+            <a:lvl8pPr marL="3200400" indent="0">
+              <a:buNone/>
+              <a:defRPr sz="1000"/>
+            </a:lvl8pPr>
+            <a:lvl9pPr marL="3657600" indent="0">
+              <a:buNone/>
+              <a:defRPr sz="1000"/>
+            </a:lvl9pPr>
+          </a:lstStyle>
+          <a:p>
+            <a:pPr lvl="0"/>
+            <a:r>
+              <a:rPr lang="cs-CZ"/>
+              <a:t>Po kliknutí můžete upravovat styly textu v předloze.</a:t>
+            </a:r>
+          </a:p>
+        </p:txBody>
+      </p:sp>
+      <p:sp>
+        <p:nvSpPr>
+          <p:cNvPr id="5" name="Zástupný symbol pro datum 4">
+            <a:extLst>
+              <a:ext uri="{FF2B5EF4-FFF2-40B4-BE49-F238E27FC236}">
+                <a16:creationId xmlns:a16="http://schemas.microsoft.com/office/drawing/2014/main" id="{5A34E4F3-7DBC-4708-8700-959A157326B0}"/>
+              </a:ext>
+            </a:extLst>
+          </p:cNvPr>
+          <p:cNvSpPr>
+            <a:spLocks noGrp="1"/>
+          </p:cNvSpPr>
+          <p:nvPr>
+            <p:ph type="dt" sz="half" idx="10"/>
+          </p:nvPr>
+        </p:nvSpPr>
+        <p:spPr/>
+        <p:txBody>
+          <a:bodyPr/>
+          <a:lstStyle/>
+          <a:p>
+            <a:fld id="{E48D1949-BE03-403A-97DF-0F3EA7E81ED7}" type="datetime1">
+              <a:rPr lang="cs-CZ" smtClean="0"/>
+              <a:t>26.01.2021</a:t>
+            </a:fld>
+            <a:endParaRPr lang="cs-CZ"/>
+          </a:p>
+        </p:txBody>
+      </p:sp>
+      <p:sp>
+        <p:nvSpPr>
+          <p:cNvPr id="6" name="Zástupný symbol pro zápatí 5">
+            <a:extLst>
+              <a:ext uri="{FF2B5EF4-FFF2-40B4-BE49-F238E27FC236}">
+                <a16:creationId xmlns:a16="http://schemas.microsoft.com/office/drawing/2014/main" id="{2F1C997B-5DD5-4AF6-BE1A-DC96B4915DDC}"/>
+              </a:ext>
+            </a:extLst>
+          </p:cNvPr>
+          <p:cNvSpPr>
+            <a:spLocks noGrp="1"/>
+          </p:cNvSpPr>
+          <p:nvPr>
+            <p:ph type="ftr" sz="quarter" idx="11"/>
+          </p:nvPr>
+        </p:nvSpPr>
+        <p:spPr/>
+        <p:txBody>
+          <a:bodyPr/>
+          <a:lstStyle/>
+          <a:p>
+            <a:endParaRPr lang="cs-CZ"/>
+          </a:p>
+        </p:txBody>
+      </p:sp>
+      <p:sp>
+        <p:nvSpPr>
+          <p:cNvPr id="7" name="Zástupný symbol pro číslo snímku 6">
+            <a:extLst>
+              <a:ext uri="{FF2B5EF4-FFF2-40B4-BE49-F238E27FC236}">
+                <a16:creationId xmlns:a16="http://schemas.microsoft.com/office/drawing/2014/main" id="{855935F6-5B18-46C6-B31E-5A5906354C36}"/>
+              </a:ext>
+            </a:extLst>
+          </p:cNvPr>
+          <p:cNvSpPr>
+            <a:spLocks noGrp="1"/>
+          </p:cNvSpPr>
+          <p:nvPr>
+            <p:ph type="sldNum" sz="quarter" idx="12"/>
+          </p:nvPr>
+        </p:nvSpPr>
+        <p:spPr/>
+        <p:txBody>
+          <a:bodyPr/>
+          <a:lstStyle/>
+          <a:p>
+            <a:fld id="{527B8A08-A521-4A9D-8F6F-63703DFEC7F7}" type="slidenum">
+              <a:rPr lang="cs-CZ" smtClean="0"/>
+              <a:t>‹#›</a:t>
+            </a:fld>
+            <a:endParaRPr lang="cs-CZ"/>
+          </a:p>
+        </p:txBody>
+      </p:sp>
+    </p:spTree>
+    <p:extLst>
+      <p:ext uri="{BB962C8B-B14F-4D97-AF65-F5344CB8AC3E}">
+        <p14:creationId xmlns:p14="http://schemas.microsoft.com/office/powerpoint/2010/main" val="3025850608"/>
       </p:ext>
     </p:extLst>
   </p:cSld>
@@ -1216,7 +3160,7 @@
           <a:p>
             <a:fld id="{51AEF1FE-3B6E-40D7-8E3F-15D57B7B5D50}" type="datetime1">
               <a:rPr lang="cs-CZ" smtClean="0"/>
-              <a:t>25.01.2021</a:t>
+              <a:t>26.01.2021</a:t>
             </a:fld>
             <a:endParaRPr lang="cs-CZ"/>
           </a:p>
@@ -1278,14 +3222,703 @@
 </p:sldLayout>
 </file>
 
+<file path=ppt/slideLayouts/slideLayout20.xml><?xml version="1.0" encoding="utf-8"?>
+<p:sldLayout xmlns:a="http://schemas.openxmlformats.org/drawingml/2006/main" xmlns:r="http://schemas.openxmlformats.org/officeDocument/2006/relationships" xmlns:p="http://schemas.openxmlformats.org/presentationml/2006/main" type="picTx" preserve="1">
+  <p:cSld name="Obrázek s titulkem">
+    <p:spTree>
+      <p:nvGrpSpPr>
+        <p:cNvPr id="1" name=""/>
+        <p:cNvGrpSpPr/>
+        <p:nvPr/>
+      </p:nvGrpSpPr>
+      <p:grpSpPr>
+        <a:xfrm>
+          <a:off x="0" y="0"/>
+          <a:ext cx="0" cy="0"/>
+          <a:chOff x="0" y="0"/>
+          <a:chExt cx="0" cy="0"/>
+        </a:xfrm>
+      </p:grpSpPr>
+      <p:sp>
+        <p:nvSpPr>
+          <p:cNvPr id="2" name="Nadpis 1">
+            <a:extLst>
+              <a:ext uri="{FF2B5EF4-FFF2-40B4-BE49-F238E27FC236}">
+                <a16:creationId xmlns:a16="http://schemas.microsoft.com/office/drawing/2014/main" id="{970D3B1E-4A60-4C7F-820C-79DDA0235B02}"/>
+              </a:ext>
+            </a:extLst>
+          </p:cNvPr>
+          <p:cNvSpPr>
+            <a:spLocks noGrp="1"/>
+          </p:cNvSpPr>
+          <p:nvPr>
+            <p:ph type="title"/>
+          </p:nvPr>
+        </p:nvSpPr>
+        <p:spPr>
+          <a:xfrm>
+            <a:off x="839788" y="457200"/>
+            <a:ext cx="3932237" cy="1600200"/>
+          </a:xfrm>
+        </p:spPr>
+        <p:txBody>
+          <a:bodyPr anchor="b"/>
+          <a:lstStyle>
+            <a:lvl1pPr>
+              <a:defRPr sz="3200"/>
+            </a:lvl1pPr>
+          </a:lstStyle>
+          <a:p>
+            <a:r>
+              <a:rPr lang="cs-CZ"/>
+              <a:t>Kliknutím lze upravit styl.</a:t>
+            </a:r>
+          </a:p>
+        </p:txBody>
+      </p:sp>
+      <p:sp>
+        <p:nvSpPr>
+          <p:cNvPr id="3" name="Zástupný symbol obrázku 2">
+            <a:extLst>
+              <a:ext uri="{FF2B5EF4-FFF2-40B4-BE49-F238E27FC236}">
+                <a16:creationId xmlns:a16="http://schemas.microsoft.com/office/drawing/2014/main" id="{15E280A5-B582-4E37-B414-C9C5C27BDAA5}"/>
+              </a:ext>
+            </a:extLst>
+          </p:cNvPr>
+          <p:cNvSpPr>
+            <a:spLocks noGrp="1"/>
+          </p:cNvSpPr>
+          <p:nvPr>
+            <p:ph type="pic" idx="1"/>
+          </p:nvPr>
+        </p:nvSpPr>
+        <p:spPr>
+          <a:xfrm>
+            <a:off x="5183188" y="987425"/>
+            <a:ext cx="6172200" cy="4873625"/>
+          </a:xfrm>
+        </p:spPr>
+        <p:txBody>
+          <a:bodyPr/>
+          <a:lstStyle>
+            <a:lvl1pPr marL="0" indent="0">
+              <a:buNone/>
+              <a:defRPr sz="3200"/>
+            </a:lvl1pPr>
+            <a:lvl2pPr marL="457200" indent="0">
+              <a:buNone/>
+              <a:defRPr sz="2800"/>
+            </a:lvl2pPr>
+            <a:lvl3pPr marL="914400" indent="0">
+              <a:buNone/>
+              <a:defRPr sz="2400"/>
+            </a:lvl3pPr>
+            <a:lvl4pPr marL="1371600" indent="0">
+              <a:buNone/>
+              <a:defRPr sz="2000"/>
+            </a:lvl4pPr>
+            <a:lvl5pPr marL="1828800" indent="0">
+              <a:buNone/>
+              <a:defRPr sz="2000"/>
+            </a:lvl5pPr>
+            <a:lvl6pPr marL="2286000" indent="0">
+              <a:buNone/>
+              <a:defRPr sz="2000"/>
+            </a:lvl6pPr>
+            <a:lvl7pPr marL="2743200" indent="0">
+              <a:buNone/>
+              <a:defRPr sz="2000"/>
+            </a:lvl7pPr>
+            <a:lvl8pPr marL="3200400" indent="0">
+              <a:buNone/>
+              <a:defRPr sz="2000"/>
+            </a:lvl8pPr>
+            <a:lvl9pPr marL="3657600" indent="0">
+              <a:buNone/>
+              <a:defRPr sz="2000"/>
+            </a:lvl9pPr>
+          </a:lstStyle>
+          <a:p>
+            <a:endParaRPr lang="cs-CZ"/>
+          </a:p>
+        </p:txBody>
+      </p:sp>
+      <p:sp>
+        <p:nvSpPr>
+          <p:cNvPr id="4" name="Zástupný text 3">
+            <a:extLst>
+              <a:ext uri="{FF2B5EF4-FFF2-40B4-BE49-F238E27FC236}">
+                <a16:creationId xmlns:a16="http://schemas.microsoft.com/office/drawing/2014/main" id="{FC123948-B6A6-488C-81D3-9417DBF6E8CB}"/>
+              </a:ext>
+            </a:extLst>
+          </p:cNvPr>
+          <p:cNvSpPr>
+            <a:spLocks noGrp="1"/>
+          </p:cNvSpPr>
+          <p:nvPr>
+            <p:ph type="body" sz="half" idx="2"/>
+          </p:nvPr>
+        </p:nvSpPr>
+        <p:spPr>
+          <a:xfrm>
+            <a:off x="839788" y="2057400"/>
+            <a:ext cx="3932237" cy="3811588"/>
+          </a:xfrm>
+        </p:spPr>
+        <p:txBody>
+          <a:bodyPr/>
+          <a:lstStyle>
+            <a:lvl1pPr marL="0" indent="0">
+              <a:buNone/>
+              <a:defRPr sz="1600"/>
+            </a:lvl1pPr>
+            <a:lvl2pPr marL="457200" indent="0">
+              <a:buNone/>
+              <a:defRPr sz="1400"/>
+            </a:lvl2pPr>
+            <a:lvl3pPr marL="914400" indent="0">
+              <a:buNone/>
+              <a:defRPr sz="1200"/>
+            </a:lvl3pPr>
+            <a:lvl4pPr marL="1371600" indent="0">
+              <a:buNone/>
+              <a:defRPr sz="1000"/>
+            </a:lvl4pPr>
+            <a:lvl5pPr marL="1828800" indent="0">
+              <a:buNone/>
+              <a:defRPr sz="1000"/>
+            </a:lvl5pPr>
+            <a:lvl6pPr marL="2286000" indent="0">
+              <a:buNone/>
+              <a:defRPr sz="1000"/>
+            </a:lvl6pPr>
+            <a:lvl7pPr marL="2743200" indent="0">
+              <a:buNone/>
+              <a:defRPr sz="1000"/>
+            </a:lvl7pPr>
+            <a:lvl8pPr marL="3200400" indent="0">
+              <a:buNone/>
+              <a:defRPr sz="1000"/>
+            </a:lvl8pPr>
+            <a:lvl9pPr marL="3657600" indent="0">
+              <a:buNone/>
+              <a:defRPr sz="1000"/>
+            </a:lvl9pPr>
+          </a:lstStyle>
+          <a:p>
+            <a:pPr lvl="0"/>
+            <a:r>
+              <a:rPr lang="cs-CZ"/>
+              <a:t>Po kliknutí můžete upravovat styly textu v předloze.</a:t>
+            </a:r>
+          </a:p>
+        </p:txBody>
+      </p:sp>
+      <p:sp>
+        <p:nvSpPr>
+          <p:cNvPr id="5" name="Zástupný symbol pro datum 4">
+            <a:extLst>
+              <a:ext uri="{FF2B5EF4-FFF2-40B4-BE49-F238E27FC236}">
+                <a16:creationId xmlns:a16="http://schemas.microsoft.com/office/drawing/2014/main" id="{E426DA16-2C0F-46D3-BDB6-707008BE1D36}"/>
+              </a:ext>
+            </a:extLst>
+          </p:cNvPr>
+          <p:cNvSpPr>
+            <a:spLocks noGrp="1"/>
+          </p:cNvSpPr>
+          <p:nvPr>
+            <p:ph type="dt" sz="half" idx="10"/>
+          </p:nvPr>
+        </p:nvSpPr>
+        <p:spPr/>
+        <p:txBody>
+          <a:bodyPr/>
+          <a:lstStyle/>
+          <a:p>
+            <a:fld id="{639E4EC3-9043-4A5E-8232-09D64A473477}" type="datetime1">
+              <a:rPr lang="cs-CZ" smtClean="0"/>
+              <a:t>26.01.2021</a:t>
+            </a:fld>
+            <a:endParaRPr lang="cs-CZ"/>
+          </a:p>
+        </p:txBody>
+      </p:sp>
+      <p:sp>
+        <p:nvSpPr>
+          <p:cNvPr id="6" name="Zástupný symbol pro zápatí 5">
+            <a:extLst>
+              <a:ext uri="{FF2B5EF4-FFF2-40B4-BE49-F238E27FC236}">
+                <a16:creationId xmlns:a16="http://schemas.microsoft.com/office/drawing/2014/main" id="{0DCD0612-C425-4A73-A184-D9B7C8905AC6}"/>
+              </a:ext>
+            </a:extLst>
+          </p:cNvPr>
+          <p:cNvSpPr>
+            <a:spLocks noGrp="1"/>
+          </p:cNvSpPr>
+          <p:nvPr>
+            <p:ph type="ftr" sz="quarter" idx="11"/>
+          </p:nvPr>
+        </p:nvSpPr>
+        <p:spPr/>
+        <p:txBody>
+          <a:bodyPr/>
+          <a:lstStyle/>
+          <a:p>
+            <a:endParaRPr lang="cs-CZ"/>
+          </a:p>
+        </p:txBody>
+      </p:sp>
+      <p:sp>
+        <p:nvSpPr>
+          <p:cNvPr id="7" name="Zástupný symbol pro číslo snímku 6">
+            <a:extLst>
+              <a:ext uri="{FF2B5EF4-FFF2-40B4-BE49-F238E27FC236}">
+                <a16:creationId xmlns:a16="http://schemas.microsoft.com/office/drawing/2014/main" id="{FE50C0A2-E645-423C-863B-842790AA50A3}"/>
+              </a:ext>
+            </a:extLst>
+          </p:cNvPr>
+          <p:cNvSpPr>
+            <a:spLocks noGrp="1"/>
+          </p:cNvSpPr>
+          <p:nvPr>
+            <p:ph type="sldNum" sz="quarter" idx="12"/>
+          </p:nvPr>
+        </p:nvSpPr>
+        <p:spPr/>
+        <p:txBody>
+          <a:bodyPr/>
+          <a:lstStyle/>
+          <a:p>
+            <a:fld id="{527B8A08-A521-4A9D-8F6F-63703DFEC7F7}" type="slidenum">
+              <a:rPr lang="cs-CZ" smtClean="0"/>
+              <a:t>‹#›</a:t>
+            </a:fld>
+            <a:endParaRPr lang="cs-CZ"/>
+          </a:p>
+        </p:txBody>
+      </p:sp>
+    </p:spTree>
+    <p:extLst>
+      <p:ext uri="{BB962C8B-B14F-4D97-AF65-F5344CB8AC3E}">
+        <p14:creationId xmlns:p14="http://schemas.microsoft.com/office/powerpoint/2010/main" val="3906714754"/>
+      </p:ext>
+    </p:extLst>
+  </p:cSld>
+  <p:clrMapOvr>
+    <a:masterClrMapping/>
+  </p:clrMapOvr>
+</p:sldLayout>
+</file>
+
+<file path=ppt/slideLayouts/slideLayout21.xml><?xml version="1.0" encoding="utf-8"?>
+<p:sldLayout xmlns:a="http://schemas.openxmlformats.org/drawingml/2006/main" xmlns:r="http://schemas.openxmlformats.org/officeDocument/2006/relationships" xmlns:p="http://schemas.openxmlformats.org/presentationml/2006/main" type="vertTx" preserve="1">
+  <p:cSld name="Nadpis a svislý text">
+    <p:spTree>
+      <p:nvGrpSpPr>
+        <p:cNvPr id="1" name=""/>
+        <p:cNvGrpSpPr/>
+        <p:nvPr/>
+      </p:nvGrpSpPr>
+      <p:grpSpPr>
+        <a:xfrm>
+          <a:off x="0" y="0"/>
+          <a:ext cx="0" cy="0"/>
+          <a:chOff x="0" y="0"/>
+          <a:chExt cx="0" cy="0"/>
+        </a:xfrm>
+      </p:grpSpPr>
+      <p:sp>
+        <p:nvSpPr>
+          <p:cNvPr id="2" name="Nadpis 1">
+            <a:extLst>
+              <a:ext uri="{FF2B5EF4-FFF2-40B4-BE49-F238E27FC236}">
+                <a16:creationId xmlns:a16="http://schemas.microsoft.com/office/drawing/2014/main" id="{2CC11FBD-BCDE-4B24-8A30-4119EAD28003}"/>
+              </a:ext>
+            </a:extLst>
+          </p:cNvPr>
+          <p:cNvSpPr>
+            <a:spLocks noGrp="1"/>
+          </p:cNvSpPr>
+          <p:nvPr>
+            <p:ph type="title"/>
+          </p:nvPr>
+        </p:nvSpPr>
+        <p:spPr/>
+        <p:txBody>
+          <a:bodyPr/>
+          <a:lstStyle/>
+          <a:p>
+            <a:r>
+              <a:rPr lang="cs-CZ"/>
+              <a:t>Kliknutím lze upravit styl.</a:t>
+            </a:r>
+          </a:p>
+        </p:txBody>
+      </p:sp>
+      <p:sp>
+        <p:nvSpPr>
+          <p:cNvPr id="3" name="Zástupný symbol pro svislý text 2">
+            <a:extLst>
+              <a:ext uri="{FF2B5EF4-FFF2-40B4-BE49-F238E27FC236}">
+                <a16:creationId xmlns:a16="http://schemas.microsoft.com/office/drawing/2014/main" id="{D76CD633-A7F8-4D38-8BB3-091B02070748}"/>
+              </a:ext>
+            </a:extLst>
+          </p:cNvPr>
+          <p:cNvSpPr>
+            <a:spLocks noGrp="1"/>
+          </p:cNvSpPr>
+          <p:nvPr>
+            <p:ph type="body" orient="vert" idx="1"/>
+          </p:nvPr>
+        </p:nvSpPr>
+        <p:spPr/>
+        <p:txBody>
+          <a:bodyPr vert="eaVert"/>
+          <a:lstStyle/>
+          <a:p>
+            <a:pPr lvl="0"/>
+            <a:r>
+              <a:rPr lang="cs-CZ"/>
+              <a:t>Po kliknutí můžete upravovat styly textu v předloze.</a:t>
+            </a:r>
+          </a:p>
+          <a:p>
+            <a:pPr lvl="1"/>
+            <a:r>
+              <a:rPr lang="cs-CZ"/>
+              <a:t>Druhá úroveň</a:t>
+            </a:r>
+          </a:p>
+          <a:p>
+            <a:pPr lvl="2"/>
+            <a:r>
+              <a:rPr lang="cs-CZ"/>
+              <a:t>Třetí úroveň</a:t>
+            </a:r>
+          </a:p>
+          <a:p>
+            <a:pPr lvl="3"/>
+            <a:r>
+              <a:rPr lang="cs-CZ"/>
+              <a:t>Čtvrtá úroveň</a:t>
+            </a:r>
+          </a:p>
+          <a:p>
+            <a:pPr lvl="4"/>
+            <a:r>
+              <a:rPr lang="cs-CZ"/>
+              <a:t>Pátá úroveň</a:t>
+            </a:r>
+          </a:p>
+        </p:txBody>
+      </p:sp>
+      <p:sp>
+        <p:nvSpPr>
+          <p:cNvPr id="4" name="Zástupný symbol pro datum 3">
+            <a:extLst>
+              <a:ext uri="{FF2B5EF4-FFF2-40B4-BE49-F238E27FC236}">
+                <a16:creationId xmlns:a16="http://schemas.microsoft.com/office/drawing/2014/main" id="{A392C6E2-D786-43F5-A74E-86AD247AB5C7}"/>
+              </a:ext>
+            </a:extLst>
+          </p:cNvPr>
+          <p:cNvSpPr>
+            <a:spLocks noGrp="1"/>
+          </p:cNvSpPr>
+          <p:nvPr>
+            <p:ph type="dt" sz="half" idx="10"/>
+          </p:nvPr>
+        </p:nvSpPr>
+        <p:spPr/>
+        <p:txBody>
+          <a:bodyPr/>
+          <a:lstStyle/>
+          <a:p>
+            <a:fld id="{E9B93010-55F6-4B41-A769-A887B4B0E1D7}" type="datetime1">
+              <a:rPr lang="cs-CZ" smtClean="0"/>
+              <a:t>26.01.2021</a:t>
+            </a:fld>
+            <a:endParaRPr lang="cs-CZ"/>
+          </a:p>
+        </p:txBody>
+      </p:sp>
+      <p:sp>
+        <p:nvSpPr>
+          <p:cNvPr id="5" name="Zástupný symbol pro zápatí 4">
+            <a:extLst>
+              <a:ext uri="{FF2B5EF4-FFF2-40B4-BE49-F238E27FC236}">
+                <a16:creationId xmlns:a16="http://schemas.microsoft.com/office/drawing/2014/main" id="{FAAAB599-C260-4223-A8E6-54F4D22E969E}"/>
+              </a:ext>
+            </a:extLst>
+          </p:cNvPr>
+          <p:cNvSpPr>
+            <a:spLocks noGrp="1"/>
+          </p:cNvSpPr>
+          <p:nvPr>
+            <p:ph type="ftr" sz="quarter" idx="11"/>
+          </p:nvPr>
+        </p:nvSpPr>
+        <p:spPr/>
+        <p:txBody>
+          <a:bodyPr/>
+          <a:lstStyle/>
+          <a:p>
+            <a:endParaRPr lang="cs-CZ"/>
+          </a:p>
+        </p:txBody>
+      </p:sp>
+      <p:sp>
+        <p:nvSpPr>
+          <p:cNvPr id="6" name="Zástupný symbol pro číslo snímku 5">
+            <a:extLst>
+              <a:ext uri="{FF2B5EF4-FFF2-40B4-BE49-F238E27FC236}">
+                <a16:creationId xmlns:a16="http://schemas.microsoft.com/office/drawing/2014/main" id="{3652BCC7-1276-44A0-80C7-7690A3A46C8E}"/>
+              </a:ext>
+            </a:extLst>
+          </p:cNvPr>
+          <p:cNvSpPr>
+            <a:spLocks noGrp="1"/>
+          </p:cNvSpPr>
+          <p:nvPr>
+            <p:ph type="sldNum" sz="quarter" idx="12"/>
+          </p:nvPr>
+        </p:nvSpPr>
+        <p:spPr/>
+        <p:txBody>
+          <a:bodyPr/>
+          <a:lstStyle/>
+          <a:p>
+            <a:fld id="{527B8A08-A521-4A9D-8F6F-63703DFEC7F7}" type="slidenum">
+              <a:rPr lang="cs-CZ" smtClean="0"/>
+              <a:t>‹#›</a:t>
+            </a:fld>
+            <a:endParaRPr lang="cs-CZ"/>
+          </a:p>
+        </p:txBody>
+      </p:sp>
+    </p:spTree>
+    <p:extLst>
+      <p:ext uri="{BB962C8B-B14F-4D97-AF65-F5344CB8AC3E}">
+        <p14:creationId xmlns:p14="http://schemas.microsoft.com/office/powerpoint/2010/main" val="451967242"/>
+      </p:ext>
+    </p:extLst>
+  </p:cSld>
+  <p:clrMapOvr>
+    <a:masterClrMapping/>
+  </p:clrMapOvr>
+</p:sldLayout>
+</file>
+
+<file path=ppt/slideLayouts/slideLayout22.xml><?xml version="1.0" encoding="utf-8"?>
+<p:sldLayout xmlns:a="http://schemas.openxmlformats.org/drawingml/2006/main" xmlns:r="http://schemas.openxmlformats.org/officeDocument/2006/relationships" xmlns:p="http://schemas.openxmlformats.org/presentationml/2006/main" type="vertTitleAndTx" preserve="1">
+  <p:cSld name="Svislý nadpis a text">
+    <p:spTree>
+      <p:nvGrpSpPr>
+        <p:cNvPr id="1" name=""/>
+        <p:cNvGrpSpPr/>
+        <p:nvPr/>
+      </p:nvGrpSpPr>
+      <p:grpSpPr>
+        <a:xfrm>
+          <a:off x="0" y="0"/>
+          <a:ext cx="0" cy="0"/>
+          <a:chOff x="0" y="0"/>
+          <a:chExt cx="0" cy="0"/>
+        </a:xfrm>
+      </p:grpSpPr>
+      <p:sp>
+        <p:nvSpPr>
+          <p:cNvPr id="2" name="Svislý nadpis 1">
+            <a:extLst>
+              <a:ext uri="{FF2B5EF4-FFF2-40B4-BE49-F238E27FC236}">
+                <a16:creationId xmlns:a16="http://schemas.microsoft.com/office/drawing/2014/main" id="{26335944-1FFB-4130-97BD-607CDC46DBF1}"/>
+              </a:ext>
+            </a:extLst>
+          </p:cNvPr>
+          <p:cNvSpPr>
+            <a:spLocks noGrp="1"/>
+          </p:cNvSpPr>
+          <p:nvPr>
+            <p:ph type="title" orient="vert"/>
+          </p:nvPr>
+        </p:nvSpPr>
+        <p:spPr>
+          <a:xfrm>
+            <a:off x="8724900" y="365125"/>
+            <a:ext cx="2628900" cy="5811838"/>
+          </a:xfrm>
+        </p:spPr>
+        <p:txBody>
+          <a:bodyPr vert="eaVert"/>
+          <a:lstStyle/>
+          <a:p>
+            <a:r>
+              <a:rPr lang="cs-CZ"/>
+              <a:t>Kliknutím lze upravit styl.</a:t>
+            </a:r>
+          </a:p>
+        </p:txBody>
+      </p:sp>
+      <p:sp>
+        <p:nvSpPr>
+          <p:cNvPr id="3" name="Zástupný symbol pro svislý text 2">
+            <a:extLst>
+              <a:ext uri="{FF2B5EF4-FFF2-40B4-BE49-F238E27FC236}">
+                <a16:creationId xmlns:a16="http://schemas.microsoft.com/office/drawing/2014/main" id="{2AE17B41-26EC-4C75-BDA6-24C8B4EB52BB}"/>
+              </a:ext>
+            </a:extLst>
+          </p:cNvPr>
+          <p:cNvSpPr>
+            <a:spLocks noGrp="1"/>
+          </p:cNvSpPr>
+          <p:nvPr>
+            <p:ph type="body" orient="vert" idx="1"/>
+          </p:nvPr>
+        </p:nvSpPr>
+        <p:spPr>
+          <a:xfrm>
+            <a:off x="838200" y="365125"/>
+            <a:ext cx="7734300" cy="5811838"/>
+          </a:xfrm>
+        </p:spPr>
+        <p:txBody>
+          <a:bodyPr vert="eaVert"/>
+          <a:lstStyle/>
+          <a:p>
+            <a:pPr lvl="0"/>
+            <a:r>
+              <a:rPr lang="cs-CZ"/>
+              <a:t>Po kliknutí můžete upravovat styly textu v předloze.</a:t>
+            </a:r>
+          </a:p>
+          <a:p>
+            <a:pPr lvl="1"/>
+            <a:r>
+              <a:rPr lang="cs-CZ"/>
+              <a:t>Druhá úroveň</a:t>
+            </a:r>
+          </a:p>
+          <a:p>
+            <a:pPr lvl="2"/>
+            <a:r>
+              <a:rPr lang="cs-CZ"/>
+              <a:t>Třetí úroveň</a:t>
+            </a:r>
+          </a:p>
+          <a:p>
+            <a:pPr lvl="3"/>
+            <a:r>
+              <a:rPr lang="cs-CZ"/>
+              <a:t>Čtvrtá úroveň</a:t>
+            </a:r>
+          </a:p>
+          <a:p>
+            <a:pPr lvl="4"/>
+            <a:r>
+              <a:rPr lang="cs-CZ"/>
+              <a:t>Pátá úroveň</a:t>
+            </a:r>
+          </a:p>
+        </p:txBody>
+      </p:sp>
+      <p:sp>
+        <p:nvSpPr>
+          <p:cNvPr id="4" name="Zástupný symbol pro datum 3">
+            <a:extLst>
+              <a:ext uri="{FF2B5EF4-FFF2-40B4-BE49-F238E27FC236}">
+                <a16:creationId xmlns:a16="http://schemas.microsoft.com/office/drawing/2014/main" id="{4635DB7E-6ED1-43CA-950A-CA744DE86777}"/>
+              </a:ext>
+            </a:extLst>
+          </p:cNvPr>
+          <p:cNvSpPr>
+            <a:spLocks noGrp="1"/>
+          </p:cNvSpPr>
+          <p:nvPr>
+            <p:ph type="dt" sz="half" idx="10"/>
+          </p:nvPr>
+        </p:nvSpPr>
+        <p:spPr/>
+        <p:txBody>
+          <a:bodyPr/>
+          <a:lstStyle/>
+          <a:p>
+            <a:fld id="{73BCB365-77BF-42DD-92EA-B9839185B64C}" type="datetime1">
+              <a:rPr lang="cs-CZ" smtClean="0"/>
+              <a:t>26.01.2021</a:t>
+            </a:fld>
+            <a:endParaRPr lang="cs-CZ"/>
+          </a:p>
+        </p:txBody>
+      </p:sp>
+      <p:sp>
+        <p:nvSpPr>
+          <p:cNvPr id="5" name="Zástupný symbol pro zápatí 4">
+            <a:extLst>
+              <a:ext uri="{FF2B5EF4-FFF2-40B4-BE49-F238E27FC236}">
+                <a16:creationId xmlns:a16="http://schemas.microsoft.com/office/drawing/2014/main" id="{8BE0C475-6CF0-4CC2-8926-E2B275CEE424}"/>
+              </a:ext>
+            </a:extLst>
+          </p:cNvPr>
+          <p:cNvSpPr>
+            <a:spLocks noGrp="1"/>
+          </p:cNvSpPr>
+          <p:nvPr>
+            <p:ph type="ftr" sz="quarter" idx="11"/>
+          </p:nvPr>
+        </p:nvSpPr>
+        <p:spPr/>
+        <p:txBody>
+          <a:bodyPr/>
+          <a:lstStyle/>
+          <a:p>
+            <a:endParaRPr lang="cs-CZ"/>
+          </a:p>
+        </p:txBody>
+      </p:sp>
+      <p:sp>
+        <p:nvSpPr>
+          <p:cNvPr id="6" name="Zástupný symbol pro číslo snímku 5">
+            <a:extLst>
+              <a:ext uri="{FF2B5EF4-FFF2-40B4-BE49-F238E27FC236}">
+                <a16:creationId xmlns:a16="http://schemas.microsoft.com/office/drawing/2014/main" id="{D4B392F4-03C3-4AB2-B799-E552604768AB}"/>
+              </a:ext>
+            </a:extLst>
+          </p:cNvPr>
+          <p:cNvSpPr>
+            <a:spLocks noGrp="1"/>
+          </p:cNvSpPr>
+          <p:nvPr>
+            <p:ph type="sldNum" sz="quarter" idx="12"/>
+          </p:nvPr>
+        </p:nvSpPr>
+        <p:spPr/>
+        <p:txBody>
+          <a:bodyPr/>
+          <a:lstStyle/>
+          <a:p>
+            <a:fld id="{527B8A08-A521-4A9D-8F6F-63703DFEC7F7}" type="slidenum">
+              <a:rPr lang="cs-CZ" smtClean="0"/>
+              <a:t>‹#›</a:t>
+            </a:fld>
+            <a:endParaRPr lang="cs-CZ"/>
+          </a:p>
+        </p:txBody>
+      </p:sp>
+    </p:spTree>
+    <p:extLst>
+      <p:ext uri="{BB962C8B-B14F-4D97-AF65-F5344CB8AC3E}">
+        <p14:creationId xmlns:p14="http://schemas.microsoft.com/office/powerpoint/2010/main" val="2625374841"/>
+      </p:ext>
+    </p:extLst>
+  </p:cSld>
+  <p:clrMapOvr>
+    <a:masterClrMapping/>
+  </p:clrMapOvr>
+</p:sldLayout>
+</file>
+
 <file path=ppt/slideLayouts/slideLayout3.xml><?xml version="1.0" encoding="utf-8"?>
-<p:sldLayout xmlns:a="http://schemas.openxmlformats.org/drawingml/2006/main" xmlns:r="http://schemas.openxmlformats.org/officeDocument/2006/relationships" xmlns:p="http://schemas.openxmlformats.org/presentationml/2006/main" showMasterSp="0" type="secHead" preserve="1">
+<p:sldLayout xmlns:a="http://schemas.openxmlformats.org/drawingml/2006/main" xmlns:r="http://schemas.openxmlformats.org/officeDocument/2006/relationships" xmlns:p="http://schemas.openxmlformats.org/presentationml/2006/main" type="secHead" preserve="1">
   <p:cSld name="Záhlaví oddílu">
-    <p:bg>
-      <p:bgRef idx="1001">
-        <a:schemeClr val="bg1"/>
-      </p:bgRef>
-    </p:bg>
     <p:spTree>
       <p:nvGrpSpPr>
         <p:cNvPr id="1" name=""/>
@@ -1523,7 +4156,7 @@
           <a:p>
             <a:fld id="{A6DF30C0-002B-4FAD-BABD-6E65770E5245}" type="datetime1">
               <a:rPr lang="cs-CZ" smtClean="0"/>
-              <a:t>25.01.2021</a:t>
+              <a:t>26.01.2021</a:t>
             </a:fld>
             <a:endParaRPr lang="cs-CZ"/>
           </a:p>
@@ -1827,7 +4460,7 @@
           <a:p>
             <a:fld id="{1D789B9F-D231-47F7-84E2-BCCA23A7EF47}" type="datetime1">
               <a:rPr lang="cs-CZ" smtClean="0"/>
-              <a:t>25.01.2021</a:t>
+              <a:t>26.01.2021</a:t>
             </a:fld>
             <a:endParaRPr lang="cs-CZ"/>
           </a:p>
@@ -2249,7 +4882,7 @@
           <a:p>
             <a:fld id="{421C5239-6278-4606-9247-342C94C694FD}" type="datetime1">
               <a:rPr lang="cs-CZ" smtClean="0"/>
-              <a:t>25.01.2021</a:t>
+              <a:t>26.01.2021</a:t>
             </a:fld>
             <a:endParaRPr lang="cs-CZ"/>
           </a:p>
@@ -2367,7 +5000,7 @@
           <a:p>
             <a:fld id="{FE3F8548-68B4-4F82-B1B0-2169DF091756}" type="datetime1">
               <a:rPr lang="cs-CZ" smtClean="0"/>
-              <a:t>25.01.2021</a:t>
+              <a:t>26.01.2021</a:t>
             </a:fld>
             <a:endParaRPr lang="cs-CZ"/>
           </a:p>
@@ -2429,7 +5062,7 @@
 </file>
 
 <file path=ppt/slideLayouts/slideLayout7.xml><?xml version="1.0" encoding="utf-8"?>
-<p:sldLayout xmlns:a="http://schemas.openxmlformats.org/drawingml/2006/main" xmlns:r="http://schemas.openxmlformats.org/officeDocument/2006/relationships" xmlns:p="http://schemas.openxmlformats.org/presentationml/2006/main" showMasterSp="0" type="blank" preserve="1">
+<p:sldLayout xmlns:a="http://schemas.openxmlformats.org/drawingml/2006/main" xmlns:r="http://schemas.openxmlformats.org/officeDocument/2006/relationships" xmlns:p="http://schemas.openxmlformats.org/presentationml/2006/main" type="blank" preserve="1">
   <p:cSld name="Prázdný">
     <p:spTree>
       <p:nvGrpSpPr>
@@ -2462,7 +5095,7 @@
           <a:p>
             <a:fld id="{FF852F47-8347-4580-94B3-871D0842554A}" type="datetime1">
               <a:rPr lang="cs-CZ" smtClean="0"/>
-              <a:t>25.01.2021</a:t>
+              <a:t>26.01.2021</a:t>
             </a:fld>
             <a:endParaRPr lang="cs-CZ"/>
           </a:p>
@@ -2735,7 +5368,7 @@
           <a:p>
             <a:fld id="{E48D1949-BE03-403A-97DF-0F3EA7E81ED7}" type="datetime1">
               <a:rPr lang="cs-CZ" smtClean="0"/>
-              <a:t>25.01.2021</a:t>
+              <a:t>26.01.2021</a:t>
             </a:fld>
             <a:endParaRPr lang="cs-CZ"/>
           </a:p>
@@ -3000,7 +5633,7 @@
           <a:p>
             <a:fld id="{639E4EC3-9043-4A5E-8232-09D64A473477}" type="datetime1">
               <a:rPr lang="cs-CZ" smtClean="0"/>
-              <a:t>25.01.2021</a:t>
+              <a:t>26.01.2021</a:t>
             </a:fld>
             <a:endParaRPr lang="cs-CZ"/>
           </a:p>
@@ -3249,7 +5882,7 @@
           <a:p>
             <a:fld id="{51AEF1FE-3B6E-40D7-8E3F-15D57B7B5D50}" type="datetime1">
               <a:rPr lang="cs-CZ" smtClean="0"/>
-              <a:t>25.01.2021</a:t>
+              <a:t>26.01.2021</a:t>
             </a:fld>
             <a:endParaRPr lang="cs-CZ"/>
           </a:p>
@@ -3688,27 +6321,13 @@
 </p:sldMaster>
 </file>
 
-<file path=ppt/slides/slide1.xml><?xml version="1.0" encoding="utf-8"?>
-<p:sld xmlns:a="http://schemas.openxmlformats.org/drawingml/2006/main" xmlns:r="http://schemas.openxmlformats.org/officeDocument/2006/relationships" xmlns:p="http://schemas.openxmlformats.org/presentationml/2006/main">
+<file path=ppt/slideMasters/slideMaster2.xml><?xml version="1.0" encoding="utf-8"?>
+<p:sldMaster xmlns:a="http://schemas.openxmlformats.org/drawingml/2006/main" xmlns:r="http://schemas.openxmlformats.org/officeDocument/2006/relationships" xmlns:p="http://schemas.openxmlformats.org/presentationml/2006/main">
   <p:cSld>
     <p:bg>
-      <p:bgPr>
-        <a:blipFill rotWithShape="1">
-          <a:blip r:embed="rId2">
-            <a:duotone>
-              <a:schemeClr val="bg2">
-                <a:shade val="80000"/>
-                <a:lumMod val="80000"/>
-              </a:schemeClr>
-              <a:schemeClr val="bg2">
-                <a:tint val="98000"/>
-              </a:schemeClr>
-            </a:duotone>
-          </a:blip>
-          <a:stretch/>
-        </a:blipFill>
-        <a:effectLst/>
-      </p:bgPr>
+      <p:bgRef idx="1001">
+        <a:schemeClr val="bg1"/>
+      </p:bgRef>
     </p:bg>
     <p:spTree>
       <p:nvGrpSpPr>
@@ -3726,10 +6345,10 @@
       </p:grpSpPr>
       <p:sp>
         <p:nvSpPr>
-          <p:cNvPr id="2" name="Nadpis 1">
+          <p:cNvPr id="2" name="Zástupný nadpis 1">
             <a:extLst>
               <a:ext uri="{FF2B5EF4-FFF2-40B4-BE49-F238E27FC236}">
-                <a16:creationId xmlns:a16="http://schemas.microsoft.com/office/drawing/2014/main" id="{E2283E94-9BE3-453C-A9C9-D4935B41CFB7}"/>
+                <a16:creationId xmlns:a16="http://schemas.microsoft.com/office/drawing/2014/main" id="{146E2E62-70FD-4ECD-86AE-32143FBFFCC4}"/>
               </a:ext>
             </a:extLst>
           </p:cNvPr>
@@ -3737,173 +6356,51 @@
             <a:spLocks noGrp="1"/>
           </p:cNvSpPr>
           <p:nvPr>
-            <p:ph type="ctrTitle"/>
+            <p:ph type="title"/>
           </p:nvPr>
         </p:nvSpPr>
         <p:spPr>
           <a:xfrm>
-            <a:off x="1370693" y="2489018"/>
-            <a:ext cx="10037536" cy="1048127"/>
-          </a:xfrm>
-        </p:spPr>
-        <p:txBody>
-          <a:bodyPr>
-            <a:normAutofit fontScale="90000"/>
-          </a:bodyPr>
-          <a:lstStyle/>
-          <a:p>
-            <a:pPr>
-              <a:lnSpc>
-                <a:spcPct val="90000"/>
-              </a:lnSpc>
-            </a:pPr>
-            <a:r>
-              <a:rPr lang="cs-CZ" sz="3200" dirty="0"/>
-              <a:t>Bezdrátové ovládání elektroniky mobilním/</a:t>
-            </a:r>
-            <a:r>
-              <a:rPr lang="cs-CZ" sz="3200" dirty="0" err="1"/>
-              <a:t>embedded</a:t>
-            </a:r>
-            <a:r>
-              <a:rPr lang="cs-CZ" sz="3200" dirty="0"/>
-              <a:t> zařízením s využitím </a:t>
-            </a:r>
-            <a:r>
-              <a:rPr lang="cs-CZ" sz="3200" dirty="0" err="1"/>
-              <a:t>WiFi</a:t>
-            </a:r>
-            <a:endParaRPr lang="cs-CZ" sz="3200" dirty="0"/>
-          </a:p>
-        </p:txBody>
-      </p:sp>
-      <p:sp>
-        <p:nvSpPr>
-          <p:cNvPr id="3" name="Podnadpis 2">
-            <a:extLst>
-              <a:ext uri="{FF2B5EF4-FFF2-40B4-BE49-F238E27FC236}">
-                <a16:creationId xmlns:a16="http://schemas.microsoft.com/office/drawing/2014/main" id="{A3BA5CED-E8C1-445A-9E9E-C140150EED8E}"/>
-              </a:ext>
-            </a:extLst>
-          </p:cNvPr>
-          <p:cNvSpPr>
-            <a:spLocks noGrp="1"/>
-          </p:cNvSpPr>
-          <p:nvPr>
-            <p:ph type="subTitle" idx="1"/>
-          </p:nvPr>
-        </p:nvSpPr>
-        <p:spPr>
-          <a:xfrm>
-            <a:off x="1375982" y="3849790"/>
-            <a:ext cx="9440034" cy="652432"/>
-          </a:xfrm>
-        </p:spPr>
-        <p:txBody>
-          <a:bodyPr>
-            <a:normAutofit/>
-          </a:bodyPr>
-          <a:lstStyle/>
-          <a:p>
-            <a:r>
-              <a:rPr lang="cs-CZ" dirty="0">
-                <a:solidFill>
-                  <a:srgbClr val="0CB0F1"/>
-                </a:solidFill>
-              </a:rPr>
-              <a:t>Autor: Petr Marek (xmarek69)</a:t>
-            </a:r>
-          </a:p>
-        </p:txBody>
-      </p:sp>
-      <p:sp>
-        <p:nvSpPr>
-          <p:cNvPr id="6" name="Zástupný symbol pro číslo snímku 1">
-            <a:extLst>
-              <a:ext uri="{FF2B5EF4-FFF2-40B4-BE49-F238E27FC236}">
-                <a16:creationId xmlns:a16="http://schemas.microsoft.com/office/drawing/2014/main" id="{829D5C03-3A14-490E-AF95-D04584482CFE}"/>
-              </a:ext>
-            </a:extLst>
-          </p:cNvPr>
-          <p:cNvSpPr>
-            <a:spLocks noGrp="1"/>
-          </p:cNvSpPr>
-          <p:nvPr>
-            <p:ph type="sldNum" sz="quarter" idx="12"/>
-          </p:nvPr>
-        </p:nvSpPr>
-        <p:spPr>
-          <a:xfrm>
-            <a:off x="11312165" y="6343298"/>
-            <a:ext cx="879835" cy="514702"/>
-          </a:xfrm>
-        </p:spPr>
-        <p:txBody>
-          <a:bodyPr/>
-          <a:lstStyle/>
-          <a:p>
-            <a:pPr algn="ctr"/>
-            <a:r>
-              <a:rPr lang="cs-CZ" sz="1400" dirty="0"/>
-              <a:t>1/8</a:t>
-            </a:r>
-            <a:endParaRPr lang="cs-CZ" dirty="0"/>
-          </a:p>
-        </p:txBody>
-      </p:sp>
-      <p:pic>
-        <p:nvPicPr>
-          <p:cNvPr id="11" name="Obrázek 10" descr="Obsah obrázku kreslení, červená&#10;&#10;Popis byl vytvořen automaticky">
-            <a:extLst>
-              <a:ext uri="{FF2B5EF4-FFF2-40B4-BE49-F238E27FC236}">
-                <a16:creationId xmlns:a16="http://schemas.microsoft.com/office/drawing/2014/main" id="{521EC95B-5283-456D-822B-DE1A03270845}"/>
-              </a:ext>
-            </a:extLst>
-          </p:cNvPr>
-          <p:cNvPicPr>
-            <a:picLocks noChangeAspect="1"/>
-          </p:cNvPicPr>
-          <p:nvPr/>
-        </p:nvPicPr>
-        <p:blipFill rotWithShape="1">
-          <a:blip r:embed="rId3">
-            <a:extLst>
-              <a:ext uri="{28A0092B-C50C-407E-A947-70E740481C1C}">
-                <a14:useLocalDpi xmlns:a14="http://schemas.microsoft.com/office/drawing/2010/main" val="0"/>
-              </a:ext>
-            </a:extLst>
-          </a:blip>
-          <a:srcRect l="7504" t="22291" r="7347" b="24028"/>
-          <a:stretch/>
-        </p:blipFill>
-        <p:spPr>
-          <a:xfrm>
-            <a:off x="2915717" y="654562"/>
-            <a:ext cx="6360565" cy="1351661"/>
+            <a:off x="838200" y="365125"/>
+            <a:ext cx="10515600" cy="1325563"/>
           </a:xfrm>
           <a:prstGeom prst="rect">
             <a:avLst/>
           </a:prstGeom>
         </p:spPr>
-      </p:pic>
-      <p:sp>
-        <p:nvSpPr>
-          <p:cNvPr id="12" name="Podnadpis 2">
+        <p:txBody>
+          <a:bodyPr vert="horz" lIns="91440" tIns="45720" rIns="91440" bIns="45720" rtlCol="0" anchor="ctr">
+            <a:normAutofit/>
+          </a:bodyPr>
+          <a:lstStyle/>
+          <a:p>
+            <a:r>
+              <a:rPr lang="cs-CZ"/>
+              <a:t>Kliknutím lze upravit styl.</a:t>
+            </a:r>
+          </a:p>
+        </p:txBody>
+      </p:sp>
+      <p:sp>
+        <p:nvSpPr>
+          <p:cNvPr id="3" name="Zástupný text 2">
             <a:extLst>
               <a:ext uri="{FF2B5EF4-FFF2-40B4-BE49-F238E27FC236}">
-                <a16:creationId xmlns:a16="http://schemas.microsoft.com/office/drawing/2014/main" id="{38F27B5F-66D2-44BD-88E7-07C80B385308}"/>
+                <a16:creationId xmlns:a16="http://schemas.microsoft.com/office/drawing/2014/main" id="{1A1EA42F-C4A8-441B-BE1D-B80456415871}"/>
               </a:ext>
             </a:extLst>
           </p:cNvPr>
-          <p:cNvSpPr txBox="1">
-            <a:spLocks/>
-          </p:cNvSpPr>
-          <p:nvPr/>
+          <p:cNvSpPr>
+            <a:spLocks noGrp="1"/>
+          </p:cNvSpPr>
+          <p:nvPr>
+            <p:ph type="body" idx="1"/>
+          </p:nvPr>
         </p:nvSpPr>
         <p:spPr>
           <a:xfrm>
-            <a:off x="4054928" y="4516489"/>
-            <a:ext cx="4082142" cy="444637"/>
+            <a:off x="838200" y="1825625"/>
+            <a:ext cx="10515600" cy="4351338"/>
           </a:xfrm>
           <a:prstGeom prst="rect">
             <a:avLst/>
@@ -3913,221 +6410,487 @@
           <a:bodyPr vert="horz" lIns="91440" tIns="45720" rIns="91440" bIns="45720" rtlCol="0">
             <a:normAutofit/>
           </a:bodyPr>
+          <a:lstStyle/>
+          <a:p>
+            <a:pPr lvl="0"/>
+            <a:r>
+              <a:rPr lang="cs-CZ"/>
+              <a:t>Po kliknutí můžete upravovat styly textu v předloze.</a:t>
+            </a:r>
+          </a:p>
+          <a:p>
+            <a:pPr lvl="1"/>
+            <a:r>
+              <a:rPr lang="cs-CZ"/>
+              <a:t>Druhá úroveň</a:t>
+            </a:r>
+          </a:p>
+          <a:p>
+            <a:pPr lvl="2"/>
+            <a:r>
+              <a:rPr lang="cs-CZ"/>
+              <a:t>Třetí úroveň</a:t>
+            </a:r>
+          </a:p>
+          <a:p>
+            <a:pPr lvl="3"/>
+            <a:r>
+              <a:rPr lang="cs-CZ"/>
+              <a:t>Čtvrtá úroveň</a:t>
+            </a:r>
+          </a:p>
+          <a:p>
+            <a:pPr lvl="4"/>
+            <a:r>
+              <a:rPr lang="cs-CZ"/>
+              <a:t>Pátá úroveň</a:t>
+            </a:r>
+          </a:p>
+        </p:txBody>
+      </p:sp>
+      <p:sp>
+        <p:nvSpPr>
+          <p:cNvPr id="4" name="Zástupný symbol pro datum 3">
+            <a:extLst>
+              <a:ext uri="{FF2B5EF4-FFF2-40B4-BE49-F238E27FC236}">
+                <a16:creationId xmlns:a16="http://schemas.microsoft.com/office/drawing/2014/main" id="{63CD2E6F-FD4C-4E8F-8B6D-401DC45289A2}"/>
+              </a:ext>
+            </a:extLst>
+          </p:cNvPr>
+          <p:cNvSpPr>
+            <a:spLocks noGrp="1"/>
+          </p:cNvSpPr>
+          <p:nvPr>
+            <p:ph type="dt" sz="half" idx="2"/>
+          </p:nvPr>
+        </p:nvSpPr>
+        <p:spPr>
+          <a:xfrm>
+            <a:off x="838200" y="6356350"/>
+            <a:ext cx="2743200" cy="365125"/>
+          </a:xfrm>
+          <a:prstGeom prst="rect">
+            <a:avLst/>
+          </a:prstGeom>
+        </p:spPr>
+        <p:txBody>
+          <a:bodyPr vert="horz" lIns="91440" tIns="45720" rIns="91440" bIns="45720" rtlCol="0" anchor="ctr"/>
           <a:lstStyle>
-            <a:lvl1pPr marL="0" indent="0" algn="ctr" defTabSz="914400" rtl="0" eaLnBrk="1" latinLnBrk="0" hangingPunct="1">
-              <a:lnSpc>
-                <a:spcPct val="90000"/>
-              </a:lnSpc>
-              <a:spcBef>
-                <a:spcPts val="1000"/>
-              </a:spcBef>
-              <a:buFont typeface="Arial" panose="020B0604020202020204" pitchFamily="34" charset="0"/>
-              <a:buNone/>
-              <a:defRPr sz="2400" kern="1200">
+            <a:lvl1pPr algn="l">
+              <a:defRPr sz="1200">
                 <a:solidFill>
-                  <a:schemeClr val="tx1"/>
+                  <a:schemeClr val="tx1">
+                    <a:tint val="75000"/>
+                  </a:schemeClr>
                 </a:solidFill>
-                <a:latin typeface="+mn-lt"/>
-                <a:ea typeface="+mn-ea"/>
-                <a:cs typeface="+mn-cs"/>
               </a:defRPr>
             </a:lvl1pPr>
-            <a:lvl2pPr marL="457200" indent="0" algn="ctr" defTabSz="914400" rtl="0" eaLnBrk="1" latinLnBrk="0" hangingPunct="1">
-              <a:lnSpc>
-                <a:spcPct val="90000"/>
-              </a:lnSpc>
-              <a:spcBef>
-                <a:spcPts val="500"/>
-              </a:spcBef>
-              <a:buFont typeface="Arial" panose="020B0604020202020204" pitchFamily="34" charset="0"/>
-              <a:buNone/>
-              <a:defRPr sz="2000" kern="1200">
+          </a:lstStyle>
+          <a:p>
+            <a:fld id="{51AEF1FE-3B6E-40D7-8E3F-15D57B7B5D50}" type="datetime1">
+              <a:rPr lang="cs-CZ" smtClean="0"/>
+              <a:t>26.01.2021</a:t>
+            </a:fld>
+            <a:endParaRPr lang="cs-CZ"/>
+          </a:p>
+        </p:txBody>
+      </p:sp>
+      <p:sp>
+        <p:nvSpPr>
+          <p:cNvPr id="5" name="Zástupný symbol pro zápatí 4">
+            <a:extLst>
+              <a:ext uri="{FF2B5EF4-FFF2-40B4-BE49-F238E27FC236}">
+                <a16:creationId xmlns:a16="http://schemas.microsoft.com/office/drawing/2014/main" id="{276003E3-C4EA-41B0-B11A-FDDE64CD6EDF}"/>
+              </a:ext>
+            </a:extLst>
+          </p:cNvPr>
+          <p:cNvSpPr>
+            <a:spLocks noGrp="1"/>
+          </p:cNvSpPr>
+          <p:nvPr>
+            <p:ph type="ftr" sz="quarter" idx="3"/>
+          </p:nvPr>
+        </p:nvSpPr>
+        <p:spPr>
+          <a:xfrm>
+            <a:off x="4038600" y="6356350"/>
+            <a:ext cx="4114800" cy="365125"/>
+          </a:xfrm>
+          <a:prstGeom prst="rect">
+            <a:avLst/>
+          </a:prstGeom>
+        </p:spPr>
+        <p:txBody>
+          <a:bodyPr vert="horz" lIns="91440" tIns="45720" rIns="91440" bIns="45720" rtlCol="0" anchor="ctr"/>
+          <a:lstStyle>
+            <a:lvl1pPr algn="ctr">
+              <a:defRPr sz="1200">
                 <a:solidFill>
-                  <a:schemeClr val="tx1"/>
+                  <a:schemeClr val="tx1">
+                    <a:tint val="75000"/>
+                  </a:schemeClr>
                 </a:solidFill>
-                <a:latin typeface="+mn-lt"/>
-                <a:ea typeface="+mn-ea"/>
-                <a:cs typeface="+mn-cs"/>
               </a:defRPr>
-            </a:lvl2pPr>
-            <a:lvl3pPr marL="914400" indent="0" algn="ctr" defTabSz="914400" rtl="0" eaLnBrk="1" latinLnBrk="0" hangingPunct="1">
-              <a:lnSpc>
-                <a:spcPct val="90000"/>
-              </a:lnSpc>
-              <a:spcBef>
-                <a:spcPts val="500"/>
-              </a:spcBef>
-              <a:buFont typeface="Arial" panose="020B0604020202020204" pitchFamily="34" charset="0"/>
-              <a:buNone/>
-              <a:defRPr sz="1800" kern="1200">
+            </a:lvl1pPr>
+          </a:lstStyle>
+          <a:p>
+            <a:endParaRPr lang="cs-CZ"/>
+          </a:p>
+        </p:txBody>
+      </p:sp>
+      <p:sp>
+        <p:nvSpPr>
+          <p:cNvPr id="6" name="Zástupný symbol pro číslo snímku 5">
+            <a:extLst>
+              <a:ext uri="{FF2B5EF4-FFF2-40B4-BE49-F238E27FC236}">
+                <a16:creationId xmlns:a16="http://schemas.microsoft.com/office/drawing/2014/main" id="{F6387B88-AFFA-4F33-AF86-D1D1D679A8A8}"/>
+              </a:ext>
+            </a:extLst>
+          </p:cNvPr>
+          <p:cNvSpPr>
+            <a:spLocks noGrp="1"/>
+          </p:cNvSpPr>
+          <p:nvPr>
+            <p:ph type="sldNum" sz="quarter" idx="4"/>
+          </p:nvPr>
+        </p:nvSpPr>
+        <p:spPr>
+          <a:xfrm>
+            <a:off x="8610600" y="6356350"/>
+            <a:ext cx="2743200" cy="365125"/>
+          </a:xfrm>
+          <a:prstGeom prst="rect">
+            <a:avLst/>
+          </a:prstGeom>
+        </p:spPr>
+        <p:txBody>
+          <a:bodyPr vert="horz" lIns="91440" tIns="45720" rIns="91440" bIns="45720" rtlCol="0" anchor="ctr"/>
+          <a:lstStyle>
+            <a:lvl1pPr algn="r">
+              <a:defRPr sz="1200">
                 <a:solidFill>
-                  <a:schemeClr val="tx1"/>
+                  <a:schemeClr val="tx1">
+                    <a:tint val="75000"/>
+                  </a:schemeClr>
                 </a:solidFill>
-                <a:latin typeface="+mn-lt"/>
-                <a:ea typeface="+mn-ea"/>
-                <a:cs typeface="+mn-cs"/>
               </a:defRPr>
-            </a:lvl3pPr>
-            <a:lvl4pPr marL="1371600" indent="0" algn="ctr" defTabSz="914400" rtl="0" eaLnBrk="1" latinLnBrk="0" hangingPunct="1">
-              <a:lnSpc>
-                <a:spcPct val="90000"/>
-              </a:lnSpc>
-              <a:spcBef>
-                <a:spcPts val="500"/>
-              </a:spcBef>
-              <a:buFont typeface="Arial" panose="020B0604020202020204" pitchFamily="34" charset="0"/>
-              <a:buNone/>
-              <a:defRPr sz="1600" kern="1200">
-                <a:solidFill>
-                  <a:schemeClr val="tx1"/>
-                </a:solidFill>
-                <a:latin typeface="+mn-lt"/>
-                <a:ea typeface="+mn-ea"/>
-                <a:cs typeface="+mn-cs"/>
-              </a:defRPr>
-            </a:lvl4pPr>
-            <a:lvl5pPr marL="1828800" indent="0" algn="ctr" defTabSz="914400" rtl="0" eaLnBrk="1" latinLnBrk="0" hangingPunct="1">
-              <a:lnSpc>
-                <a:spcPct val="90000"/>
-              </a:lnSpc>
-              <a:spcBef>
-                <a:spcPts val="500"/>
-              </a:spcBef>
-              <a:buFont typeface="Arial" panose="020B0604020202020204" pitchFamily="34" charset="0"/>
-              <a:buNone/>
-              <a:defRPr sz="1600" kern="1200">
-                <a:solidFill>
-                  <a:schemeClr val="tx1"/>
-                </a:solidFill>
-                <a:latin typeface="+mn-lt"/>
-                <a:ea typeface="+mn-ea"/>
-                <a:cs typeface="+mn-cs"/>
-              </a:defRPr>
-            </a:lvl5pPr>
-            <a:lvl6pPr marL="2286000" indent="0" algn="ctr" defTabSz="914400" rtl="0" eaLnBrk="1" latinLnBrk="0" hangingPunct="1">
-              <a:lnSpc>
-                <a:spcPct val="90000"/>
-              </a:lnSpc>
-              <a:spcBef>
-                <a:spcPts val="500"/>
-              </a:spcBef>
-              <a:buFont typeface="Arial" panose="020B0604020202020204" pitchFamily="34" charset="0"/>
-              <a:buNone/>
-              <a:defRPr sz="1600" kern="1200">
-                <a:solidFill>
-                  <a:schemeClr val="tx1"/>
-                </a:solidFill>
-                <a:latin typeface="+mn-lt"/>
-                <a:ea typeface="+mn-ea"/>
-                <a:cs typeface="+mn-cs"/>
-              </a:defRPr>
-            </a:lvl6pPr>
-            <a:lvl7pPr marL="2743200" indent="0" algn="ctr" defTabSz="914400" rtl="0" eaLnBrk="1" latinLnBrk="0" hangingPunct="1">
-              <a:lnSpc>
-                <a:spcPct val="90000"/>
-              </a:lnSpc>
-              <a:spcBef>
-                <a:spcPts val="500"/>
-              </a:spcBef>
-              <a:buFont typeface="Arial" panose="020B0604020202020204" pitchFamily="34" charset="0"/>
-              <a:buNone/>
-              <a:defRPr sz="1600" kern="1200">
-                <a:solidFill>
-                  <a:schemeClr val="tx1"/>
-                </a:solidFill>
-                <a:latin typeface="+mn-lt"/>
-                <a:ea typeface="+mn-ea"/>
-                <a:cs typeface="+mn-cs"/>
-              </a:defRPr>
-            </a:lvl7pPr>
-            <a:lvl8pPr marL="3200400" indent="0" algn="ctr" defTabSz="914400" rtl="0" eaLnBrk="1" latinLnBrk="0" hangingPunct="1">
-              <a:lnSpc>
-                <a:spcPct val="90000"/>
-              </a:lnSpc>
-              <a:spcBef>
-                <a:spcPts val="500"/>
-              </a:spcBef>
-              <a:buFont typeface="Arial" panose="020B0604020202020204" pitchFamily="34" charset="0"/>
-              <a:buNone/>
-              <a:defRPr sz="1600" kern="1200">
-                <a:solidFill>
-                  <a:schemeClr val="tx1"/>
-                </a:solidFill>
-                <a:latin typeface="+mn-lt"/>
-                <a:ea typeface="+mn-ea"/>
-                <a:cs typeface="+mn-cs"/>
-              </a:defRPr>
-            </a:lvl8pPr>
-            <a:lvl9pPr marL="3657600" indent="0" algn="ctr" defTabSz="914400" rtl="0" eaLnBrk="1" latinLnBrk="0" hangingPunct="1">
-              <a:lnSpc>
-                <a:spcPct val="90000"/>
-              </a:lnSpc>
-              <a:spcBef>
-                <a:spcPts val="500"/>
-              </a:spcBef>
-              <a:buFont typeface="Arial" panose="020B0604020202020204" pitchFamily="34" charset="0"/>
-              <a:buNone/>
-              <a:defRPr sz="1600" kern="1200">
-                <a:solidFill>
-                  <a:schemeClr val="tx1"/>
-                </a:solidFill>
-                <a:latin typeface="+mn-lt"/>
-                <a:ea typeface="+mn-ea"/>
-                <a:cs typeface="+mn-cs"/>
-              </a:defRPr>
-            </a:lvl9pPr>
+            </a:lvl1pPr>
           </a:lstStyle>
           <a:p>
-            <a:r>
-              <a:rPr lang="cs-CZ" sz="1500" dirty="0">
-                <a:effectLst>
-                  <a:outerShdw blurRad="38100" dist="38100" dir="2700000" algn="tl">
-                    <a:srgbClr val="000000">
-                      <a:alpha val="43137"/>
-                    </a:srgbClr>
-                  </a:outerShdw>
-                </a:effectLst>
-              </a:rPr>
-              <a:t>Vedoucí práce: Prof. Dr. Ing. Pavel </a:t>
-            </a:r>
-            <a:r>
-              <a:rPr lang="cs-CZ" sz="1500" dirty="0" err="1">
-                <a:effectLst>
-                  <a:outerShdw blurRad="38100" dist="38100" dir="2700000" algn="tl">
-                    <a:srgbClr val="000000">
-                      <a:alpha val="43137"/>
-                    </a:srgbClr>
-                  </a:outerShdw>
-                </a:effectLst>
-              </a:rPr>
-              <a:t>Zemčík</a:t>
-            </a:r>
-            <a:endParaRPr lang="cs-CZ" sz="1500" dirty="0">
-              <a:effectLst>
-                <a:outerShdw blurRad="38100" dist="38100" dir="2700000" algn="tl">
-                  <a:srgbClr val="000000">
-                    <a:alpha val="43137"/>
-                  </a:srgbClr>
-                </a:outerShdw>
-              </a:effectLst>
-            </a:endParaRPr>
+            <a:fld id="{527B8A08-A521-4A9D-8F6F-63703DFEC7F7}" type="slidenum">
+              <a:rPr lang="cs-CZ" smtClean="0"/>
+              <a:t>‹#›</a:t>
+            </a:fld>
+            <a:endParaRPr lang="cs-CZ"/>
           </a:p>
         </p:txBody>
       </p:sp>
     </p:spTree>
     <p:extLst>
       <p:ext uri="{BB962C8B-B14F-4D97-AF65-F5344CB8AC3E}">
-        <p14:creationId xmlns:p14="http://schemas.microsoft.com/office/powerpoint/2010/main" val="1696772857"/>
+        <p14:creationId xmlns:p14="http://schemas.microsoft.com/office/powerpoint/2010/main" val="669160932"/>
       </p:ext>
     </p:extLst>
   </p:cSld>
-  <p:clrMapOvr>
-    <a:masterClrMapping/>
-  </p:clrMapOvr>
-</p:sld>
+  <p:clrMap bg1="lt1" tx1="dk1" bg2="lt2" tx2="dk2" accent1="accent1" accent2="accent2" accent3="accent3" accent4="accent4" accent5="accent5" accent6="accent6" hlink="hlink" folHlink="folHlink"/>
+  <p:sldLayoutIdLst>
+    <p:sldLayoutId id="2147483793" r:id="rId1"/>
+    <p:sldLayoutId id="2147483794" r:id="rId2"/>
+    <p:sldLayoutId id="2147483795" r:id="rId3"/>
+    <p:sldLayoutId id="2147483796" r:id="rId4"/>
+    <p:sldLayoutId id="2147483797" r:id="rId5"/>
+    <p:sldLayoutId id="2147483798" r:id="rId6"/>
+    <p:sldLayoutId id="2147483799" r:id="rId7"/>
+    <p:sldLayoutId id="2147483800" r:id="rId8"/>
+    <p:sldLayoutId id="2147483801" r:id="rId9"/>
+    <p:sldLayoutId id="2147483802" r:id="rId10"/>
+    <p:sldLayoutId id="2147483803" r:id="rId11"/>
+  </p:sldLayoutIdLst>
+  <p:hf hdr="0" ftr="0" dt="0"/>
+  <p:txStyles>
+    <p:titleStyle>
+      <a:lvl1pPr algn="l" defTabSz="914400" rtl="0" eaLnBrk="1" latinLnBrk="0" hangingPunct="1">
+        <a:lnSpc>
+          <a:spcPct val="90000"/>
+        </a:lnSpc>
+        <a:spcBef>
+          <a:spcPct val="0"/>
+        </a:spcBef>
+        <a:buNone/>
+        <a:defRPr sz="4400" kern="1200">
+          <a:solidFill>
+            <a:schemeClr val="tx1"/>
+          </a:solidFill>
+          <a:latin typeface="+mj-lt"/>
+          <a:ea typeface="+mj-ea"/>
+          <a:cs typeface="+mj-cs"/>
+        </a:defRPr>
+      </a:lvl1pPr>
+    </p:titleStyle>
+    <p:bodyStyle>
+      <a:lvl1pPr marL="228600" indent="-228600" algn="l" defTabSz="914400" rtl="0" eaLnBrk="1" latinLnBrk="0" hangingPunct="1">
+        <a:lnSpc>
+          <a:spcPct val="90000"/>
+        </a:lnSpc>
+        <a:spcBef>
+          <a:spcPts val="1000"/>
+        </a:spcBef>
+        <a:buFont typeface="Arial" panose="020B0604020202020204" pitchFamily="34" charset="0"/>
+        <a:buChar char="•"/>
+        <a:defRPr sz="2800" kern="1200">
+          <a:solidFill>
+            <a:schemeClr val="tx1"/>
+          </a:solidFill>
+          <a:latin typeface="+mn-lt"/>
+          <a:ea typeface="+mn-ea"/>
+          <a:cs typeface="+mn-cs"/>
+        </a:defRPr>
+      </a:lvl1pPr>
+      <a:lvl2pPr marL="685800" indent="-228600" algn="l" defTabSz="914400" rtl="0" eaLnBrk="1" latinLnBrk="0" hangingPunct="1">
+        <a:lnSpc>
+          <a:spcPct val="90000"/>
+        </a:lnSpc>
+        <a:spcBef>
+          <a:spcPts val="500"/>
+        </a:spcBef>
+        <a:buFont typeface="Arial" panose="020B0604020202020204" pitchFamily="34" charset="0"/>
+        <a:buChar char="•"/>
+        <a:defRPr sz="2400" kern="1200">
+          <a:solidFill>
+            <a:schemeClr val="tx1"/>
+          </a:solidFill>
+          <a:latin typeface="+mn-lt"/>
+          <a:ea typeface="+mn-ea"/>
+          <a:cs typeface="+mn-cs"/>
+        </a:defRPr>
+      </a:lvl2pPr>
+      <a:lvl3pPr marL="1143000" indent="-228600" algn="l" defTabSz="914400" rtl="0" eaLnBrk="1" latinLnBrk="0" hangingPunct="1">
+        <a:lnSpc>
+          <a:spcPct val="90000"/>
+        </a:lnSpc>
+        <a:spcBef>
+          <a:spcPts val="500"/>
+        </a:spcBef>
+        <a:buFont typeface="Arial" panose="020B0604020202020204" pitchFamily="34" charset="0"/>
+        <a:buChar char="•"/>
+        <a:defRPr sz="2000" kern="1200">
+          <a:solidFill>
+            <a:schemeClr val="tx1"/>
+          </a:solidFill>
+          <a:latin typeface="+mn-lt"/>
+          <a:ea typeface="+mn-ea"/>
+          <a:cs typeface="+mn-cs"/>
+        </a:defRPr>
+      </a:lvl3pPr>
+      <a:lvl4pPr marL="1600200" indent="-228600" algn="l" defTabSz="914400" rtl="0" eaLnBrk="1" latinLnBrk="0" hangingPunct="1">
+        <a:lnSpc>
+          <a:spcPct val="90000"/>
+        </a:lnSpc>
+        <a:spcBef>
+          <a:spcPts val="500"/>
+        </a:spcBef>
+        <a:buFont typeface="Arial" panose="020B0604020202020204" pitchFamily="34" charset="0"/>
+        <a:buChar char="•"/>
+        <a:defRPr sz="1800" kern="1200">
+          <a:solidFill>
+            <a:schemeClr val="tx1"/>
+          </a:solidFill>
+          <a:latin typeface="+mn-lt"/>
+          <a:ea typeface="+mn-ea"/>
+          <a:cs typeface="+mn-cs"/>
+        </a:defRPr>
+      </a:lvl4pPr>
+      <a:lvl5pPr marL="2057400" indent="-228600" algn="l" defTabSz="914400" rtl="0" eaLnBrk="1" latinLnBrk="0" hangingPunct="1">
+        <a:lnSpc>
+          <a:spcPct val="90000"/>
+        </a:lnSpc>
+        <a:spcBef>
+          <a:spcPts val="500"/>
+        </a:spcBef>
+        <a:buFont typeface="Arial" panose="020B0604020202020204" pitchFamily="34" charset="0"/>
+        <a:buChar char="•"/>
+        <a:defRPr sz="1800" kern="1200">
+          <a:solidFill>
+            <a:schemeClr val="tx1"/>
+          </a:solidFill>
+          <a:latin typeface="+mn-lt"/>
+          <a:ea typeface="+mn-ea"/>
+          <a:cs typeface="+mn-cs"/>
+        </a:defRPr>
+      </a:lvl5pPr>
+      <a:lvl6pPr marL="2514600" indent="-228600" algn="l" defTabSz="914400" rtl="0" eaLnBrk="1" latinLnBrk="0" hangingPunct="1">
+        <a:lnSpc>
+          <a:spcPct val="90000"/>
+        </a:lnSpc>
+        <a:spcBef>
+          <a:spcPts val="500"/>
+        </a:spcBef>
+        <a:buFont typeface="Arial" panose="020B0604020202020204" pitchFamily="34" charset="0"/>
+        <a:buChar char="•"/>
+        <a:defRPr sz="1800" kern="1200">
+          <a:solidFill>
+            <a:schemeClr val="tx1"/>
+          </a:solidFill>
+          <a:latin typeface="+mn-lt"/>
+          <a:ea typeface="+mn-ea"/>
+          <a:cs typeface="+mn-cs"/>
+        </a:defRPr>
+      </a:lvl6pPr>
+      <a:lvl7pPr marL="2971800" indent="-228600" algn="l" defTabSz="914400" rtl="0" eaLnBrk="1" latinLnBrk="0" hangingPunct="1">
+        <a:lnSpc>
+          <a:spcPct val="90000"/>
+        </a:lnSpc>
+        <a:spcBef>
+          <a:spcPts val="500"/>
+        </a:spcBef>
+        <a:buFont typeface="Arial" panose="020B0604020202020204" pitchFamily="34" charset="0"/>
+        <a:buChar char="•"/>
+        <a:defRPr sz="1800" kern="1200">
+          <a:solidFill>
+            <a:schemeClr val="tx1"/>
+          </a:solidFill>
+          <a:latin typeface="+mn-lt"/>
+          <a:ea typeface="+mn-ea"/>
+          <a:cs typeface="+mn-cs"/>
+        </a:defRPr>
+      </a:lvl7pPr>
+      <a:lvl8pPr marL="3429000" indent="-228600" algn="l" defTabSz="914400" rtl="0" eaLnBrk="1" latinLnBrk="0" hangingPunct="1">
+        <a:lnSpc>
+          <a:spcPct val="90000"/>
+        </a:lnSpc>
+        <a:spcBef>
+          <a:spcPts val="500"/>
+        </a:spcBef>
+        <a:buFont typeface="Arial" panose="020B0604020202020204" pitchFamily="34" charset="0"/>
+        <a:buChar char="•"/>
+        <a:defRPr sz="1800" kern="1200">
+          <a:solidFill>
+            <a:schemeClr val="tx1"/>
+          </a:solidFill>
+          <a:latin typeface="+mn-lt"/>
+          <a:ea typeface="+mn-ea"/>
+          <a:cs typeface="+mn-cs"/>
+        </a:defRPr>
+      </a:lvl8pPr>
+      <a:lvl9pPr marL="3886200" indent="-228600" algn="l" defTabSz="914400" rtl="0" eaLnBrk="1" latinLnBrk="0" hangingPunct="1">
+        <a:lnSpc>
+          <a:spcPct val="90000"/>
+        </a:lnSpc>
+        <a:spcBef>
+          <a:spcPts val="500"/>
+        </a:spcBef>
+        <a:buFont typeface="Arial" panose="020B0604020202020204" pitchFamily="34" charset="0"/>
+        <a:buChar char="•"/>
+        <a:defRPr sz="1800" kern="1200">
+          <a:solidFill>
+            <a:schemeClr val="tx1"/>
+          </a:solidFill>
+          <a:latin typeface="+mn-lt"/>
+          <a:ea typeface="+mn-ea"/>
+          <a:cs typeface="+mn-cs"/>
+        </a:defRPr>
+      </a:lvl9pPr>
+    </p:bodyStyle>
+    <p:otherStyle>
+      <a:defPPr>
+        <a:defRPr lang="cs-CZ"/>
+      </a:defPPr>
+      <a:lvl1pPr marL="0" algn="l" defTabSz="914400" rtl="0" eaLnBrk="1" latinLnBrk="0" hangingPunct="1">
+        <a:defRPr sz="1800" kern="1200">
+          <a:solidFill>
+            <a:schemeClr val="tx1"/>
+          </a:solidFill>
+          <a:latin typeface="+mn-lt"/>
+          <a:ea typeface="+mn-ea"/>
+          <a:cs typeface="+mn-cs"/>
+        </a:defRPr>
+      </a:lvl1pPr>
+      <a:lvl2pPr marL="457200" algn="l" defTabSz="914400" rtl="0" eaLnBrk="1" latinLnBrk="0" hangingPunct="1">
+        <a:defRPr sz="1800" kern="1200">
+          <a:solidFill>
+            <a:schemeClr val="tx1"/>
+          </a:solidFill>
+          <a:latin typeface="+mn-lt"/>
+          <a:ea typeface="+mn-ea"/>
+          <a:cs typeface="+mn-cs"/>
+        </a:defRPr>
+      </a:lvl2pPr>
+      <a:lvl3pPr marL="914400" algn="l" defTabSz="914400" rtl="0" eaLnBrk="1" latinLnBrk="0" hangingPunct="1">
+        <a:defRPr sz="1800" kern="1200">
+          <a:solidFill>
+            <a:schemeClr val="tx1"/>
+          </a:solidFill>
+          <a:latin typeface="+mn-lt"/>
+          <a:ea typeface="+mn-ea"/>
+          <a:cs typeface="+mn-cs"/>
+        </a:defRPr>
+      </a:lvl3pPr>
+      <a:lvl4pPr marL="1371600" algn="l" defTabSz="914400" rtl="0" eaLnBrk="1" latinLnBrk="0" hangingPunct="1">
+        <a:defRPr sz="1800" kern="1200">
+          <a:solidFill>
+            <a:schemeClr val="tx1"/>
+          </a:solidFill>
+          <a:latin typeface="+mn-lt"/>
+          <a:ea typeface="+mn-ea"/>
+          <a:cs typeface="+mn-cs"/>
+        </a:defRPr>
+      </a:lvl4pPr>
+      <a:lvl5pPr marL="1828800" algn="l" defTabSz="914400" rtl="0" eaLnBrk="1" latinLnBrk="0" hangingPunct="1">
+        <a:defRPr sz="1800" kern="1200">
+          <a:solidFill>
+            <a:schemeClr val="tx1"/>
+          </a:solidFill>
+          <a:latin typeface="+mn-lt"/>
+          <a:ea typeface="+mn-ea"/>
+          <a:cs typeface="+mn-cs"/>
+        </a:defRPr>
+      </a:lvl5pPr>
+      <a:lvl6pPr marL="2286000" algn="l" defTabSz="914400" rtl="0" eaLnBrk="1" latinLnBrk="0" hangingPunct="1">
+        <a:defRPr sz="1800" kern="1200">
+          <a:solidFill>
+            <a:schemeClr val="tx1"/>
+          </a:solidFill>
+          <a:latin typeface="+mn-lt"/>
+          <a:ea typeface="+mn-ea"/>
+          <a:cs typeface="+mn-cs"/>
+        </a:defRPr>
+      </a:lvl6pPr>
+      <a:lvl7pPr marL="2743200" algn="l" defTabSz="914400" rtl="0" eaLnBrk="1" latinLnBrk="0" hangingPunct="1">
+        <a:defRPr sz="1800" kern="1200">
+          <a:solidFill>
+            <a:schemeClr val="tx1"/>
+          </a:solidFill>
+          <a:latin typeface="+mn-lt"/>
+          <a:ea typeface="+mn-ea"/>
+          <a:cs typeface="+mn-cs"/>
+        </a:defRPr>
+      </a:lvl7pPr>
+      <a:lvl8pPr marL="3200400" algn="l" defTabSz="914400" rtl="0" eaLnBrk="1" latinLnBrk="0" hangingPunct="1">
+        <a:defRPr sz="1800" kern="1200">
+          <a:solidFill>
+            <a:schemeClr val="tx1"/>
+          </a:solidFill>
+          <a:latin typeface="+mn-lt"/>
+          <a:ea typeface="+mn-ea"/>
+          <a:cs typeface="+mn-cs"/>
+        </a:defRPr>
+      </a:lvl8pPr>
+      <a:lvl9pPr marL="3657600" algn="l" defTabSz="914400" rtl="0" eaLnBrk="1" latinLnBrk="0" hangingPunct="1">
+        <a:defRPr sz="1800" kern="1200">
+          <a:solidFill>
+            <a:schemeClr val="tx1"/>
+          </a:solidFill>
+          <a:latin typeface="+mn-lt"/>
+          <a:ea typeface="+mn-ea"/>
+          <a:cs typeface="+mn-cs"/>
+        </a:defRPr>
+      </a:lvl9pPr>
+    </p:otherStyle>
+  </p:txStyles>
+</p:sldMaster>
 </file>
 
-<file path=ppt/slides/slide2.xml><?xml version="1.0" encoding="utf-8"?>
+<file path=ppt/slides/slide1.xml><?xml version="1.0" encoding="utf-8"?>
 <p:sld xmlns:a="http://schemas.openxmlformats.org/drawingml/2006/main" xmlns:r="http://schemas.openxmlformats.org/officeDocument/2006/relationships" xmlns:p="http://schemas.openxmlformats.org/presentationml/2006/main">
   <p:cSld>
     <p:spTree>
@@ -4172,8 +6935,8 @@
           <a:p>
             <a:pPr algn="ctr"/>
             <a:r>
-              <a:rPr lang="cs-CZ" sz="1400"/>
-              <a:t>2/8</a:t>
+              <a:rPr lang="cs-CZ" sz="1400" dirty="0"/>
+              <a:t>1/11</a:t>
             </a:r>
             <a:endParaRPr lang="cs-CZ" dirty="0"/>
           </a:p>
@@ -5449,7 +8212,7 @@
     </p:spTree>
     <p:extLst>
       <p:ext uri="{BB962C8B-B14F-4D97-AF65-F5344CB8AC3E}">
-        <p14:creationId xmlns:p14="http://schemas.microsoft.com/office/powerpoint/2010/main" val="2481019408"/>
+        <p14:creationId xmlns:p14="http://schemas.microsoft.com/office/powerpoint/2010/main" val="3022025417"/>
       </p:ext>
     </p:extLst>
   </p:cSld>
@@ -5459,9 +8222,17 @@
 </p:sld>
 </file>
 
-<file path=ppt/slides/slide3.xml><?xml version="1.0" encoding="utf-8"?>
+<file path=ppt/slides/slide10.xml><?xml version="1.0" encoding="utf-8"?>
 <p:sld xmlns:a="http://schemas.openxmlformats.org/drawingml/2006/main" xmlns:r="http://schemas.openxmlformats.org/officeDocument/2006/relationships" xmlns:p="http://schemas.openxmlformats.org/presentationml/2006/main">
   <p:cSld>
+    <p:bg>
+      <p:bgPr>
+        <a:solidFill>
+          <a:srgbClr val="099BDD"/>
+        </a:solidFill>
+        <a:effectLst/>
+      </p:bgPr>
+    </p:bg>
     <p:spTree>
       <p:nvGrpSpPr>
         <p:cNvPr id="1" name=""/>
@@ -5504,8 +8275,520 @@
           <a:p>
             <a:pPr algn="ctr"/>
             <a:r>
-              <a:rPr lang="cs-CZ" sz="1400"/>
-              <a:t>2/8</a:t>
+              <a:rPr lang="cs-CZ" sz="1400" dirty="0">
+                <a:solidFill>
+                  <a:schemeClr val="bg1"/>
+                </a:solidFill>
+              </a:rPr>
+              <a:t>10/11</a:t>
+            </a:r>
+            <a:endParaRPr lang="cs-CZ" dirty="0">
+              <a:solidFill>
+                <a:schemeClr val="bg1"/>
+              </a:solidFill>
+            </a:endParaRPr>
+          </a:p>
+        </p:txBody>
+      </p:sp>
+      <p:sp>
+        <p:nvSpPr>
+          <p:cNvPr id="3" name="Nadpis 1">
+            <a:extLst>
+              <a:ext uri="{FF2B5EF4-FFF2-40B4-BE49-F238E27FC236}">
+                <a16:creationId xmlns:a16="http://schemas.microsoft.com/office/drawing/2014/main" id="{10467BCF-B006-41CE-B4C0-64F6ECCB7B14}"/>
+              </a:ext>
+            </a:extLst>
+          </p:cNvPr>
+          <p:cNvSpPr txBox="1">
+            <a:spLocks/>
+          </p:cNvSpPr>
+          <p:nvPr/>
+        </p:nvSpPr>
+        <p:spPr>
+          <a:xfrm>
+            <a:off x="1077232" y="2904936"/>
+            <a:ext cx="10037536" cy="1048127"/>
+          </a:xfrm>
+          <a:prstGeom prst="rect">
+            <a:avLst/>
+          </a:prstGeom>
+        </p:spPr>
+        <p:txBody>
+          <a:bodyPr vert="horz" lIns="91440" tIns="45720" rIns="91440" bIns="45720" rtlCol="0" anchor="ctr">
+            <a:normAutofit fontScale="97500"/>
+          </a:bodyPr>
+          <a:lstStyle>
+            <a:lvl1pPr algn="l" defTabSz="914400" rtl="0" eaLnBrk="1" latinLnBrk="0" hangingPunct="1">
+              <a:lnSpc>
+                <a:spcPct val="85000"/>
+              </a:lnSpc>
+              <a:spcBef>
+                <a:spcPct val="0"/>
+              </a:spcBef>
+              <a:buNone/>
+              <a:defRPr sz="4000" kern="1200" cap="all" baseline="0">
+                <a:solidFill>
+                  <a:schemeClr val="bg2"/>
+                </a:solidFill>
+                <a:latin typeface="+mj-lt"/>
+                <a:ea typeface="+mj-ea"/>
+                <a:cs typeface="+mj-cs"/>
+              </a:defRPr>
+            </a:lvl1pPr>
+          </a:lstStyle>
+          <a:p>
+            <a:pPr algn="ctr">
+              <a:lnSpc>
+                <a:spcPct val="90000"/>
+              </a:lnSpc>
+            </a:pPr>
+            <a:r>
+              <a:rPr lang="cs-CZ" sz="5400" dirty="0">
+                <a:solidFill>
+                  <a:schemeClr val="bg1"/>
+                </a:solidFill>
+              </a:rPr>
+              <a:t>Děkuji za pozornost </a:t>
+            </a:r>
+            <a:r>
+              <a:rPr lang="cs-CZ" sz="5400" dirty="0">
+                <a:solidFill>
+                  <a:schemeClr val="bg1"/>
+                </a:solidFill>
+                <a:sym typeface="Wingdings" panose="05000000000000000000" pitchFamily="2" charset="2"/>
+              </a:rPr>
+              <a:t></a:t>
+            </a:r>
+            <a:endParaRPr lang="cs-CZ" sz="5400" dirty="0">
+              <a:solidFill>
+                <a:schemeClr val="bg1"/>
+              </a:solidFill>
+            </a:endParaRPr>
+          </a:p>
+        </p:txBody>
+      </p:sp>
+    </p:spTree>
+    <p:extLst>
+      <p:ext uri="{BB962C8B-B14F-4D97-AF65-F5344CB8AC3E}">
+        <p14:creationId xmlns:p14="http://schemas.microsoft.com/office/powerpoint/2010/main" val="3422587761"/>
+      </p:ext>
+    </p:extLst>
+  </p:cSld>
+  <p:clrMapOvr>
+    <a:masterClrMapping/>
+  </p:clrMapOvr>
+</p:sld>
+</file>
+
+<file path=ppt/slides/slide11.xml><?xml version="1.0" encoding="utf-8"?>
+<p:sld xmlns:a="http://schemas.openxmlformats.org/drawingml/2006/main" xmlns:r="http://schemas.openxmlformats.org/officeDocument/2006/relationships" xmlns:p="http://schemas.openxmlformats.org/presentationml/2006/main">
+  <p:cSld>
+    <p:bg>
+      <p:bgPr>
+        <a:solidFill>
+          <a:srgbClr val="099BDD"/>
+        </a:solidFill>
+        <a:effectLst/>
+      </p:bgPr>
+    </p:bg>
+    <p:spTree>
+      <p:nvGrpSpPr>
+        <p:cNvPr id="1" name=""/>
+        <p:cNvGrpSpPr/>
+        <p:nvPr/>
+      </p:nvGrpSpPr>
+      <p:grpSpPr>
+        <a:xfrm>
+          <a:off x="0" y="0"/>
+          <a:ext cx="0" cy="0"/>
+          <a:chOff x="0" y="0"/>
+          <a:chExt cx="0" cy="0"/>
+        </a:xfrm>
+      </p:grpSpPr>
+      <p:pic>
+        <p:nvPicPr>
+          <p:cNvPr id="5" name="Obrázek 4">
+            <a:extLst>
+              <a:ext uri="{FF2B5EF4-FFF2-40B4-BE49-F238E27FC236}">
+                <a16:creationId xmlns:a16="http://schemas.microsoft.com/office/drawing/2014/main" id="{C7DAE9F7-4F53-4DD9-AE86-0210D0EA8EBC}"/>
+              </a:ext>
+            </a:extLst>
+          </p:cNvPr>
+          <p:cNvPicPr>
+            <a:picLocks noChangeAspect="1"/>
+          </p:cNvPicPr>
+          <p:nvPr/>
+        </p:nvPicPr>
+        <p:blipFill>
+          <a:blip r:embed="rId2">
+            <a:extLst>
+              <a:ext uri="{28A0092B-C50C-407E-A947-70E740481C1C}">
+                <a14:useLocalDpi xmlns:a14="http://schemas.microsoft.com/office/drawing/2010/main" val="0"/>
+              </a:ext>
+            </a:extLst>
+          </a:blip>
+          <a:stretch>
+            <a:fillRect/>
+          </a:stretch>
+        </p:blipFill>
+        <p:spPr>
+          <a:xfrm>
+            <a:off x="5620896" y="203689"/>
+            <a:ext cx="5715551" cy="6450622"/>
+          </a:xfrm>
+          <a:prstGeom prst="rect">
+            <a:avLst/>
+          </a:prstGeom>
+        </p:spPr>
+      </p:pic>
+      <p:sp>
+        <p:nvSpPr>
+          <p:cNvPr id="6" name="TextovéPole 5">
+            <a:extLst>
+              <a:ext uri="{FF2B5EF4-FFF2-40B4-BE49-F238E27FC236}">
+                <a16:creationId xmlns:a16="http://schemas.microsoft.com/office/drawing/2014/main" id="{3AA95431-DD63-439E-990A-AF62C6E18F02}"/>
+              </a:ext>
+            </a:extLst>
+          </p:cNvPr>
+          <p:cNvSpPr txBox="1"/>
+          <p:nvPr/>
+        </p:nvSpPr>
+        <p:spPr>
+          <a:xfrm>
+            <a:off x="439918" y="1475177"/>
+            <a:ext cx="3034804" cy="707886"/>
+          </a:xfrm>
+          <a:prstGeom prst="rect">
+            <a:avLst/>
+          </a:prstGeom>
+          <a:noFill/>
+        </p:spPr>
+        <p:txBody>
+          <a:bodyPr wrap="square" rtlCol="0">
+            <a:spAutoFit/>
+          </a:bodyPr>
+          <a:lstStyle/>
+          <a:p>
+            <a:r>
+              <a:rPr lang="cs-CZ" sz="4000" dirty="0">
+                <a:solidFill>
+                  <a:schemeClr val="bg1"/>
+                </a:solidFill>
+              </a:rPr>
+              <a:t>Diskuze</a:t>
+            </a:r>
+            <a:endParaRPr lang="cs-CZ" sz="2800" dirty="0">
+              <a:solidFill>
+                <a:schemeClr val="bg1"/>
+              </a:solidFill>
+            </a:endParaRPr>
+          </a:p>
+        </p:txBody>
+      </p:sp>
+      <p:sp>
+        <p:nvSpPr>
+          <p:cNvPr id="7" name="TextovéPole 6">
+            <a:extLst>
+              <a:ext uri="{FF2B5EF4-FFF2-40B4-BE49-F238E27FC236}">
+                <a16:creationId xmlns:a16="http://schemas.microsoft.com/office/drawing/2014/main" id="{B69ACB5B-5102-42DD-B0F0-E1D151BA4377}"/>
+              </a:ext>
+            </a:extLst>
+          </p:cNvPr>
+          <p:cNvSpPr txBox="1"/>
+          <p:nvPr/>
+        </p:nvSpPr>
+        <p:spPr>
+          <a:xfrm>
+            <a:off x="855553" y="2330370"/>
+            <a:ext cx="6757059" cy="1384995"/>
+          </a:xfrm>
+          <a:prstGeom prst="rect">
+            <a:avLst/>
+          </a:prstGeom>
+          <a:noFill/>
+        </p:spPr>
+        <p:txBody>
+          <a:bodyPr wrap="square" rtlCol="0">
+            <a:spAutoFit/>
+          </a:bodyPr>
+          <a:lstStyle/>
+          <a:p>
+            <a:pPr marL="342900" indent="-342900">
+              <a:buFont typeface="Arial" panose="020B0604020202020204" pitchFamily="34" charset="0"/>
+              <a:buChar char="•"/>
+            </a:pPr>
+            <a:r>
+              <a:rPr lang="cs-CZ" sz="2800" dirty="0">
+                <a:solidFill>
+                  <a:schemeClr val="bg1"/>
+                </a:solidFill>
+              </a:rPr>
+              <a:t>Automatizace domácnosti</a:t>
+            </a:r>
+          </a:p>
+          <a:p>
+            <a:pPr marL="342900" indent="-342900">
+              <a:buFont typeface="Arial" panose="020B0604020202020204" pitchFamily="34" charset="0"/>
+              <a:buChar char="•"/>
+            </a:pPr>
+            <a:r>
+              <a:rPr lang="cs-CZ" sz="2800">
+                <a:solidFill>
+                  <a:schemeClr val="bg1"/>
+                </a:solidFill>
+              </a:rPr>
+              <a:t>Raspberry Pi a ESP</a:t>
+            </a:r>
+            <a:endParaRPr lang="cs-CZ" sz="2800" dirty="0">
+              <a:solidFill>
+                <a:schemeClr val="bg1"/>
+              </a:solidFill>
+            </a:endParaRPr>
+          </a:p>
+          <a:p>
+            <a:pPr marL="342900" indent="-342900">
+              <a:buFont typeface="Arial" panose="020B0604020202020204" pitchFamily="34" charset="0"/>
+              <a:buChar char="•"/>
+            </a:pPr>
+            <a:r>
+              <a:rPr lang="cs-CZ" sz="2800" dirty="0">
+                <a:solidFill>
+                  <a:schemeClr val="bg1"/>
+                </a:solidFill>
+              </a:rPr>
+              <a:t>Wi-Fi</a:t>
+            </a:r>
+          </a:p>
+        </p:txBody>
+      </p:sp>
+      <p:sp>
+        <p:nvSpPr>
+          <p:cNvPr id="8" name="Zástupný symbol pro číslo snímku 1">
+            <a:extLst>
+              <a:ext uri="{FF2B5EF4-FFF2-40B4-BE49-F238E27FC236}">
+                <a16:creationId xmlns:a16="http://schemas.microsoft.com/office/drawing/2014/main" id="{8DA2D1A4-F246-4A42-AA9E-96289FF61F56}"/>
+              </a:ext>
+            </a:extLst>
+          </p:cNvPr>
+          <p:cNvSpPr>
+            <a:spLocks noGrp="1"/>
+          </p:cNvSpPr>
+          <p:nvPr>
+            <p:ph type="sldNum" sz="quarter" idx="12"/>
+          </p:nvPr>
+        </p:nvSpPr>
+        <p:spPr>
+          <a:xfrm>
+            <a:off x="11312165" y="6343298"/>
+            <a:ext cx="879835" cy="514702"/>
+          </a:xfrm>
+        </p:spPr>
+        <p:txBody>
+          <a:bodyPr/>
+          <a:lstStyle/>
+          <a:p>
+            <a:pPr algn="ctr"/>
+            <a:r>
+              <a:rPr lang="cs-CZ" sz="1400" dirty="0">
+                <a:solidFill>
+                  <a:schemeClr val="bg1"/>
+                </a:solidFill>
+              </a:rPr>
+              <a:t>11/11</a:t>
+            </a:r>
+            <a:endParaRPr lang="cs-CZ" dirty="0">
+              <a:solidFill>
+                <a:schemeClr val="bg1"/>
+              </a:solidFill>
+            </a:endParaRPr>
+          </a:p>
+        </p:txBody>
+      </p:sp>
+    </p:spTree>
+    <p:extLst>
+      <p:ext uri="{BB962C8B-B14F-4D97-AF65-F5344CB8AC3E}">
+        <p14:creationId xmlns:p14="http://schemas.microsoft.com/office/powerpoint/2010/main" val="3008061865"/>
+      </p:ext>
+    </p:extLst>
+  </p:cSld>
+  <p:clrMapOvr>
+    <a:masterClrMapping/>
+  </p:clrMapOvr>
+</p:sld>
+</file>
+
+<file path=ppt/slides/slide2.xml><?xml version="1.0" encoding="utf-8"?>
+<p:sld xmlns:a="http://schemas.openxmlformats.org/drawingml/2006/main" xmlns:r="http://schemas.openxmlformats.org/officeDocument/2006/relationships" xmlns:p="http://schemas.openxmlformats.org/presentationml/2006/main">
+  <p:cSld>
+    <p:bg>
+      <p:bgPr>
+        <a:solidFill>
+          <a:srgbClr val="099BDD"/>
+        </a:solidFill>
+        <a:effectLst/>
+      </p:bgPr>
+    </p:bg>
+    <p:spTree>
+      <p:nvGrpSpPr>
+        <p:cNvPr id="1" name=""/>
+        <p:cNvGrpSpPr/>
+        <p:nvPr/>
+      </p:nvGrpSpPr>
+      <p:grpSpPr>
+        <a:xfrm>
+          <a:off x="0" y="0"/>
+          <a:ext cx="0" cy="0"/>
+          <a:chOff x="0" y="0"/>
+          <a:chExt cx="0" cy="0"/>
+        </a:xfrm>
+      </p:grpSpPr>
+      <p:sp>
+        <p:nvSpPr>
+          <p:cNvPr id="4" name="Zástupný symbol pro číslo snímku 1">
+            <a:extLst>
+              <a:ext uri="{FF2B5EF4-FFF2-40B4-BE49-F238E27FC236}">
+                <a16:creationId xmlns:a16="http://schemas.microsoft.com/office/drawing/2014/main" id="{AE691DD1-9DE5-4A3A-A8F4-087A43878753}"/>
+              </a:ext>
+            </a:extLst>
+          </p:cNvPr>
+          <p:cNvSpPr>
+            <a:spLocks noGrp="1"/>
+          </p:cNvSpPr>
+          <p:nvPr>
+            <p:ph type="sldNum" sz="quarter" idx="12"/>
+          </p:nvPr>
+        </p:nvSpPr>
+        <p:spPr>
+          <a:xfrm>
+            <a:off x="11312165" y="6343298"/>
+            <a:ext cx="879835" cy="514702"/>
+          </a:xfrm>
+        </p:spPr>
+        <p:txBody>
+          <a:bodyPr/>
+          <a:lstStyle/>
+          <a:p>
+            <a:pPr algn="ctr"/>
+            <a:r>
+              <a:rPr lang="cs-CZ" sz="1400" dirty="0">
+                <a:solidFill>
+                  <a:schemeClr val="bg1"/>
+                </a:solidFill>
+              </a:rPr>
+              <a:t>2/11</a:t>
+            </a:r>
+            <a:endParaRPr lang="cs-CZ" dirty="0">
+              <a:solidFill>
+                <a:schemeClr val="bg1"/>
+              </a:solidFill>
+            </a:endParaRPr>
+          </a:p>
+        </p:txBody>
+      </p:sp>
+      <p:pic>
+        <p:nvPicPr>
+          <p:cNvPr id="7" name="Obrázek 6">
+            <a:extLst>
+              <a:ext uri="{FF2B5EF4-FFF2-40B4-BE49-F238E27FC236}">
+                <a16:creationId xmlns:a16="http://schemas.microsoft.com/office/drawing/2014/main" id="{B786A0B0-7535-4FC1-8CD0-B53E9B4E7689}"/>
+              </a:ext>
+            </a:extLst>
+          </p:cNvPr>
+          <p:cNvPicPr>
+            <a:picLocks noChangeAspect="1"/>
+          </p:cNvPicPr>
+          <p:nvPr/>
+        </p:nvPicPr>
+        <p:blipFill>
+          <a:blip r:embed="rId2">
+            <a:extLst>
+              <a:ext uri="{28A0092B-C50C-407E-A947-70E740481C1C}">
+                <a14:useLocalDpi xmlns:a14="http://schemas.microsoft.com/office/drawing/2010/main" val="0"/>
+              </a:ext>
+            </a:extLst>
+          </a:blip>
+          <a:stretch>
+            <a:fillRect/>
+          </a:stretch>
+        </p:blipFill>
+        <p:spPr>
+          <a:xfrm>
+            <a:off x="1686763" y="170481"/>
+            <a:ext cx="8818474" cy="6517038"/>
+          </a:xfrm>
+          <a:prstGeom prst="rect">
+            <a:avLst/>
+          </a:prstGeom>
+        </p:spPr>
+      </p:pic>
+    </p:spTree>
+    <p:extLst>
+      <p:ext uri="{BB962C8B-B14F-4D97-AF65-F5344CB8AC3E}">
+        <p14:creationId xmlns:p14="http://schemas.microsoft.com/office/powerpoint/2010/main" val="2481019408"/>
+      </p:ext>
+    </p:extLst>
+  </p:cSld>
+  <p:clrMapOvr>
+    <a:masterClrMapping/>
+  </p:clrMapOvr>
+</p:sld>
+</file>
+
+<file path=ppt/slides/slide3.xml><?xml version="1.0" encoding="utf-8"?>
+<p:sld xmlns:a="http://schemas.openxmlformats.org/drawingml/2006/main" xmlns:r="http://schemas.openxmlformats.org/officeDocument/2006/relationships" xmlns:p="http://schemas.openxmlformats.org/presentationml/2006/main">
+  <p:cSld>
+    <p:bg>
+      <p:bgPr>
+        <a:solidFill>
+          <a:srgbClr val="099BDD"/>
+        </a:solidFill>
+        <a:effectLst/>
+      </p:bgPr>
+    </p:bg>
+    <p:spTree>
+      <p:nvGrpSpPr>
+        <p:cNvPr id="1" name=""/>
+        <p:cNvGrpSpPr/>
+        <p:nvPr/>
+      </p:nvGrpSpPr>
+      <p:grpSpPr>
+        <a:xfrm>
+          <a:off x="0" y="0"/>
+          <a:ext cx="0" cy="0"/>
+          <a:chOff x="0" y="0"/>
+          <a:chExt cx="0" cy="0"/>
+        </a:xfrm>
+      </p:grpSpPr>
+      <p:sp>
+        <p:nvSpPr>
+          <p:cNvPr id="4" name="Zástupný symbol pro číslo snímku 1">
+            <a:extLst>
+              <a:ext uri="{FF2B5EF4-FFF2-40B4-BE49-F238E27FC236}">
+                <a16:creationId xmlns:a16="http://schemas.microsoft.com/office/drawing/2014/main" id="{AE691DD1-9DE5-4A3A-A8F4-087A43878753}"/>
+              </a:ext>
+            </a:extLst>
+          </p:cNvPr>
+          <p:cNvSpPr>
+            <a:spLocks noGrp="1"/>
+          </p:cNvSpPr>
+          <p:nvPr>
+            <p:ph type="sldNum" sz="quarter" idx="12"/>
+          </p:nvPr>
+        </p:nvSpPr>
+        <p:spPr>
+          <a:xfrm>
+            <a:off x="11312165" y="6343298"/>
+            <a:ext cx="879835" cy="514702"/>
+          </a:xfrm>
+        </p:spPr>
+        <p:txBody>
+          <a:bodyPr/>
+          <a:lstStyle/>
+          <a:p>
+            <a:pPr algn="ctr"/>
+            <a:r>
+              <a:rPr lang="cs-CZ" sz="1400" dirty="0"/>
+              <a:t>3/11</a:t>
             </a:r>
             <a:endParaRPr lang="cs-CZ" dirty="0"/>
           </a:p>
@@ -5880,7 +9163,7 @@
     </p:spTree>
     <p:extLst>
       <p:ext uri="{BB962C8B-B14F-4D97-AF65-F5344CB8AC3E}">
-        <p14:creationId xmlns:p14="http://schemas.microsoft.com/office/powerpoint/2010/main" val="1316225563"/>
+        <p14:creationId xmlns:p14="http://schemas.microsoft.com/office/powerpoint/2010/main" val="3534393965"/>
       </p:ext>
     </p:extLst>
   </p:cSld>
@@ -5935,8 +9218,8 @@
           <a:p>
             <a:pPr algn="ctr"/>
             <a:r>
-              <a:rPr lang="cs-CZ" sz="1400"/>
-              <a:t>2/8</a:t>
+              <a:rPr lang="cs-CZ" sz="1400" dirty="0"/>
+              <a:t>4/11</a:t>
             </a:r>
             <a:endParaRPr lang="cs-CZ" dirty="0"/>
           </a:p>
@@ -6019,8 +9302,8 @@
         </p:nvSpPr>
         <p:spPr>
           <a:xfrm>
-            <a:off x="605642" y="2933205"/>
-            <a:ext cx="6757059" cy="830997"/>
+            <a:off x="262329" y="2289632"/>
+            <a:ext cx="6201532" cy="3785652"/>
           </a:xfrm>
           <a:prstGeom prst="rect">
             <a:avLst/>
@@ -6033,13 +9316,106 @@
           </a:bodyPr>
           <a:lstStyle/>
           <a:p>
+            <a:r>
+              <a:rPr lang="cs-CZ" sz="2400" dirty="0"/>
+              <a:t>3 Aplikace:</a:t>
+            </a:r>
+          </a:p>
+          <a:p>
             <a:pPr marL="285750" indent="-285750">
               <a:buFont typeface="Arial" panose="020B0604020202020204" pitchFamily="34" charset="0"/>
               <a:buChar char="•"/>
             </a:pPr>
             <a:r>
               <a:rPr lang="cs-CZ" sz="2400" dirty="0"/>
-              <a:t>Popis…</a:t>
+              <a:t>-Klientská aplikace pro </a:t>
+            </a:r>
+            <a:r>
+              <a:rPr lang="cs-CZ" sz="2400" dirty="0" err="1"/>
+              <a:t>smart</a:t>
+            </a:r>
+            <a:r>
+              <a:rPr lang="cs-CZ" sz="2400" dirty="0"/>
+              <a:t> zařízení</a:t>
+            </a:r>
+          </a:p>
+          <a:p>
+            <a:pPr marL="285750" indent="-285750">
+              <a:buFont typeface="Arial" panose="020B0604020202020204" pitchFamily="34" charset="0"/>
+              <a:buChar char="•"/>
+            </a:pPr>
+            <a:r>
+              <a:rPr lang="cs-CZ" sz="2400" dirty="0"/>
+              <a:t>-Server na </a:t>
+            </a:r>
+            <a:r>
+              <a:rPr lang="cs-CZ" sz="2400" dirty="0" err="1"/>
+              <a:t>RPi</a:t>
+            </a:r>
+            <a:r>
+              <a:rPr lang="cs-CZ" sz="2400" dirty="0"/>
+              <a:t>, komunikující s ESP moduly</a:t>
+            </a:r>
+          </a:p>
+          <a:p>
+            <a:pPr marL="285750" indent="-285750">
+              <a:buFont typeface="Arial" panose="020B0604020202020204" pitchFamily="34" charset="0"/>
+              <a:buChar char="•"/>
+            </a:pPr>
+            <a:r>
+              <a:rPr lang="cs-CZ" sz="2400" dirty="0"/>
+              <a:t>-Aplikace na ESP pro ovládání výstupů</a:t>
+            </a:r>
+          </a:p>
+          <a:p>
+            <a:pPr marL="285750" indent="-285750">
+              <a:buFont typeface="Arial" panose="020B0604020202020204" pitchFamily="34" charset="0"/>
+              <a:buChar char="•"/>
+            </a:pPr>
+            <a:endParaRPr lang="cs-CZ" sz="2400" dirty="0"/>
+          </a:p>
+          <a:p>
+            <a:r>
+              <a:rPr lang="cs-CZ" sz="2400" dirty="0"/>
+              <a:t>Funkce systému</a:t>
+            </a:r>
+          </a:p>
+          <a:p>
+            <a:pPr marL="285750" indent="-285750">
+              <a:buFont typeface="Arial" panose="020B0604020202020204" pitchFamily="34" charset="0"/>
+              <a:buChar char="•"/>
+            </a:pPr>
+            <a:r>
+              <a:rPr lang="cs-CZ" sz="2400" dirty="0"/>
+              <a:t>-Klienti ovládají DB</a:t>
+            </a:r>
+          </a:p>
+          <a:p>
+            <a:pPr marL="285750" indent="-285750">
+              <a:buFont typeface="Arial" panose="020B0604020202020204" pitchFamily="34" charset="0"/>
+              <a:buChar char="•"/>
+            </a:pPr>
+            <a:r>
+              <a:rPr lang="cs-CZ" sz="2400" dirty="0"/>
+              <a:t>-</a:t>
+            </a:r>
+            <a:r>
+              <a:rPr lang="cs-CZ" sz="2400" dirty="0" err="1"/>
+              <a:t>RPi</a:t>
+            </a:r>
+            <a:r>
+              <a:rPr lang="cs-CZ" sz="2400" dirty="0"/>
+              <a:t> naslouchá změnám DB</a:t>
+            </a:r>
+          </a:p>
+          <a:p>
+            <a:pPr marL="285750" indent="-285750">
+              <a:buFont typeface="Arial" panose="020B0604020202020204" pitchFamily="34" charset="0"/>
+              <a:buChar char="•"/>
+            </a:pPr>
+            <a:r>
+              <a:rPr lang="cs-CZ" sz="2400" dirty="0"/>
+              <a:t>-V případě změny zareaguje</a:t>
             </a:r>
           </a:p>
           <a:p>
@@ -6079,8 +9455,8 @@
         </p:blipFill>
         <p:spPr>
           <a:xfrm>
-            <a:off x="5424407" y="282989"/>
-            <a:ext cx="5682454" cy="6413269"/>
+            <a:off x="6463861" y="244508"/>
+            <a:ext cx="5465809" cy="6168761"/>
           </a:xfrm>
           <a:prstGeom prst="rect">
             <a:avLst/>
@@ -6091,6 +9467,1012 @@
     <p:extLst>
       <p:ext uri="{BB962C8B-B14F-4D97-AF65-F5344CB8AC3E}">
         <p14:creationId xmlns:p14="http://schemas.microsoft.com/office/powerpoint/2010/main" val="1643061757"/>
+      </p:ext>
+    </p:extLst>
+  </p:cSld>
+  <p:clrMapOvr>
+    <a:masterClrMapping/>
+  </p:clrMapOvr>
+</p:sld>
+</file>
+
+<file path=ppt/slides/slide5.xml><?xml version="1.0" encoding="utf-8"?>
+<p:sld xmlns:a="http://schemas.openxmlformats.org/drawingml/2006/main" xmlns:r="http://schemas.openxmlformats.org/officeDocument/2006/relationships" xmlns:p="http://schemas.openxmlformats.org/presentationml/2006/main">
+  <p:cSld>
+    <p:bg>
+      <p:bgPr>
+        <a:solidFill>
+          <a:srgbClr val="099BDD"/>
+        </a:solidFill>
+        <a:effectLst/>
+      </p:bgPr>
+    </p:bg>
+    <p:spTree>
+      <p:nvGrpSpPr>
+        <p:cNvPr id="1" name=""/>
+        <p:cNvGrpSpPr/>
+        <p:nvPr/>
+      </p:nvGrpSpPr>
+      <p:grpSpPr>
+        <a:xfrm>
+          <a:off x="0" y="0"/>
+          <a:ext cx="0" cy="0"/>
+          <a:chOff x="0" y="0"/>
+          <a:chExt cx="0" cy="0"/>
+        </a:xfrm>
+      </p:grpSpPr>
+      <p:pic>
+        <p:nvPicPr>
+          <p:cNvPr id="14" name="Obrázek 13" descr="Obsah obrázku text, interiér&#10;&#10;Popis byl vytvořen automaticky">
+            <a:extLst>
+              <a:ext uri="{FF2B5EF4-FFF2-40B4-BE49-F238E27FC236}">
+                <a16:creationId xmlns:a16="http://schemas.microsoft.com/office/drawing/2014/main" id="{FB58A4B0-17B1-4DC5-92CC-DCAAF5547931}"/>
+              </a:ext>
+            </a:extLst>
+          </p:cNvPr>
+          <p:cNvPicPr>
+            <a:picLocks noChangeAspect="1"/>
+          </p:cNvPicPr>
+          <p:nvPr/>
+        </p:nvPicPr>
+        <p:blipFill>
+          <a:blip r:embed="rId2">
+            <a:extLst>
+              <a:ext uri="{28A0092B-C50C-407E-A947-70E740481C1C}">
+                <a14:useLocalDpi xmlns:a14="http://schemas.microsoft.com/office/drawing/2010/main" val="0"/>
+              </a:ext>
+            </a:extLst>
+          </a:blip>
+          <a:stretch>
+            <a:fillRect/>
+          </a:stretch>
+        </p:blipFill>
+        <p:spPr>
+          <a:xfrm>
+            <a:off x="587433" y="219044"/>
+            <a:ext cx="11017134" cy="6419912"/>
+          </a:xfrm>
+          <a:prstGeom prst="rect">
+            <a:avLst/>
+          </a:prstGeom>
+        </p:spPr>
+      </p:pic>
+      <p:sp>
+        <p:nvSpPr>
+          <p:cNvPr id="15" name="Zástupný symbol pro číslo snímku 1">
+            <a:extLst>
+              <a:ext uri="{FF2B5EF4-FFF2-40B4-BE49-F238E27FC236}">
+                <a16:creationId xmlns:a16="http://schemas.microsoft.com/office/drawing/2014/main" id="{759F3B17-05D3-4C9D-B0E1-86597870EBA3}"/>
+              </a:ext>
+            </a:extLst>
+          </p:cNvPr>
+          <p:cNvSpPr>
+            <a:spLocks noGrp="1"/>
+          </p:cNvSpPr>
+          <p:nvPr>
+            <p:ph type="sldNum" sz="quarter" idx="12"/>
+          </p:nvPr>
+        </p:nvSpPr>
+        <p:spPr>
+          <a:xfrm>
+            <a:off x="11428543" y="6343298"/>
+            <a:ext cx="879835" cy="514702"/>
+          </a:xfrm>
+        </p:spPr>
+        <p:txBody>
+          <a:bodyPr/>
+          <a:lstStyle/>
+          <a:p>
+            <a:pPr algn="ctr"/>
+            <a:r>
+              <a:rPr lang="cs-CZ" sz="1400" dirty="0">
+                <a:solidFill>
+                  <a:schemeClr val="bg1"/>
+                </a:solidFill>
+                <a:highlight>
+                  <a:srgbClr val="099BDD"/>
+                </a:highlight>
+              </a:rPr>
+              <a:t>5/11</a:t>
+            </a:r>
+            <a:endParaRPr lang="cs-CZ" dirty="0">
+              <a:solidFill>
+                <a:schemeClr val="bg1"/>
+              </a:solidFill>
+              <a:highlight>
+                <a:srgbClr val="099BDD"/>
+              </a:highlight>
+            </a:endParaRPr>
+          </a:p>
+        </p:txBody>
+      </p:sp>
+    </p:spTree>
+    <p:extLst>
+      <p:ext uri="{BB962C8B-B14F-4D97-AF65-F5344CB8AC3E}">
+        <p14:creationId xmlns:p14="http://schemas.microsoft.com/office/powerpoint/2010/main" val="1202658443"/>
+      </p:ext>
+    </p:extLst>
+  </p:cSld>
+  <p:clrMapOvr>
+    <a:masterClrMapping/>
+  </p:clrMapOvr>
+</p:sld>
+</file>
+
+<file path=ppt/slides/slide6.xml><?xml version="1.0" encoding="utf-8"?>
+<p:sld xmlns:a="http://schemas.openxmlformats.org/drawingml/2006/main" xmlns:r="http://schemas.openxmlformats.org/officeDocument/2006/relationships" xmlns:p="http://schemas.openxmlformats.org/presentationml/2006/main">
+  <p:cSld>
+    <p:spTree>
+      <p:nvGrpSpPr>
+        <p:cNvPr id="1" name=""/>
+        <p:cNvGrpSpPr/>
+        <p:nvPr/>
+      </p:nvGrpSpPr>
+      <p:grpSpPr>
+        <a:xfrm>
+          <a:off x="0" y="0"/>
+          <a:ext cx="0" cy="0"/>
+          <a:chOff x="0" y="0"/>
+          <a:chExt cx="0" cy="0"/>
+        </a:xfrm>
+      </p:grpSpPr>
+      <p:sp>
+        <p:nvSpPr>
+          <p:cNvPr id="4" name="Zástupný symbol pro číslo snímku 1">
+            <a:extLst>
+              <a:ext uri="{FF2B5EF4-FFF2-40B4-BE49-F238E27FC236}">
+                <a16:creationId xmlns:a16="http://schemas.microsoft.com/office/drawing/2014/main" id="{AE691DD1-9DE5-4A3A-A8F4-087A43878753}"/>
+              </a:ext>
+            </a:extLst>
+          </p:cNvPr>
+          <p:cNvSpPr>
+            <a:spLocks noGrp="1"/>
+          </p:cNvSpPr>
+          <p:nvPr>
+            <p:ph type="sldNum" sz="quarter" idx="12"/>
+          </p:nvPr>
+        </p:nvSpPr>
+        <p:spPr>
+          <a:xfrm>
+            <a:off x="11312165" y="6343298"/>
+            <a:ext cx="879835" cy="514702"/>
+          </a:xfrm>
+        </p:spPr>
+        <p:txBody>
+          <a:bodyPr/>
+          <a:lstStyle/>
+          <a:p>
+            <a:pPr algn="ctr"/>
+            <a:r>
+              <a:rPr lang="cs-CZ" sz="1400" dirty="0"/>
+              <a:t>6/11</a:t>
+            </a:r>
+            <a:endParaRPr lang="cs-CZ" dirty="0"/>
+          </a:p>
+        </p:txBody>
+      </p:sp>
+      <p:sp>
+        <p:nvSpPr>
+          <p:cNvPr id="3" name="Nadpis 1">
+            <a:extLst>
+              <a:ext uri="{FF2B5EF4-FFF2-40B4-BE49-F238E27FC236}">
+                <a16:creationId xmlns:a16="http://schemas.microsoft.com/office/drawing/2014/main" id="{10467BCF-B006-41CE-B4C0-64F6ECCB7B14}"/>
+              </a:ext>
+            </a:extLst>
+          </p:cNvPr>
+          <p:cNvSpPr txBox="1">
+            <a:spLocks/>
+          </p:cNvSpPr>
+          <p:nvPr/>
+        </p:nvSpPr>
+        <p:spPr>
+          <a:xfrm>
+            <a:off x="262328" y="491078"/>
+            <a:ext cx="10037536" cy="1048127"/>
+          </a:xfrm>
+          <a:prstGeom prst="rect">
+            <a:avLst/>
+          </a:prstGeom>
+        </p:spPr>
+        <p:txBody>
+          <a:bodyPr vert="horz" lIns="91440" tIns="45720" rIns="91440" bIns="45720" rtlCol="0" anchor="ctr">
+            <a:normAutofit fontScale="97500"/>
+          </a:bodyPr>
+          <a:lstStyle>
+            <a:lvl1pPr algn="l" defTabSz="914400" rtl="0" eaLnBrk="1" latinLnBrk="0" hangingPunct="1">
+              <a:lnSpc>
+                <a:spcPct val="85000"/>
+              </a:lnSpc>
+              <a:spcBef>
+                <a:spcPct val="0"/>
+              </a:spcBef>
+              <a:buNone/>
+              <a:defRPr sz="4000" kern="1200" cap="all" baseline="0">
+                <a:solidFill>
+                  <a:schemeClr val="bg2"/>
+                </a:solidFill>
+                <a:latin typeface="+mj-lt"/>
+                <a:ea typeface="+mj-ea"/>
+                <a:cs typeface="+mj-cs"/>
+              </a:defRPr>
+            </a:lvl1pPr>
+          </a:lstStyle>
+          <a:p>
+            <a:pPr>
+              <a:lnSpc>
+                <a:spcPct val="90000"/>
+              </a:lnSpc>
+            </a:pPr>
+            <a:r>
+              <a:rPr lang="cs-CZ" sz="3200" dirty="0">
+                <a:solidFill>
+                  <a:schemeClr val="bg1"/>
+                </a:solidFill>
+              </a:rPr>
+              <a:t>Současný stav</a:t>
+            </a:r>
+          </a:p>
+        </p:txBody>
+      </p:sp>
+      <p:sp>
+        <p:nvSpPr>
+          <p:cNvPr id="2" name="TextovéPole 1">
+            <a:extLst>
+              <a:ext uri="{FF2B5EF4-FFF2-40B4-BE49-F238E27FC236}">
+                <a16:creationId xmlns:a16="http://schemas.microsoft.com/office/drawing/2014/main" id="{DCA0D01C-CB9A-47A6-B1DD-8BDF200F6230}"/>
+              </a:ext>
+            </a:extLst>
+          </p:cNvPr>
+          <p:cNvSpPr txBox="1"/>
+          <p:nvPr/>
+        </p:nvSpPr>
+        <p:spPr>
+          <a:xfrm>
+            <a:off x="605642" y="2933205"/>
+            <a:ext cx="6757059" cy="1200329"/>
+          </a:xfrm>
+          <a:prstGeom prst="rect">
+            <a:avLst/>
+          </a:prstGeom>
+          <a:noFill/>
+        </p:spPr>
+        <p:txBody>
+          <a:bodyPr wrap="square" rtlCol="0">
+            <a:spAutoFit/>
+          </a:bodyPr>
+          <a:lstStyle/>
+          <a:p>
+            <a:pPr marL="285750" indent="-285750">
+              <a:buFont typeface="Arial" panose="020B0604020202020204" pitchFamily="34" charset="0"/>
+              <a:buChar char="•"/>
+            </a:pPr>
+            <a:r>
+              <a:rPr lang="cs-CZ" sz="2400" dirty="0"/>
+              <a:t>Klientská aplikace je téměř hotové</a:t>
+            </a:r>
+          </a:p>
+          <a:p>
+            <a:pPr marL="285750" indent="-285750">
+              <a:buFont typeface="Arial" panose="020B0604020202020204" pitchFamily="34" charset="0"/>
+              <a:buChar char="•"/>
+            </a:pPr>
+            <a:r>
+              <a:rPr lang="cs-CZ" sz="2400" dirty="0"/>
+              <a:t>Server z části (chybí komunikace s ESP)</a:t>
+            </a:r>
+          </a:p>
+          <a:p>
+            <a:pPr marL="285750" indent="-285750">
+              <a:buFont typeface="Arial" panose="020B0604020202020204" pitchFamily="34" charset="0"/>
+              <a:buChar char="•"/>
+            </a:pPr>
+            <a:r>
+              <a:rPr lang="cs-CZ" sz="2400" dirty="0"/>
+              <a:t>ESP v zárodku</a:t>
+            </a:r>
+          </a:p>
+        </p:txBody>
+      </p:sp>
+    </p:spTree>
+    <p:extLst>
+      <p:ext uri="{BB962C8B-B14F-4D97-AF65-F5344CB8AC3E}">
+        <p14:creationId xmlns:p14="http://schemas.microsoft.com/office/powerpoint/2010/main" val="3489828817"/>
+      </p:ext>
+    </p:extLst>
+  </p:cSld>
+  <p:clrMapOvr>
+    <a:masterClrMapping/>
+  </p:clrMapOvr>
+</p:sld>
+</file>
+
+<file path=ppt/slides/slide7.xml><?xml version="1.0" encoding="utf-8"?>
+<p:sld xmlns:a="http://schemas.openxmlformats.org/drawingml/2006/main" xmlns:r="http://schemas.openxmlformats.org/officeDocument/2006/relationships" xmlns:p="http://schemas.openxmlformats.org/presentationml/2006/main">
+  <p:cSld>
+    <p:spTree>
+      <p:nvGrpSpPr>
+        <p:cNvPr id="1" name=""/>
+        <p:cNvGrpSpPr/>
+        <p:nvPr/>
+      </p:nvGrpSpPr>
+      <p:grpSpPr>
+        <a:xfrm>
+          <a:off x="0" y="0"/>
+          <a:ext cx="0" cy="0"/>
+          <a:chOff x="0" y="0"/>
+          <a:chExt cx="0" cy="0"/>
+        </a:xfrm>
+      </p:grpSpPr>
+      <p:sp>
+        <p:nvSpPr>
+          <p:cNvPr id="4" name="Zástupný symbol pro číslo snímku 1">
+            <a:extLst>
+              <a:ext uri="{FF2B5EF4-FFF2-40B4-BE49-F238E27FC236}">
+                <a16:creationId xmlns:a16="http://schemas.microsoft.com/office/drawing/2014/main" id="{AE691DD1-9DE5-4A3A-A8F4-087A43878753}"/>
+              </a:ext>
+            </a:extLst>
+          </p:cNvPr>
+          <p:cNvSpPr>
+            <a:spLocks noGrp="1"/>
+          </p:cNvSpPr>
+          <p:nvPr>
+            <p:ph type="sldNum" sz="quarter" idx="12"/>
+          </p:nvPr>
+        </p:nvSpPr>
+        <p:spPr>
+          <a:xfrm>
+            <a:off x="11312165" y="6343298"/>
+            <a:ext cx="879835" cy="514702"/>
+          </a:xfrm>
+        </p:spPr>
+        <p:txBody>
+          <a:bodyPr/>
+          <a:lstStyle/>
+          <a:p>
+            <a:pPr algn="ctr"/>
+            <a:r>
+              <a:rPr lang="cs-CZ" sz="1400" dirty="0"/>
+              <a:t>7/11</a:t>
+            </a:r>
+            <a:endParaRPr lang="cs-CZ" dirty="0"/>
+          </a:p>
+        </p:txBody>
+      </p:sp>
+      <p:sp>
+        <p:nvSpPr>
+          <p:cNvPr id="3" name="Nadpis 1">
+            <a:extLst>
+              <a:ext uri="{FF2B5EF4-FFF2-40B4-BE49-F238E27FC236}">
+                <a16:creationId xmlns:a16="http://schemas.microsoft.com/office/drawing/2014/main" id="{10467BCF-B006-41CE-B4C0-64F6ECCB7B14}"/>
+              </a:ext>
+            </a:extLst>
+          </p:cNvPr>
+          <p:cNvSpPr txBox="1">
+            <a:spLocks/>
+          </p:cNvSpPr>
+          <p:nvPr/>
+        </p:nvSpPr>
+        <p:spPr>
+          <a:xfrm>
+            <a:off x="262328" y="491078"/>
+            <a:ext cx="10037536" cy="1048127"/>
+          </a:xfrm>
+          <a:prstGeom prst="rect">
+            <a:avLst/>
+          </a:prstGeom>
+        </p:spPr>
+        <p:txBody>
+          <a:bodyPr vert="horz" lIns="91440" tIns="45720" rIns="91440" bIns="45720" rtlCol="0" anchor="ctr">
+            <a:normAutofit fontScale="97500"/>
+          </a:bodyPr>
+          <a:lstStyle>
+            <a:lvl1pPr algn="l" defTabSz="914400" rtl="0" eaLnBrk="1" latinLnBrk="0" hangingPunct="1">
+              <a:lnSpc>
+                <a:spcPct val="85000"/>
+              </a:lnSpc>
+              <a:spcBef>
+                <a:spcPct val="0"/>
+              </a:spcBef>
+              <a:buNone/>
+              <a:defRPr sz="4000" kern="1200" cap="all" baseline="0">
+                <a:solidFill>
+                  <a:schemeClr val="bg2"/>
+                </a:solidFill>
+                <a:latin typeface="+mj-lt"/>
+                <a:ea typeface="+mj-ea"/>
+                <a:cs typeface="+mj-cs"/>
+              </a:defRPr>
+            </a:lvl1pPr>
+          </a:lstStyle>
+          <a:p>
+            <a:pPr>
+              <a:lnSpc>
+                <a:spcPct val="90000"/>
+              </a:lnSpc>
+            </a:pPr>
+            <a:r>
+              <a:rPr lang="cs-CZ" sz="3200" dirty="0">
+                <a:solidFill>
+                  <a:schemeClr val="bg1"/>
+                </a:solidFill>
+              </a:rPr>
+              <a:t>Příklad technického řešení</a:t>
+            </a:r>
+          </a:p>
+        </p:txBody>
+      </p:sp>
+      <p:sp>
+        <p:nvSpPr>
+          <p:cNvPr id="2" name="TextovéPole 1">
+            <a:extLst>
+              <a:ext uri="{FF2B5EF4-FFF2-40B4-BE49-F238E27FC236}">
+                <a16:creationId xmlns:a16="http://schemas.microsoft.com/office/drawing/2014/main" id="{DCA0D01C-CB9A-47A6-B1DD-8BDF200F6230}"/>
+              </a:ext>
+            </a:extLst>
+          </p:cNvPr>
+          <p:cNvSpPr txBox="1"/>
+          <p:nvPr/>
+        </p:nvSpPr>
+        <p:spPr>
+          <a:xfrm>
+            <a:off x="605642" y="2933205"/>
+            <a:ext cx="6757059" cy="1569660"/>
+          </a:xfrm>
+          <a:prstGeom prst="rect">
+            <a:avLst/>
+          </a:prstGeom>
+          <a:noFill/>
+        </p:spPr>
+        <p:txBody>
+          <a:bodyPr wrap="square" rtlCol="0">
+            <a:spAutoFit/>
+          </a:bodyPr>
+          <a:lstStyle/>
+          <a:p>
+            <a:pPr marL="285750" indent="-285750">
+              <a:buFont typeface="Arial" panose="020B0604020202020204" pitchFamily="34" charset="0"/>
+              <a:buChar char="•"/>
+            </a:pPr>
+            <a:r>
+              <a:rPr lang="cs-CZ" sz="2400" dirty="0"/>
+              <a:t>Konfigurace systému</a:t>
+            </a:r>
+          </a:p>
+          <a:p>
+            <a:pPr marL="285750" indent="-285750">
+              <a:buFont typeface="Arial" panose="020B0604020202020204" pitchFamily="34" charset="0"/>
+              <a:buChar char="•"/>
+            </a:pPr>
+            <a:r>
+              <a:rPr lang="cs-CZ" sz="2400" dirty="0"/>
+              <a:t>Hierarchie místnost-&gt;modul-&gt;vstup/výstup</a:t>
+            </a:r>
+          </a:p>
+          <a:p>
+            <a:pPr marL="285750" indent="-285750">
+              <a:buFont typeface="Arial" panose="020B0604020202020204" pitchFamily="34" charset="0"/>
+              <a:buChar char="•"/>
+            </a:pPr>
+            <a:r>
+              <a:rPr lang="cs-CZ" sz="2400" dirty="0"/>
+              <a:t>Společný detail</a:t>
+            </a:r>
+          </a:p>
+          <a:p>
+            <a:pPr marL="285750" indent="-285750">
+              <a:buFont typeface="Arial" panose="020B0604020202020204" pitchFamily="34" charset="0"/>
+              <a:buChar char="•"/>
+            </a:pPr>
+            <a:r>
+              <a:rPr lang="cs-CZ" sz="2400" dirty="0"/>
+              <a:t>Jak spárovat modul s ESP?</a:t>
+            </a:r>
+          </a:p>
+        </p:txBody>
+      </p:sp>
+      <p:pic>
+        <p:nvPicPr>
+          <p:cNvPr id="6" name="Obrázek 5">
+            <a:extLst>
+              <a:ext uri="{FF2B5EF4-FFF2-40B4-BE49-F238E27FC236}">
+                <a16:creationId xmlns:a16="http://schemas.microsoft.com/office/drawing/2014/main" id="{3895435B-85D3-41DC-A31C-54319A7751DB}"/>
+              </a:ext>
+            </a:extLst>
+          </p:cNvPr>
+          <p:cNvPicPr>
+            <a:picLocks noChangeAspect="1"/>
+          </p:cNvPicPr>
+          <p:nvPr/>
+        </p:nvPicPr>
+        <p:blipFill>
+          <a:blip r:embed="rId2">
+            <a:extLst>
+              <a:ext uri="{28A0092B-C50C-407E-A947-70E740481C1C}">
+                <a14:useLocalDpi xmlns:a14="http://schemas.microsoft.com/office/drawing/2010/main" val="0"/>
+              </a:ext>
+            </a:extLst>
+          </a:blip>
+          <a:stretch>
+            <a:fillRect/>
+          </a:stretch>
+        </p:blipFill>
+        <p:spPr>
+          <a:xfrm>
+            <a:off x="7223976" y="292745"/>
+            <a:ext cx="3429000" cy="6311929"/>
+          </a:xfrm>
+          <a:prstGeom prst="rect">
+            <a:avLst/>
+          </a:prstGeom>
+        </p:spPr>
+      </p:pic>
+      <p:pic>
+        <p:nvPicPr>
+          <p:cNvPr id="10" name="Obrázek 9" descr="Obsah obrázku text, monitor, elektronika, interiér&#10;&#10;Popis byl vytvořen automaticky">
+            <a:extLst>
+              <a:ext uri="{FF2B5EF4-FFF2-40B4-BE49-F238E27FC236}">
+                <a16:creationId xmlns:a16="http://schemas.microsoft.com/office/drawing/2014/main" id="{E13A7ED5-47E6-45DF-A113-E26F9486C102}"/>
+              </a:ext>
+            </a:extLst>
+          </p:cNvPr>
+          <p:cNvPicPr>
+            <a:picLocks noChangeAspect="1"/>
+          </p:cNvPicPr>
+          <p:nvPr/>
+        </p:nvPicPr>
+        <p:blipFill>
+          <a:blip r:embed="rId3">
+            <a:extLst>
+              <a:ext uri="{28A0092B-C50C-407E-A947-70E740481C1C}">
+                <a14:useLocalDpi xmlns:a14="http://schemas.microsoft.com/office/drawing/2010/main" val="0"/>
+              </a:ext>
+            </a:extLst>
+          </a:blip>
+          <a:stretch>
+            <a:fillRect/>
+          </a:stretch>
+        </p:blipFill>
+        <p:spPr>
+          <a:xfrm>
+            <a:off x="7057886" y="0"/>
+            <a:ext cx="3761179" cy="6858000"/>
+          </a:xfrm>
+          <a:prstGeom prst="rect">
+            <a:avLst/>
+          </a:prstGeom>
+        </p:spPr>
+      </p:pic>
+    </p:spTree>
+    <p:extLst>
+      <p:ext uri="{BB962C8B-B14F-4D97-AF65-F5344CB8AC3E}">
+        <p14:creationId xmlns:p14="http://schemas.microsoft.com/office/powerpoint/2010/main" val="3217474179"/>
+      </p:ext>
+    </p:extLst>
+  </p:cSld>
+  <p:clrMapOvr>
+    <a:masterClrMapping/>
+  </p:clrMapOvr>
+</p:sld>
+</file>
+
+<file path=ppt/slides/slide8.xml><?xml version="1.0" encoding="utf-8"?>
+<p:sld xmlns:a="http://schemas.openxmlformats.org/drawingml/2006/main" xmlns:r="http://schemas.openxmlformats.org/officeDocument/2006/relationships" xmlns:p="http://schemas.openxmlformats.org/presentationml/2006/main">
+  <p:cSld>
+    <p:spTree>
+      <p:nvGrpSpPr>
+        <p:cNvPr id="1" name=""/>
+        <p:cNvGrpSpPr/>
+        <p:nvPr/>
+      </p:nvGrpSpPr>
+      <p:grpSpPr>
+        <a:xfrm>
+          <a:off x="0" y="0"/>
+          <a:ext cx="0" cy="0"/>
+          <a:chOff x="0" y="0"/>
+          <a:chExt cx="0" cy="0"/>
+        </a:xfrm>
+      </p:grpSpPr>
+      <p:sp>
+        <p:nvSpPr>
+          <p:cNvPr id="4" name="Zástupný symbol pro číslo snímku 1">
+            <a:extLst>
+              <a:ext uri="{FF2B5EF4-FFF2-40B4-BE49-F238E27FC236}">
+                <a16:creationId xmlns:a16="http://schemas.microsoft.com/office/drawing/2014/main" id="{AE691DD1-9DE5-4A3A-A8F4-087A43878753}"/>
+              </a:ext>
+            </a:extLst>
+          </p:cNvPr>
+          <p:cNvSpPr>
+            <a:spLocks noGrp="1"/>
+          </p:cNvSpPr>
+          <p:nvPr>
+            <p:ph type="sldNum" sz="quarter" idx="12"/>
+          </p:nvPr>
+        </p:nvSpPr>
+        <p:spPr>
+          <a:xfrm>
+            <a:off x="11312165" y="6343298"/>
+            <a:ext cx="879835" cy="514702"/>
+          </a:xfrm>
+        </p:spPr>
+        <p:txBody>
+          <a:bodyPr/>
+          <a:lstStyle/>
+          <a:p>
+            <a:pPr algn="ctr"/>
+            <a:r>
+              <a:rPr lang="cs-CZ" sz="1400" dirty="0"/>
+              <a:t>8/11</a:t>
+            </a:r>
+            <a:endParaRPr lang="cs-CZ" dirty="0"/>
+          </a:p>
+        </p:txBody>
+      </p:sp>
+      <p:sp>
+        <p:nvSpPr>
+          <p:cNvPr id="3" name="Nadpis 1">
+            <a:extLst>
+              <a:ext uri="{FF2B5EF4-FFF2-40B4-BE49-F238E27FC236}">
+                <a16:creationId xmlns:a16="http://schemas.microsoft.com/office/drawing/2014/main" id="{10467BCF-B006-41CE-B4C0-64F6ECCB7B14}"/>
+              </a:ext>
+            </a:extLst>
+          </p:cNvPr>
+          <p:cNvSpPr txBox="1">
+            <a:spLocks/>
+          </p:cNvSpPr>
+          <p:nvPr/>
+        </p:nvSpPr>
+        <p:spPr>
+          <a:xfrm>
+            <a:off x="262328" y="491078"/>
+            <a:ext cx="10037536" cy="1048127"/>
+          </a:xfrm>
+          <a:prstGeom prst="rect">
+            <a:avLst/>
+          </a:prstGeom>
+        </p:spPr>
+        <p:txBody>
+          <a:bodyPr vert="horz" lIns="91440" tIns="45720" rIns="91440" bIns="45720" rtlCol="0" anchor="ctr">
+            <a:normAutofit fontScale="97500"/>
+          </a:bodyPr>
+          <a:lstStyle>
+            <a:lvl1pPr algn="l" defTabSz="914400" rtl="0" eaLnBrk="1" latinLnBrk="0" hangingPunct="1">
+              <a:lnSpc>
+                <a:spcPct val="85000"/>
+              </a:lnSpc>
+              <a:spcBef>
+                <a:spcPct val="0"/>
+              </a:spcBef>
+              <a:buNone/>
+              <a:defRPr sz="4000" kern="1200" cap="all" baseline="0">
+                <a:solidFill>
+                  <a:schemeClr val="bg2"/>
+                </a:solidFill>
+                <a:latin typeface="+mj-lt"/>
+                <a:ea typeface="+mj-ea"/>
+                <a:cs typeface="+mj-cs"/>
+              </a:defRPr>
+            </a:lvl1pPr>
+          </a:lstStyle>
+          <a:p>
+            <a:pPr>
+              <a:lnSpc>
+                <a:spcPct val="90000"/>
+              </a:lnSpc>
+            </a:pPr>
+            <a:r>
+              <a:rPr lang="cs-CZ" sz="3200" dirty="0">
+                <a:solidFill>
+                  <a:schemeClr val="bg1"/>
+                </a:solidFill>
+              </a:rPr>
+              <a:t>Plán další práce</a:t>
+            </a:r>
+          </a:p>
+        </p:txBody>
+      </p:sp>
+      <p:sp>
+        <p:nvSpPr>
+          <p:cNvPr id="2" name="TextovéPole 1">
+            <a:extLst>
+              <a:ext uri="{FF2B5EF4-FFF2-40B4-BE49-F238E27FC236}">
+                <a16:creationId xmlns:a16="http://schemas.microsoft.com/office/drawing/2014/main" id="{DCA0D01C-CB9A-47A6-B1DD-8BDF200F6230}"/>
+              </a:ext>
+            </a:extLst>
+          </p:cNvPr>
+          <p:cNvSpPr txBox="1"/>
+          <p:nvPr/>
+        </p:nvSpPr>
+        <p:spPr>
+          <a:xfrm>
+            <a:off x="605642" y="2933205"/>
+            <a:ext cx="6757059" cy="1938992"/>
+          </a:xfrm>
+          <a:prstGeom prst="rect">
+            <a:avLst/>
+          </a:prstGeom>
+          <a:noFill/>
+        </p:spPr>
+        <p:txBody>
+          <a:bodyPr wrap="square" rtlCol="0">
+            <a:spAutoFit/>
+          </a:bodyPr>
+          <a:lstStyle/>
+          <a:p>
+            <a:pPr marL="342900" indent="-342900">
+              <a:buFont typeface="Arial" panose="020B0604020202020204" pitchFamily="34" charset="0"/>
+              <a:buChar char="•"/>
+            </a:pPr>
+            <a:r>
+              <a:rPr lang="cs-CZ" sz="2400" dirty="0"/>
+              <a:t>Návrh/výběr protokolu pro komunikaci mezi </a:t>
+            </a:r>
+            <a:r>
+              <a:rPr lang="cs-CZ" sz="2400" dirty="0" err="1"/>
+              <a:t>RPi</a:t>
+            </a:r>
+            <a:r>
+              <a:rPr lang="cs-CZ" sz="2400" dirty="0"/>
+              <a:t> a ESP moduly</a:t>
+            </a:r>
+          </a:p>
+          <a:p>
+            <a:pPr marL="342900" indent="-342900">
+              <a:buFont typeface="Arial" panose="020B0604020202020204" pitchFamily="34" charset="0"/>
+              <a:buChar char="•"/>
+            </a:pPr>
+            <a:r>
+              <a:rPr lang="cs-CZ" sz="2400" dirty="0"/>
+              <a:t>Dokončení Serveru a aplikace pro ESP</a:t>
+            </a:r>
+          </a:p>
+          <a:p>
+            <a:pPr marL="342900" indent="-342900">
+              <a:buFont typeface="Arial" panose="020B0604020202020204" pitchFamily="34" charset="0"/>
+              <a:buChar char="•"/>
+            </a:pPr>
+            <a:r>
+              <a:rPr lang="cs-CZ" sz="2400" dirty="0"/>
+              <a:t>Funkce systému v lokální síti bez přístupu k internetu</a:t>
+            </a:r>
+          </a:p>
+        </p:txBody>
+      </p:sp>
+    </p:spTree>
+    <p:extLst>
+      <p:ext uri="{BB962C8B-B14F-4D97-AF65-F5344CB8AC3E}">
+        <p14:creationId xmlns:p14="http://schemas.microsoft.com/office/powerpoint/2010/main" val="3704799022"/>
+      </p:ext>
+    </p:extLst>
+  </p:cSld>
+  <p:clrMapOvr>
+    <a:masterClrMapping/>
+  </p:clrMapOvr>
+</p:sld>
+</file>
+
+<file path=ppt/slides/slide9.xml><?xml version="1.0" encoding="utf-8"?>
+<p:sld xmlns:a="http://schemas.openxmlformats.org/drawingml/2006/main" xmlns:r="http://schemas.openxmlformats.org/officeDocument/2006/relationships" xmlns:p="http://schemas.openxmlformats.org/presentationml/2006/main">
+  <p:cSld>
+    <p:spTree>
+      <p:nvGrpSpPr>
+        <p:cNvPr id="1" name=""/>
+        <p:cNvGrpSpPr/>
+        <p:nvPr/>
+      </p:nvGrpSpPr>
+      <p:grpSpPr>
+        <a:xfrm>
+          <a:off x="0" y="0"/>
+          <a:ext cx="0" cy="0"/>
+          <a:chOff x="0" y="0"/>
+          <a:chExt cx="0" cy="0"/>
+        </a:xfrm>
+      </p:grpSpPr>
+      <p:sp>
+        <p:nvSpPr>
+          <p:cNvPr id="4" name="Zástupný symbol pro číslo snímku 1">
+            <a:extLst>
+              <a:ext uri="{FF2B5EF4-FFF2-40B4-BE49-F238E27FC236}">
+                <a16:creationId xmlns:a16="http://schemas.microsoft.com/office/drawing/2014/main" id="{AE691DD1-9DE5-4A3A-A8F4-087A43878753}"/>
+              </a:ext>
+            </a:extLst>
+          </p:cNvPr>
+          <p:cNvSpPr>
+            <a:spLocks noGrp="1"/>
+          </p:cNvSpPr>
+          <p:nvPr>
+            <p:ph type="sldNum" sz="quarter" idx="12"/>
+          </p:nvPr>
+        </p:nvSpPr>
+        <p:spPr>
+          <a:xfrm>
+            <a:off x="11312165" y="6343298"/>
+            <a:ext cx="879835" cy="514702"/>
+          </a:xfrm>
+        </p:spPr>
+        <p:txBody>
+          <a:bodyPr/>
+          <a:lstStyle/>
+          <a:p>
+            <a:pPr algn="ctr"/>
+            <a:r>
+              <a:rPr lang="cs-CZ" sz="1400" dirty="0"/>
+              <a:t>9/11</a:t>
+            </a:r>
+            <a:endParaRPr lang="cs-CZ" dirty="0"/>
+          </a:p>
+        </p:txBody>
+      </p:sp>
+      <p:sp>
+        <p:nvSpPr>
+          <p:cNvPr id="3" name="Nadpis 1">
+            <a:extLst>
+              <a:ext uri="{FF2B5EF4-FFF2-40B4-BE49-F238E27FC236}">
+                <a16:creationId xmlns:a16="http://schemas.microsoft.com/office/drawing/2014/main" id="{10467BCF-B006-41CE-B4C0-64F6ECCB7B14}"/>
+              </a:ext>
+            </a:extLst>
+          </p:cNvPr>
+          <p:cNvSpPr txBox="1">
+            <a:spLocks/>
+          </p:cNvSpPr>
+          <p:nvPr/>
+        </p:nvSpPr>
+        <p:spPr>
+          <a:xfrm>
+            <a:off x="262328" y="491078"/>
+            <a:ext cx="10037536" cy="1048127"/>
+          </a:xfrm>
+          <a:prstGeom prst="rect">
+            <a:avLst/>
+          </a:prstGeom>
+        </p:spPr>
+        <p:txBody>
+          <a:bodyPr vert="horz" lIns="91440" tIns="45720" rIns="91440" bIns="45720" rtlCol="0" anchor="ctr">
+            <a:normAutofit fontScale="97500"/>
+          </a:bodyPr>
+          <a:lstStyle>
+            <a:lvl1pPr algn="l" defTabSz="914400" rtl="0" eaLnBrk="1" latinLnBrk="0" hangingPunct="1">
+              <a:lnSpc>
+                <a:spcPct val="85000"/>
+              </a:lnSpc>
+              <a:spcBef>
+                <a:spcPct val="0"/>
+              </a:spcBef>
+              <a:buNone/>
+              <a:defRPr sz="4000" kern="1200" cap="all" baseline="0">
+                <a:solidFill>
+                  <a:schemeClr val="bg2"/>
+                </a:solidFill>
+                <a:latin typeface="+mj-lt"/>
+                <a:ea typeface="+mj-ea"/>
+                <a:cs typeface="+mj-cs"/>
+              </a:defRPr>
+            </a:lvl1pPr>
+          </a:lstStyle>
+          <a:p>
+            <a:pPr>
+              <a:lnSpc>
+                <a:spcPct val="90000"/>
+              </a:lnSpc>
+            </a:pPr>
+            <a:r>
+              <a:rPr lang="cs-CZ" sz="3200" dirty="0">
+                <a:solidFill>
+                  <a:schemeClr val="bg1"/>
+                </a:solidFill>
+              </a:rPr>
+              <a:t>Závěr</a:t>
+            </a:r>
+          </a:p>
+        </p:txBody>
+      </p:sp>
+      <p:sp>
+        <p:nvSpPr>
+          <p:cNvPr id="2" name="TextovéPole 1">
+            <a:extLst>
+              <a:ext uri="{FF2B5EF4-FFF2-40B4-BE49-F238E27FC236}">
+                <a16:creationId xmlns:a16="http://schemas.microsoft.com/office/drawing/2014/main" id="{DCA0D01C-CB9A-47A6-B1DD-8BDF200F6230}"/>
+              </a:ext>
+            </a:extLst>
+          </p:cNvPr>
+          <p:cNvSpPr txBox="1"/>
+          <p:nvPr/>
+        </p:nvSpPr>
+        <p:spPr>
+          <a:xfrm>
+            <a:off x="262328" y="2496477"/>
+            <a:ext cx="6757059" cy="3416320"/>
+          </a:xfrm>
+          <a:prstGeom prst="rect">
+            <a:avLst/>
+          </a:prstGeom>
+          <a:noFill/>
+        </p:spPr>
+        <p:txBody>
+          <a:bodyPr wrap="square" rtlCol="0">
+            <a:spAutoFit/>
+          </a:bodyPr>
+          <a:lstStyle/>
+          <a:p>
+            <a:pPr marL="342900" indent="-342900">
+              <a:buFont typeface="Arial" panose="020B0604020202020204" pitchFamily="34" charset="0"/>
+              <a:buChar char="•"/>
+            </a:pPr>
+            <a:r>
+              <a:rPr lang="cs-CZ" sz="2400" dirty="0"/>
+              <a:t>Ovládací část systému prakticky funguje - cca 3000 řádků kódu v </a:t>
+            </a:r>
+            <a:r>
+              <a:rPr lang="cs-CZ" sz="2400" dirty="0" err="1"/>
+              <a:t>Typescriptu</a:t>
+            </a:r>
+            <a:endParaRPr lang="cs-CZ" sz="2400" dirty="0"/>
+          </a:p>
+          <a:p>
+            <a:pPr marL="342900" indent="-342900">
+              <a:buFont typeface="Arial" panose="020B0604020202020204" pitchFamily="34" charset="0"/>
+              <a:buChar char="•"/>
+            </a:pPr>
+            <a:r>
+              <a:rPr lang="cs-CZ" sz="2400" dirty="0"/>
+              <a:t>Počet zařízení v systému prakticky neomezen (využití lokální sítě)</a:t>
+            </a:r>
+          </a:p>
+          <a:p>
+            <a:pPr marL="342900" indent="-342900">
+              <a:buFont typeface="Arial" panose="020B0604020202020204" pitchFamily="34" charset="0"/>
+              <a:buChar char="•"/>
+            </a:pPr>
+            <a:r>
+              <a:rPr lang="cs-CZ" sz="2400" dirty="0"/>
+              <a:t>Testy které bude nutné vykonat:</a:t>
+            </a:r>
+          </a:p>
+          <a:p>
+            <a:pPr marL="800100" lvl="1" indent="-342900">
+              <a:buFont typeface="Arial" panose="020B0604020202020204" pitchFamily="34" charset="0"/>
+              <a:buChar char="•"/>
+            </a:pPr>
+            <a:r>
+              <a:rPr lang="cs-CZ" sz="2400" dirty="0"/>
+              <a:t>Intuitivnost GUI</a:t>
+            </a:r>
+          </a:p>
+          <a:p>
+            <a:pPr marL="800100" lvl="1" indent="-342900">
+              <a:buFont typeface="Arial" panose="020B0604020202020204" pitchFamily="34" charset="0"/>
+              <a:buChar char="•"/>
+            </a:pPr>
+            <a:r>
+              <a:rPr lang="cs-CZ" sz="2400" dirty="0"/>
+              <a:t>Dosah komunikace</a:t>
+            </a:r>
+          </a:p>
+          <a:p>
+            <a:pPr marL="800100" lvl="1" indent="-342900">
+              <a:buFont typeface="Arial" panose="020B0604020202020204" pitchFamily="34" charset="0"/>
+              <a:buChar char="•"/>
+            </a:pPr>
+            <a:r>
+              <a:rPr lang="cs-CZ" sz="2400" dirty="0"/>
+              <a:t>Stability při potížemi s připojením k síti</a:t>
+            </a:r>
+          </a:p>
+          <a:p>
+            <a:pPr marL="800100" lvl="1" indent="-342900">
+              <a:buFont typeface="Arial" panose="020B0604020202020204" pitchFamily="34" charset="0"/>
+              <a:buChar char="•"/>
+            </a:pPr>
+            <a:r>
+              <a:rPr lang="cs-CZ" sz="2400" dirty="0"/>
+              <a:t>A další</a:t>
+            </a:r>
+          </a:p>
+        </p:txBody>
+      </p:sp>
+    </p:spTree>
+    <p:extLst>
+      <p:ext uri="{BB962C8B-B14F-4D97-AF65-F5344CB8AC3E}">
+        <p14:creationId xmlns:p14="http://schemas.microsoft.com/office/powerpoint/2010/main" val="339748404"/>
       </p:ext>
     </p:extLst>
   </p:cSld>
@@ -6655,4 +11037,299 @@
     </a:ext>
   </a:extLst>
 </a:theme>
+</file>
+
+<file path=ppt/theme/theme3.xml><?xml version="1.0" encoding="utf-8"?>
+<a:theme xmlns:a="http://schemas.openxmlformats.org/drawingml/2006/main" name="Motiv Office">
+  <a:themeElements>
+    <a:clrScheme name="Office">
+      <a:dk1>
+        <a:sysClr val="windowText" lastClr="000000"/>
+      </a:dk1>
+      <a:lt1>
+        <a:sysClr val="window" lastClr="FFFFFF"/>
+      </a:lt1>
+      <a:dk2>
+        <a:srgbClr val="44546A"/>
+      </a:dk2>
+      <a:lt2>
+        <a:srgbClr val="E7E6E6"/>
+      </a:lt2>
+      <a:accent1>
+        <a:srgbClr val="4472C4"/>
+      </a:accent1>
+      <a:accent2>
+        <a:srgbClr val="ED7D31"/>
+      </a:accent2>
+      <a:accent3>
+        <a:srgbClr val="A5A5A5"/>
+      </a:accent3>
+      <a:accent4>
+        <a:srgbClr val="FFC000"/>
+      </a:accent4>
+      <a:accent5>
+        <a:srgbClr val="5B9BD5"/>
+      </a:accent5>
+      <a:accent6>
+        <a:srgbClr val="70AD47"/>
+      </a:accent6>
+      <a:hlink>
+        <a:srgbClr val="0563C1"/>
+      </a:hlink>
+      <a:folHlink>
+        <a:srgbClr val="954F72"/>
+      </a:folHlink>
+    </a:clrScheme>
+    <a:fontScheme name="Office">
+      <a:majorFont>
+        <a:latin typeface="Calibri Light" panose="020F0302020204030204"/>
+        <a:ea typeface=""/>
+        <a:cs typeface=""/>
+        <a:font script="Jpan" typeface="游ゴシック Light"/>
+        <a:font script="Hang" typeface="맑은 고딕"/>
+        <a:font script="Hans" typeface="等线 Light"/>
+        <a:font script="Hant" typeface="新細明體"/>
+        <a:font script="Arab" typeface="Times New Roman"/>
+        <a:font script="Hebr" typeface="Times New Roman"/>
+        <a:font script="Thai" typeface="Angsana New"/>
+        <a:font script="Ethi" typeface="Nyala"/>
+        <a:font script="Beng" typeface="Vrinda"/>
+        <a:font script="Gujr" typeface="Shruti"/>
+        <a:font script="Khmr" typeface="MoolBoran"/>
+        <a:font script="Knda" typeface="Tunga"/>
+        <a:font script="Guru" typeface="Raavi"/>
+        <a:font script="Cans" typeface="Euphemia"/>
+        <a:font script="Cher" typeface="Plantagenet Cherokee"/>
+        <a:font script="Yiii" typeface="Microsoft Yi Baiti"/>
+        <a:font script="Tibt" typeface="Microsoft Himalaya"/>
+        <a:font script="Thaa" typeface="MV Boli"/>
+        <a:font script="Deva" typeface="Mangal"/>
+        <a:font script="Telu" typeface="Gautami"/>
+        <a:font script="Taml" typeface="Latha"/>
+        <a:font script="Syrc" typeface="Estrangelo Edessa"/>
+        <a:font script="Orya" typeface="Kalinga"/>
+        <a:font script="Mlym" typeface="Kartika"/>
+        <a:font script="Laoo" typeface="DokChampa"/>
+        <a:font script="Sinh" typeface="Iskoola Pota"/>
+        <a:font script="Mong" typeface="Mongolian Baiti"/>
+        <a:font script="Viet" typeface="Times New Roman"/>
+        <a:font script="Uigh" typeface="Microsoft Uighur"/>
+        <a:font script="Geor" typeface="Sylfaen"/>
+        <a:font script="Armn" typeface="Arial"/>
+        <a:font script="Bugi" typeface="Leelawadee UI"/>
+        <a:font script="Bopo" typeface="Microsoft JhengHei"/>
+        <a:font script="Java" typeface="Javanese Text"/>
+        <a:font script="Lisu" typeface="Segoe UI"/>
+        <a:font script="Mymr" typeface="Myanmar Text"/>
+        <a:font script="Nkoo" typeface="Ebrima"/>
+        <a:font script="Olck" typeface="Nirmala UI"/>
+        <a:font script="Osma" typeface="Ebrima"/>
+        <a:font script="Phag" typeface="Phagspa"/>
+        <a:font script="Syrn" typeface="Estrangelo Edessa"/>
+        <a:font script="Syrj" typeface="Estrangelo Edessa"/>
+        <a:font script="Syre" typeface="Estrangelo Edessa"/>
+        <a:font script="Sora" typeface="Nirmala UI"/>
+        <a:font script="Tale" typeface="Microsoft Tai Le"/>
+        <a:font script="Talu" typeface="Microsoft New Tai Lue"/>
+        <a:font script="Tfng" typeface="Ebrima"/>
+      </a:majorFont>
+      <a:minorFont>
+        <a:latin typeface="Calibri" panose="020F0502020204030204"/>
+        <a:ea typeface=""/>
+        <a:cs typeface=""/>
+        <a:font script="Jpan" typeface="游ゴシック"/>
+        <a:font script="Hang" typeface="맑은 고딕"/>
+        <a:font script="Hans" typeface="等线"/>
+        <a:font script="Hant" typeface="新細明體"/>
+        <a:font script="Arab" typeface="Arial"/>
+        <a:font script="Hebr" typeface="Arial"/>
+        <a:font script="Thai" typeface="Cordia New"/>
+        <a:font script="Ethi" typeface="Nyala"/>
+        <a:font script="Beng" typeface="Vrinda"/>
+        <a:font script="Gujr" typeface="Shruti"/>
+        <a:font script="Khmr" typeface="DaunPenh"/>
+        <a:font script="Knda" typeface="Tunga"/>
+        <a:font script="Guru" typeface="Raavi"/>
+        <a:font script="Cans" typeface="Euphemia"/>
+        <a:font script="Cher" typeface="Plantagenet Cherokee"/>
+        <a:font script="Yiii" typeface="Microsoft Yi Baiti"/>
+        <a:font script="Tibt" typeface="Microsoft Himalaya"/>
+        <a:font script="Thaa" typeface="MV Boli"/>
+        <a:font script="Deva" typeface="Mangal"/>
+        <a:font script="Telu" typeface="Gautami"/>
+        <a:font script="Taml" typeface="Latha"/>
+        <a:font script="Syrc" typeface="Estrangelo Edessa"/>
+        <a:font script="Orya" typeface="Kalinga"/>
+        <a:font script="Mlym" typeface="Kartika"/>
+        <a:font script="Laoo" typeface="DokChampa"/>
+        <a:font script="Sinh" typeface="Iskoola Pota"/>
+        <a:font script="Mong" typeface="Mongolian Baiti"/>
+        <a:font script="Viet" typeface="Arial"/>
+        <a:font script="Uigh" typeface="Microsoft Uighur"/>
+        <a:font script="Geor" typeface="Sylfaen"/>
+        <a:font script="Armn" typeface="Arial"/>
+        <a:font script="Bugi" typeface="Leelawadee UI"/>
+        <a:font script="Bopo" typeface="Microsoft JhengHei"/>
+        <a:font script="Java" typeface="Javanese Text"/>
+        <a:font script="Lisu" typeface="Segoe UI"/>
+        <a:font script="Mymr" typeface="Myanmar Text"/>
+        <a:font script="Nkoo" typeface="Ebrima"/>
+        <a:font script="Olck" typeface="Nirmala UI"/>
+        <a:font script="Osma" typeface="Ebrima"/>
+        <a:font script="Phag" typeface="Phagspa"/>
+        <a:font script="Syrn" typeface="Estrangelo Edessa"/>
+        <a:font script="Syrj" typeface="Estrangelo Edessa"/>
+        <a:font script="Syre" typeface="Estrangelo Edessa"/>
+        <a:font script="Sora" typeface="Nirmala UI"/>
+        <a:font script="Tale" typeface="Microsoft Tai Le"/>
+        <a:font script="Talu" typeface="Microsoft New Tai Lue"/>
+        <a:font script="Tfng" typeface="Ebrima"/>
+      </a:minorFont>
+    </a:fontScheme>
+    <a:fmtScheme name="Office">
+      <a:fillStyleLst>
+        <a:solidFill>
+          <a:schemeClr val="phClr"/>
+        </a:solidFill>
+        <a:gradFill rotWithShape="1">
+          <a:gsLst>
+            <a:gs pos="0">
+              <a:schemeClr val="phClr">
+                <a:lumMod val="110000"/>
+                <a:satMod val="105000"/>
+                <a:tint val="67000"/>
+              </a:schemeClr>
+            </a:gs>
+            <a:gs pos="50000">
+              <a:schemeClr val="phClr">
+                <a:lumMod val="105000"/>
+                <a:satMod val="103000"/>
+                <a:tint val="73000"/>
+              </a:schemeClr>
+            </a:gs>
+            <a:gs pos="100000">
+              <a:schemeClr val="phClr">
+                <a:lumMod val="105000"/>
+                <a:satMod val="109000"/>
+                <a:tint val="81000"/>
+              </a:schemeClr>
+            </a:gs>
+          </a:gsLst>
+          <a:lin ang="5400000" scaled="0"/>
+        </a:gradFill>
+        <a:gradFill rotWithShape="1">
+          <a:gsLst>
+            <a:gs pos="0">
+              <a:schemeClr val="phClr">
+                <a:satMod val="103000"/>
+                <a:lumMod val="102000"/>
+                <a:tint val="94000"/>
+              </a:schemeClr>
+            </a:gs>
+            <a:gs pos="50000">
+              <a:schemeClr val="phClr">
+                <a:satMod val="110000"/>
+                <a:lumMod val="100000"/>
+                <a:shade val="100000"/>
+              </a:schemeClr>
+            </a:gs>
+            <a:gs pos="100000">
+              <a:schemeClr val="phClr">
+                <a:lumMod val="99000"/>
+                <a:satMod val="120000"/>
+                <a:shade val="78000"/>
+              </a:schemeClr>
+            </a:gs>
+          </a:gsLst>
+          <a:lin ang="5400000" scaled="0"/>
+        </a:gradFill>
+      </a:fillStyleLst>
+      <a:lnStyleLst>
+        <a:ln w="6350" cap="flat" cmpd="sng" algn="ctr">
+          <a:solidFill>
+            <a:schemeClr val="phClr"/>
+          </a:solidFill>
+          <a:prstDash val="solid"/>
+          <a:miter lim="800000"/>
+        </a:ln>
+        <a:ln w="12700" cap="flat" cmpd="sng" algn="ctr">
+          <a:solidFill>
+            <a:schemeClr val="phClr"/>
+          </a:solidFill>
+          <a:prstDash val="solid"/>
+          <a:miter lim="800000"/>
+        </a:ln>
+        <a:ln w="19050" cap="flat" cmpd="sng" algn="ctr">
+          <a:solidFill>
+            <a:schemeClr val="phClr"/>
+          </a:solidFill>
+          <a:prstDash val="solid"/>
+          <a:miter lim="800000"/>
+        </a:ln>
+      </a:lnStyleLst>
+      <a:effectStyleLst>
+        <a:effectStyle>
+          <a:effectLst/>
+        </a:effectStyle>
+        <a:effectStyle>
+          <a:effectLst/>
+        </a:effectStyle>
+        <a:effectStyle>
+          <a:effectLst>
+            <a:outerShdw blurRad="57150" dist="19050" dir="5400000" algn="ctr" rotWithShape="0">
+              <a:srgbClr val="000000">
+                <a:alpha val="63000"/>
+              </a:srgbClr>
+            </a:outerShdw>
+          </a:effectLst>
+        </a:effectStyle>
+      </a:effectStyleLst>
+      <a:bgFillStyleLst>
+        <a:solidFill>
+          <a:schemeClr val="phClr"/>
+        </a:solidFill>
+        <a:solidFill>
+          <a:schemeClr val="phClr">
+            <a:tint val="95000"/>
+            <a:satMod val="170000"/>
+          </a:schemeClr>
+        </a:solidFill>
+        <a:gradFill rotWithShape="1">
+          <a:gsLst>
+            <a:gs pos="0">
+              <a:schemeClr val="phClr">
+                <a:tint val="93000"/>
+                <a:satMod val="150000"/>
+                <a:shade val="98000"/>
+                <a:lumMod val="102000"/>
+              </a:schemeClr>
+            </a:gs>
+            <a:gs pos="50000">
+              <a:schemeClr val="phClr">
+                <a:tint val="98000"/>
+                <a:satMod val="130000"/>
+                <a:shade val="90000"/>
+                <a:lumMod val="103000"/>
+              </a:schemeClr>
+            </a:gs>
+            <a:gs pos="100000">
+              <a:schemeClr val="phClr">
+                <a:shade val="63000"/>
+                <a:satMod val="120000"/>
+              </a:schemeClr>
+            </a:gs>
+          </a:gsLst>
+          <a:lin ang="5400000" scaled="0"/>
+        </a:gradFill>
+      </a:bgFillStyleLst>
+    </a:fmtScheme>
+  </a:themeElements>
+  <a:objectDefaults/>
+  <a:extraClrSchemeLst/>
+  <a:extLst>
+    <a:ext uri="{05A4C25C-085E-4340-85A3-A5531E510DB2}">
+      <thm15:themeFamily xmlns:thm15="http://schemas.microsoft.com/office/thememl/2012/main" name="Office Theme" id="{62F939B6-93AF-4DB8-9C6B-D6C7DFDC589F}" vid="{4A3C46E8-61CC-4603-A589-7422A47A8E4A}"/>
+    </a:ext>
+  </a:extLst>
+</a:theme>
 </file>
--- a/BP/Obhajoba BP/2021/ITT prezentace.pptx
+++ b/BP/Obhajoba BP/2021/ITT prezentace.pptx
@@ -6,7 +6,7 @@
     <p:sldMasterId id="2147483792" r:id="rId2"/>
   </p:sldMasterIdLst>
   <p:notesMasterIdLst>
-    <p:notesMasterId r:id="rId14"/>
+    <p:notesMasterId r:id="rId13"/>
   </p:notesMasterIdLst>
   <p:sldIdLst>
     <p:sldId id="271" r:id="rId3"/>
@@ -14,12 +14,11 @@
     <p:sldId id="273" r:id="rId5"/>
     <p:sldId id="270" r:id="rId6"/>
     <p:sldId id="274" r:id="rId7"/>
-    <p:sldId id="275" r:id="rId8"/>
-    <p:sldId id="272" r:id="rId9"/>
+    <p:sldId id="272" r:id="rId8"/>
+    <p:sldId id="275" r:id="rId9"/>
     <p:sldId id="276" r:id="rId10"/>
-    <p:sldId id="277" r:id="rId11"/>
-    <p:sldId id="278" r:id="rId12"/>
-    <p:sldId id="279" r:id="rId13"/>
+    <p:sldId id="278" r:id="rId11"/>
+    <p:sldId id="279" r:id="rId12"/>
   </p:sldIdLst>
   <p:sldSz cx="12192000" cy="6858000"/>
   <p:notesSz cx="6858000" cy="9144000"/>
@@ -208,7 +207,7 @@
           <a:p>
             <a:fld id="{1ECA4D9A-DB86-42F4-B0CB-CCEB528B2F0F}" type="datetimeFigureOut">
               <a:rPr lang="cs-CZ" smtClean="0"/>
-              <a:t>26.01.2021</a:t>
+              <a:t>27.01.2021</a:t>
             </a:fld>
             <a:endParaRPr lang="cs-CZ"/>
           </a:p>
@@ -651,7 +650,7 @@
           <a:p>
             <a:fld id="{58A618E6-A94F-488D-8086-960CFCC481AA}" type="datetime1">
               <a:rPr lang="cs-CZ" smtClean="0"/>
-              <a:t>26.01.2021</a:t>
+              <a:t>27.01.2021</a:t>
             </a:fld>
             <a:endParaRPr lang="cs-CZ"/>
           </a:p>
@@ -821,7 +820,7 @@
           <a:p>
             <a:fld id="{E9B93010-55F6-4B41-A769-A887B4B0E1D7}" type="datetime1">
               <a:rPr lang="cs-CZ" smtClean="0"/>
-              <a:t>26.01.2021</a:t>
+              <a:t>27.01.2021</a:t>
             </a:fld>
             <a:endParaRPr lang="cs-CZ"/>
           </a:p>
@@ -1044,7 +1043,7 @@
           <a:p>
             <a:fld id="{73BCB365-77BF-42DD-92EA-B9839185B64C}" type="datetime1">
               <a:rPr lang="cs-CZ" smtClean="0"/>
-              <a:t>26.01.2021</a:t>
+              <a:t>27.01.2021</a:t>
             </a:fld>
             <a:endParaRPr lang="cs-CZ"/>
           </a:p>
@@ -1262,7 +1261,7 @@
           <a:p>
             <a:fld id="{58A618E6-A94F-488D-8086-960CFCC481AA}" type="datetime1">
               <a:rPr lang="cs-CZ" smtClean="0"/>
-              <a:t>26.01.2021</a:t>
+              <a:t>27.01.2021</a:t>
             </a:fld>
             <a:endParaRPr lang="cs-CZ"/>
           </a:p>
@@ -1460,7 +1459,7 @@
           <a:p>
             <a:fld id="{51AEF1FE-3B6E-40D7-8E3F-15D57B7B5D50}" type="datetime1">
               <a:rPr lang="cs-CZ" smtClean="0"/>
-              <a:t>26.01.2021</a:t>
+              <a:t>27.01.2021</a:t>
             </a:fld>
             <a:endParaRPr lang="cs-CZ"/>
           </a:p>
@@ -1736,7 +1735,7 @@
           <a:p>
             <a:fld id="{A6DF30C0-002B-4FAD-BABD-6E65770E5245}" type="datetime1">
               <a:rPr lang="cs-CZ" smtClean="0"/>
-              <a:t>26.01.2021</a:t>
+              <a:t>27.01.2021</a:t>
             </a:fld>
             <a:endParaRPr lang="cs-CZ"/>
           </a:p>
@@ -2001,7 +2000,7 @@
           <a:p>
             <a:fld id="{1D789B9F-D231-47F7-84E2-BCCA23A7EF47}" type="datetime1">
               <a:rPr lang="cs-CZ" smtClean="0"/>
-              <a:t>26.01.2021</a:t>
+              <a:t>27.01.2021</a:t>
             </a:fld>
             <a:endParaRPr lang="cs-CZ"/>
           </a:p>
@@ -2413,7 +2412,7 @@
           <a:p>
             <a:fld id="{421C5239-6278-4606-9247-342C94C694FD}" type="datetime1">
               <a:rPr lang="cs-CZ" smtClean="0"/>
-              <a:t>26.01.2021</a:t>
+              <a:t>27.01.2021</a:t>
             </a:fld>
             <a:endParaRPr lang="cs-CZ"/>
           </a:p>
@@ -2554,7 +2553,7 @@
           <a:p>
             <a:fld id="{FE3F8548-68B4-4F82-B1B0-2169DF091756}" type="datetime1">
               <a:rPr lang="cs-CZ" smtClean="0"/>
-              <a:t>26.01.2021</a:t>
+              <a:t>27.01.2021</a:t>
             </a:fld>
             <a:endParaRPr lang="cs-CZ"/>
           </a:p>
@@ -2667,7 +2666,7 @@
           <a:p>
             <a:fld id="{FF852F47-8347-4580-94B3-871D0842554A}" type="datetime1">
               <a:rPr lang="cs-CZ" smtClean="0"/>
-              <a:t>26.01.2021</a:t>
+              <a:t>27.01.2021</a:t>
             </a:fld>
             <a:endParaRPr lang="cs-CZ"/>
           </a:p>
@@ -2978,7 +2977,7 @@
           <a:p>
             <a:fld id="{E48D1949-BE03-403A-97DF-0F3EA7E81ED7}" type="datetime1">
               <a:rPr lang="cs-CZ" smtClean="0"/>
-              <a:t>26.01.2021</a:t>
+              <a:t>27.01.2021</a:t>
             </a:fld>
             <a:endParaRPr lang="cs-CZ"/>
           </a:p>
@@ -3160,7 +3159,7 @@
           <a:p>
             <a:fld id="{51AEF1FE-3B6E-40D7-8E3F-15D57B7B5D50}" type="datetime1">
               <a:rPr lang="cs-CZ" smtClean="0"/>
-              <a:t>26.01.2021</a:t>
+              <a:t>27.01.2021</a:t>
             </a:fld>
             <a:endParaRPr lang="cs-CZ"/>
           </a:p>
@@ -3437,7 +3436,7 @@
           <a:p>
             <a:fld id="{639E4EC3-9043-4A5E-8232-09D64A473477}" type="datetime1">
               <a:rPr lang="cs-CZ" smtClean="0"/>
-              <a:t>26.01.2021</a:t>
+              <a:t>27.01.2021</a:t>
             </a:fld>
             <a:endParaRPr lang="cs-CZ"/>
           </a:p>
@@ -3635,7 +3634,7 @@
           <a:p>
             <a:fld id="{E9B93010-55F6-4B41-A769-A887B4B0E1D7}" type="datetime1">
               <a:rPr lang="cs-CZ" smtClean="0"/>
-              <a:t>26.01.2021</a:t>
+              <a:t>27.01.2021</a:t>
             </a:fld>
             <a:endParaRPr lang="cs-CZ"/>
           </a:p>
@@ -3843,7 +3842,7 @@
           <a:p>
             <a:fld id="{73BCB365-77BF-42DD-92EA-B9839185B64C}" type="datetime1">
               <a:rPr lang="cs-CZ" smtClean="0"/>
-              <a:t>26.01.2021</a:t>
+              <a:t>27.01.2021</a:t>
             </a:fld>
             <a:endParaRPr lang="cs-CZ"/>
           </a:p>
@@ -4156,7 +4155,7 @@
           <a:p>
             <a:fld id="{A6DF30C0-002B-4FAD-BABD-6E65770E5245}" type="datetime1">
               <a:rPr lang="cs-CZ" smtClean="0"/>
-              <a:t>26.01.2021</a:t>
+              <a:t>27.01.2021</a:t>
             </a:fld>
             <a:endParaRPr lang="cs-CZ"/>
           </a:p>
@@ -4460,7 +4459,7 @@
           <a:p>
             <a:fld id="{1D789B9F-D231-47F7-84E2-BCCA23A7EF47}" type="datetime1">
               <a:rPr lang="cs-CZ" smtClean="0"/>
-              <a:t>26.01.2021</a:t>
+              <a:t>27.01.2021</a:t>
             </a:fld>
             <a:endParaRPr lang="cs-CZ"/>
           </a:p>
@@ -4882,7 +4881,7 @@
           <a:p>
             <a:fld id="{421C5239-6278-4606-9247-342C94C694FD}" type="datetime1">
               <a:rPr lang="cs-CZ" smtClean="0"/>
-              <a:t>26.01.2021</a:t>
+              <a:t>27.01.2021</a:t>
             </a:fld>
             <a:endParaRPr lang="cs-CZ"/>
           </a:p>
@@ -5000,7 +4999,7 @@
           <a:p>
             <a:fld id="{FE3F8548-68B4-4F82-B1B0-2169DF091756}" type="datetime1">
               <a:rPr lang="cs-CZ" smtClean="0"/>
-              <a:t>26.01.2021</a:t>
+              <a:t>27.01.2021</a:t>
             </a:fld>
             <a:endParaRPr lang="cs-CZ"/>
           </a:p>
@@ -5095,7 +5094,7 @@
           <a:p>
             <a:fld id="{FF852F47-8347-4580-94B3-871D0842554A}" type="datetime1">
               <a:rPr lang="cs-CZ" smtClean="0"/>
-              <a:t>26.01.2021</a:t>
+              <a:t>27.01.2021</a:t>
             </a:fld>
             <a:endParaRPr lang="cs-CZ"/>
           </a:p>
@@ -5368,7 +5367,7 @@
           <a:p>
             <a:fld id="{E48D1949-BE03-403A-97DF-0F3EA7E81ED7}" type="datetime1">
               <a:rPr lang="cs-CZ" smtClean="0"/>
-              <a:t>26.01.2021</a:t>
+              <a:t>27.01.2021</a:t>
             </a:fld>
             <a:endParaRPr lang="cs-CZ"/>
           </a:p>
@@ -5633,7 +5632,7 @@
           <a:p>
             <a:fld id="{639E4EC3-9043-4A5E-8232-09D64A473477}" type="datetime1">
               <a:rPr lang="cs-CZ" smtClean="0"/>
-              <a:t>26.01.2021</a:t>
+              <a:t>27.01.2021</a:t>
             </a:fld>
             <a:endParaRPr lang="cs-CZ"/>
           </a:p>
@@ -5882,7 +5881,7 @@
           <a:p>
             <a:fld id="{51AEF1FE-3B6E-40D7-8E3F-15D57B7B5D50}" type="datetime1">
               <a:rPr lang="cs-CZ" smtClean="0"/>
-              <a:t>26.01.2021</a:t>
+              <a:t>27.01.2021</a:t>
             </a:fld>
             <a:endParaRPr lang="cs-CZ"/>
           </a:p>
@@ -6489,7 +6488,7 @@
           <a:p>
             <a:fld id="{51AEF1FE-3B6E-40D7-8E3F-15D57B7B5D50}" type="datetime1">
               <a:rPr lang="cs-CZ" smtClean="0"/>
-              <a:t>26.01.2021</a:t>
+              <a:t>27.01.2021</a:t>
             </a:fld>
             <a:endParaRPr lang="cs-CZ"/>
           </a:p>
@@ -6909,6 +6908,55 @@
       </p:grpSpPr>
       <p:sp>
         <p:nvSpPr>
+          <p:cNvPr id="2" name="Obdélník 1">
+            <a:extLst>
+              <a:ext uri="{FF2B5EF4-FFF2-40B4-BE49-F238E27FC236}">
+                <a16:creationId xmlns:a16="http://schemas.microsoft.com/office/drawing/2014/main" id="{A180FCC4-D56F-4D90-A9DE-C3AA8AA5D497}"/>
+              </a:ext>
+            </a:extLst>
+          </p:cNvPr>
+          <p:cNvSpPr/>
+          <p:nvPr/>
+        </p:nvSpPr>
+        <p:spPr>
+          <a:xfrm>
+            <a:off x="0" y="-5614"/>
+            <a:ext cx="12192000" cy="2107571"/>
+          </a:xfrm>
+          <a:prstGeom prst="rect">
+            <a:avLst/>
+          </a:prstGeom>
+          <a:solidFill>
+            <a:srgbClr val="099BDD"/>
+          </a:solidFill>
+        </p:spPr>
+        <p:style>
+          <a:lnRef idx="2">
+            <a:schemeClr val="accent1">
+              <a:shade val="50000"/>
+            </a:schemeClr>
+          </a:lnRef>
+          <a:fillRef idx="1">
+            <a:schemeClr val="accent1"/>
+          </a:fillRef>
+          <a:effectRef idx="0">
+            <a:schemeClr val="accent1"/>
+          </a:effectRef>
+          <a:fontRef idx="minor">
+            <a:schemeClr val="lt1"/>
+          </a:fontRef>
+        </p:style>
+        <p:txBody>
+          <a:bodyPr rtlCol="0" anchor="ctr"/>
+          <a:lstStyle/>
+          <a:p>
+            <a:pPr algn="ctr"/>
+            <a:endParaRPr lang="cs-CZ"/>
+          </a:p>
+        </p:txBody>
+      </p:sp>
+      <p:sp>
+        <p:nvSpPr>
           <p:cNvPr id="4" name="Zástupný symbol pro číslo snímku 1">
             <a:extLst>
               <a:ext uri="{FF2B5EF4-FFF2-40B4-BE49-F238E27FC236}">
@@ -6969,8 +7017,8 @@
         </p:blipFill>
         <p:spPr>
           <a:xfrm>
-            <a:off x="6845117" y="3752781"/>
-            <a:ext cx="4587726" cy="974921"/>
+            <a:off x="3695111" y="2700317"/>
+            <a:ext cx="6284461" cy="1335488"/>
           </a:xfrm>
           <a:prstGeom prst="rect">
             <a:avLst/>
@@ -6994,7 +7042,7 @@
         <p:spPr>
           <a:xfrm>
             <a:off x="262328" y="491078"/>
-            <a:ext cx="10037536" cy="1048127"/>
+            <a:ext cx="10234222" cy="1520399"/>
           </a:xfrm>
           <a:prstGeom prst="rect">
             <a:avLst/>
@@ -7002,7 +7050,7 @@
         </p:spPr>
         <p:txBody>
           <a:bodyPr vert="horz" lIns="91440" tIns="45720" rIns="91440" bIns="45720" rtlCol="0" anchor="ctr">
-            <a:normAutofit fontScale="97500"/>
+            <a:noAutofit/>
           </a:bodyPr>
           <a:lstStyle>
             <a:lvl1pPr algn="l" defTabSz="914400" rtl="0" eaLnBrk="1" latinLnBrk="0" hangingPunct="1">
@@ -7030,7 +7078,7 @@
               </a:lnSpc>
             </a:pPr>
             <a:r>
-              <a:rPr lang="cs-CZ" sz="3200" dirty="0">
+              <a:rPr lang="cs-CZ" sz="3500" dirty="0">
                 <a:solidFill>
                   <a:schemeClr val="bg1"/>
                 </a:solidFill>
@@ -7038,7 +7086,7 @@
               <a:t>Bezdrátové ovládání elektroniky mobilním/</a:t>
             </a:r>
             <a:r>
-              <a:rPr lang="cs-CZ" sz="3200" dirty="0" err="1">
+              <a:rPr lang="cs-CZ" sz="3500" dirty="0" err="1">
                 <a:solidFill>
                   <a:schemeClr val="bg1"/>
                 </a:solidFill>
@@ -7046,7 +7094,7 @@
               <a:t>embedded</a:t>
             </a:r>
             <a:r>
-              <a:rPr lang="cs-CZ" sz="3200" dirty="0">
+              <a:rPr lang="cs-CZ" sz="3500" dirty="0">
                 <a:solidFill>
                   <a:schemeClr val="bg1"/>
                 </a:solidFill>
@@ -7054,14 +7102,14 @@
               <a:t> zařízením s využitím </a:t>
             </a:r>
             <a:r>
-              <a:rPr lang="cs-CZ" sz="3200" dirty="0" err="1">
+              <a:rPr lang="cs-CZ" sz="3500" dirty="0" err="1">
                 <a:solidFill>
                   <a:schemeClr val="bg1"/>
                 </a:solidFill>
               </a:rPr>
               <a:t>WiFi</a:t>
             </a:r>
-            <a:endParaRPr lang="cs-CZ" sz="3200" dirty="0">
+            <a:endParaRPr lang="cs-CZ" sz="3500" dirty="0">
               <a:solidFill>
                 <a:schemeClr val="bg1"/>
               </a:solidFill>
@@ -7071,10 +7119,10 @@
       </p:sp>
       <p:sp>
         <p:nvSpPr>
-          <p:cNvPr id="8" name="Podnadpis 2">
+          <p:cNvPr id="10" name="Podnadpis 2">
             <a:extLst>
               <a:ext uri="{FF2B5EF4-FFF2-40B4-BE49-F238E27FC236}">
-                <a16:creationId xmlns:a16="http://schemas.microsoft.com/office/drawing/2014/main" id="{4E7E04A4-11BC-4B33-B91C-29850AF8BA92}"/>
+                <a16:creationId xmlns:a16="http://schemas.microsoft.com/office/drawing/2014/main" id="{F2A8D38D-CA29-4544-A3B4-1ACB1F816EB1}"/>
               </a:ext>
             </a:extLst>
           </p:cNvPr>
@@ -7085,263 +7133,7 @@
         </p:nvSpPr>
         <p:spPr>
           <a:xfrm>
-            <a:off x="6197363" y="2074938"/>
-            <a:ext cx="9440034" cy="652432"/>
-          </a:xfrm>
-          <a:prstGeom prst="rect">
-            <a:avLst/>
-          </a:prstGeom>
-        </p:spPr>
-        <p:txBody>
-          <a:bodyPr vert="horz" lIns="91440" tIns="45720" rIns="91440" bIns="45720" rtlCol="0">
-            <a:normAutofit/>
-          </a:bodyPr>
-          <a:lstStyle>
-            <a:lvl1pPr marL="182880" indent="-182880" algn="l" defTabSz="914400" rtl="0" eaLnBrk="1" latinLnBrk="0" hangingPunct="1">
-              <a:lnSpc>
-                <a:spcPct val="90000"/>
-              </a:lnSpc>
-              <a:spcBef>
-                <a:spcPts val="1200"/>
-              </a:spcBef>
-              <a:spcAft>
-                <a:spcPts val="200"/>
-              </a:spcAft>
-              <a:buClr>
-                <a:schemeClr val="tx1"/>
-              </a:buClr>
-              <a:buFont typeface="Wingdings" pitchFamily="2" charset="2"/>
-              <a:buChar char=""/>
-              <a:defRPr sz="2200" kern="1200">
-                <a:solidFill>
-                  <a:schemeClr val="tx1"/>
-                </a:solidFill>
-                <a:latin typeface="+mn-lt"/>
-                <a:ea typeface="+mn-ea"/>
-                <a:cs typeface="+mn-cs"/>
-              </a:defRPr>
-            </a:lvl1pPr>
-            <a:lvl2pPr marL="411480" indent="-182880" algn="l" defTabSz="914400" rtl="0" eaLnBrk="1" latinLnBrk="0" hangingPunct="1">
-              <a:lnSpc>
-                <a:spcPct val="90000"/>
-              </a:lnSpc>
-              <a:spcBef>
-                <a:spcPts val="200"/>
-              </a:spcBef>
-              <a:spcAft>
-                <a:spcPts val="400"/>
-              </a:spcAft>
-              <a:buClr>
-                <a:schemeClr val="tx1"/>
-              </a:buClr>
-              <a:buFont typeface="Wingdings" pitchFamily="2" charset="2"/>
-              <a:buChar char=""/>
-              <a:defRPr sz="2000" kern="1200">
-                <a:solidFill>
-                  <a:schemeClr val="tx1"/>
-                </a:solidFill>
-                <a:latin typeface="+mn-lt"/>
-                <a:ea typeface="+mn-ea"/>
-                <a:cs typeface="+mn-cs"/>
-              </a:defRPr>
-            </a:lvl2pPr>
-            <a:lvl3pPr marL="640080" indent="-182880" algn="l" defTabSz="914400" rtl="0" eaLnBrk="1" latinLnBrk="0" hangingPunct="1">
-              <a:lnSpc>
-                <a:spcPct val="90000"/>
-              </a:lnSpc>
-              <a:spcBef>
-                <a:spcPts val="200"/>
-              </a:spcBef>
-              <a:spcAft>
-                <a:spcPts val="400"/>
-              </a:spcAft>
-              <a:buClr>
-                <a:schemeClr val="tx1"/>
-              </a:buClr>
-              <a:buFont typeface="Wingdings" pitchFamily="2" charset="2"/>
-              <a:buChar char=""/>
-              <a:defRPr sz="1800" kern="1200">
-                <a:solidFill>
-                  <a:schemeClr val="tx1"/>
-                </a:solidFill>
-                <a:latin typeface="+mn-lt"/>
-                <a:ea typeface="+mn-ea"/>
-                <a:cs typeface="+mn-cs"/>
-              </a:defRPr>
-            </a:lvl3pPr>
-            <a:lvl4pPr marL="868680" indent="-182880" algn="l" defTabSz="914400" rtl="0" eaLnBrk="1" latinLnBrk="0" hangingPunct="1">
-              <a:lnSpc>
-                <a:spcPct val="90000"/>
-              </a:lnSpc>
-              <a:spcBef>
-                <a:spcPts val="200"/>
-              </a:spcBef>
-              <a:spcAft>
-                <a:spcPts val="400"/>
-              </a:spcAft>
-              <a:buClr>
-                <a:schemeClr val="tx1"/>
-              </a:buClr>
-              <a:buFont typeface="Wingdings" pitchFamily="2" charset="2"/>
-              <a:buChar char=""/>
-              <a:defRPr sz="1600" kern="1200">
-                <a:solidFill>
-                  <a:schemeClr val="tx1"/>
-                </a:solidFill>
-                <a:latin typeface="+mn-lt"/>
-                <a:ea typeface="+mn-ea"/>
-                <a:cs typeface="+mn-cs"/>
-              </a:defRPr>
-            </a:lvl4pPr>
-            <a:lvl5pPr marL="1097280" indent="-182880" algn="l" defTabSz="914400" rtl="0" eaLnBrk="1" latinLnBrk="0" hangingPunct="1">
-              <a:lnSpc>
-                <a:spcPct val="90000"/>
-              </a:lnSpc>
-              <a:spcBef>
-                <a:spcPts val="200"/>
-              </a:spcBef>
-              <a:spcAft>
-                <a:spcPts val="400"/>
-              </a:spcAft>
-              <a:buClr>
-                <a:schemeClr val="tx1"/>
-              </a:buClr>
-              <a:buFont typeface="Wingdings" pitchFamily="2" charset="2"/>
-              <a:buChar char=""/>
-              <a:defRPr sz="1600" kern="1200">
-                <a:solidFill>
-                  <a:schemeClr val="tx1"/>
-                </a:solidFill>
-                <a:latin typeface="+mn-lt"/>
-                <a:ea typeface="+mn-ea"/>
-                <a:cs typeface="+mn-cs"/>
-              </a:defRPr>
-            </a:lvl5pPr>
-            <a:lvl6pPr marL="1284600" indent="-228600" algn="l" defTabSz="914400" rtl="0" eaLnBrk="1" latinLnBrk="0" hangingPunct="1">
-              <a:lnSpc>
-                <a:spcPct val="90000"/>
-              </a:lnSpc>
-              <a:spcBef>
-                <a:spcPts val="200"/>
-              </a:spcBef>
-              <a:spcAft>
-                <a:spcPts val="400"/>
-              </a:spcAft>
-              <a:buClr>
-                <a:schemeClr val="tx1"/>
-              </a:buClr>
-              <a:buFont typeface="Wingdings" pitchFamily="2" charset="2"/>
-              <a:buChar char=""/>
-              <a:defRPr sz="1600" kern="1200">
-                <a:solidFill>
-                  <a:schemeClr val="tx1"/>
-                </a:solidFill>
-                <a:latin typeface="+mn-lt"/>
-                <a:ea typeface="+mn-ea"/>
-                <a:cs typeface="+mn-cs"/>
-              </a:defRPr>
-            </a:lvl6pPr>
-            <a:lvl7pPr marL="1471800" indent="-228600" algn="l" defTabSz="914400" rtl="0" eaLnBrk="1" latinLnBrk="0" hangingPunct="1">
-              <a:lnSpc>
-                <a:spcPct val="90000"/>
-              </a:lnSpc>
-              <a:spcBef>
-                <a:spcPts val="200"/>
-              </a:spcBef>
-              <a:spcAft>
-                <a:spcPts val="400"/>
-              </a:spcAft>
-              <a:buClr>
-                <a:schemeClr val="tx1"/>
-              </a:buClr>
-              <a:buFont typeface="Wingdings" pitchFamily="2" charset="2"/>
-              <a:buChar char=""/>
-              <a:defRPr sz="1600" kern="1200">
-                <a:solidFill>
-                  <a:schemeClr val="tx1"/>
-                </a:solidFill>
-                <a:latin typeface="+mn-lt"/>
-                <a:ea typeface="+mn-ea"/>
-                <a:cs typeface="+mn-cs"/>
-              </a:defRPr>
-            </a:lvl7pPr>
-            <a:lvl8pPr marL="1629000" indent="-228600" algn="l" defTabSz="914400" rtl="0" eaLnBrk="1" latinLnBrk="0" hangingPunct="1">
-              <a:lnSpc>
-                <a:spcPct val="90000"/>
-              </a:lnSpc>
-              <a:spcBef>
-                <a:spcPts val="200"/>
-              </a:spcBef>
-              <a:spcAft>
-                <a:spcPts val="400"/>
-              </a:spcAft>
-              <a:buClr>
-                <a:schemeClr val="tx1"/>
-              </a:buClr>
-              <a:buFont typeface="Wingdings" pitchFamily="2" charset="2"/>
-              <a:buChar char=""/>
-              <a:defRPr sz="1600" kern="1200">
-                <a:solidFill>
-                  <a:schemeClr val="tx1"/>
-                </a:solidFill>
-                <a:latin typeface="+mn-lt"/>
-                <a:ea typeface="+mn-ea"/>
-                <a:cs typeface="+mn-cs"/>
-              </a:defRPr>
-            </a:lvl8pPr>
-            <a:lvl9pPr marL="1806200" indent="-228600" algn="l" defTabSz="914400" rtl="0" eaLnBrk="1" latinLnBrk="0" hangingPunct="1">
-              <a:lnSpc>
-                <a:spcPct val="90000"/>
-              </a:lnSpc>
-              <a:spcBef>
-                <a:spcPts val="200"/>
-              </a:spcBef>
-              <a:spcAft>
-                <a:spcPts val="400"/>
-              </a:spcAft>
-              <a:buClr>
-                <a:schemeClr val="tx1"/>
-              </a:buClr>
-              <a:buFont typeface="Wingdings" pitchFamily="2" charset="2"/>
-              <a:buChar char=""/>
-              <a:defRPr sz="1600" kern="1200">
-                <a:solidFill>
-                  <a:schemeClr val="tx1"/>
-                </a:solidFill>
-                <a:latin typeface="+mn-lt"/>
-                <a:ea typeface="+mn-ea"/>
-                <a:cs typeface="+mn-cs"/>
-              </a:defRPr>
-            </a:lvl9pPr>
-          </a:lstStyle>
-          <a:p>
-            <a:pPr marL="0" indent="0">
-              <a:buNone/>
-            </a:pPr>
-            <a:r>
-              <a:rPr lang="cs-CZ" sz="2800" dirty="0"/>
-              <a:t>Petr Marek</a:t>
-            </a:r>
-          </a:p>
-        </p:txBody>
-      </p:sp>
-      <p:sp>
-        <p:nvSpPr>
-          <p:cNvPr id="9" name="Podnadpis 2">
-            <a:extLst>
-              <a:ext uri="{FF2B5EF4-FFF2-40B4-BE49-F238E27FC236}">
-                <a16:creationId xmlns:a16="http://schemas.microsoft.com/office/drawing/2014/main" id="{21CF5E38-1F52-44B5-8274-B6C266BFDCB5}"/>
-              </a:ext>
-            </a:extLst>
-          </p:cNvPr>
-          <p:cNvSpPr txBox="1">
-            <a:spLocks/>
-          </p:cNvSpPr>
-          <p:nvPr/>
-        </p:nvSpPr>
-        <p:spPr>
-          <a:xfrm>
-            <a:off x="6197363" y="2501184"/>
+            <a:off x="9113816" y="5930541"/>
             <a:ext cx="4082142" cy="444637"/>
           </a:xfrm>
           <a:prstGeom prst="rect">
@@ -7517,9 +7309,8 @@
             </a:lvl9pPr>
           </a:lstStyle>
           <a:p>
-            <a:pPr algn="l"/>
-            <a:r>
-              <a:rPr lang="cs-CZ" sz="1800" dirty="0">
+            <a:r>
+              <a:rPr lang="cs-CZ" sz="1600" dirty="0">
                 <a:effectLst>
                   <a:outerShdw blurRad="38100" dist="38100" dir="2700000" algn="tl">
                     <a:srgbClr val="000000">
@@ -7528,17 +7319,17 @@
                   </a:outerShdw>
                 </a:effectLst>
               </a:rPr>
-              <a:t>xmarek69@fit.vutbr.cz</a:t>
-            </a:r>
-          </a:p>
-        </p:txBody>
-      </p:sp>
-      <p:sp>
-        <p:nvSpPr>
-          <p:cNvPr id="10" name="Podnadpis 2">
+              <a:t>4. 2. 2021</a:t>
+            </a:r>
+          </a:p>
+        </p:txBody>
+      </p:sp>
+      <p:sp>
+        <p:nvSpPr>
+          <p:cNvPr id="11" name="Podnadpis 2">
             <a:extLst>
               <a:ext uri="{FF2B5EF4-FFF2-40B4-BE49-F238E27FC236}">
-                <a16:creationId xmlns:a16="http://schemas.microsoft.com/office/drawing/2014/main" id="{F2A8D38D-CA29-4544-A3B4-1ACB1F816EB1}"/>
+                <a16:creationId xmlns:a16="http://schemas.microsoft.com/office/drawing/2014/main" id="{02D86280-78A8-4340-8B5F-929E73701BF1}"/>
               </a:ext>
             </a:extLst>
           </p:cNvPr>
@@ -7549,8 +7340,8 @@
         </p:nvSpPr>
         <p:spPr>
           <a:xfrm>
-            <a:off x="8876309" y="5155133"/>
-            <a:ext cx="4082142" cy="444637"/>
+            <a:off x="125898" y="4756044"/>
+            <a:ext cx="6256318" cy="1351661"/>
           </a:xfrm>
           <a:prstGeom prst="rect">
             <a:avLst/>
@@ -7725,27 +7516,61 @@
             </a:lvl9pPr>
           </a:lstStyle>
           <a:p>
-            <a:r>
-              <a:rPr lang="cs-CZ" sz="1600" dirty="0">
-                <a:effectLst>
-                  <a:outerShdw blurRad="38100" dist="38100" dir="2700000" algn="tl">
-                    <a:srgbClr val="000000">
-                      <a:alpha val="43137"/>
-                    </a:srgbClr>
-                  </a:outerShdw>
-                </a:effectLst>
+            <a:pPr algn="r"/>
+            <a:r>
+              <a:rPr lang="cs-CZ" sz="2000" b="0" i="0" dirty="0">
+                <a:effectLst/>
+                <a:latin typeface="Arial" panose="020B0604020202020204" pitchFamily="34" charset="0"/>
               </a:rPr>
-              <a:t>4. 2. 2021</a:t>
-            </a:r>
-          </a:p>
-        </p:txBody>
-      </p:sp>
-      <p:sp>
-        <p:nvSpPr>
-          <p:cNvPr id="11" name="Podnadpis 2">
+              <a:t>Fakulta informačních technologií Vysokého učení technického v Brně</a:t>
+            </a:r>
+          </a:p>
+          <a:p>
+            <a:pPr algn="r"/>
+            <a:r>
+              <a:rPr lang="cs-CZ" sz="2000" dirty="0">
+                <a:latin typeface="Arial" panose="020B0604020202020204" pitchFamily="34" charset="0"/>
+              </a:rPr>
+              <a:t>Božetěchova </a:t>
+            </a:r>
+            <a:r>
+              <a:rPr lang="cs-CZ" sz="2000" b="0" i="0" dirty="0">
+                <a:effectLst/>
+                <a:latin typeface="Arial" panose="020B0604020202020204" pitchFamily="34" charset="0"/>
+              </a:rPr>
+              <a:t>1/2. 612 66 Brno - Kr</a:t>
+            </a:r>
+            <a:r>
+              <a:rPr lang="cs-CZ" sz="2000" dirty="0">
+                <a:latin typeface="Arial" panose="020B0604020202020204" pitchFamily="34" charset="0"/>
+              </a:rPr>
+              <a:t>á</a:t>
+            </a:r>
+            <a:r>
+              <a:rPr lang="cs-CZ" sz="2000" b="0" i="0" dirty="0">
+                <a:effectLst/>
+                <a:latin typeface="Arial" panose="020B0604020202020204" pitchFamily="34" charset="0"/>
+              </a:rPr>
+              <a:t>lovo Pole</a:t>
+            </a:r>
+            <a:endParaRPr lang="cs-CZ" sz="2800" dirty="0">
+              <a:effectLst>
+                <a:outerShdw blurRad="38100" dist="38100" dir="2700000" algn="tl">
+                  <a:srgbClr val="000000">
+                    <a:alpha val="43137"/>
+                  </a:srgbClr>
+                </a:outerShdw>
+              </a:effectLst>
+            </a:endParaRPr>
+          </a:p>
+        </p:txBody>
+      </p:sp>
+      <p:sp>
+        <p:nvSpPr>
+          <p:cNvPr id="12" name="Podnadpis 2">
             <a:extLst>
               <a:ext uri="{FF2B5EF4-FFF2-40B4-BE49-F238E27FC236}">
-                <a16:creationId xmlns:a16="http://schemas.microsoft.com/office/drawing/2014/main" id="{02D86280-78A8-4340-8B5F-929E73701BF1}"/>
+                <a16:creationId xmlns:a16="http://schemas.microsoft.com/office/drawing/2014/main" id="{05AE05F4-D372-49DE-B633-A4187B2B9AE9}"/>
               </a:ext>
             </a:extLst>
           </p:cNvPr>
@@ -7756,8 +7581,8 @@
         </p:nvSpPr>
         <p:spPr>
           <a:xfrm>
-            <a:off x="262328" y="3680845"/>
-            <a:ext cx="6256318" cy="1351661"/>
+            <a:off x="6984124" y="4634166"/>
+            <a:ext cx="4605968" cy="1966483"/>
           </a:xfrm>
           <a:prstGeom prst="rect">
             <a:avLst/>
@@ -7934,247 +7759,37 @@
           <a:p>
             <a:pPr algn="r"/>
             <a:r>
-              <a:rPr lang="cs-CZ" sz="2000" b="0" i="0" dirty="0">
-                <a:effectLst/>
-                <a:latin typeface="Arial" panose="020B0604020202020204" pitchFamily="34" charset="0"/>
+              <a:rPr lang="cs-CZ" sz="2000" dirty="0">
+                <a:effectLst>
+                  <a:outerShdw blurRad="38100" dist="38100" dir="2700000" algn="tl">
+                    <a:srgbClr val="000000">
+                      <a:alpha val="43137"/>
+                    </a:srgbClr>
+                  </a:outerShdw>
+                </a:effectLst>
               </a:rPr>
-              <a:t>Fakulta informačních technologií Vysokého učení technického v Brně</a:t>
+              <a:t>Petr Marek</a:t>
             </a:r>
           </a:p>
           <a:p>
             <a:pPr algn="r"/>
             <a:r>
               <a:rPr lang="cs-CZ" sz="2000" dirty="0">
-                <a:latin typeface="Arial" panose="020B0604020202020204" pitchFamily="34" charset="0"/>
+                <a:effectLst>
+                  <a:outerShdw blurRad="38100" dist="38100" dir="2700000" algn="tl">
+                    <a:srgbClr val="000000">
+                      <a:alpha val="43137"/>
+                    </a:srgbClr>
+                  </a:outerShdw>
+                </a:effectLst>
               </a:rPr>
-              <a:t>Božetěchova </a:t>
-            </a:r>
-            <a:r>
-              <a:rPr lang="cs-CZ" sz="2000" b="0" i="0" dirty="0">
-                <a:effectLst/>
-                <a:latin typeface="Arial" panose="020B0604020202020204" pitchFamily="34" charset="0"/>
-              </a:rPr>
-              <a:t>1/2. 612 66 Brno - Kr</a:t>
-            </a:r>
+              <a:t>xmarek69@fit.vutbr.cz</a:t>
+            </a:r>
+          </a:p>
+          <a:p>
+            <a:pPr algn="r"/>
             <a:r>
               <a:rPr lang="cs-CZ" sz="2000" dirty="0">
-                <a:latin typeface="Arial" panose="020B0604020202020204" pitchFamily="34" charset="0"/>
-              </a:rPr>
-              <a:t>á</a:t>
-            </a:r>
-            <a:r>
-              <a:rPr lang="cs-CZ" sz="2000" b="0" i="0" dirty="0">
-                <a:effectLst/>
-                <a:latin typeface="Arial" panose="020B0604020202020204" pitchFamily="34" charset="0"/>
-              </a:rPr>
-              <a:t>lovo Pole</a:t>
-            </a:r>
-            <a:endParaRPr lang="cs-CZ" sz="2800" dirty="0">
-              <a:effectLst>
-                <a:outerShdw blurRad="38100" dist="38100" dir="2700000" algn="tl">
-                  <a:srgbClr val="000000">
-                    <a:alpha val="43137"/>
-                  </a:srgbClr>
-                </a:outerShdw>
-              </a:effectLst>
-            </a:endParaRPr>
-          </a:p>
-        </p:txBody>
-      </p:sp>
-      <p:sp>
-        <p:nvSpPr>
-          <p:cNvPr id="12" name="Podnadpis 2">
-            <a:extLst>
-              <a:ext uri="{FF2B5EF4-FFF2-40B4-BE49-F238E27FC236}">
-                <a16:creationId xmlns:a16="http://schemas.microsoft.com/office/drawing/2014/main" id="{05AE05F4-D372-49DE-B633-A4187B2B9AE9}"/>
-              </a:ext>
-            </a:extLst>
-          </p:cNvPr>
-          <p:cNvSpPr txBox="1">
-            <a:spLocks/>
-          </p:cNvSpPr>
-          <p:nvPr/>
-        </p:nvSpPr>
-        <p:spPr>
-          <a:xfrm>
-            <a:off x="6089054" y="2900411"/>
-            <a:ext cx="4082142" cy="444637"/>
-          </a:xfrm>
-          <a:prstGeom prst="rect">
-            <a:avLst/>
-          </a:prstGeom>
-        </p:spPr>
-        <p:txBody>
-          <a:bodyPr vert="horz" lIns="91440" tIns="45720" rIns="91440" bIns="45720" rtlCol="0">
-            <a:normAutofit fontScale="92500"/>
-          </a:bodyPr>
-          <a:lstStyle>
-            <a:lvl1pPr marL="0" indent="0" algn="ctr" defTabSz="914400" rtl="0" eaLnBrk="1" latinLnBrk="0" hangingPunct="1">
-              <a:lnSpc>
-                <a:spcPct val="90000"/>
-              </a:lnSpc>
-              <a:spcBef>
-                <a:spcPts val="1000"/>
-              </a:spcBef>
-              <a:buFont typeface="Arial" panose="020B0604020202020204" pitchFamily="34" charset="0"/>
-              <a:buNone/>
-              <a:defRPr sz="2400" kern="1200">
-                <a:solidFill>
-                  <a:schemeClr val="tx1"/>
-                </a:solidFill>
-                <a:latin typeface="+mn-lt"/>
-                <a:ea typeface="+mn-ea"/>
-                <a:cs typeface="+mn-cs"/>
-              </a:defRPr>
-            </a:lvl1pPr>
-            <a:lvl2pPr marL="457200" indent="0" algn="ctr" defTabSz="914400" rtl="0" eaLnBrk="1" latinLnBrk="0" hangingPunct="1">
-              <a:lnSpc>
-                <a:spcPct val="90000"/>
-              </a:lnSpc>
-              <a:spcBef>
-                <a:spcPts val="500"/>
-              </a:spcBef>
-              <a:buFont typeface="Arial" panose="020B0604020202020204" pitchFamily="34" charset="0"/>
-              <a:buNone/>
-              <a:defRPr sz="2000" kern="1200">
-                <a:solidFill>
-                  <a:schemeClr val="tx1"/>
-                </a:solidFill>
-                <a:latin typeface="+mn-lt"/>
-                <a:ea typeface="+mn-ea"/>
-                <a:cs typeface="+mn-cs"/>
-              </a:defRPr>
-            </a:lvl2pPr>
-            <a:lvl3pPr marL="914400" indent="0" algn="ctr" defTabSz="914400" rtl="0" eaLnBrk="1" latinLnBrk="0" hangingPunct="1">
-              <a:lnSpc>
-                <a:spcPct val="90000"/>
-              </a:lnSpc>
-              <a:spcBef>
-                <a:spcPts val="500"/>
-              </a:spcBef>
-              <a:buFont typeface="Arial" panose="020B0604020202020204" pitchFamily="34" charset="0"/>
-              <a:buNone/>
-              <a:defRPr sz="1800" kern="1200">
-                <a:solidFill>
-                  <a:schemeClr val="tx1"/>
-                </a:solidFill>
-                <a:latin typeface="+mn-lt"/>
-                <a:ea typeface="+mn-ea"/>
-                <a:cs typeface="+mn-cs"/>
-              </a:defRPr>
-            </a:lvl3pPr>
-            <a:lvl4pPr marL="1371600" indent="0" algn="ctr" defTabSz="914400" rtl="0" eaLnBrk="1" latinLnBrk="0" hangingPunct="1">
-              <a:lnSpc>
-                <a:spcPct val="90000"/>
-              </a:lnSpc>
-              <a:spcBef>
-                <a:spcPts val="500"/>
-              </a:spcBef>
-              <a:buFont typeface="Arial" panose="020B0604020202020204" pitchFamily="34" charset="0"/>
-              <a:buNone/>
-              <a:defRPr sz="1600" kern="1200">
-                <a:solidFill>
-                  <a:schemeClr val="tx1"/>
-                </a:solidFill>
-                <a:latin typeface="+mn-lt"/>
-                <a:ea typeface="+mn-ea"/>
-                <a:cs typeface="+mn-cs"/>
-              </a:defRPr>
-            </a:lvl4pPr>
-            <a:lvl5pPr marL="1828800" indent="0" algn="ctr" defTabSz="914400" rtl="0" eaLnBrk="1" latinLnBrk="0" hangingPunct="1">
-              <a:lnSpc>
-                <a:spcPct val="90000"/>
-              </a:lnSpc>
-              <a:spcBef>
-                <a:spcPts val="500"/>
-              </a:spcBef>
-              <a:buFont typeface="Arial" panose="020B0604020202020204" pitchFamily="34" charset="0"/>
-              <a:buNone/>
-              <a:defRPr sz="1600" kern="1200">
-                <a:solidFill>
-                  <a:schemeClr val="tx1"/>
-                </a:solidFill>
-                <a:latin typeface="+mn-lt"/>
-                <a:ea typeface="+mn-ea"/>
-                <a:cs typeface="+mn-cs"/>
-              </a:defRPr>
-            </a:lvl5pPr>
-            <a:lvl6pPr marL="2286000" indent="0" algn="ctr" defTabSz="914400" rtl="0" eaLnBrk="1" latinLnBrk="0" hangingPunct="1">
-              <a:lnSpc>
-                <a:spcPct val="90000"/>
-              </a:lnSpc>
-              <a:spcBef>
-                <a:spcPts val="500"/>
-              </a:spcBef>
-              <a:buFont typeface="Arial" panose="020B0604020202020204" pitchFamily="34" charset="0"/>
-              <a:buNone/>
-              <a:defRPr sz="1600" kern="1200">
-                <a:solidFill>
-                  <a:schemeClr val="tx1"/>
-                </a:solidFill>
-                <a:latin typeface="+mn-lt"/>
-                <a:ea typeface="+mn-ea"/>
-                <a:cs typeface="+mn-cs"/>
-              </a:defRPr>
-            </a:lvl6pPr>
-            <a:lvl7pPr marL="2743200" indent="0" algn="ctr" defTabSz="914400" rtl="0" eaLnBrk="1" latinLnBrk="0" hangingPunct="1">
-              <a:lnSpc>
-                <a:spcPct val="90000"/>
-              </a:lnSpc>
-              <a:spcBef>
-                <a:spcPts val="500"/>
-              </a:spcBef>
-              <a:buFont typeface="Arial" panose="020B0604020202020204" pitchFamily="34" charset="0"/>
-              <a:buNone/>
-              <a:defRPr sz="1600" kern="1200">
-                <a:solidFill>
-                  <a:schemeClr val="tx1"/>
-                </a:solidFill>
-                <a:latin typeface="+mn-lt"/>
-                <a:ea typeface="+mn-ea"/>
-                <a:cs typeface="+mn-cs"/>
-              </a:defRPr>
-            </a:lvl7pPr>
-            <a:lvl8pPr marL="3200400" indent="0" algn="ctr" defTabSz="914400" rtl="0" eaLnBrk="1" latinLnBrk="0" hangingPunct="1">
-              <a:lnSpc>
-                <a:spcPct val="90000"/>
-              </a:lnSpc>
-              <a:spcBef>
-                <a:spcPts val="500"/>
-              </a:spcBef>
-              <a:buFont typeface="Arial" panose="020B0604020202020204" pitchFamily="34" charset="0"/>
-              <a:buNone/>
-              <a:defRPr sz="1600" kern="1200">
-                <a:solidFill>
-                  <a:schemeClr val="tx1"/>
-                </a:solidFill>
-                <a:latin typeface="+mn-lt"/>
-                <a:ea typeface="+mn-ea"/>
-                <a:cs typeface="+mn-cs"/>
-              </a:defRPr>
-            </a:lvl8pPr>
-            <a:lvl9pPr marL="3657600" indent="0" algn="ctr" defTabSz="914400" rtl="0" eaLnBrk="1" latinLnBrk="0" hangingPunct="1">
-              <a:lnSpc>
-                <a:spcPct val="90000"/>
-              </a:lnSpc>
-              <a:spcBef>
-                <a:spcPts val="500"/>
-              </a:spcBef>
-              <a:buFont typeface="Arial" panose="020B0604020202020204" pitchFamily="34" charset="0"/>
-              <a:buNone/>
-              <a:defRPr sz="1600" kern="1200">
-                <a:solidFill>
-                  <a:schemeClr val="tx1"/>
-                </a:solidFill>
-                <a:latin typeface="+mn-lt"/>
-                <a:ea typeface="+mn-ea"/>
-                <a:cs typeface="+mn-cs"/>
-              </a:defRPr>
-            </a:lvl9pPr>
-          </a:lstStyle>
-          <a:p>
-            <a:r>
-              <a:rPr lang="cs-CZ" sz="1800" dirty="0">
                 <a:effectLst>
                   <a:outerShdw blurRad="38100" dist="38100" dir="2700000" algn="tl">
                     <a:srgbClr val="000000">
@@ -8186,7 +7801,7 @@
               <a:t>Vedoucí práce: Prof. Dr. Ing. Pavel </a:t>
             </a:r>
             <a:r>
-              <a:rPr lang="cs-CZ" sz="1800" dirty="0" err="1">
+              <a:rPr lang="cs-CZ" sz="2000" dirty="0" err="1">
                 <a:effectLst>
                   <a:outerShdw blurRad="38100" dist="38100" dir="2700000" algn="tl">
                     <a:srgbClr val="000000">
@@ -8197,7 +7812,7 @@
               </a:rPr>
               <a:t>Zemčík</a:t>
             </a:r>
-            <a:endParaRPr lang="cs-CZ" sz="1800" dirty="0">
+            <a:endParaRPr lang="cs-CZ" sz="2000" dirty="0">
               <a:effectLst>
                 <a:outerShdw blurRad="38100" dist="38100" dir="2700000" algn="tl">
                   <a:srgbClr val="000000">
@@ -8249,10 +7864,103 @@
       </p:grpSpPr>
       <p:sp>
         <p:nvSpPr>
-          <p:cNvPr id="4" name="Zástupný symbol pro číslo snímku 1">
+          <p:cNvPr id="6" name="TextovéPole 5">
             <a:extLst>
               <a:ext uri="{FF2B5EF4-FFF2-40B4-BE49-F238E27FC236}">
-                <a16:creationId xmlns:a16="http://schemas.microsoft.com/office/drawing/2014/main" id="{AE691DD1-9DE5-4A3A-A8F4-087A43878753}"/>
+                <a16:creationId xmlns:a16="http://schemas.microsoft.com/office/drawing/2014/main" id="{3AA95431-DD63-439E-990A-AF62C6E18F02}"/>
+              </a:ext>
+            </a:extLst>
+          </p:cNvPr>
+          <p:cNvSpPr txBox="1"/>
+          <p:nvPr/>
+        </p:nvSpPr>
+        <p:spPr>
+          <a:xfrm>
+            <a:off x="439918" y="639604"/>
+            <a:ext cx="3034804" cy="707886"/>
+          </a:xfrm>
+          <a:prstGeom prst="rect">
+            <a:avLst/>
+          </a:prstGeom>
+          <a:noFill/>
+        </p:spPr>
+        <p:txBody>
+          <a:bodyPr wrap="square" rtlCol="0">
+            <a:spAutoFit/>
+          </a:bodyPr>
+          <a:lstStyle/>
+          <a:p>
+            <a:r>
+              <a:rPr lang="cs-CZ" sz="4000" dirty="0">
+                <a:solidFill>
+                  <a:schemeClr val="bg1"/>
+                </a:solidFill>
+              </a:rPr>
+              <a:t>Shrnutí</a:t>
+            </a:r>
+          </a:p>
+        </p:txBody>
+      </p:sp>
+      <p:sp>
+        <p:nvSpPr>
+          <p:cNvPr id="7" name="TextovéPole 6">
+            <a:extLst>
+              <a:ext uri="{FF2B5EF4-FFF2-40B4-BE49-F238E27FC236}">
+                <a16:creationId xmlns:a16="http://schemas.microsoft.com/office/drawing/2014/main" id="{B69ACB5B-5102-42DD-B0F0-E1D151BA4377}"/>
+              </a:ext>
+            </a:extLst>
+          </p:cNvPr>
+          <p:cNvSpPr txBox="1"/>
+          <p:nvPr/>
+        </p:nvSpPr>
+        <p:spPr>
+          <a:xfrm>
+            <a:off x="410783" y="1778577"/>
+            <a:ext cx="6757059" cy="954107"/>
+          </a:xfrm>
+          <a:prstGeom prst="rect">
+            <a:avLst/>
+          </a:prstGeom>
+          <a:noFill/>
+        </p:spPr>
+        <p:txBody>
+          <a:bodyPr wrap="square" rtlCol="0">
+            <a:spAutoFit/>
+          </a:bodyPr>
+          <a:lstStyle/>
+          <a:p>
+            <a:pPr marL="342900" indent="-342900">
+              <a:buFont typeface="Arial" panose="020B0604020202020204" pitchFamily="34" charset="0"/>
+              <a:buChar char="•"/>
+            </a:pPr>
+            <a:r>
+              <a:rPr lang="cs-CZ" sz="2800" dirty="0">
+                <a:solidFill>
+                  <a:schemeClr val="bg1"/>
+                </a:solidFill>
+              </a:rPr>
+              <a:t>Systém automatizace domácnosti</a:t>
+            </a:r>
+          </a:p>
+          <a:p>
+            <a:pPr marL="342900" indent="-342900">
+              <a:buFont typeface="Arial" panose="020B0604020202020204" pitchFamily="34" charset="0"/>
+              <a:buChar char="•"/>
+            </a:pPr>
+            <a:endParaRPr lang="cs-CZ" sz="2800" dirty="0">
+              <a:solidFill>
+                <a:schemeClr val="bg1"/>
+              </a:solidFill>
+            </a:endParaRPr>
+          </a:p>
+        </p:txBody>
+      </p:sp>
+      <p:sp>
+        <p:nvSpPr>
+          <p:cNvPr id="8" name="Zástupný symbol pro číslo snímku 1">
+            <a:extLst>
+              <a:ext uri="{FF2B5EF4-FFF2-40B4-BE49-F238E27FC236}">
+                <a16:creationId xmlns:a16="http://schemas.microsoft.com/office/drawing/2014/main" id="{8DA2D1A4-F246-4A42-AA9E-96289FF61F56}"/>
               </a:ext>
             </a:extLst>
           </p:cNvPr>
@@ -8280,7 +7988,7 @@
                   <a:schemeClr val="bg1"/>
                 </a:solidFill>
               </a:rPr>
-              <a:t>10/11</a:t>
+              <a:t>11/11</a:t>
             </a:r>
             <a:endParaRPr lang="cs-CZ" dirty="0">
               <a:solidFill>
@@ -8290,127 +7998,12 @@
           </a:p>
         </p:txBody>
       </p:sp>
-      <p:sp>
-        <p:nvSpPr>
-          <p:cNvPr id="3" name="Nadpis 1">
-            <a:extLst>
-              <a:ext uri="{FF2B5EF4-FFF2-40B4-BE49-F238E27FC236}">
-                <a16:creationId xmlns:a16="http://schemas.microsoft.com/office/drawing/2014/main" id="{10467BCF-B006-41CE-B4C0-64F6ECCB7B14}"/>
-              </a:ext>
-            </a:extLst>
-          </p:cNvPr>
-          <p:cNvSpPr txBox="1">
-            <a:spLocks/>
-          </p:cNvSpPr>
-          <p:nvPr/>
-        </p:nvSpPr>
-        <p:spPr>
-          <a:xfrm>
-            <a:off x="1077232" y="2904936"/>
-            <a:ext cx="10037536" cy="1048127"/>
-          </a:xfrm>
-          <a:prstGeom prst="rect">
-            <a:avLst/>
-          </a:prstGeom>
-        </p:spPr>
-        <p:txBody>
-          <a:bodyPr vert="horz" lIns="91440" tIns="45720" rIns="91440" bIns="45720" rtlCol="0" anchor="ctr">
-            <a:normAutofit fontScale="97500"/>
-          </a:bodyPr>
-          <a:lstStyle>
-            <a:lvl1pPr algn="l" defTabSz="914400" rtl="0" eaLnBrk="1" latinLnBrk="0" hangingPunct="1">
-              <a:lnSpc>
-                <a:spcPct val="85000"/>
-              </a:lnSpc>
-              <a:spcBef>
-                <a:spcPct val="0"/>
-              </a:spcBef>
-              <a:buNone/>
-              <a:defRPr sz="4000" kern="1200" cap="all" baseline="0">
-                <a:solidFill>
-                  <a:schemeClr val="bg2"/>
-                </a:solidFill>
-                <a:latin typeface="+mj-lt"/>
-                <a:ea typeface="+mj-ea"/>
-                <a:cs typeface="+mj-cs"/>
-              </a:defRPr>
-            </a:lvl1pPr>
-          </a:lstStyle>
-          <a:p>
-            <a:pPr algn="ctr">
-              <a:lnSpc>
-                <a:spcPct val="90000"/>
-              </a:lnSpc>
-            </a:pPr>
-            <a:r>
-              <a:rPr lang="cs-CZ" sz="5400" dirty="0">
-                <a:solidFill>
-                  <a:schemeClr val="bg1"/>
-                </a:solidFill>
-              </a:rPr>
-              <a:t>Děkuji za pozornost </a:t>
-            </a:r>
-            <a:r>
-              <a:rPr lang="cs-CZ" sz="5400" dirty="0">
-                <a:solidFill>
-                  <a:schemeClr val="bg1"/>
-                </a:solidFill>
-                <a:sym typeface="Wingdings" panose="05000000000000000000" pitchFamily="2" charset="2"/>
-              </a:rPr>
-              <a:t></a:t>
-            </a:r>
-            <a:endParaRPr lang="cs-CZ" sz="5400" dirty="0">
-              <a:solidFill>
-                <a:schemeClr val="bg1"/>
-              </a:solidFill>
-            </a:endParaRPr>
-          </a:p>
-        </p:txBody>
-      </p:sp>
-    </p:spTree>
-    <p:extLst>
-      <p:ext uri="{BB962C8B-B14F-4D97-AF65-F5344CB8AC3E}">
-        <p14:creationId xmlns:p14="http://schemas.microsoft.com/office/powerpoint/2010/main" val="3422587761"/>
-      </p:ext>
-    </p:extLst>
-  </p:cSld>
-  <p:clrMapOvr>
-    <a:masterClrMapping/>
-  </p:clrMapOvr>
-</p:sld>
-</file>
-
-<file path=ppt/slides/slide11.xml><?xml version="1.0" encoding="utf-8"?>
-<p:sld xmlns:a="http://schemas.openxmlformats.org/drawingml/2006/main" xmlns:r="http://schemas.openxmlformats.org/officeDocument/2006/relationships" xmlns:p="http://schemas.openxmlformats.org/presentationml/2006/main">
-  <p:cSld>
-    <p:bg>
-      <p:bgPr>
-        <a:solidFill>
-          <a:srgbClr val="099BDD"/>
-        </a:solidFill>
-        <a:effectLst/>
-      </p:bgPr>
-    </p:bg>
-    <p:spTree>
-      <p:nvGrpSpPr>
-        <p:cNvPr id="1" name=""/>
-        <p:cNvGrpSpPr/>
-        <p:nvPr/>
-      </p:nvGrpSpPr>
-      <p:grpSpPr>
-        <a:xfrm>
-          <a:off x="0" y="0"/>
-          <a:ext cx="0" cy="0"/>
-          <a:chOff x="0" y="0"/>
-          <a:chExt cx="0" cy="0"/>
-        </a:xfrm>
-      </p:grpSpPr>
       <p:pic>
         <p:nvPicPr>
-          <p:cNvPr id="5" name="Obrázek 4">
+          <p:cNvPr id="3" name="Obrázek 2">
             <a:extLst>
               <a:ext uri="{FF2B5EF4-FFF2-40B4-BE49-F238E27FC236}">
-                <a16:creationId xmlns:a16="http://schemas.microsoft.com/office/drawing/2014/main" id="{C7DAE9F7-4F53-4DD9-AE86-0210D0EA8EBC}"/>
+                <a16:creationId xmlns:a16="http://schemas.microsoft.com/office/drawing/2014/main" id="{9E6C42F4-CD9E-47FD-A828-BB5E905ABF33}"/>
               </a:ext>
             </a:extLst>
           </p:cNvPr>
@@ -8433,177 +8026,14 @@
         </p:blipFill>
         <p:spPr>
           <a:xfrm>
-            <a:off x="5620896" y="203689"/>
-            <a:ext cx="5715551" cy="6450622"/>
+            <a:off x="6608582" y="0"/>
+            <a:ext cx="5143500" cy="6858000"/>
           </a:xfrm>
           <a:prstGeom prst="rect">
             <a:avLst/>
           </a:prstGeom>
         </p:spPr>
       </p:pic>
-      <p:sp>
-        <p:nvSpPr>
-          <p:cNvPr id="6" name="TextovéPole 5">
-            <a:extLst>
-              <a:ext uri="{FF2B5EF4-FFF2-40B4-BE49-F238E27FC236}">
-                <a16:creationId xmlns:a16="http://schemas.microsoft.com/office/drawing/2014/main" id="{3AA95431-DD63-439E-990A-AF62C6E18F02}"/>
-              </a:ext>
-            </a:extLst>
-          </p:cNvPr>
-          <p:cNvSpPr txBox="1"/>
-          <p:nvPr/>
-        </p:nvSpPr>
-        <p:spPr>
-          <a:xfrm>
-            <a:off x="439918" y="1475177"/>
-            <a:ext cx="3034804" cy="707886"/>
-          </a:xfrm>
-          <a:prstGeom prst="rect">
-            <a:avLst/>
-          </a:prstGeom>
-          <a:noFill/>
-        </p:spPr>
-        <p:txBody>
-          <a:bodyPr wrap="square" rtlCol="0">
-            <a:spAutoFit/>
-          </a:bodyPr>
-          <a:lstStyle/>
-          <a:p>
-            <a:r>
-              <a:rPr lang="cs-CZ" sz="4000" dirty="0">
-                <a:solidFill>
-                  <a:schemeClr val="bg1"/>
-                </a:solidFill>
-              </a:rPr>
-              <a:t>Diskuze</a:t>
-            </a:r>
-            <a:endParaRPr lang="cs-CZ" sz="2800" dirty="0">
-              <a:solidFill>
-                <a:schemeClr val="bg1"/>
-              </a:solidFill>
-            </a:endParaRPr>
-          </a:p>
-        </p:txBody>
-      </p:sp>
-      <p:sp>
-        <p:nvSpPr>
-          <p:cNvPr id="7" name="TextovéPole 6">
-            <a:extLst>
-              <a:ext uri="{FF2B5EF4-FFF2-40B4-BE49-F238E27FC236}">
-                <a16:creationId xmlns:a16="http://schemas.microsoft.com/office/drawing/2014/main" id="{B69ACB5B-5102-42DD-B0F0-E1D151BA4377}"/>
-              </a:ext>
-            </a:extLst>
-          </p:cNvPr>
-          <p:cNvSpPr txBox="1"/>
-          <p:nvPr/>
-        </p:nvSpPr>
-        <p:spPr>
-          <a:xfrm>
-            <a:off x="855553" y="2330370"/>
-            <a:ext cx="6757059" cy="1384995"/>
-          </a:xfrm>
-          <a:prstGeom prst="rect">
-            <a:avLst/>
-          </a:prstGeom>
-          <a:noFill/>
-        </p:spPr>
-        <p:txBody>
-          <a:bodyPr wrap="square" rtlCol="0">
-            <a:spAutoFit/>
-          </a:bodyPr>
-          <a:lstStyle/>
-          <a:p>
-            <a:pPr marL="342900" indent="-342900">
-              <a:buFont typeface="Arial" panose="020B0604020202020204" pitchFamily="34" charset="0"/>
-              <a:buChar char="•"/>
-            </a:pPr>
-            <a:r>
-              <a:rPr lang="cs-CZ" sz="2800" dirty="0">
-                <a:solidFill>
-                  <a:schemeClr val="bg1"/>
-                </a:solidFill>
-              </a:rPr>
-              <a:t>Automatizace domácnosti</a:t>
-            </a:r>
-          </a:p>
-          <a:p>
-            <a:pPr marL="342900" indent="-342900">
-              <a:buFont typeface="Arial" panose="020B0604020202020204" pitchFamily="34" charset="0"/>
-              <a:buChar char="•"/>
-            </a:pPr>
-            <a:r>
-              <a:rPr lang="cs-CZ" sz="2800">
-                <a:solidFill>
-                  <a:schemeClr val="bg1"/>
-                </a:solidFill>
-              </a:rPr>
-              <a:t>Raspberry Pi a ESP</a:t>
-            </a:r>
-            <a:endParaRPr lang="cs-CZ" sz="2800" dirty="0">
-              <a:solidFill>
-                <a:schemeClr val="bg1"/>
-              </a:solidFill>
-            </a:endParaRPr>
-          </a:p>
-          <a:p>
-            <a:pPr marL="342900" indent="-342900">
-              <a:buFont typeface="Arial" panose="020B0604020202020204" pitchFamily="34" charset="0"/>
-              <a:buChar char="•"/>
-            </a:pPr>
-            <a:r>
-              <a:rPr lang="cs-CZ" sz="2800" dirty="0">
-                <a:solidFill>
-                  <a:schemeClr val="bg1"/>
-                </a:solidFill>
-              </a:rPr>
-              <a:t>Wi-Fi</a:t>
-            </a:r>
-          </a:p>
-        </p:txBody>
-      </p:sp>
-      <p:sp>
-        <p:nvSpPr>
-          <p:cNvPr id="8" name="Zástupný symbol pro číslo snímku 1">
-            <a:extLst>
-              <a:ext uri="{FF2B5EF4-FFF2-40B4-BE49-F238E27FC236}">
-                <a16:creationId xmlns:a16="http://schemas.microsoft.com/office/drawing/2014/main" id="{8DA2D1A4-F246-4A42-AA9E-96289FF61F56}"/>
-              </a:ext>
-            </a:extLst>
-          </p:cNvPr>
-          <p:cNvSpPr>
-            <a:spLocks noGrp="1"/>
-          </p:cNvSpPr>
-          <p:nvPr>
-            <p:ph type="sldNum" sz="quarter" idx="12"/>
-          </p:nvPr>
-        </p:nvSpPr>
-        <p:spPr>
-          <a:xfrm>
-            <a:off x="11312165" y="6343298"/>
-            <a:ext cx="879835" cy="514702"/>
-          </a:xfrm>
-        </p:spPr>
-        <p:txBody>
-          <a:bodyPr/>
-          <a:lstStyle/>
-          <a:p>
-            <a:pPr algn="ctr"/>
-            <a:r>
-              <a:rPr lang="cs-CZ" sz="1400" dirty="0">
-                <a:solidFill>
-                  <a:schemeClr val="bg1"/>
-                </a:solidFill>
-              </a:rPr>
-              <a:t>11/11</a:t>
-            </a:r>
-            <a:endParaRPr lang="cs-CZ" dirty="0">
-              <a:solidFill>
-                <a:schemeClr val="bg1"/>
-              </a:solidFill>
-            </a:endParaRPr>
-          </a:p>
-        </p:txBody>
-      </p:sp>
     </p:spTree>
     <p:extLst>
       <p:ext uri="{BB962C8B-B14F-4D97-AF65-F5344CB8AC3E}">
@@ -8852,7 +8282,7 @@
                   <a:schemeClr val="bg1"/>
                 </a:solidFill>
               </a:rPr>
-              <a:t>Cíle práce</a:t>
+              <a:t>Cíl práce</a:t>
             </a:r>
           </a:p>
         </p:txBody>
@@ -8871,8 +8301,8 @@
         </p:nvSpPr>
         <p:spPr>
           <a:xfrm>
-            <a:off x="605642" y="2933205"/>
-            <a:ext cx="6757059" cy="2308324"/>
+            <a:off x="641268" y="2576945"/>
+            <a:ext cx="6757059" cy="2708434"/>
           </a:xfrm>
           <a:prstGeom prst="rect">
             <a:avLst/>
@@ -8885,23 +8315,45 @@
           </a:bodyPr>
           <a:lstStyle/>
           <a:p>
+            <a:r>
+              <a:rPr lang="cs-CZ" sz="2400" dirty="0"/>
+              <a:t>Cílem je vytvořit systém pro automatizaci domácnosti s využitím </a:t>
+            </a:r>
+            <a:r>
+              <a:rPr lang="cs-CZ" sz="2400" dirty="0" err="1"/>
+              <a:t>embeded</a:t>
+            </a:r>
+            <a:r>
+              <a:rPr lang="cs-CZ" sz="2400" dirty="0"/>
+              <a:t> systémů a </a:t>
+            </a:r>
+            <a:r>
+              <a:rPr lang="cs-CZ" sz="2400" dirty="0" err="1"/>
+              <a:t>WiFi</a:t>
+            </a:r>
+            <a:r>
+              <a:rPr lang="cs-CZ" sz="2400" dirty="0"/>
+              <a:t> sítě</a:t>
+            </a:r>
+          </a:p>
+          <a:p>
             <a:pPr marL="285750" indent="-285750">
               <a:buFont typeface="Arial" panose="020B0604020202020204" pitchFamily="34" charset="0"/>
               <a:buChar char="•"/>
             </a:pPr>
-            <a:r>
-              <a:rPr lang="cs-CZ" sz="2400" dirty="0"/>
-              <a:t>Cílem je vytvořit systém pro automatizaci domácnosti</a:t>
-            </a:r>
+            <a:endParaRPr lang="cs-CZ" sz="2400" dirty="0"/>
           </a:p>
           <a:p>
             <a:pPr marL="285750" indent="-285750">
               <a:buFont typeface="Arial" panose="020B0604020202020204" pitchFamily="34" charset="0"/>
               <a:buChar char="•"/>
             </a:pPr>
-            <a:r>
-              <a:rPr lang="cs-CZ" sz="2400" dirty="0"/>
-              <a:t>Systém bude možné ovládat dálkově mobilním zařízením</a:t>
+            <a:endParaRPr lang="cs-CZ" sz="2400" dirty="0"/>
+          </a:p>
+          <a:p>
+            <a:r>
+              <a:rPr lang="cs-CZ" sz="2000" dirty="0"/>
+              <a:t>Podcíle</a:t>
             </a:r>
           </a:p>
           <a:p>
@@ -8910,8 +8362,8 @@
               <a:buChar char="•"/>
             </a:pPr>
             <a:r>
-              <a:rPr lang="cs-CZ" sz="2400" dirty="0"/>
-              <a:t>Systém bude komunikovat pomocí Wi-Fi</a:t>
+              <a:rPr lang="cs-CZ" dirty="0"/>
+              <a:t>Systém bude možné ovládat dálkově mobilním zařízením</a:t>
             </a:r>
           </a:p>
           <a:p>
@@ -8920,246 +8372,58 @@
               <a:buChar char="•"/>
             </a:pPr>
             <a:r>
-              <a:rPr lang="cs-CZ" sz="2400" dirty="0"/>
+              <a:rPr lang="cs-CZ" dirty="0"/>
+              <a:t>Systém bude komunikovat pomocí Wi-Fi</a:t>
+            </a:r>
+          </a:p>
+          <a:p>
+            <a:pPr marL="285750" indent="-285750">
+              <a:buFont typeface="Arial" panose="020B0604020202020204" pitchFamily="34" charset="0"/>
+              <a:buChar char="•"/>
+            </a:pPr>
+            <a:r>
+              <a:rPr lang="cs-CZ" dirty="0"/>
               <a:t>Bude fungovat v lokální síti i přes internet</a:t>
             </a:r>
           </a:p>
         </p:txBody>
       </p:sp>
-      <p:sp>
-        <p:nvSpPr>
-          <p:cNvPr id="5" name="Obdélník 4" descr="House">
+      <p:pic>
+        <p:nvPicPr>
+          <p:cNvPr id="10" name="Obrázek 9">
             <a:extLst>
               <a:ext uri="{FF2B5EF4-FFF2-40B4-BE49-F238E27FC236}">
-                <a16:creationId xmlns:a16="http://schemas.microsoft.com/office/drawing/2014/main" id="{6B007577-8AE4-4A87-B918-9A8F8C251752}"/>
+                <a16:creationId xmlns:a16="http://schemas.microsoft.com/office/drawing/2014/main" id="{3F94770E-E655-44EC-912A-1FA58F52441D}"/>
               </a:ext>
             </a:extLst>
           </p:cNvPr>
-          <p:cNvSpPr/>
+          <p:cNvPicPr>
+            <a:picLocks noChangeAspect="1"/>
+          </p:cNvPicPr>
           <p:nvPr/>
-        </p:nvSpPr>
+        </p:nvPicPr>
+        <p:blipFill>
+          <a:blip r:embed="rId2">
+            <a:extLst>
+              <a:ext uri="{28A0092B-C50C-407E-A947-70E740481C1C}">
+                <a14:useLocalDpi xmlns:a14="http://schemas.microsoft.com/office/drawing/2010/main" val="0"/>
+              </a:ext>
+            </a:extLst>
+          </a:blip>
+          <a:stretch>
+            <a:fillRect/>
+          </a:stretch>
+        </p:blipFill>
         <p:spPr>
           <a:xfrm>
-            <a:off x="7778366" y="2685179"/>
-            <a:ext cx="1475195" cy="1475195"/>
+            <a:off x="7932420" y="2051543"/>
+            <a:ext cx="3819662" cy="4291756"/>
           </a:xfrm>
           <a:prstGeom prst="rect">
             <a:avLst/>
           </a:prstGeom>
-          <a:blipFill>
-            <a:blip r:embed="rId2">
-              <a:extLst>
-                <a:ext uri="{28A0092B-C50C-407E-A947-70E740481C1C}">
-                  <a14:useLocalDpi xmlns:a14="http://schemas.microsoft.com/office/drawing/2010/main" val="0"/>
-                </a:ext>
-                <a:ext uri="{96DAC541-7B7A-43D3-8B79-37D633B846F1}">
-                  <asvg:svgBlip xmlns:asvg="http://schemas.microsoft.com/office/drawing/2016/SVG/main" r:embed="rId3"/>
-                </a:ext>
-              </a:extLst>
-            </a:blip>
-            <a:stretch>
-              <a:fillRect/>
-            </a:stretch>
-          </a:blipFill>
-          <a:ln>
-            <a:noFill/>
-          </a:ln>
         </p:spPr>
-        <p:style>
-          <a:lnRef idx="2">
-            <a:scrgbClr r="0" g="0" b="0"/>
-          </a:lnRef>
-          <a:fillRef idx="1">
-            <a:scrgbClr r="0" g="0" b="0"/>
-          </a:fillRef>
-          <a:effectRef idx="0">
-            <a:schemeClr val="accent2">
-              <a:hueOff val="0"/>
-              <a:satOff val="0"/>
-              <a:lumOff val="0"/>
-              <a:alphaOff val="0"/>
-            </a:schemeClr>
-          </a:effectRef>
-          <a:fontRef idx="minor">
-            <a:schemeClr val="lt1"/>
-          </a:fontRef>
-        </p:style>
-      </p:sp>
-      <p:sp>
-        <p:nvSpPr>
-          <p:cNvPr id="6" name="Obdélník 5" descr="Wi-Fi">
-            <a:extLst>
-              <a:ext uri="{FF2B5EF4-FFF2-40B4-BE49-F238E27FC236}">
-                <a16:creationId xmlns:a16="http://schemas.microsoft.com/office/drawing/2014/main" id="{2E1EFFC5-BF1C-49C7-830E-4336C4A0898B}"/>
-              </a:ext>
-            </a:extLst>
-          </p:cNvPr>
-          <p:cNvSpPr/>
-          <p:nvPr/>
-        </p:nvSpPr>
-        <p:spPr>
-          <a:xfrm>
-            <a:off x="7778366" y="4224382"/>
-            <a:ext cx="1475195" cy="1475195"/>
-          </a:xfrm>
-          <a:prstGeom prst="rect">
-            <a:avLst/>
-          </a:prstGeom>
-          <a:blipFill>
-            <a:blip r:embed="rId4">
-              <a:extLst>
-                <a:ext uri="{28A0092B-C50C-407E-A947-70E740481C1C}">
-                  <a14:useLocalDpi xmlns:a14="http://schemas.microsoft.com/office/drawing/2010/main" val="0"/>
-                </a:ext>
-                <a:ext uri="{96DAC541-7B7A-43D3-8B79-37D633B846F1}">
-                  <asvg:svgBlip xmlns:asvg="http://schemas.microsoft.com/office/drawing/2016/SVG/main" r:embed="rId5"/>
-                </a:ext>
-              </a:extLst>
-            </a:blip>
-            <a:stretch>
-              <a:fillRect/>
-            </a:stretch>
-          </a:blipFill>
-          <a:ln>
-            <a:noFill/>
-          </a:ln>
-        </p:spPr>
-        <p:style>
-          <a:lnRef idx="2">
-            <a:scrgbClr r="0" g="0" b="0"/>
-          </a:lnRef>
-          <a:fillRef idx="1">
-            <a:scrgbClr r="0" g="0" b="0"/>
-          </a:fillRef>
-          <a:effectRef idx="0">
-            <a:schemeClr val="accent3">
-              <a:hueOff val="0"/>
-              <a:satOff val="0"/>
-              <a:lumOff val="0"/>
-              <a:alphaOff val="0"/>
-            </a:schemeClr>
-          </a:effectRef>
-          <a:fontRef idx="minor">
-            <a:schemeClr val="lt1"/>
-          </a:fontRef>
-        </p:style>
-      </p:sp>
-      <p:sp>
-        <p:nvSpPr>
-          <p:cNvPr id="7" name="Obdélník 6" descr="Tablet">
-            <a:extLst>
-              <a:ext uri="{FF2B5EF4-FFF2-40B4-BE49-F238E27FC236}">
-                <a16:creationId xmlns:a16="http://schemas.microsoft.com/office/drawing/2014/main" id="{A41689AF-0646-43B8-AC1E-70E077021EAC}"/>
-              </a:ext>
-            </a:extLst>
-          </p:cNvPr>
-          <p:cNvSpPr/>
-          <p:nvPr/>
-        </p:nvSpPr>
-        <p:spPr>
-          <a:xfrm>
-            <a:off x="9529245" y="2685179"/>
-            <a:ext cx="1475195" cy="1475195"/>
-          </a:xfrm>
-          <a:prstGeom prst="rect">
-            <a:avLst/>
-          </a:prstGeom>
-          <a:blipFill>
-            <a:blip r:embed="rId6">
-              <a:extLst>
-                <a:ext uri="{28A0092B-C50C-407E-A947-70E740481C1C}">
-                  <a14:useLocalDpi xmlns:a14="http://schemas.microsoft.com/office/drawing/2010/main" val="0"/>
-                </a:ext>
-                <a:ext uri="{96DAC541-7B7A-43D3-8B79-37D633B846F1}">
-                  <asvg:svgBlip xmlns:asvg="http://schemas.microsoft.com/office/drawing/2016/SVG/main" r:embed="rId7"/>
-                </a:ext>
-              </a:extLst>
-            </a:blip>
-            <a:stretch>
-              <a:fillRect/>
-            </a:stretch>
-          </a:blipFill>
-          <a:ln>
-            <a:noFill/>
-          </a:ln>
-        </p:spPr>
-        <p:style>
-          <a:lnRef idx="2">
-            <a:scrgbClr r="0" g="0" b="0"/>
-          </a:lnRef>
-          <a:fillRef idx="1">
-            <a:scrgbClr r="0" g="0" b="0"/>
-          </a:fillRef>
-          <a:effectRef idx="0">
-            <a:schemeClr val="accent4">
-              <a:hueOff val="0"/>
-              <a:satOff val="0"/>
-              <a:lumOff val="0"/>
-              <a:alphaOff val="0"/>
-            </a:schemeClr>
-          </a:effectRef>
-          <a:fontRef idx="minor">
-            <a:schemeClr val="lt1"/>
-          </a:fontRef>
-        </p:style>
-      </p:sp>
-      <p:sp>
-        <p:nvSpPr>
-          <p:cNvPr id="8" name="Obdélník 7" descr="Cloud Computing">
-            <a:extLst>
-              <a:ext uri="{FF2B5EF4-FFF2-40B4-BE49-F238E27FC236}">
-                <a16:creationId xmlns:a16="http://schemas.microsoft.com/office/drawing/2014/main" id="{08BB2A1D-7898-4795-9437-2AC530D6BC80}"/>
-              </a:ext>
-            </a:extLst>
-          </p:cNvPr>
-          <p:cNvSpPr/>
-          <p:nvPr/>
-        </p:nvSpPr>
-        <p:spPr>
-          <a:xfrm>
-            <a:off x="9562266" y="4224382"/>
-            <a:ext cx="1475195" cy="1475195"/>
-          </a:xfrm>
-          <a:prstGeom prst="rect">
-            <a:avLst/>
-          </a:prstGeom>
-          <a:blipFill>
-            <a:blip r:embed="rId8">
-              <a:extLst>
-                <a:ext uri="{96DAC541-7B7A-43D3-8B79-37D633B846F1}">
-                  <asvg:svgBlip xmlns:asvg="http://schemas.microsoft.com/office/drawing/2016/SVG/main" r:embed="rId9"/>
-                </a:ext>
-              </a:extLst>
-            </a:blip>
-            <a:srcRect/>
-            <a:stretch>
-              <a:fillRect/>
-            </a:stretch>
-          </a:blipFill>
-          <a:ln>
-            <a:noFill/>
-          </a:ln>
-        </p:spPr>
-        <p:style>
-          <a:lnRef idx="2">
-            <a:scrgbClr r="0" g="0" b="0"/>
-          </a:lnRef>
-          <a:fillRef idx="1">
-            <a:scrgbClr r="0" g="0" b="0"/>
-          </a:fillRef>
-          <a:effectRef idx="0">
-            <a:schemeClr val="accent5">
-              <a:hueOff val="0"/>
-              <a:satOff val="0"/>
-              <a:lumOff val="0"/>
-              <a:alphaOff val="0"/>
-            </a:schemeClr>
-          </a:effectRef>
-          <a:fontRef idx="minor">
-            <a:schemeClr val="lt1"/>
-          </a:fontRef>
-        </p:style>
-      </p:sp>
+      </p:pic>
     </p:spTree>
     <p:extLst>
       <p:ext uri="{BB962C8B-B14F-4D97-AF65-F5344CB8AC3E}">
@@ -9429,10 +8693,10 @@
       </p:sp>
       <p:pic>
         <p:nvPicPr>
-          <p:cNvPr id="10" name="Obrázek 9">
+          <p:cNvPr id="13" name="Obrázek 12">
             <a:extLst>
               <a:ext uri="{FF2B5EF4-FFF2-40B4-BE49-F238E27FC236}">
-                <a16:creationId xmlns:a16="http://schemas.microsoft.com/office/drawing/2014/main" id="{F2139080-B169-4E76-AC52-EB7237CC166D}"/>
+                <a16:creationId xmlns:a16="http://schemas.microsoft.com/office/drawing/2014/main" id="{1573479E-3C6D-4151-ADDB-64D91E88F23C}"/>
               </a:ext>
             </a:extLst>
           </p:cNvPr>
@@ -9455,8 +8719,8 @@
         </p:blipFill>
         <p:spPr>
           <a:xfrm>
-            <a:off x="6463861" y="244508"/>
-            <a:ext cx="5465809" cy="6168761"/>
+            <a:off x="6463861" y="196797"/>
+            <a:ext cx="4848304" cy="6464405"/>
           </a:xfrm>
           <a:prstGeom prst="rect">
             <a:avLst/>
@@ -9645,7 +8909,7 @@
             <a:pPr algn="ctr"/>
             <a:r>
               <a:rPr lang="cs-CZ" sz="1400" dirty="0"/>
-              <a:t>6/11</a:t>
+              <a:t>7/11</a:t>
             </a:r>
             <a:endParaRPr lang="cs-CZ" dirty="0"/>
           </a:p>
@@ -9709,194 +8973,7 @@
                   <a:schemeClr val="bg1"/>
                 </a:solidFill>
               </a:rPr>
-              <a:t>Současný stav</a:t>
-            </a:r>
-          </a:p>
-        </p:txBody>
-      </p:sp>
-      <p:sp>
-        <p:nvSpPr>
-          <p:cNvPr id="2" name="TextovéPole 1">
-            <a:extLst>
-              <a:ext uri="{FF2B5EF4-FFF2-40B4-BE49-F238E27FC236}">
-                <a16:creationId xmlns:a16="http://schemas.microsoft.com/office/drawing/2014/main" id="{DCA0D01C-CB9A-47A6-B1DD-8BDF200F6230}"/>
-              </a:ext>
-            </a:extLst>
-          </p:cNvPr>
-          <p:cNvSpPr txBox="1"/>
-          <p:nvPr/>
-        </p:nvSpPr>
-        <p:spPr>
-          <a:xfrm>
-            <a:off x="605642" y="2933205"/>
-            <a:ext cx="6757059" cy="1200329"/>
-          </a:xfrm>
-          <a:prstGeom prst="rect">
-            <a:avLst/>
-          </a:prstGeom>
-          <a:noFill/>
-        </p:spPr>
-        <p:txBody>
-          <a:bodyPr wrap="square" rtlCol="0">
-            <a:spAutoFit/>
-          </a:bodyPr>
-          <a:lstStyle/>
-          <a:p>
-            <a:pPr marL="285750" indent="-285750">
-              <a:buFont typeface="Arial" panose="020B0604020202020204" pitchFamily="34" charset="0"/>
-              <a:buChar char="•"/>
-            </a:pPr>
-            <a:r>
-              <a:rPr lang="cs-CZ" sz="2400" dirty="0"/>
-              <a:t>Klientská aplikace je téměř hotové</a:t>
-            </a:r>
-          </a:p>
-          <a:p>
-            <a:pPr marL="285750" indent="-285750">
-              <a:buFont typeface="Arial" panose="020B0604020202020204" pitchFamily="34" charset="0"/>
-              <a:buChar char="•"/>
-            </a:pPr>
-            <a:r>
-              <a:rPr lang="cs-CZ" sz="2400" dirty="0"/>
-              <a:t>Server z části (chybí komunikace s ESP)</a:t>
-            </a:r>
-          </a:p>
-          <a:p>
-            <a:pPr marL="285750" indent="-285750">
-              <a:buFont typeface="Arial" panose="020B0604020202020204" pitchFamily="34" charset="0"/>
-              <a:buChar char="•"/>
-            </a:pPr>
-            <a:r>
-              <a:rPr lang="cs-CZ" sz="2400" dirty="0"/>
-              <a:t>ESP v zárodku</a:t>
-            </a:r>
-          </a:p>
-        </p:txBody>
-      </p:sp>
-    </p:spTree>
-    <p:extLst>
-      <p:ext uri="{BB962C8B-B14F-4D97-AF65-F5344CB8AC3E}">
-        <p14:creationId xmlns:p14="http://schemas.microsoft.com/office/powerpoint/2010/main" val="3489828817"/>
-      </p:ext>
-    </p:extLst>
-  </p:cSld>
-  <p:clrMapOvr>
-    <a:masterClrMapping/>
-  </p:clrMapOvr>
-</p:sld>
-</file>
-
-<file path=ppt/slides/slide7.xml><?xml version="1.0" encoding="utf-8"?>
-<p:sld xmlns:a="http://schemas.openxmlformats.org/drawingml/2006/main" xmlns:r="http://schemas.openxmlformats.org/officeDocument/2006/relationships" xmlns:p="http://schemas.openxmlformats.org/presentationml/2006/main">
-  <p:cSld>
-    <p:spTree>
-      <p:nvGrpSpPr>
-        <p:cNvPr id="1" name=""/>
-        <p:cNvGrpSpPr/>
-        <p:nvPr/>
-      </p:nvGrpSpPr>
-      <p:grpSpPr>
-        <a:xfrm>
-          <a:off x="0" y="0"/>
-          <a:ext cx="0" cy="0"/>
-          <a:chOff x="0" y="0"/>
-          <a:chExt cx="0" cy="0"/>
-        </a:xfrm>
-      </p:grpSpPr>
-      <p:sp>
-        <p:nvSpPr>
-          <p:cNvPr id="4" name="Zástupný symbol pro číslo snímku 1">
-            <a:extLst>
-              <a:ext uri="{FF2B5EF4-FFF2-40B4-BE49-F238E27FC236}">
-                <a16:creationId xmlns:a16="http://schemas.microsoft.com/office/drawing/2014/main" id="{AE691DD1-9DE5-4A3A-A8F4-087A43878753}"/>
-              </a:ext>
-            </a:extLst>
-          </p:cNvPr>
-          <p:cNvSpPr>
-            <a:spLocks noGrp="1"/>
-          </p:cNvSpPr>
-          <p:nvPr>
-            <p:ph type="sldNum" sz="quarter" idx="12"/>
-          </p:nvPr>
-        </p:nvSpPr>
-        <p:spPr>
-          <a:xfrm>
-            <a:off x="11312165" y="6343298"/>
-            <a:ext cx="879835" cy="514702"/>
-          </a:xfrm>
-        </p:spPr>
-        <p:txBody>
-          <a:bodyPr/>
-          <a:lstStyle/>
-          <a:p>
-            <a:pPr algn="ctr"/>
-            <a:r>
-              <a:rPr lang="cs-CZ" sz="1400" dirty="0"/>
-              <a:t>7/11</a:t>
-            </a:r>
-            <a:endParaRPr lang="cs-CZ" dirty="0"/>
-          </a:p>
-        </p:txBody>
-      </p:sp>
-      <p:sp>
-        <p:nvSpPr>
-          <p:cNvPr id="3" name="Nadpis 1">
-            <a:extLst>
-              <a:ext uri="{FF2B5EF4-FFF2-40B4-BE49-F238E27FC236}">
-                <a16:creationId xmlns:a16="http://schemas.microsoft.com/office/drawing/2014/main" id="{10467BCF-B006-41CE-B4C0-64F6ECCB7B14}"/>
-              </a:ext>
-            </a:extLst>
-          </p:cNvPr>
-          <p:cNvSpPr txBox="1">
-            <a:spLocks/>
-          </p:cNvSpPr>
-          <p:nvPr/>
-        </p:nvSpPr>
-        <p:spPr>
-          <a:xfrm>
-            <a:off x="262328" y="491078"/>
-            <a:ext cx="10037536" cy="1048127"/>
-          </a:xfrm>
-          <a:prstGeom prst="rect">
-            <a:avLst/>
-          </a:prstGeom>
-        </p:spPr>
-        <p:txBody>
-          <a:bodyPr vert="horz" lIns="91440" tIns="45720" rIns="91440" bIns="45720" rtlCol="0" anchor="ctr">
-            <a:normAutofit fontScale="97500"/>
-          </a:bodyPr>
-          <a:lstStyle>
-            <a:lvl1pPr algn="l" defTabSz="914400" rtl="0" eaLnBrk="1" latinLnBrk="0" hangingPunct="1">
-              <a:lnSpc>
-                <a:spcPct val="85000"/>
-              </a:lnSpc>
-              <a:spcBef>
-                <a:spcPct val="0"/>
-              </a:spcBef>
-              <a:buNone/>
-              <a:defRPr sz="4000" kern="1200" cap="all" baseline="0">
-                <a:solidFill>
-                  <a:schemeClr val="bg2"/>
-                </a:solidFill>
-                <a:latin typeface="+mj-lt"/>
-                <a:ea typeface="+mj-ea"/>
-                <a:cs typeface="+mj-cs"/>
-              </a:defRPr>
-            </a:lvl1pPr>
-          </a:lstStyle>
-          <a:p>
-            <a:pPr>
-              <a:lnSpc>
-                <a:spcPct val="90000"/>
-              </a:lnSpc>
-            </a:pPr>
-            <a:r>
-              <a:rPr lang="cs-CZ" sz="3200" dirty="0">
-                <a:solidFill>
-                  <a:schemeClr val="bg1"/>
-                </a:solidFill>
-              </a:rPr>
-              <a:t>Příklad technického řešení</a:t>
+              <a:t>Koncepce technického řešení</a:t>
             </a:r>
           </a:p>
         </p:txBody>
@@ -9935,7 +9012,7 @@
             </a:pPr>
             <a:r>
               <a:rPr lang="cs-CZ" sz="2400" dirty="0"/>
-              <a:t>Konfigurace systému</a:t>
+              <a:t>Konfigurace systému jsem vyřešil…</a:t>
             </a:r>
           </a:p>
           <a:p>
@@ -10055,6 +9132,198 @@
 </p:sld>
 </file>
 
+<file path=ppt/slides/slide7.xml><?xml version="1.0" encoding="utf-8"?>
+<p:sld xmlns:a="http://schemas.openxmlformats.org/drawingml/2006/main" xmlns:r="http://schemas.openxmlformats.org/officeDocument/2006/relationships" xmlns:p="http://schemas.openxmlformats.org/presentationml/2006/main">
+  <p:cSld>
+    <p:spTree>
+      <p:nvGrpSpPr>
+        <p:cNvPr id="1" name=""/>
+        <p:cNvGrpSpPr/>
+        <p:nvPr/>
+      </p:nvGrpSpPr>
+      <p:grpSpPr>
+        <a:xfrm>
+          <a:off x="0" y="0"/>
+          <a:ext cx="0" cy="0"/>
+          <a:chOff x="0" y="0"/>
+          <a:chExt cx="0" cy="0"/>
+        </a:xfrm>
+      </p:grpSpPr>
+      <p:sp>
+        <p:nvSpPr>
+          <p:cNvPr id="4" name="Zástupný symbol pro číslo snímku 1">
+            <a:extLst>
+              <a:ext uri="{FF2B5EF4-FFF2-40B4-BE49-F238E27FC236}">
+                <a16:creationId xmlns:a16="http://schemas.microsoft.com/office/drawing/2014/main" id="{AE691DD1-9DE5-4A3A-A8F4-087A43878753}"/>
+              </a:ext>
+            </a:extLst>
+          </p:cNvPr>
+          <p:cNvSpPr>
+            <a:spLocks noGrp="1"/>
+          </p:cNvSpPr>
+          <p:nvPr>
+            <p:ph type="sldNum" sz="quarter" idx="12"/>
+          </p:nvPr>
+        </p:nvSpPr>
+        <p:spPr>
+          <a:xfrm>
+            <a:off x="11312165" y="6343298"/>
+            <a:ext cx="879835" cy="514702"/>
+          </a:xfrm>
+        </p:spPr>
+        <p:txBody>
+          <a:bodyPr/>
+          <a:lstStyle/>
+          <a:p>
+            <a:pPr algn="ctr"/>
+            <a:r>
+              <a:rPr lang="cs-CZ" sz="1400" dirty="0"/>
+              <a:t>6/11</a:t>
+            </a:r>
+            <a:endParaRPr lang="cs-CZ" dirty="0"/>
+          </a:p>
+        </p:txBody>
+      </p:sp>
+      <p:sp>
+        <p:nvSpPr>
+          <p:cNvPr id="3" name="Nadpis 1">
+            <a:extLst>
+              <a:ext uri="{FF2B5EF4-FFF2-40B4-BE49-F238E27FC236}">
+                <a16:creationId xmlns:a16="http://schemas.microsoft.com/office/drawing/2014/main" id="{10467BCF-B006-41CE-B4C0-64F6ECCB7B14}"/>
+              </a:ext>
+            </a:extLst>
+          </p:cNvPr>
+          <p:cNvSpPr txBox="1">
+            <a:spLocks/>
+          </p:cNvSpPr>
+          <p:nvPr/>
+        </p:nvSpPr>
+        <p:spPr>
+          <a:xfrm>
+            <a:off x="262328" y="491078"/>
+            <a:ext cx="10037536" cy="1048127"/>
+          </a:xfrm>
+          <a:prstGeom prst="rect">
+            <a:avLst/>
+          </a:prstGeom>
+        </p:spPr>
+        <p:txBody>
+          <a:bodyPr vert="horz" lIns="91440" tIns="45720" rIns="91440" bIns="45720" rtlCol="0" anchor="ctr">
+            <a:normAutofit fontScale="97500"/>
+          </a:bodyPr>
+          <a:lstStyle>
+            <a:lvl1pPr algn="l" defTabSz="914400" rtl="0" eaLnBrk="1" latinLnBrk="0" hangingPunct="1">
+              <a:lnSpc>
+                <a:spcPct val="85000"/>
+              </a:lnSpc>
+              <a:spcBef>
+                <a:spcPct val="0"/>
+              </a:spcBef>
+              <a:buNone/>
+              <a:defRPr sz="4000" kern="1200" cap="all" baseline="0">
+                <a:solidFill>
+                  <a:schemeClr val="bg2"/>
+                </a:solidFill>
+                <a:latin typeface="+mj-lt"/>
+                <a:ea typeface="+mj-ea"/>
+                <a:cs typeface="+mj-cs"/>
+              </a:defRPr>
+            </a:lvl1pPr>
+          </a:lstStyle>
+          <a:p>
+            <a:pPr>
+              <a:lnSpc>
+                <a:spcPct val="90000"/>
+              </a:lnSpc>
+            </a:pPr>
+            <a:r>
+              <a:rPr lang="cs-CZ" sz="3200" dirty="0">
+                <a:solidFill>
+                  <a:schemeClr val="bg1"/>
+                </a:solidFill>
+              </a:rPr>
+              <a:t>Současný stav</a:t>
+            </a:r>
+          </a:p>
+        </p:txBody>
+      </p:sp>
+      <p:sp>
+        <p:nvSpPr>
+          <p:cNvPr id="2" name="TextovéPole 1">
+            <a:extLst>
+              <a:ext uri="{FF2B5EF4-FFF2-40B4-BE49-F238E27FC236}">
+                <a16:creationId xmlns:a16="http://schemas.microsoft.com/office/drawing/2014/main" id="{DCA0D01C-CB9A-47A6-B1DD-8BDF200F6230}"/>
+              </a:ext>
+            </a:extLst>
+          </p:cNvPr>
+          <p:cNvSpPr txBox="1"/>
+          <p:nvPr/>
+        </p:nvSpPr>
+        <p:spPr>
+          <a:xfrm>
+            <a:off x="605642" y="2933205"/>
+            <a:ext cx="6757059" cy="1569660"/>
+          </a:xfrm>
+          <a:prstGeom prst="rect">
+            <a:avLst/>
+          </a:prstGeom>
+          <a:noFill/>
+        </p:spPr>
+        <p:txBody>
+          <a:bodyPr wrap="square" rtlCol="0">
+            <a:spAutoFit/>
+          </a:bodyPr>
+          <a:lstStyle/>
+          <a:p>
+            <a:pPr marL="285750" indent="-285750">
+              <a:buFont typeface="Arial" panose="020B0604020202020204" pitchFamily="34" charset="0"/>
+              <a:buChar char="•"/>
+            </a:pPr>
+            <a:r>
+              <a:rPr lang="cs-CZ" sz="2400" dirty="0"/>
+              <a:t>Klientská aplikace (ovládací část systému) je téměř hotová - cca 3000 řádků kódu v </a:t>
+            </a:r>
+            <a:r>
+              <a:rPr lang="cs-CZ" sz="2400" dirty="0" err="1"/>
+              <a:t>Typescriptu</a:t>
+            </a:r>
+            <a:endParaRPr lang="cs-CZ" sz="2400" dirty="0"/>
+          </a:p>
+          <a:p>
+            <a:pPr marL="285750" indent="-285750">
+              <a:buFont typeface="Arial" panose="020B0604020202020204" pitchFamily="34" charset="0"/>
+              <a:buChar char="•"/>
+            </a:pPr>
+            <a:r>
+              <a:rPr lang="cs-CZ" sz="2400" dirty="0"/>
+              <a:t>Server funguje z části (chybí komunikace s ESP)</a:t>
+            </a:r>
+          </a:p>
+          <a:p>
+            <a:pPr marL="285750" indent="-285750">
+              <a:buFont typeface="Arial" panose="020B0604020202020204" pitchFamily="34" charset="0"/>
+              <a:buChar char="•"/>
+            </a:pPr>
+            <a:r>
+              <a:rPr lang="cs-CZ" sz="2400" dirty="0"/>
+              <a:t>Program pro ESP</a:t>
+            </a:r>
+          </a:p>
+        </p:txBody>
+      </p:sp>
+    </p:spTree>
+    <p:extLst>
+      <p:ext uri="{BB962C8B-B14F-4D97-AF65-F5344CB8AC3E}">
+        <p14:creationId xmlns:p14="http://schemas.microsoft.com/office/powerpoint/2010/main" val="3489828817"/>
+      </p:ext>
+    </p:extLst>
+  </p:cSld>
+  <p:clrMapOvr>
+    <a:masterClrMapping/>
+  </p:clrMapOvr>
+</p:sld>
+</file>
+
 <file path=ppt/slides/slide8.xml><?xml version="1.0" encoding="utf-8"?>
 <p:sld xmlns:a="http://schemas.openxmlformats.org/drawingml/2006/main" xmlns:r="http://schemas.openxmlformats.org/officeDocument/2006/relationships" xmlns:p="http://schemas.openxmlformats.org/presentationml/2006/main">
   <p:cSld>
@@ -10184,8 +9453,8 @@
         </p:nvSpPr>
         <p:spPr>
           <a:xfrm>
-            <a:off x="605642" y="2933205"/>
-            <a:ext cx="6757059" cy="1938992"/>
+            <a:off x="432222" y="2107111"/>
+            <a:ext cx="6757059" cy="4493538"/>
           </a:xfrm>
           <a:prstGeom prst="rect">
             <a:avLst/>
@@ -10198,41 +9467,77 @@
           </a:bodyPr>
           <a:lstStyle/>
           <a:p>
-            <a:pPr marL="342900" indent="-342900">
-              <a:buFont typeface="Arial" panose="020B0604020202020204" pitchFamily="34" charset="0"/>
-              <a:buChar char="•"/>
-            </a:pPr>
-            <a:r>
-              <a:rPr lang="cs-CZ" sz="2400" dirty="0"/>
+            <a:r>
+              <a:rPr lang="cs-CZ" sz="2200" dirty="0"/>
+              <a:t>Únor:</a:t>
+            </a:r>
+          </a:p>
+          <a:p>
+            <a:r>
+              <a:rPr lang="cs-CZ" sz="2200" dirty="0"/>
+              <a:t>Dokončení klientské aplikace</a:t>
+            </a:r>
+          </a:p>
+          <a:p>
+            <a:r>
+              <a:rPr lang="cs-CZ" sz="2200" dirty="0"/>
+              <a:t>Dokončení shrnutí současného stavu</a:t>
+            </a:r>
+          </a:p>
+          <a:p>
+            <a:endParaRPr lang="cs-CZ" sz="2200" dirty="0"/>
+          </a:p>
+          <a:p>
+            <a:r>
+              <a:rPr lang="cs-CZ" sz="2200" dirty="0"/>
+              <a:t>Březen</a:t>
+            </a:r>
+          </a:p>
+          <a:p>
+            <a:r>
+              <a:rPr lang="cs-CZ" sz="2200" dirty="0"/>
               <a:t>Návrh/výběr protokolu pro komunikaci mezi </a:t>
             </a:r>
             <a:r>
-              <a:rPr lang="cs-CZ" sz="2400" dirty="0" err="1"/>
+              <a:rPr lang="cs-CZ" sz="2200" dirty="0" err="1"/>
               <a:t>RPi</a:t>
             </a:r>
             <a:r>
-              <a:rPr lang="cs-CZ" sz="2400" dirty="0"/>
+              <a:rPr lang="cs-CZ" sz="2200" dirty="0"/>
               <a:t> a ESP moduly</a:t>
             </a:r>
           </a:p>
           <a:p>
-            <a:pPr marL="342900" indent="-342900">
-              <a:buFont typeface="Arial" panose="020B0604020202020204" pitchFamily="34" charset="0"/>
-              <a:buChar char="•"/>
-            </a:pPr>
-            <a:r>
-              <a:rPr lang="cs-CZ" sz="2400" dirty="0"/>
+            <a:r>
+              <a:rPr lang="cs-CZ" sz="2200" dirty="0"/>
               <a:t>Dokončení Serveru a aplikace pro ESP</a:t>
             </a:r>
           </a:p>
           <a:p>
-            <a:pPr marL="342900" indent="-342900">
-              <a:buFont typeface="Arial" panose="020B0604020202020204" pitchFamily="34" charset="0"/>
-              <a:buChar char="•"/>
-            </a:pPr>
-            <a:r>
-              <a:rPr lang="cs-CZ" sz="2400" dirty="0"/>
-              <a:t>Funkce systému v lokální síti bez přístupu k internetu</a:t>
+            <a:r>
+              <a:rPr lang="cs-CZ" sz="2200" dirty="0"/>
+              <a:t>Dokončení zhodnocení současného stavu</a:t>
+            </a:r>
+          </a:p>
+          <a:p>
+            <a:endParaRPr lang="cs-CZ" sz="2200" dirty="0"/>
+          </a:p>
+          <a:p>
+            <a:r>
+              <a:rPr lang="cs-CZ" sz="2200" dirty="0"/>
+              <a:t>Duben</a:t>
+            </a:r>
+          </a:p>
+          <a:p>
+            <a:r>
+              <a:rPr lang="cs-CZ" sz="2200" dirty="0"/>
+              <a:t>Testování</a:t>
+            </a:r>
+          </a:p>
+          <a:p>
+            <a:r>
+              <a:rPr lang="cs-CZ" sz="2200" dirty="0"/>
+              <a:t>Dokončení textu BP</a:t>
             </a:r>
           </a:p>
         </p:txBody>
@@ -10253,6 +9558,14 @@
 <file path=ppt/slides/slide9.xml><?xml version="1.0" encoding="utf-8"?>
 <p:sld xmlns:a="http://schemas.openxmlformats.org/drawingml/2006/main" xmlns:r="http://schemas.openxmlformats.org/officeDocument/2006/relationships" xmlns:p="http://schemas.openxmlformats.org/presentationml/2006/main">
   <p:cSld>
+    <p:bg>
+      <p:bgPr>
+        <a:solidFill>
+          <a:srgbClr val="099BDD"/>
+        </a:solidFill>
+        <a:effectLst/>
+      </p:bgPr>
+    </p:bg>
     <p:spTree>
       <p:nvGrpSpPr>
         <p:cNvPr id="1" name=""/>
@@ -10295,10 +9608,18 @@
           <a:p>
             <a:pPr algn="ctr"/>
             <a:r>
-              <a:rPr lang="cs-CZ" sz="1400" dirty="0"/>
-              <a:t>9/11</a:t>
-            </a:r>
-            <a:endParaRPr lang="cs-CZ" dirty="0"/>
+              <a:rPr lang="cs-CZ" sz="1400" dirty="0">
+                <a:solidFill>
+                  <a:schemeClr val="bg1"/>
+                </a:solidFill>
+              </a:rPr>
+              <a:t>10/11</a:t>
+            </a:r>
+            <a:endParaRPr lang="cs-CZ" dirty="0">
+              <a:solidFill>
+                <a:schemeClr val="bg1"/>
+              </a:solidFill>
+            </a:endParaRPr>
           </a:p>
         </p:txBody>
       </p:sp>
@@ -10318,7 +9639,7 @@
         </p:nvSpPr>
         <p:spPr>
           <a:xfrm>
-            <a:off x="262328" y="491078"/>
+            <a:off x="1077232" y="2904936"/>
             <a:ext cx="10037536" cy="1048127"/>
           </a:xfrm>
           <a:prstGeom prst="rect">
@@ -10349,130 +9670,40 @@
             </a:lvl1pPr>
           </a:lstStyle>
           <a:p>
-            <a:pPr>
+            <a:pPr algn="ctr">
               <a:lnSpc>
                 <a:spcPct val="90000"/>
               </a:lnSpc>
             </a:pPr>
             <a:r>
-              <a:rPr lang="cs-CZ" sz="3200" dirty="0">
+              <a:rPr lang="cs-CZ" sz="5400" dirty="0">
                 <a:solidFill>
                   <a:schemeClr val="bg1"/>
                 </a:solidFill>
               </a:rPr>
-              <a:t>Závěr</a:t>
-            </a:r>
-          </a:p>
-        </p:txBody>
-      </p:sp>
-      <p:sp>
-        <p:nvSpPr>
-          <p:cNvPr id="2" name="TextovéPole 1">
-            <a:extLst>
-              <a:ext uri="{FF2B5EF4-FFF2-40B4-BE49-F238E27FC236}">
-                <a16:creationId xmlns:a16="http://schemas.microsoft.com/office/drawing/2014/main" id="{DCA0D01C-CB9A-47A6-B1DD-8BDF200F6230}"/>
-              </a:ext>
-            </a:extLst>
-          </p:cNvPr>
-          <p:cNvSpPr txBox="1"/>
-          <p:nvPr/>
-        </p:nvSpPr>
-        <p:spPr>
-          <a:xfrm>
-            <a:off x="262328" y="2496477"/>
-            <a:ext cx="6757059" cy="3416320"/>
-          </a:xfrm>
-          <a:prstGeom prst="rect">
-            <a:avLst/>
-          </a:prstGeom>
-          <a:noFill/>
-        </p:spPr>
-        <p:txBody>
-          <a:bodyPr wrap="square" rtlCol="0">
-            <a:spAutoFit/>
-          </a:bodyPr>
-          <a:lstStyle/>
-          <a:p>
-            <a:pPr marL="342900" indent="-342900">
-              <a:buFont typeface="Arial" panose="020B0604020202020204" pitchFamily="34" charset="0"/>
-              <a:buChar char="•"/>
-            </a:pPr>
-            <a:r>
-              <a:rPr lang="cs-CZ" sz="2400" dirty="0"/>
-              <a:t>Ovládací část systému prakticky funguje - cca 3000 řádků kódu v </a:t>
-            </a:r>
-            <a:r>
-              <a:rPr lang="cs-CZ" sz="2400" dirty="0" err="1"/>
-              <a:t>Typescriptu</a:t>
-            </a:r>
-            <a:endParaRPr lang="cs-CZ" sz="2400" dirty="0"/>
-          </a:p>
-          <a:p>
-            <a:pPr marL="342900" indent="-342900">
-              <a:buFont typeface="Arial" panose="020B0604020202020204" pitchFamily="34" charset="0"/>
-              <a:buChar char="•"/>
-            </a:pPr>
-            <a:r>
-              <a:rPr lang="cs-CZ" sz="2400" dirty="0"/>
-              <a:t>Počet zařízení v systému prakticky neomezen (využití lokální sítě)</a:t>
-            </a:r>
-          </a:p>
-          <a:p>
-            <a:pPr marL="342900" indent="-342900">
-              <a:buFont typeface="Arial" panose="020B0604020202020204" pitchFamily="34" charset="0"/>
-              <a:buChar char="•"/>
-            </a:pPr>
-            <a:r>
-              <a:rPr lang="cs-CZ" sz="2400" dirty="0"/>
-              <a:t>Testy které bude nutné vykonat:</a:t>
-            </a:r>
-          </a:p>
-          <a:p>
-            <a:pPr marL="800100" lvl="1" indent="-342900">
-              <a:buFont typeface="Arial" panose="020B0604020202020204" pitchFamily="34" charset="0"/>
-              <a:buChar char="•"/>
-            </a:pPr>
-            <a:r>
-              <a:rPr lang="cs-CZ" sz="2400" dirty="0"/>
-              <a:t>Intuitivnost GUI</a:t>
-            </a:r>
-          </a:p>
-          <a:p>
-            <a:pPr marL="800100" lvl="1" indent="-342900">
-              <a:buFont typeface="Arial" panose="020B0604020202020204" pitchFamily="34" charset="0"/>
-              <a:buChar char="•"/>
-            </a:pPr>
-            <a:r>
-              <a:rPr lang="cs-CZ" sz="2400" dirty="0"/>
-              <a:t>Dosah komunikace</a:t>
-            </a:r>
-          </a:p>
-          <a:p>
-            <a:pPr marL="800100" lvl="1" indent="-342900">
-              <a:buFont typeface="Arial" panose="020B0604020202020204" pitchFamily="34" charset="0"/>
-              <a:buChar char="•"/>
-            </a:pPr>
-            <a:r>
-              <a:rPr lang="cs-CZ" sz="2400" dirty="0"/>
-              <a:t>Stability při potížemi s připojením k síti</a:t>
-            </a:r>
-          </a:p>
-          <a:p>
-            <a:pPr marL="800100" lvl="1" indent="-342900">
-              <a:buFont typeface="Arial" panose="020B0604020202020204" pitchFamily="34" charset="0"/>
-              <a:buChar char="•"/>
-            </a:pPr>
-            <a:r>
-              <a:rPr lang="cs-CZ" sz="2400" dirty="0"/>
-              <a:t>A další</a:t>
-            </a:r>
+              <a:t>Děkuji za pozornost </a:t>
+            </a:r>
+            <a:r>
+              <a:rPr lang="cs-CZ" sz="5400" dirty="0">
+                <a:solidFill>
+                  <a:schemeClr val="bg1"/>
+                </a:solidFill>
+                <a:sym typeface="Wingdings" panose="05000000000000000000" pitchFamily="2" charset="2"/>
+              </a:rPr>
+              <a:t></a:t>
+            </a:r>
+            <a:endParaRPr lang="cs-CZ" sz="5400" dirty="0">
+              <a:solidFill>
+                <a:schemeClr val="bg1"/>
+              </a:solidFill>
+            </a:endParaRPr>
           </a:p>
         </p:txBody>
       </p:sp>
     </p:spTree>
     <p:extLst>
       <p:ext uri="{BB962C8B-B14F-4D97-AF65-F5344CB8AC3E}">
-        <p14:creationId xmlns:p14="http://schemas.microsoft.com/office/powerpoint/2010/main" val="339748404"/>
+        <p14:creationId xmlns:p14="http://schemas.microsoft.com/office/powerpoint/2010/main" val="3422587761"/>
       </p:ext>
     </p:extLst>
   </p:cSld>

--- a/BP/Obhajoba BP/2021/ITT prezentace.pptx
+++ b/BP/Obhajoba BP/2021/ITT prezentace.pptx
@@ -207,7 +207,7 @@
           <a:p>
             <a:fld id="{1ECA4D9A-DB86-42F4-B0CB-CCEB528B2F0F}" type="datetimeFigureOut">
               <a:rPr lang="cs-CZ" smtClean="0"/>
-              <a:t>27.01.2021</a:t>
+              <a:t>31.01.2021</a:t>
             </a:fld>
             <a:endParaRPr lang="cs-CZ"/>
           </a:p>
@@ -650,7 +650,7 @@
           <a:p>
             <a:fld id="{58A618E6-A94F-488D-8086-960CFCC481AA}" type="datetime1">
               <a:rPr lang="cs-CZ" smtClean="0"/>
-              <a:t>27.01.2021</a:t>
+              <a:t>31.01.2021</a:t>
             </a:fld>
             <a:endParaRPr lang="cs-CZ"/>
           </a:p>
@@ -820,7 +820,7 @@
           <a:p>
             <a:fld id="{E9B93010-55F6-4B41-A769-A887B4B0E1D7}" type="datetime1">
               <a:rPr lang="cs-CZ" smtClean="0"/>
-              <a:t>27.01.2021</a:t>
+              <a:t>31.01.2021</a:t>
             </a:fld>
             <a:endParaRPr lang="cs-CZ"/>
           </a:p>
@@ -1043,7 +1043,7 @@
           <a:p>
             <a:fld id="{73BCB365-77BF-42DD-92EA-B9839185B64C}" type="datetime1">
               <a:rPr lang="cs-CZ" smtClean="0"/>
-              <a:t>27.01.2021</a:t>
+              <a:t>31.01.2021</a:t>
             </a:fld>
             <a:endParaRPr lang="cs-CZ"/>
           </a:p>
@@ -1261,7 +1261,7 @@
           <a:p>
             <a:fld id="{58A618E6-A94F-488D-8086-960CFCC481AA}" type="datetime1">
               <a:rPr lang="cs-CZ" smtClean="0"/>
-              <a:t>27.01.2021</a:t>
+              <a:t>31.01.2021</a:t>
             </a:fld>
             <a:endParaRPr lang="cs-CZ"/>
           </a:p>
@@ -1459,7 +1459,7 @@
           <a:p>
             <a:fld id="{51AEF1FE-3B6E-40D7-8E3F-15D57B7B5D50}" type="datetime1">
               <a:rPr lang="cs-CZ" smtClean="0"/>
-              <a:t>27.01.2021</a:t>
+              <a:t>31.01.2021</a:t>
             </a:fld>
             <a:endParaRPr lang="cs-CZ"/>
           </a:p>
@@ -1735,7 +1735,7 @@
           <a:p>
             <a:fld id="{A6DF30C0-002B-4FAD-BABD-6E65770E5245}" type="datetime1">
               <a:rPr lang="cs-CZ" smtClean="0"/>
-              <a:t>27.01.2021</a:t>
+              <a:t>31.01.2021</a:t>
             </a:fld>
             <a:endParaRPr lang="cs-CZ"/>
           </a:p>
@@ -2000,7 +2000,7 @@
           <a:p>
             <a:fld id="{1D789B9F-D231-47F7-84E2-BCCA23A7EF47}" type="datetime1">
               <a:rPr lang="cs-CZ" smtClean="0"/>
-              <a:t>27.01.2021</a:t>
+              <a:t>31.01.2021</a:t>
             </a:fld>
             <a:endParaRPr lang="cs-CZ"/>
           </a:p>
@@ -2412,7 +2412,7 @@
           <a:p>
             <a:fld id="{421C5239-6278-4606-9247-342C94C694FD}" type="datetime1">
               <a:rPr lang="cs-CZ" smtClean="0"/>
-              <a:t>27.01.2021</a:t>
+              <a:t>31.01.2021</a:t>
             </a:fld>
             <a:endParaRPr lang="cs-CZ"/>
           </a:p>
@@ -2553,7 +2553,7 @@
           <a:p>
             <a:fld id="{FE3F8548-68B4-4F82-B1B0-2169DF091756}" type="datetime1">
               <a:rPr lang="cs-CZ" smtClean="0"/>
-              <a:t>27.01.2021</a:t>
+              <a:t>31.01.2021</a:t>
             </a:fld>
             <a:endParaRPr lang="cs-CZ"/>
           </a:p>
@@ -2666,7 +2666,7 @@
           <a:p>
             <a:fld id="{FF852F47-8347-4580-94B3-871D0842554A}" type="datetime1">
               <a:rPr lang="cs-CZ" smtClean="0"/>
-              <a:t>27.01.2021</a:t>
+              <a:t>31.01.2021</a:t>
             </a:fld>
             <a:endParaRPr lang="cs-CZ"/>
           </a:p>
@@ -2977,7 +2977,7 @@
           <a:p>
             <a:fld id="{E48D1949-BE03-403A-97DF-0F3EA7E81ED7}" type="datetime1">
               <a:rPr lang="cs-CZ" smtClean="0"/>
-              <a:t>27.01.2021</a:t>
+              <a:t>31.01.2021</a:t>
             </a:fld>
             <a:endParaRPr lang="cs-CZ"/>
           </a:p>
@@ -3159,7 +3159,7 @@
           <a:p>
             <a:fld id="{51AEF1FE-3B6E-40D7-8E3F-15D57B7B5D50}" type="datetime1">
               <a:rPr lang="cs-CZ" smtClean="0"/>
-              <a:t>27.01.2021</a:t>
+              <a:t>31.01.2021</a:t>
             </a:fld>
             <a:endParaRPr lang="cs-CZ"/>
           </a:p>
@@ -3436,7 +3436,7 @@
           <a:p>
             <a:fld id="{639E4EC3-9043-4A5E-8232-09D64A473477}" type="datetime1">
               <a:rPr lang="cs-CZ" smtClean="0"/>
-              <a:t>27.01.2021</a:t>
+              <a:t>31.01.2021</a:t>
             </a:fld>
             <a:endParaRPr lang="cs-CZ"/>
           </a:p>
@@ -3634,7 +3634,7 @@
           <a:p>
             <a:fld id="{E9B93010-55F6-4B41-A769-A887B4B0E1D7}" type="datetime1">
               <a:rPr lang="cs-CZ" smtClean="0"/>
-              <a:t>27.01.2021</a:t>
+              <a:t>31.01.2021</a:t>
             </a:fld>
             <a:endParaRPr lang="cs-CZ"/>
           </a:p>
@@ -3842,7 +3842,7 @@
           <a:p>
             <a:fld id="{73BCB365-77BF-42DD-92EA-B9839185B64C}" type="datetime1">
               <a:rPr lang="cs-CZ" smtClean="0"/>
-              <a:t>27.01.2021</a:t>
+              <a:t>31.01.2021</a:t>
             </a:fld>
             <a:endParaRPr lang="cs-CZ"/>
           </a:p>
@@ -4155,7 +4155,7 @@
           <a:p>
             <a:fld id="{A6DF30C0-002B-4FAD-BABD-6E65770E5245}" type="datetime1">
               <a:rPr lang="cs-CZ" smtClean="0"/>
-              <a:t>27.01.2021</a:t>
+              <a:t>31.01.2021</a:t>
             </a:fld>
             <a:endParaRPr lang="cs-CZ"/>
           </a:p>
@@ -4459,7 +4459,7 @@
           <a:p>
             <a:fld id="{1D789B9F-D231-47F7-84E2-BCCA23A7EF47}" type="datetime1">
               <a:rPr lang="cs-CZ" smtClean="0"/>
-              <a:t>27.01.2021</a:t>
+              <a:t>31.01.2021</a:t>
             </a:fld>
             <a:endParaRPr lang="cs-CZ"/>
           </a:p>
@@ -4881,7 +4881,7 @@
           <a:p>
             <a:fld id="{421C5239-6278-4606-9247-342C94C694FD}" type="datetime1">
               <a:rPr lang="cs-CZ" smtClean="0"/>
-              <a:t>27.01.2021</a:t>
+              <a:t>31.01.2021</a:t>
             </a:fld>
             <a:endParaRPr lang="cs-CZ"/>
           </a:p>
@@ -4999,7 +4999,7 @@
           <a:p>
             <a:fld id="{FE3F8548-68B4-4F82-B1B0-2169DF091756}" type="datetime1">
               <a:rPr lang="cs-CZ" smtClean="0"/>
-              <a:t>27.01.2021</a:t>
+              <a:t>31.01.2021</a:t>
             </a:fld>
             <a:endParaRPr lang="cs-CZ"/>
           </a:p>
@@ -5094,7 +5094,7 @@
           <a:p>
             <a:fld id="{FF852F47-8347-4580-94B3-871D0842554A}" type="datetime1">
               <a:rPr lang="cs-CZ" smtClean="0"/>
-              <a:t>27.01.2021</a:t>
+              <a:t>31.01.2021</a:t>
             </a:fld>
             <a:endParaRPr lang="cs-CZ"/>
           </a:p>
@@ -5367,7 +5367,7 @@
           <a:p>
             <a:fld id="{E48D1949-BE03-403A-97DF-0F3EA7E81ED7}" type="datetime1">
               <a:rPr lang="cs-CZ" smtClean="0"/>
-              <a:t>27.01.2021</a:t>
+              <a:t>31.01.2021</a:t>
             </a:fld>
             <a:endParaRPr lang="cs-CZ"/>
           </a:p>
@@ -5632,7 +5632,7 @@
           <a:p>
             <a:fld id="{639E4EC3-9043-4A5E-8232-09D64A473477}" type="datetime1">
               <a:rPr lang="cs-CZ" smtClean="0"/>
-              <a:t>27.01.2021</a:t>
+              <a:t>31.01.2021</a:t>
             </a:fld>
             <a:endParaRPr lang="cs-CZ"/>
           </a:p>
@@ -5881,7 +5881,7 @@
           <a:p>
             <a:fld id="{51AEF1FE-3B6E-40D7-8E3F-15D57B7B5D50}" type="datetime1">
               <a:rPr lang="cs-CZ" smtClean="0"/>
-              <a:t>27.01.2021</a:t>
+              <a:t>31.01.2021</a:t>
             </a:fld>
             <a:endParaRPr lang="cs-CZ"/>
           </a:p>
@@ -6488,7 +6488,7 @@
           <a:p>
             <a:fld id="{51AEF1FE-3B6E-40D7-8E3F-15D57B7B5D50}" type="datetime1">
               <a:rPr lang="cs-CZ" smtClean="0"/>
-              <a:t>27.01.2021</a:t>
+              <a:t>31.01.2021</a:t>
             </a:fld>
             <a:endParaRPr lang="cs-CZ"/>
           </a:p>
@@ -6984,7 +6984,7 @@
             <a:pPr algn="ctr"/>
             <a:r>
               <a:rPr lang="cs-CZ" sz="1400" dirty="0"/>
-              <a:t>1/11</a:t>
+              <a:t>1/10</a:t>
             </a:r>
             <a:endParaRPr lang="cs-CZ" dirty="0"/>
           </a:p>
@@ -7017,7 +7017,7 @@
         </p:blipFill>
         <p:spPr>
           <a:xfrm>
-            <a:off x="3695111" y="2700317"/>
+            <a:off x="2237208" y="2761256"/>
             <a:ext cx="6284461" cy="1335488"/>
           </a:xfrm>
           <a:prstGeom prst="rect">
@@ -7915,8 +7915,8 @@
         </p:nvSpPr>
         <p:spPr>
           <a:xfrm>
-            <a:off x="410783" y="1778577"/>
-            <a:ext cx="6757059" cy="954107"/>
+            <a:off x="439918" y="1349667"/>
+            <a:ext cx="7243417" cy="2246769"/>
           </a:xfrm>
           <a:prstGeom prst="rect">
             <a:avLst/>
@@ -7939,7 +7939,51 @@
                   <a:schemeClr val="bg1"/>
                 </a:solidFill>
               </a:rPr>
-              <a:t>Systém automatizace domácnosti</a:t>
+              <a:t>Cíl: systém automatizace domácnosti</a:t>
+            </a:r>
+          </a:p>
+          <a:p>
+            <a:pPr marL="342900" indent="-342900">
+              <a:buFont typeface="Arial" panose="020B0604020202020204" pitchFamily="34" charset="0"/>
+              <a:buChar char="•"/>
+            </a:pPr>
+            <a:r>
+              <a:rPr lang="cs-CZ" sz="2800" dirty="0">
+                <a:solidFill>
+                  <a:schemeClr val="bg1"/>
+                </a:solidFill>
+              </a:rPr>
+              <a:t>3 aplikace</a:t>
+            </a:r>
+          </a:p>
+          <a:p>
+            <a:pPr marL="342900" indent="-342900">
+              <a:buFont typeface="Arial" panose="020B0604020202020204" pitchFamily="34" charset="0"/>
+              <a:buChar char="•"/>
+            </a:pPr>
+            <a:r>
+              <a:rPr lang="cs-CZ" sz="2800" dirty="0">
+                <a:solidFill>
+                  <a:schemeClr val="bg1"/>
+                </a:solidFill>
+              </a:rPr>
+              <a:t>Téměř hotová klientská </a:t>
+            </a:r>
+            <a:r>
+              <a:rPr lang="cs-CZ" sz="2800" dirty="0" err="1">
+                <a:solidFill>
+                  <a:schemeClr val="bg1"/>
+                </a:solidFill>
+              </a:rPr>
+              <a:t>app</a:t>
+            </a:r>
+            <a:r>
+              <a:rPr lang="cs-CZ" sz="2800" dirty="0">
+                <a:solidFill>
+                  <a:schemeClr val="bg1"/>
+                </a:solidFill>
+              </a:rPr>
+              <a:t> (~3000 řádků TS)</a:t>
             </a:r>
           </a:p>
           <a:p>
@@ -7953,6 +7997,17 @@
               </a:solidFill>
             </a:endParaRPr>
           </a:p>
+          <a:p>
+            <a:pPr marL="342900" indent="-342900">
+              <a:buFont typeface="Arial" panose="020B0604020202020204" pitchFamily="34" charset="0"/>
+              <a:buChar char="•"/>
+            </a:pPr>
+            <a:endParaRPr lang="cs-CZ" sz="2800" dirty="0">
+              <a:solidFill>
+                <a:schemeClr val="bg1"/>
+              </a:solidFill>
+            </a:endParaRPr>
+          </a:p>
         </p:txBody>
       </p:sp>
       <p:sp>
@@ -7988,7 +8043,7 @@
                   <a:schemeClr val="bg1"/>
                 </a:solidFill>
               </a:rPr>
-              <a:t>11/11</a:t>
+              <a:t>10/10</a:t>
             </a:r>
             <a:endParaRPr lang="cs-CZ" dirty="0">
               <a:solidFill>
@@ -8026,8 +8081,44 @@
         </p:blipFill>
         <p:spPr>
           <a:xfrm>
-            <a:off x="6608582" y="0"/>
-            <a:ext cx="5143500" cy="6858000"/>
+            <a:off x="7447876" y="471078"/>
+            <a:ext cx="4436882" cy="5915843"/>
+          </a:xfrm>
+          <a:prstGeom prst="rect">
+            <a:avLst/>
+          </a:prstGeom>
+        </p:spPr>
+      </p:pic>
+      <p:pic>
+        <p:nvPicPr>
+          <p:cNvPr id="4" name="Obrázek 3" descr="Obsah obrázku text, interiér&#10;&#10;Popis byl vytvořen automaticky">
+            <a:extLst>
+              <a:ext uri="{FF2B5EF4-FFF2-40B4-BE49-F238E27FC236}">
+                <a16:creationId xmlns:a16="http://schemas.microsoft.com/office/drawing/2014/main" id="{849F8632-F1D8-4BB8-800E-87738361BE7F}"/>
+              </a:ext>
+            </a:extLst>
+          </p:cNvPr>
+          <p:cNvPicPr>
+            <a:picLocks noChangeAspect="1"/>
+          </p:cNvPicPr>
+          <p:nvPr/>
+        </p:nvPicPr>
+        <p:blipFill>
+          <a:blip r:embed="rId3">
+            <a:extLst>
+              <a:ext uri="{28A0092B-C50C-407E-A947-70E740481C1C}">
+                <a14:useLocalDpi xmlns:a14="http://schemas.microsoft.com/office/drawing/2010/main" val="0"/>
+              </a:ext>
+            </a:extLst>
+          </a:blip>
+          <a:stretch>
+            <a:fillRect/>
+          </a:stretch>
+        </p:blipFill>
+        <p:spPr>
+          <a:xfrm>
+            <a:off x="771897" y="2805433"/>
+            <a:ext cx="6574304" cy="3830983"/>
           </a:xfrm>
           <a:prstGeom prst="rect">
             <a:avLst/>
@@ -8105,7 +8196,7 @@
                   <a:schemeClr val="bg1"/>
                 </a:solidFill>
               </a:rPr>
-              <a:t>2/11</a:t>
+              <a:t>2/10</a:t>
             </a:r>
             <a:endParaRPr lang="cs-CZ" dirty="0">
               <a:solidFill>
@@ -8218,7 +8309,7 @@
             <a:pPr algn="ctr"/>
             <a:r>
               <a:rPr lang="cs-CZ" sz="1400" dirty="0"/>
-              <a:t>3/11</a:t>
+              <a:t>3/10</a:t>
             </a:r>
             <a:endParaRPr lang="cs-CZ" dirty="0"/>
           </a:p>
@@ -8301,7 +8392,7 @@
         </p:nvSpPr>
         <p:spPr>
           <a:xfrm>
-            <a:off x="641268" y="2576945"/>
+            <a:off x="439918" y="2588820"/>
             <a:ext cx="6757059" cy="2708434"/>
           </a:xfrm>
           <a:prstGeom prst="rect">
@@ -8416,8 +8507,8 @@
         </p:blipFill>
         <p:spPr>
           <a:xfrm>
-            <a:off x="7932420" y="2051543"/>
-            <a:ext cx="3819662" cy="4291756"/>
+            <a:off x="7588332" y="2008784"/>
+            <a:ext cx="3878742" cy="4358138"/>
           </a:xfrm>
           <a:prstGeom prst="rect">
             <a:avLst/>
@@ -8483,7 +8574,7 @@
             <a:pPr algn="ctr"/>
             <a:r>
               <a:rPr lang="cs-CZ" sz="1400" dirty="0"/>
-              <a:t>4/11</a:t>
+              <a:t>4/10</a:t>
             </a:r>
             <a:endParaRPr lang="cs-CZ" dirty="0"/>
           </a:p>
@@ -8837,7 +8928,7 @@
                   <a:srgbClr val="099BDD"/>
                 </a:highlight>
               </a:rPr>
-              <a:t>5/11</a:t>
+              <a:t>5/10</a:t>
             </a:r>
             <a:endParaRPr lang="cs-CZ" dirty="0">
               <a:solidFill>
@@ -8909,7 +9000,7 @@
             <a:pPr algn="ctr"/>
             <a:r>
               <a:rPr lang="cs-CZ" sz="1400" dirty="0"/>
-              <a:t>7/11</a:t>
+              <a:t>6/10</a:t>
             </a:r>
             <a:endParaRPr lang="cs-CZ" dirty="0"/>
           </a:p>
@@ -8992,8 +9083,8 @@
         </p:nvSpPr>
         <p:spPr>
           <a:xfrm>
-            <a:off x="605642" y="2933205"/>
-            <a:ext cx="6757059" cy="1569660"/>
+            <a:off x="300827" y="2548445"/>
+            <a:ext cx="6757059" cy="3046988"/>
           </a:xfrm>
           <a:prstGeom prst="rect">
             <a:avLst/>
@@ -9006,13 +9097,19 @@
           </a:bodyPr>
           <a:lstStyle/>
           <a:p>
+            <a:r>
+              <a:rPr lang="cs-CZ" sz="2400" dirty="0"/>
+              <a:t>Příklad řešeného problému</a:t>
+            </a:r>
+          </a:p>
+          <a:p>
             <a:pPr marL="285750" indent="-285750">
               <a:buFont typeface="Arial" panose="020B0604020202020204" pitchFamily="34" charset="0"/>
               <a:buChar char="•"/>
             </a:pPr>
             <a:r>
               <a:rPr lang="cs-CZ" sz="2400" dirty="0"/>
-              <a:t>Konfigurace systému jsem vyřešil…</a:t>
+              <a:t>Konfiguraci systému jsem vyřešil jako místnost-&gt;modul-&gt;vstup/výstup</a:t>
             </a:r>
           </a:p>
           <a:p>
@@ -9022,7 +9119,7 @@
             </a:pPr>
             <a:r>
               <a:rPr lang="cs-CZ" sz="2400" dirty="0"/>
-              <a:t>Hierarchie místnost-&gt;modul-&gt;vstup/výstup</a:t>
+              <a:t>Zvolené zařízení se konfiguruje ve společném detailu</a:t>
             </a:r>
           </a:p>
           <a:p>
@@ -9032,17 +9129,7 @@
             </a:pPr>
             <a:r>
               <a:rPr lang="cs-CZ" sz="2400" dirty="0"/>
-              <a:t>Společný detail</a:t>
-            </a:r>
-          </a:p>
-          <a:p>
-            <a:pPr marL="285750" indent="-285750">
-              <a:buFont typeface="Arial" panose="020B0604020202020204" pitchFamily="34" charset="0"/>
-              <a:buChar char="•"/>
-            </a:pPr>
-            <a:r>
-              <a:rPr lang="cs-CZ" sz="2400" dirty="0"/>
-              <a:t>Jak spárovat modul s ESP?</a:t>
+              <a:t>Bylo potřeba vyřešit problém, jak spárovat ESP modul s Raspberry Pi prostým přidáním záznamu do databáze</a:t>
             </a:r>
           </a:p>
         </p:txBody>
@@ -9178,7 +9265,7 @@
             <a:pPr algn="ctr"/>
             <a:r>
               <a:rPr lang="cs-CZ" sz="1400" dirty="0"/>
-              <a:t>6/11</a:t>
+              <a:t>7/10</a:t>
             </a:r>
             <a:endParaRPr lang="cs-CZ" dirty="0"/>
           </a:p>
@@ -9261,8 +9348,8 @@
         </p:nvSpPr>
         <p:spPr>
           <a:xfrm>
-            <a:off x="605642" y="2933205"/>
-            <a:ext cx="6757059" cy="1569660"/>
+            <a:off x="262329" y="2505694"/>
+            <a:ext cx="6060980" cy="2677656"/>
           </a:xfrm>
           <a:prstGeom prst="rect">
             <a:avLst/>
@@ -9296,7 +9383,15 @@
             </a:pPr>
             <a:r>
               <a:rPr lang="cs-CZ" sz="2400" dirty="0"/>
-              <a:t>Server funguje z části (chybí komunikace s ESP)</a:t>
+              <a:t>Server funguje z části – poskytuje statické stránky (klientskou aplikaci), ale chybí komunikace </a:t>
+            </a:r>
+            <a:r>
+              <a:rPr lang="cs-CZ" sz="2400" dirty="0" err="1"/>
+              <a:t>RPi</a:t>
+            </a:r>
+            <a:r>
+              <a:rPr lang="cs-CZ" sz="2400" dirty="0"/>
+              <a:t> s ESP moduly</a:t>
             </a:r>
           </a:p>
           <a:p>
@@ -9306,11 +9401,47 @@
             </a:pPr>
             <a:r>
               <a:rPr lang="cs-CZ" sz="2400" dirty="0"/>
-              <a:t>Program pro ESP</a:t>
-            </a:r>
-          </a:p>
-        </p:txBody>
-      </p:sp>
+              <a:t>Program pro ESP v základech</a:t>
+            </a:r>
+          </a:p>
+        </p:txBody>
+      </p:sp>
+      <p:pic>
+        <p:nvPicPr>
+          <p:cNvPr id="6" name="Obrázek 5">
+            <a:extLst>
+              <a:ext uri="{FF2B5EF4-FFF2-40B4-BE49-F238E27FC236}">
+                <a16:creationId xmlns:a16="http://schemas.microsoft.com/office/drawing/2014/main" id="{C0D0BB33-91AD-46A4-AFD0-B0FB9FDF7102}"/>
+              </a:ext>
+            </a:extLst>
+          </p:cNvPr>
+          <p:cNvPicPr>
+            <a:picLocks noChangeAspect="1"/>
+          </p:cNvPicPr>
+          <p:nvPr/>
+        </p:nvPicPr>
+        <p:blipFill>
+          <a:blip r:embed="rId2">
+            <a:extLst>
+              <a:ext uri="{28A0092B-C50C-407E-A947-70E740481C1C}">
+                <a14:useLocalDpi xmlns:a14="http://schemas.microsoft.com/office/drawing/2010/main" val="0"/>
+              </a:ext>
+            </a:extLst>
+          </a:blip>
+          <a:stretch>
+            <a:fillRect/>
+          </a:stretch>
+        </p:blipFill>
+        <p:spPr>
+          <a:xfrm>
+            <a:off x="6561595" y="178231"/>
+            <a:ext cx="4876153" cy="6501538"/>
+          </a:xfrm>
+          <a:prstGeom prst="rect">
+            <a:avLst/>
+          </a:prstGeom>
+        </p:spPr>
+      </p:pic>
     </p:spTree>
     <p:extLst>
       <p:ext uri="{BB962C8B-B14F-4D97-AF65-F5344CB8AC3E}">
@@ -9370,7 +9501,7 @@
             <a:pPr algn="ctr"/>
             <a:r>
               <a:rPr lang="cs-CZ" sz="1400" dirty="0"/>
-              <a:t>8/11</a:t>
+              <a:t>8/10</a:t>
             </a:r>
             <a:endParaRPr lang="cs-CZ" dirty="0"/>
           </a:p>
@@ -9453,8 +9584,8 @@
         </p:nvSpPr>
         <p:spPr>
           <a:xfrm>
-            <a:off x="432222" y="2107111"/>
-            <a:ext cx="6757059" cy="4493538"/>
+            <a:off x="262328" y="2025908"/>
+            <a:ext cx="6757059" cy="4832092"/>
           </a:xfrm>
           <a:prstGeom prst="rect">
             <a:avLst/>
@@ -9516,7 +9647,7 @@
           <a:p>
             <a:r>
               <a:rPr lang="cs-CZ" sz="2200" dirty="0"/>
-              <a:t>Dokončení zhodnocení současného stavu</a:t>
+              <a:t>Dokončení zhodnocení současného stavu a realizace vlastní části BP</a:t>
             </a:r>
           </a:p>
           <a:p>
@@ -9613,7 +9744,7 @@
                   <a:schemeClr val="bg1"/>
                 </a:solidFill>
               </a:rPr>
-              <a:t>10/11</a:t>
+              <a:t>9/10</a:t>
             </a:r>
             <a:endParaRPr lang="cs-CZ" dirty="0">
               <a:solidFill>

--- a/BP/Obhajoba BP/2021/ITT prezentace.pptx
+++ b/BP/Obhajoba BP/2021/ITT prezentace.pptx
@@ -207,7 +207,7 @@
           <a:p>
             <a:fld id="{1ECA4D9A-DB86-42F4-B0CB-CCEB528B2F0F}" type="datetimeFigureOut">
               <a:rPr lang="cs-CZ" smtClean="0"/>
-              <a:t>31.01.2021</a:t>
+              <a:t>03.02.2021</a:t>
             </a:fld>
             <a:endParaRPr lang="cs-CZ"/>
           </a:p>
@@ -650,7 +650,7 @@
           <a:p>
             <a:fld id="{58A618E6-A94F-488D-8086-960CFCC481AA}" type="datetime1">
               <a:rPr lang="cs-CZ" smtClean="0"/>
-              <a:t>31.01.2021</a:t>
+              <a:t>03.02.2021</a:t>
             </a:fld>
             <a:endParaRPr lang="cs-CZ"/>
           </a:p>
@@ -820,7 +820,7 @@
           <a:p>
             <a:fld id="{E9B93010-55F6-4B41-A769-A887B4B0E1D7}" type="datetime1">
               <a:rPr lang="cs-CZ" smtClean="0"/>
-              <a:t>31.01.2021</a:t>
+              <a:t>03.02.2021</a:t>
             </a:fld>
             <a:endParaRPr lang="cs-CZ"/>
           </a:p>
@@ -1043,7 +1043,7 @@
           <a:p>
             <a:fld id="{73BCB365-77BF-42DD-92EA-B9839185B64C}" type="datetime1">
               <a:rPr lang="cs-CZ" smtClean="0"/>
-              <a:t>31.01.2021</a:t>
+              <a:t>03.02.2021</a:t>
             </a:fld>
             <a:endParaRPr lang="cs-CZ"/>
           </a:p>
@@ -1261,7 +1261,7 @@
           <a:p>
             <a:fld id="{58A618E6-A94F-488D-8086-960CFCC481AA}" type="datetime1">
               <a:rPr lang="cs-CZ" smtClean="0"/>
-              <a:t>31.01.2021</a:t>
+              <a:t>03.02.2021</a:t>
             </a:fld>
             <a:endParaRPr lang="cs-CZ"/>
           </a:p>
@@ -1459,7 +1459,7 @@
           <a:p>
             <a:fld id="{51AEF1FE-3B6E-40D7-8E3F-15D57B7B5D50}" type="datetime1">
               <a:rPr lang="cs-CZ" smtClean="0"/>
-              <a:t>31.01.2021</a:t>
+              <a:t>03.02.2021</a:t>
             </a:fld>
             <a:endParaRPr lang="cs-CZ"/>
           </a:p>
@@ -1735,7 +1735,7 @@
           <a:p>
             <a:fld id="{A6DF30C0-002B-4FAD-BABD-6E65770E5245}" type="datetime1">
               <a:rPr lang="cs-CZ" smtClean="0"/>
-              <a:t>31.01.2021</a:t>
+              <a:t>03.02.2021</a:t>
             </a:fld>
             <a:endParaRPr lang="cs-CZ"/>
           </a:p>
@@ -2000,7 +2000,7 @@
           <a:p>
             <a:fld id="{1D789B9F-D231-47F7-84E2-BCCA23A7EF47}" type="datetime1">
               <a:rPr lang="cs-CZ" smtClean="0"/>
-              <a:t>31.01.2021</a:t>
+              <a:t>03.02.2021</a:t>
             </a:fld>
             <a:endParaRPr lang="cs-CZ"/>
           </a:p>
@@ -2412,7 +2412,7 @@
           <a:p>
             <a:fld id="{421C5239-6278-4606-9247-342C94C694FD}" type="datetime1">
               <a:rPr lang="cs-CZ" smtClean="0"/>
-              <a:t>31.01.2021</a:t>
+              <a:t>03.02.2021</a:t>
             </a:fld>
             <a:endParaRPr lang="cs-CZ"/>
           </a:p>
@@ -2553,7 +2553,7 @@
           <a:p>
             <a:fld id="{FE3F8548-68B4-4F82-B1B0-2169DF091756}" type="datetime1">
               <a:rPr lang="cs-CZ" smtClean="0"/>
-              <a:t>31.01.2021</a:t>
+              <a:t>03.02.2021</a:t>
             </a:fld>
             <a:endParaRPr lang="cs-CZ"/>
           </a:p>
@@ -2666,7 +2666,7 @@
           <a:p>
             <a:fld id="{FF852F47-8347-4580-94B3-871D0842554A}" type="datetime1">
               <a:rPr lang="cs-CZ" smtClean="0"/>
-              <a:t>31.01.2021</a:t>
+              <a:t>03.02.2021</a:t>
             </a:fld>
             <a:endParaRPr lang="cs-CZ"/>
           </a:p>
@@ -2977,7 +2977,7 @@
           <a:p>
             <a:fld id="{E48D1949-BE03-403A-97DF-0F3EA7E81ED7}" type="datetime1">
               <a:rPr lang="cs-CZ" smtClean="0"/>
-              <a:t>31.01.2021</a:t>
+              <a:t>03.02.2021</a:t>
             </a:fld>
             <a:endParaRPr lang="cs-CZ"/>
           </a:p>
@@ -3159,7 +3159,7 @@
           <a:p>
             <a:fld id="{51AEF1FE-3B6E-40D7-8E3F-15D57B7B5D50}" type="datetime1">
               <a:rPr lang="cs-CZ" smtClean="0"/>
-              <a:t>31.01.2021</a:t>
+              <a:t>03.02.2021</a:t>
             </a:fld>
             <a:endParaRPr lang="cs-CZ"/>
           </a:p>
@@ -3436,7 +3436,7 @@
           <a:p>
             <a:fld id="{639E4EC3-9043-4A5E-8232-09D64A473477}" type="datetime1">
               <a:rPr lang="cs-CZ" smtClean="0"/>
-              <a:t>31.01.2021</a:t>
+              <a:t>03.02.2021</a:t>
             </a:fld>
             <a:endParaRPr lang="cs-CZ"/>
           </a:p>
@@ -3634,7 +3634,7 @@
           <a:p>
             <a:fld id="{E9B93010-55F6-4B41-A769-A887B4B0E1D7}" type="datetime1">
               <a:rPr lang="cs-CZ" smtClean="0"/>
-              <a:t>31.01.2021</a:t>
+              <a:t>03.02.2021</a:t>
             </a:fld>
             <a:endParaRPr lang="cs-CZ"/>
           </a:p>
@@ -3842,7 +3842,7 @@
           <a:p>
             <a:fld id="{73BCB365-77BF-42DD-92EA-B9839185B64C}" type="datetime1">
               <a:rPr lang="cs-CZ" smtClean="0"/>
-              <a:t>31.01.2021</a:t>
+              <a:t>03.02.2021</a:t>
             </a:fld>
             <a:endParaRPr lang="cs-CZ"/>
           </a:p>
@@ -4155,7 +4155,7 @@
           <a:p>
             <a:fld id="{A6DF30C0-002B-4FAD-BABD-6E65770E5245}" type="datetime1">
               <a:rPr lang="cs-CZ" smtClean="0"/>
-              <a:t>31.01.2021</a:t>
+              <a:t>03.02.2021</a:t>
             </a:fld>
             <a:endParaRPr lang="cs-CZ"/>
           </a:p>
@@ -4459,7 +4459,7 @@
           <a:p>
             <a:fld id="{1D789B9F-D231-47F7-84E2-BCCA23A7EF47}" type="datetime1">
               <a:rPr lang="cs-CZ" smtClean="0"/>
-              <a:t>31.01.2021</a:t>
+              <a:t>03.02.2021</a:t>
             </a:fld>
             <a:endParaRPr lang="cs-CZ"/>
           </a:p>
@@ -4881,7 +4881,7 @@
           <a:p>
             <a:fld id="{421C5239-6278-4606-9247-342C94C694FD}" type="datetime1">
               <a:rPr lang="cs-CZ" smtClean="0"/>
-              <a:t>31.01.2021</a:t>
+              <a:t>03.02.2021</a:t>
             </a:fld>
             <a:endParaRPr lang="cs-CZ"/>
           </a:p>
@@ -4999,7 +4999,7 @@
           <a:p>
             <a:fld id="{FE3F8548-68B4-4F82-B1B0-2169DF091756}" type="datetime1">
               <a:rPr lang="cs-CZ" smtClean="0"/>
-              <a:t>31.01.2021</a:t>
+              <a:t>03.02.2021</a:t>
             </a:fld>
             <a:endParaRPr lang="cs-CZ"/>
           </a:p>
@@ -5094,7 +5094,7 @@
           <a:p>
             <a:fld id="{FF852F47-8347-4580-94B3-871D0842554A}" type="datetime1">
               <a:rPr lang="cs-CZ" smtClean="0"/>
-              <a:t>31.01.2021</a:t>
+              <a:t>03.02.2021</a:t>
             </a:fld>
             <a:endParaRPr lang="cs-CZ"/>
           </a:p>
@@ -5367,7 +5367,7 @@
           <a:p>
             <a:fld id="{E48D1949-BE03-403A-97DF-0F3EA7E81ED7}" type="datetime1">
               <a:rPr lang="cs-CZ" smtClean="0"/>
-              <a:t>31.01.2021</a:t>
+              <a:t>03.02.2021</a:t>
             </a:fld>
             <a:endParaRPr lang="cs-CZ"/>
           </a:p>
@@ -5632,7 +5632,7 @@
           <a:p>
             <a:fld id="{639E4EC3-9043-4A5E-8232-09D64A473477}" type="datetime1">
               <a:rPr lang="cs-CZ" smtClean="0"/>
-              <a:t>31.01.2021</a:t>
+              <a:t>03.02.2021</a:t>
             </a:fld>
             <a:endParaRPr lang="cs-CZ"/>
           </a:p>
@@ -5881,7 +5881,7 @@
           <a:p>
             <a:fld id="{51AEF1FE-3B6E-40D7-8E3F-15D57B7B5D50}" type="datetime1">
               <a:rPr lang="cs-CZ" smtClean="0"/>
-              <a:t>31.01.2021</a:t>
+              <a:t>03.02.2021</a:t>
             </a:fld>
             <a:endParaRPr lang="cs-CZ"/>
           </a:p>
@@ -6488,7 +6488,7 @@
           <a:p>
             <a:fld id="{51AEF1FE-3B6E-40D7-8E3F-15D57B7B5D50}" type="datetime1">
               <a:rPr lang="cs-CZ" smtClean="0"/>
-              <a:t>31.01.2021</a:t>
+              <a:t>03.02.2021</a:t>
             </a:fld>
             <a:endParaRPr lang="cs-CZ"/>
           </a:p>
@@ -7310,15 +7310,7 @@
           </a:lstStyle>
           <a:p>
             <a:r>
-              <a:rPr lang="cs-CZ" sz="1600" dirty="0">
-                <a:effectLst>
-                  <a:outerShdw blurRad="38100" dist="38100" dir="2700000" algn="tl">
-                    <a:srgbClr val="000000">
-                      <a:alpha val="43137"/>
-                    </a:srgbClr>
-                  </a:outerShdw>
-                </a:effectLst>
-              </a:rPr>
+              <a:rPr lang="cs-CZ" sz="1600" dirty="0"/>
               <a:t>4. 2. 2021</a:t>
             </a:r>
           </a:p>
@@ -7759,68 +7751,28 @@
           <a:p>
             <a:pPr algn="r"/>
             <a:r>
-              <a:rPr lang="cs-CZ" sz="2000" dirty="0">
-                <a:effectLst>
-                  <a:outerShdw blurRad="38100" dist="38100" dir="2700000" algn="tl">
-                    <a:srgbClr val="000000">
-                      <a:alpha val="43137"/>
-                    </a:srgbClr>
-                  </a:outerShdw>
-                </a:effectLst>
-              </a:rPr>
+              <a:rPr lang="cs-CZ" sz="3200" dirty="0"/>
               <a:t>Petr Marek</a:t>
             </a:r>
           </a:p>
           <a:p>
             <a:pPr algn="r"/>
             <a:r>
-              <a:rPr lang="cs-CZ" sz="2000" dirty="0">
-                <a:effectLst>
-                  <a:outerShdw blurRad="38100" dist="38100" dir="2700000" algn="tl">
-                    <a:srgbClr val="000000">
-                      <a:alpha val="43137"/>
-                    </a:srgbClr>
-                  </a:outerShdw>
-                </a:effectLst>
-              </a:rPr>
+              <a:rPr lang="cs-CZ" sz="2000" dirty="0"/>
               <a:t>xmarek69@fit.vutbr.cz</a:t>
             </a:r>
           </a:p>
           <a:p>
             <a:pPr algn="r"/>
             <a:r>
-              <a:rPr lang="cs-CZ" sz="2000" dirty="0">
-                <a:effectLst>
-                  <a:outerShdw blurRad="38100" dist="38100" dir="2700000" algn="tl">
-                    <a:srgbClr val="000000">
-                      <a:alpha val="43137"/>
-                    </a:srgbClr>
-                  </a:outerShdw>
-                </a:effectLst>
-              </a:rPr>
+              <a:rPr lang="cs-CZ" sz="2000" dirty="0"/>
               <a:t>Vedoucí práce: Prof. Dr. Ing. Pavel </a:t>
             </a:r>
             <a:r>
-              <a:rPr lang="cs-CZ" sz="2000" dirty="0" err="1">
-                <a:effectLst>
-                  <a:outerShdw blurRad="38100" dist="38100" dir="2700000" algn="tl">
-                    <a:srgbClr val="000000">
-                      <a:alpha val="43137"/>
-                    </a:srgbClr>
-                  </a:outerShdw>
-                </a:effectLst>
-              </a:rPr>
+              <a:rPr lang="cs-CZ" sz="2000" dirty="0" err="1"/>
               <a:t>Zemčík</a:t>
             </a:r>
-            <a:endParaRPr lang="cs-CZ" sz="2000" dirty="0">
-              <a:effectLst>
-                <a:outerShdw blurRad="38100" dist="38100" dir="2700000" algn="tl">
-                  <a:srgbClr val="000000">
-                    <a:alpha val="43137"/>
-                  </a:srgbClr>
-                </a:outerShdw>
-              </a:effectLst>
-            </a:endParaRPr>
+            <a:endParaRPr lang="cs-CZ" sz="2000" dirty="0"/>
           </a:p>
         </p:txBody>
       </p:sp>

--- a/BP/Obhajoba BP/2021/ITT prezentace.pptx
+++ b/BP/Obhajoba BP/2021/ITT prezentace.pptx
@@ -207,7 +207,7 @@
           <a:p>
             <a:fld id="{1ECA4D9A-DB86-42F4-B0CB-CCEB528B2F0F}" type="datetimeFigureOut">
               <a:rPr lang="cs-CZ" smtClean="0"/>
-              <a:t>03.02.2021</a:t>
+              <a:t>04.02.2021</a:t>
             </a:fld>
             <a:endParaRPr lang="cs-CZ"/>
           </a:p>
@@ -650,7 +650,7 @@
           <a:p>
             <a:fld id="{58A618E6-A94F-488D-8086-960CFCC481AA}" type="datetime1">
               <a:rPr lang="cs-CZ" smtClean="0"/>
-              <a:t>03.02.2021</a:t>
+              <a:t>04.02.2021</a:t>
             </a:fld>
             <a:endParaRPr lang="cs-CZ"/>
           </a:p>
@@ -820,7 +820,7 @@
           <a:p>
             <a:fld id="{E9B93010-55F6-4B41-A769-A887B4B0E1D7}" type="datetime1">
               <a:rPr lang="cs-CZ" smtClean="0"/>
-              <a:t>03.02.2021</a:t>
+              <a:t>04.02.2021</a:t>
             </a:fld>
             <a:endParaRPr lang="cs-CZ"/>
           </a:p>
@@ -1043,7 +1043,7 @@
           <a:p>
             <a:fld id="{73BCB365-77BF-42DD-92EA-B9839185B64C}" type="datetime1">
               <a:rPr lang="cs-CZ" smtClean="0"/>
-              <a:t>03.02.2021</a:t>
+              <a:t>04.02.2021</a:t>
             </a:fld>
             <a:endParaRPr lang="cs-CZ"/>
           </a:p>
@@ -1261,7 +1261,7 @@
           <a:p>
             <a:fld id="{58A618E6-A94F-488D-8086-960CFCC481AA}" type="datetime1">
               <a:rPr lang="cs-CZ" smtClean="0"/>
-              <a:t>03.02.2021</a:t>
+              <a:t>04.02.2021</a:t>
             </a:fld>
             <a:endParaRPr lang="cs-CZ"/>
           </a:p>
@@ -1459,7 +1459,7 @@
           <a:p>
             <a:fld id="{51AEF1FE-3B6E-40D7-8E3F-15D57B7B5D50}" type="datetime1">
               <a:rPr lang="cs-CZ" smtClean="0"/>
-              <a:t>03.02.2021</a:t>
+              <a:t>04.02.2021</a:t>
             </a:fld>
             <a:endParaRPr lang="cs-CZ"/>
           </a:p>
@@ -1735,7 +1735,7 @@
           <a:p>
             <a:fld id="{A6DF30C0-002B-4FAD-BABD-6E65770E5245}" type="datetime1">
               <a:rPr lang="cs-CZ" smtClean="0"/>
-              <a:t>03.02.2021</a:t>
+              <a:t>04.02.2021</a:t>
             </a:fld>
             <a:endParaRPr lang="cs-CZ"/>
           </a:p>
@@ -2000,7 +2000,7 @@
           <a:p>
             <a:fld id="{1D789B9F-D231-47F7-84E2-BCCA23A7EF47}" type="datetime1">
               <a:rPr lang="cs-CZ" smtClean="0"/>
-              <a:t>03.02.2021</a:t>
+              <a:t>04.02.2021</a:t>
             </a:fld>
             <a:endParaRPr lang="cs-CZ"/>
           </a:p>
@@ -2412,7 +2412,7 @@
           <a:p>
             <a:fld id="{421C5239-6278-4606-9247-342C94C694FD}" type="datetime1">
               <a:rPr lang="cs-CZ" smtClean="0"/>
-              <a:t>03.02.2021</a:t>
+              <a:t>04.02.2021</a:t>
             </a:fld>
             <a:endParaRPr lang="cs-CZ"/>
           </a:p>
@@ -2553,7 +2553,7 @@
           <a:p>
             <a:fld id="{FE3F8548-68B4-4F82-B1B0-2169DF091756}" type="datetime1">
               <a:rPr lang="cs-CZ" smtClean="0"/>
-              <a:t>03.02.2021</a:t>
+              <a:t>04.02.2021</a:t>
             </a:fld>
             <a:endParaRPr lang="cs-CZ"/>
           </a:p>
@@ -2666,7 +2666,7 @@
           <a:p>
             <a:fld id="{FF852F47-8347-4580-94B3-871D0842554A}" type="datetime1">
               <a:rPr lang="cs-CZ" smtClean="0"/>
-              <a:t>03.02.2021</a:t>
+              <a:t>04.02.2021</a:t>
             </a:fld>
             <a:endParaRPr lang="cs-CZ"/>
           </a:p>
@@ -2977,7 +2977,7 @@
           <a:p>
             <a:fld id="{E48D1949-BE03-403A-97DF-0F3EA7E81ED7}" type="datetime1">
               <a:rPr lang="cs-CZ" smtClean="0"/>
-              <a:t>03.02.2021</a:t>
+              <a:t>04.02.2021</a:t>
             </a:fld>
             <a:endParaRPr lang="cs-CZ"/>
           </a:p>
@@ -3159,7 +3159,7 @@
           <a:p>
             <a:fld id="{51AEF1FE-3B6E-40D7-8E3F-15D57B7B5D50}" type="datetime1">
               <a:rPr lang="cs-CZ" smtClean="0"/>
-              <a:t>03.02.2021</a:t>
+              <a:t>04.02.2021</a:t>
             </a:fld>
             <a:endParaRPr lang="cs-CZ"/>
           </a:p>
@@ -3436,7 +3436,7 @@
           <a:p>
             <a:fld id="{639E4EC3-9043-4A5E-8232-09D64A473477}" type="datetime1">
               <a:rPr lang="cs-CZ" smtClean="0"/>
-              <a:t>03.02.2021</a:t>
+              <a:t>04.02.2021</a:t>
             </a:fld>
             <a:endParaRPr lang="cs-CZ"/>
           </a:p>
@@ -3634,7 +3634,7 @@
           <a:p>
             <a:fld id="{E9B93010-55F6-4B41-A769-A887B4B0E1D7}" type="datetime1">
               <a:rPr lang="cs-CZ" smtClean="0"/>
-              <a:t>03.02.2021</a:t>
+              <a:t>04.02.2021</a:t>
             </a:fld>
             <a:endParaRPr lang="cs-CZ"/>
           </a:p>
@@ -3842,7 +3842,7 @@
           <a:p>
             <a:fld id="{73BCB365-77BF-42DD-92EA-B9839185B64C}" type="datetime1">
               <a:rPr lang="cs-CZ" smtClean="0"/>
-              <a:t>03.02.2021</a:t>
+              <a:t>04.02.2021</a:t>
             </a:fld>
             <a:endParaRPr lang="cs-CZ"/>
           </a:p>
@@ -4155,7 +4155,7 @@
           <a:p>
             <a:fld id="{A6DF30C0-002B-4FAD-BABD-6E65770E5245}" type="datetime1">
               <a:rPr lang="cs-CZ" smtClean="0"/>
-              <a:t>03.02.2021</a:t>
+              <a:t>04.02.2021</a:t>
             </a:fld>
             <a:endParaRPr lang="cs-CZ"/>
           </a:p>
@@ -4459,7 +4459,7 @@
           <a:p>
             <a:fld id="{1D789B9F-D231-47F7-84E2-BCCA23A7EF47}" type="datetime1">
               <a:rPr lang="cs-CZ" smtClean="0"/>
-              <a:t>03.02.2021</a:t>
+              <a:t>04.02.2021</a:t>
             </a:fld>
             <a:endParaRPr lang="cs-CZ"/>
           </a:p>
@@ -4881,7 +4881,7 @@
           <a:p>
             <a:fld id="{421C5239-6278-4606-9247-342C94C694FD}" type="datetime1">
               <a:rPr lang="cs-CZ" smtClean="0"/>
-              <a:t>03.02.2021</a:t>
+              <a:t>04.02.2021</a:t>
             </a:fld>
             <a:endParaRPr lang="cs-CZ"/>
           </a:p>
@@ -4999,7 +4999,7 @@
           <a:p>
             <a:fld id="{FE3F8548-68B4-4F82-B1B0-2169DF091756}" type="datetime1">
               <a:rPr lang="cs-CZ" smtClean="0"/>
-              <a:t>03.02.2021</a:t>
+              <a:t>04.02.2021</a:t>
             </a:fld>
             <a:endParaRPr lang="cs-CZ"/>
           </a:p>
@@ -5094,7 +5094,7 @@
           <a:p>
             <a:fld id="{FF852F47-8347-4580-94B3-871D0842554A}" type="datetime1">
               <a:rPr lang="cs-CZ" smtClean="0"/>
-              <a:t>03.02.2021</a:t>
+              <a:t>04.02.2021</a:t>
             </a:fld>
             <a:endParaRPr lang="cs-CZ"/>
           </a:p>
@@ -5367,7 +5367,7 @@
           <a:p>
             <a:fld id="{E48D1949-BE03-403A-97DF-0F3EA7E81ED7}" type="datetime1">
               <a:rPr lang="cs-CZ" smtClean="0"/>
-              <a:t>03.02.2021</a:t>
+              <a:t>04.02.2021</a:t>
             </a:fld>
             <a:endParaRPr lang="cs-CZ"/>
           </a:p>
@@ -5632,7 +5632,7 @@
           <a:p>
             <a:fld id="{639E4EC3-9043-4A5E-8232-09D64A473477}" type="datetime1">
               <a:rPr lang="cs-CZ" smtClean="0"/>
-              <a:t>03.02.2021</a:t>
+              <a:t>04.02.2021</a:t>
             </a:fld>
             <a:endParaRPr lang="cs-CZ"/>
           </a:p>
@@ -5881,7 +5881,7 @@
           <a:p>
             <a:fld id="{51AEF1FE-3B6E-40D7-8E3F-15D57B7B5D50}" type="datetime1">
               <a:rPr lang="cs-CZ" smtClean="0"/>
-              <a:t>03.02.2021</a:t>
+              <a:t>04.02.2021</a:t>
             </a:fld>
             <a:endParaRPr lang="cs-CZ"/>
           </a:p>
@@ -6488,7 +6488,7 @@
           <a:p>
             <a:fld id="{51AEF1FE-3B6E-40D7-8E3F-15D57B7B5D50}" type="datetime1">
               <a:rPr lang="cs-CZ" smtClean="0"/>
-              <a:t>03.02.2021</a:t>
+              <a:t>04.02.2021</a:t>
             </a:fld>
             <a:endParaRPr lang="cs-CZ"/>
           </a:p>
@@ -7919,23 +7919,7 @@
                   <a:schemeClr val="bg1"/>
                 </a:solidFill>
               </a:rPr>
-              <a:t>Téměř hotová klientská </a:t>
-            </a:r>
-            <a:r>
-              <a:rPr lang="cs-CZ" sz="2800" dirty="0" err="1">
-                <a:solidFill>
-                  <a:schemeClr val="bg1"/>
-                </a:solidFill>
-              </a:rPr>
-              <a:t>app</a:t>
-            </a:r>
-            <a:r>
-              <a:rPr lang="cs-CZ" sz="2800" dirty="0">
-                <a:solidFill>
-                  <a:schemeClr val="bg1"/>
-                </a:solidFill>
-              </a:rPr>
-              <a:t> (~3000 řádků TS)</a:t>
+              <a:t>Téměř hotová klientská aplikace</a:t>
             </a:r>
           </a:p>
           <a:p>
@@ -8610,7 +8594,7 @@
         <p:spPr>
           <a:xfrm>
             <a:off x="262329" y="2289632"/>
-            <a:ext cx="6201532" cy="3785652"/>
+            <a:ext cx="6201532" cy="4154984"/>
           </a:xfrm>
           <a:prstGeom prst="rect">
             <a:avLst/>
@@ -8722,7 +8706,7 @@
             </a:pPr>
             <a:r>
               <a:rPr lang="cs-CZ" sz="2400" dirty="0"/>
-              <a:t>-V případě změny zareaguje</a:t>
+              <a:t>-V případě změny zareaguje a odešle požadavek na ESP</a:t>
             </a:r>
           </a:p>
           <a:p>
@@ -8808,42 +8792,6 @@
           <a:chExt cx="0" cy="0"/>
         </a:xfrm>
       </p:grpSpPr>
-      <p:pic>
-        <p:nvPicPr>
-          <p:cNvPr id="14" name="Obrázek 13" descr="Obsah obrázku text, interiér&#10;&#10;Popis byl vytvořen automaticky">
-            <a:extLst>
-              <a:ext uri="{FF2B5EF4-FFF2-40B4-BE49-F238E27FC236}">
-                <a16:creationId xmlns:a16="http://schemas.microsoft.com/office/drawing/2014/main" id="{FB58A4B0-17B1-4DC5-92CC-DCAAF5547931}"/>
-              </a:ext>
-            </a:extLst>
-          </p:cNvPr>
-          <p:cNvPicPr>
-            <a:picLocks noChangeAspect="1"/>
-          </p:cNvPicPr>
-          <p:nvPr/>
-        </p:nvPicPr>
-        <p:blipFill>
-          <a:blip r:embed="rId2">
-            <a:extLst>
-              <a:ext uri="{28A0092B-C50C-407E-A947-70E740481C1C}">
-                <a14:useLocalDpi xmlns:a14="http://schemas.microsoft.com/office/drawing/2010/main" val="0"/>
-              </a:ext>
-            </a:extLst>
-          </a:blip>
-          <a:stretch>
-            <a:fillRect/>
-          </a:stretch>
-        </p:blipFill>
-        <p:spPr>
-          <a:xfrm>
-            <a:off x="587433" y="219044"/>
-            <a:ext cx="11017134" cy="6419912"/>
-          </a:xfrm>
-          <a:prstGeom prst="rect">
-            <a:avLst/>
-          </a:prstGeom>
-        </p:spPr>
-      </p:pic>
       <p:sp>
         <p:nvSpPr>
           <p:cNvPr id="15" name="Zástupný symbol pro číslo snímku 1">
@@ -8893,6 +8841,42 @@
           </a:p>
         </p:txBody>
       </p:sp>
+      <p:pic>
+        <p:nvPicPr>
+          <p:cNvPr id="3" name="Obrázek 2" descr="Obsah obrázku text, interiér, několik&#10;&#10;Popis byl vytvořen automaticky">
+            <a:extLst>
+              <a:ext uri="{FF2B5EF4-FFF2-40B4-BE49-F238E27FC236}">
+                <a16:creationId xmlns:a16="http://schemas.microsoft.com/office/drawing/2014/main" id="{9A88AB1B-8646-4A12-94F8-258391D995FB}"/>
+              </a:ext>
+            </a:extLst>
+          </p:cNvPr>
+          <p:cNvPicPr>
+            <a:picLocks noChangeAspect="1"/>
+          </p:cNvPicPr>
+          <p:nvPr/>
+        </p:nvPicPr>
+        <p:blipFill>
+          <a:blip r:embed="rId2">
+            <a:extLst>
+              <a:ext uri="{28A0092B-C50C-407E-A947-70E740481C1C}">
+                <a14:useLocalDpi xmlns:a14="http://schemas.microsoft.com/office/drawing/2010/main" val="0"/>
+              </a:ext>
+            </a:extLst>
+          </a:blip>
+          <a:stretch>
+            <a:fillRect/>
+          </a:stretch>
+        </p:blipFill>
+        <p:spPr>
+          <a:xfrm>
+            <a:off x="235979" y="294837"/>
+            <a:ext cx="11720042" cy="6048461"/>
+          </a:xfrm>
+          <a:prstGeom prst="rect">
+            <a:avLst/>
+          </a:prstGeom>
+        </p:spPr>
+      </p:pic>
     </p:spTree>
     <p:extLst>
       <p:ext uri="{BB962C8B-B14F-4D97-AF65-F5344CB8AC3E}">
@@ -9088,10 +9072,10 @@
       </p:sp>
       <p:pic>
         <p:nvPicPr>
-          <p:cNvPr id="6" name="Obrázek 5">
+          <p:cNvPr id="7" name="Obrázek 6">
             <a:extLst>
               <a:ext uri="{FF2B5EF4-FFF2-40B4-BE49-F238E27FC236}">
-                <a16:creationId xmlns:a16="http://schemas.microsoft.com/office/drawing/2014/main" id="{3895435B-85D3-41DC-A31C-54319A7751DB}"/>
+                <a16:creationId xmlns:a16="http://schemas.microsoft.com/office/drawing/2014/main" id="{B2152912-929E-4386-BD2D-71A8D8464CF8}"/>
               </a:ext>
             </a:extLst>
           </p:cNvPr>
@@ -9114,8 +9098,8 @@
         </p:blipFill>
         <p:spPr>
           <a:xfrm>
-            <a:off x="7223976" y="292745"/>
-            <a:ext cx="3429000" cy="6311929"/>
+            <a:off x="7304435" y="304207"/>
+            <a:ext cx="3502218" cy="6267073"/>
           </a:xfrm>
           <a:prstGeom prst="rect">
             <a:avLst/>
@@ -9150,7 +9134,7 @@
         </p:blipFill>
         <p:spPr>
           <a:xfrm>
-            <a:off x="7057886" y="0"/>
+            <a:off x="7174955" y="-5758"/>
             <a:ext cx="3761179" cy="6858000"/>
           </a:xfrm>
           <a:prstGeom prst="rect">
@@ -9301,7 +9285,7 @@
         <p:spPr>
           <a:xfrm>
             <a:off x="262329" y="2505694"/>
-            <a:ext cx="6060980" cy="2677656"/>
+            <a:ext cx="6060980" cy="3046988"/>
           </a:xfrm>
           <a:prstGeom prst="rect">
             <a:avLst/>
@@ -9354,6 +9338,16 @@
             <a:r>
               <a:rPr lang="cs-CZ" sz="2400" dirty="0"/>
               <a:t>Program pro ESP v základech</a:t>
+            </a:r>
+          </a:p>
+          <a:p>
+            <a:pPr marL="285750" indent="-285750">
+              <a:buFont typeface="Arial" panose="020B0604020202020204" pitchFamily="34" charset="0"/>
+              <a:buChar char="•"/>
+            </a:pPr>
+            <a:r>
+              <a:rPr lang="cs-CZ" sz="2400" dirty="0"/>
+              <a:t>Cca 90% textové části BP</a:t>
             </a:r>
           </a:p>
         </p:txBody>
@@ -9537,7 +9531,7 @@
         <p:spPr>
           <a:xfrm>
             <a:off x="262328" y="2025908"/>
-            <a:ext cx="6757059" cy="4832092"/>
+            <a:ext cx="6757059" cy="3816429"/>
           </a:xfrm>
           <a:prstGeom prst="rect">
             <a:avLst/>
@@ -9558,13 +9552,13 @@
           <a:p>
             <a:r>
               <a:rPr lang="cs-CZ" sz="2200" dirty="0"/>
-              <a:t>Dokončení klientské aplikace</a:t>
+              <a:t>Klientská aplikace</a:t>
             </a:r>
           </a:p>
           <a:p>
             <a:r>
               <a:rPr lang="cs-CZ" sz="2200" dirty="0"/>
-              <a:t>Dokončení shrnutí současného stavu</a:t>
+              <a:t>Shrnutí současného stavu (text BP)</a:t>
             </a:r>
           </a:p>
           <a:p>
@@ -9579,7 +9573,7 @@
           <a:p>
             <a:r>
               <a:rPr lang="cs-CZ" sz="2200" dirty="0"/>
-              <a:t>Návrh/výběr protokolu pro komunikaci mezi </a:t>
+              <a:t>Server na </a:t>
             </a:r>
             <a:r>
               <a:rPr lang="cs-CZ" sz="2200" dirty="0" err="1"/>
@@ -9587,19 +9581,13 @@
             </a:r>
             <a:r>
               <a:rPr lang="cs-CZ" sz="2200" dirty="0"/>
-              <a:t> a ESP moduly</a:t>
+              <a:t> a aplikace pro ESP</a:t>
             </a:r>
           </a:p>
           <a:p>
             <a:r>
               <a:rPr lang="cs-CZ" sz="2200" dirty="0"/>
-              <a:t>Dokončení Serveru a aplikace pro ESP</a:t>
-            </a:r>
-          </a:p>
-          <a:p>
-            <a:r>
-              <a:rPr lang="cs-CZ" sz="2200" dirty="0"/>
-              <a:t>Dokončení zhodnocení současného stavu a realizace vlastní části BP</a:t>
+              <a:t>Zhodnocení současného stavu a realizace (text BP)</a:t>
             </a:r>
           </a:p>
           <a:p>
